--- a/Theory/Diagrams.pptx
+++ b/Theory/Diagrams.pptx
@@ -7,6 +7,8 @@
   <p:sldIdLst>
     <p:sldId id="256" r:id="rId2"/>
     <p:sldId id="257" r:id="rId3"/>
+    <p:sldId id="258" r:id="rId4"/>
+    <p:sldId id="259" r:id="rId5"/>
   </p:sldIdLst>
   <p:sldSz cx="12192000" cy="6858000"/>
   <p:notesSz cx="6858000" cy="9144000"/>
@@ -116,7 +118,7 @@
 <file path=ppt/revisionInfo.xml><?xml version="1.0" encoding="utf-8"?>
 <p1510:revInfo xmlns:a="http://schemas.openxmlformats.org/drawingml/2006/main" xmlns:r="http://schemas.openxmlformats.org/officeDocument/2006/relationships" xmlns:p1510="http://schemas.microsoft.com/office/powerpoint/2015/10/main">
   <p1510:revLst>
-    <p1510:client id="{03FB492B-48CE-405D-8E1E-32CC526EEE15}" v="20" dt="2024-06-05T09:14:19.341"/>
+    <p1510:client id="{C38C1E97-345F-4627-AC3A-622549F17C87}" v="29" dt="2025-01-28T11:59:51.126"/>
   </p1510:revLst>
 </p1510:revInfo>
 </file>
@@ -136,134 +138,6 @@
           <pc:docMk/>
           <pc:sldMk cId="4146690274" sldId="256"/>
         </pc:sldMkLst>
-        <pc:spChg chg="mod">
-          <ac:chgData name="Amit Tzur" userId="107f5334-6ffc-489e-8437-039101ea83e6" providerId="ADAL" clId="{03FB492B-48CE-405D-8E1E-32CC526EEE15}" dt="2024-06-04T07:18:08.430" v="0"/>
-          <ac:spMkLst>
-            <pc:docMk/>
-            <pc:sldMk cId="4146690274" sldId="256"/>
-            <ac:spMk id="6" creationId="{7B334042-D139-A2F1-6520-D079591636C5}"/>
-          </ac:spMkLst>
-        </pc:spChg>
-        <pc:spChg chg="mod">
-          <ac:chgData name="Amit Tzur" userId="107f5334-6ffc-489e-8437-039101ea83e6" providerId="ADAL" clId="{03FB492B-48CE-405D-8E1E-32CC526EEE15}" dt="2024-06-04T07:18:08.430" v="0"/>
-          <ac:spMkLst>
-            <pc:docMk/>
-            <pc:sldMk cId="4146690274" sldId="256"/>
-            <ac:spMk id="13" creationId="{7AE38CDA-4DF2-0334-4E63-DF6B43902B5D}"/>
-          </ac:spMkLst>
-        </pc:spChg>
-        <pc:spChg chg="mod">
-          <ac:chgData name="Amit Tzur" userId="107f5334-6ffc-489e-8437-039101ea83e6" providerId="ADAL" clId="{03FB492B-48CE-405D-8E1E-32CC526EEE15}" dt="2024-06-04T07:18:08.430" v="0"/>
-          <ac:spMkLst>
-            <pc:docMk/>
-            <pc:sldMk cId="4146690274" sldId="256"/>
-            <ac:spMk id="16" creationId="{AB831B09-91D5-7847-4DD4-7F301302D3CE}"/>
-          </ac:spMkLst>
-        </pc:spChg>
-        <pc:spChg chg="mod">
-          <ac:chgData name="Amit Tzur" userId="107f5334-6ffc-489e-8437-039101ea83e6" providerId="ADAL" clId="{03FB492B-48CE-405D-8E1E-32CC526EEE15}" dt="2024-06-04T07:18:08.430" v="0"/>
-          <ac:spMkLst>
-            <pc:docMk/>
-            <pc:sldMk cId="4146690274" sldId="256"/>
-            <ac:spMk id="21" creationId="{B8179C00-DFDD-0991-1F7A-C376C5F9306F}"/>
-          </ac:spMkLst>
-        </pc:spChg>
-        <pc:spChg chg="add mod">
-          <ac:chgData name="Amit Tzur" userId="107f5334-6ffc-489e-8437-039101ea83e6" providerId="ADAL" clId="{03FB492B-48CE-405D-8E1E-32CC526EEE15}" dt="2024-06-04T07:18:08.430" v="0"/>
-          <ac:spMkLst>
-            <pc:docMk/>
-            <pc:sldMk cId="4146690274" sldId="256"/>
-            <ac:spMk id="26" creationId="{8A328053-DFD5-AC46-A4A4-8DD7F2058018}"/>
-          </ac:spMkLst>
-        </pc:spChg>
-        <pc:grpChg chg="add mod">
-          <ac:chgData name="Amit Tzur" userId="107f5334-6ffc-489e-8437-039101ea83e6" providerId="ADAL" clId="{03FB492B-48CE-405D-8E1E-32CC526EEE15}" dt="2024-06-04T07:18:08.430" v="0"/>
-          <ac:grpSpMkLst>
-            <pc:docMk/>
-            <pc:sldMk cId="4146690274" sldId="256"/>
-            <ac:grpSpMk id="2" creationId="{5C2893B7-8F08-F8E7-A074-6018DE2EC698}"/>
-          </ac:grpSpMkLst>
-        </pc:grpChg>
-        <pc:picChg chg="mod">
-          <ac:chgData name="Amit Tzur" userId="107f5334-6ffc-489e-8437-039101ea83e6" providerId="ADAL" clId="{03FB492B-48CE-405D-8E1E-32CC526EEE15}" dt="2024-06-04T07:18:08.430" v="0"/>
-          <ac:picMkLst>
-            <pc:docMk/>
-            <pc:sldMk cId="4146690274" sldId="256"/>
-            <ac:picMk id="3" creationId="{EF87B880-5DF0-1EE8-DDD2-A20C06786437}"/>
-          </ac:picMkLst>
-        </pc:picChg>
-        <pc:picChg chg="add del">
-          <ac:chgData name="Amit Tzur" userId="107f5334-6ffc-489e-8437-039101ea83e6" providerId="ADAL" clId="{03FB492B-48CE-405D-8E1E-32CC526EEE15}" dt="2024-06-05T07:56:16.273" v="129" actId="478"/>
-          <ac:picMkLst>
-            <pc:docMk/>
-            <pc:sldMk cId="4146690274" sldId="256"/>
-            <ac:picMk id="70" creationId="{2A79B68B-09F9-59A9-C6F1-FF646005B09D}"/>
-          </ac:picMkLst>
-        </pc:picChg>
-        <pc:cxnChg chg="mod">
-          <ac:chgData name="Amit Tzur" userId="107f5334-6ffc-489e-8437-039101ea83e6" providerId="ADAL" clId="{03FB492B-48CE-405D-8E1E-32CC526EEE15}" dt="2024-06-04T07:18:08.430" v="0"/>
-          <ac:cxnSpMkLst>
-            <pc:docMk/>
-            <pc:sldMk cId="4146690274" sldId="256"/>
-            <ac:cxnSpMk id="5" creationId="{6B3D67BD-FA0A-3555-A0DC-4ABF5A470691}"/>
-          </ac:cxnSpMkLst>
-        </pc:cxnChg>
-        <pc:cxnChg chg="mod">
-          <ac:chgData name="Amit Tzur" userId="107f5334-6ffc-489e-8437-039101ea83e6" providerId="ADAL" clId="{03FB492B-48CE-405D-8E1E-32CC526EEE15}" dt="2024-06-04T07:18:08.430" v="0"/>
-          <ac:cxnSpMkLst>
-            <pc:docMk/>
-            <pc:sldMk cId="4146690274" sldId="256"/>
-            <ac:cxnSpMk id="9" creationId="{6CD1333D-680F-2ADA-F7CD-4348968DFEB3}"/>
-          </ac:cxnSpMkLst>
-        </pc:cxnChg>
-        <pc:cxnChg chg="mod">
-          <ac:chgData name="Amit Tzur" userId="107f5334-6ffc-489e-8437-039101ea83e6" providerId="ADAL" clId="{03FB492B-48CE-405D-8E1E-32CC526EEE15}" dt="2024-06-04T07:18:08.430" v="0"/>
-          <ac:cxnSpMkLst>
-            <pc:docMk/>
-            <pc:sldMk cId="4146690274" sldId="256"/>
-            <ac:cxnSpMk id="14" creationId="{51DC0C77-64F7-B049-3EC3-050A9EA63D7B}"/>
-          </ac:cxnSpMkLst>
-        </pc:cxnChg>
-        <pc:cxnChg chg="mod">
-          <ac:chgData name="Amit Tzur" userId="107f5334-6ffc-489e-8437-039101ea83e6" providerId="ADAL" clId="{03FB492B-48CE-405D-8E1E-32CC526EEE15}" dt="2024-06-04T07:18:08.430" v="0"/>
-          <ac:cxnSpMkLst>
-            <pc:docMk/>
-            <pc:sldMk cId="4146690274" sldId="256"/>
-            <ac:cxnSpMk id="17" creationId="{095B084D-100F-974F-9EE0-DD5B1083C8FD}"/>
-          </ac:cxnSpMkLst>
-        </pc:cxnChg>
-        <pc:cxnChg chg="mod">
-          <ac:chgData name="Amit Tzur" userId="107f5334-6ffc-489e-8437-039101ea83e6" providerId="ADAL" clId="{03FB492B-48CE-405D-8E1E-32CC526EEE15}" dt="2024-06-04T07:18:08.430" v="0"/>
-          <ac:cxnSpMkLst>
-            <pc:docMk/>
-            <pc:sldMk cId="4146690274" sldId="256"/>
-            <ac:cxnSpMk id="18" creationId="{3C0F06C7-0964-65DE-FD27-9E261E844032}"/>
-          </ac:cxnSpMkLst>
-        </pc:cxnChg>
-        <pc:cxnChg chg="mod">
-          <ac:chgData name="Amit Tzur" userId="107f5334-6ffc-489e-8437-039101ea83e6" providerId="ADAL" clId="{03FB492B-48CE-405D-8E1E-32CC526EEE15}" dt="2024-06-04T07:18:08.430" v="0"/>
-          <ac:cxnSpMkLst>
-            <pc:docMk/>
-            <pc:sldMk cId="4146690274" sldId="256"/>
-            <ac:cxnSpMk id="19" creationId="{D24AD59E-ED79-62E1-CE97-3EBA5E60A9C4}"/>
-          </ac:cxnSpMkLst>
-        </pc:cxnChg>
-        <pc:cxnChg chg="mod">
-          <ac:chgData name="Amit Tzur" userId="107f5334-6ffc-489e-8437-039101ea83e6" providerId="ADAL" clId="{03FB492B-48CE-405D-8E1E-32CC526EEE15}" dt="2024-06-04T07:18:08.430" v="0"/>
-          <ac:cxnSpMkLst>
-            <pc:docMk/>
-            <pc:sldMk cId="4146690274" sldId="256"/>
-            <ac:cxnSpMk id="20" creationId="{EA21D088-26C4-2D4D-716D-05C0056BD800}"/>
-          </ac:cxnSpMkLst>
-        </pc:cxnChg>
-        <pc:cxnChg chg="mod">
-          <ac:chgData name="Amit Tzur" userId="107f5334-6ffc-489e-8437-039101ea83e6" providerId="ADAL" clId="{03FB492B-48CE-405D-8E1E-32CC526EEE15}" dt="2024-06-04T07:18:08.430" v="0"/>
-          <ac:cxnSpMkLst>
-            <pc:docMk/>
-            <pc:sldMk cId="4146690274" sldId="256"/>
-            <ac:cxnSpMk id="22" creationId="{2D9FA401-1AFF-78D4-1C29-4411EF5F820F}"/>
-          </ac:cxnSpMkLst>
-        </pc:cxnChg>
       </pc:sldChg>
       <pc:sldChg chg="addSp delSp modSp new mod">
         <pc:chgData name="Amit Tzur" userId="107f5334-6ffc-489e-8437-039101ea83e6" providerId="ADAL" clId="{03FB492B-48CE-405D-8E1E-32CC526EEE15}" dt="2024-06-05T09:14:19.341" v="275" actId="164"/>
@@ -271,390 +145,6 @@
           <pc:docMk/>
           <pc:sldMk cId="2064494614" sldId="257"/>
         </pc:sldMkLst>
-        <pc:spChg chg="del">
-          <ac:chgData name="Amit Tzur" userId="107f5334-6ffc-489e-8437-039101ea83e6" providerId="ADAL" clId="{03FB492B-48CE-405D-8E1E-32CC526EEE15}" dt="2024-06-04T07:18:14.423" v="2" actId="478"/>
-          <ac:spMkLst>
-            <pc:docMk/>
-            <pc:sldMk cId="2064494614" sldId="257"/>
-            <ac:spMk id="2" creationId="{635C0044-633F-3550-A187-2BEC1FF4E43A}"/>
-          </ac:spMkLst>
-        </pc:spChg>
-        <pc:spChg chg="add mod">
-          <ac:chgData name="Amit Tzur" userId="107f5334-6ffc-489e-8437-039101ea83e6" providerId="ADAL" clId="{03FB492B-48CE-405D-8E1E-32CC526EEE15}" dt="2024-06-05T09:10:48.363" v="255" actId="339"/>
-          <ac:spMkLst>
-            <pc:docMk/>
-            <pc:sldMk cId="2064494614" sldId="257"/>
-            <ac:spMk id="3" creationId="{343C7BC3-D0A2-4DFA-35CC-E63399D6E7ED}"/>
-          </ac:spMkLst>
-        </pc:spChg>
-        <pc:spChg chg="del">
-          <ac:chgData name="Amit Tzur" userId="107f5334-6ffc-489e-8437-039101ea83e6" providerId="ADAL" clId="{03FB492B-48CE-405D-8E1E-32CC526EEE15}" dt="2024-06-04T07:18:14.423" v="2" actId="478"/>
-          <ac:spMkLst>
-            <pc:docMk/>
-            <pc:sldMk cId="2064494614" sldId="257"/>
-            <ac:spMk id="3" creationId="{BE8FB090-5633-ECAF-E8BA-D4821617B5CE}"/>
-          </ac:spMkLst>
-        </pc:spChg>
-        <pc:spChg chg="mod topLvl">
-          <ac:chgData name="Amit Tzur" userId="107f5334-6ffc-489e-8437-039101ea83e6" providerId="ADAL" clId="{03FB492B-48CE-405D-8E1E-32CC526EEE15}" dt="2024-06-04T11:05:33.435" v="127" actId="14100"/>
-          <ac:spMkLst>
-            <pc:docMk/>
-            <pc:sldMk cId="2064494614" sldId="257"/>
-            <ac:spMk id="6" creationId="{5084A7FA-CBF8-EDC7-EC93-3D2E9D5C1AD9}"/>
-          </ac:spMkLst>
-        </pc:spChg>
-        <pc:spChg chg="mod topLvl">
-          <ac:chgData name="Amit Tzur" userId="107f5334-6ffc-489e-8437-039101ea83e6" providerId="ADAL" clId="{03FB492B-48CE-405D-8E1E-32CC526EEE15}" dt="2024-06-04T07:43:20.615" v="122" actId="164"/>
-          <ac:spMkLst>
-            <pc:docMk/>
-            <pc:sldMk cId="2064494614" sldId="257"/>
-            <ac:spMk id="9" creationId="{05FD39CC-823A-3974-F742-488F2CD5A96A}"/>
-          </ac:spMkLst>
-        </pc:spChg>
-        <pc:spChg chg="mod topLvl">
-          <ac:chgData name="Amit Tzur" userId="107f5334-6ffc-489e-8437-039101ea83e6" providerId="ADAL" clId="{03FB492B-48CE-405D-8E1E-32CC526EEE15}" dt="2024-06-04T07:28:55.785" v="118" actId="164"/>
-          <ac:spMkLst>
-            <pc:docMk/>
-            <pc:sldMk cId="2064494614" sldId="257"/>
-            <ac:spMk id="12" creationId="{77134872-F1B8-3451-F4FD-A9F191FC88AD}"/>
-          </ac:spMkLst>
-        </pc:spChg>
-        <pc:spChg chg="mod topLvl">
-          <ac:chgData name="Amit Tzur" userId="107f5334-6ffc-489e-8437-039101ea83e6" providerId="ADAL" clId="{03FB492B-48CE-405D-8E1E-32CC526EEE15}" dt="2024-06-04T07:28:55.785" v="118" actId="164"/>
-          <ac:spMkLst>
-            <pc:docMk/>
-            <pc:sldMk cId="2064494614" sldId="257"/>
-            <ac:spMk id="15" creationId="{22BE8AB5-B2CA-0E80-5D3F-F7088181EFC1}"/>
-          </ac:spMkLst>
-        </pc:spChg>
-        <pc:spChg chg="add mod">
-          <ac:chgData name="Amit Tzur" userId="107f5334-6ffc-489e-8437-039101ea83e6" providerId="ADAL" clId="{03FB492B-48CE-405D-8E1E-32CC526EEE15}" dt="2024-06-05T09:14:19.341" v="275" actId="164"/>
-          <ac:spMkLst>
-            <pc:docMk/>
-            <pc:sldMk cId="2064494614" sldId="257"/>
-            <ac:spMk id="16" creationId="{268D7075-924F-A1D5-F583-D13A2413EE44}"/>
-          </ac:spMkLst>
-        </pc:spChg>
-        <pc:spChg chg="add mod">
-          <ac:chgData name="Amit Tzur" userId="107f5334-6ffc-489e-8437-039101ea83e6" providerId="ADAL" clId="{03FB492B-48CE-405D-8E1E-32CC526EEE15}" dt="2024-06-05T09:14:19.341" v="275" actId="164"/>
-          <ac:spMkLst>
-            <pc:docMk/>
-            <pc:sldMk cId="2064494614" sldId="257"/>
-            <ac:spMk id="17" creationId="{C206189F-3AB6-D810-4BD8-46CCEDD7F4E3}"/>
-          </ac:spMkLst>
-        </pc:spChg>
-        <pc:spChg chg="add mod">
-          <ac:chgData name="Amit Tzur" userId="107f5334-6ffc-489e-8437-039101ea83e6" providerId="ADAL" clId="{03FB492B-48CE-405D-8E1E-32CC526EEE15}" dt="2024-06-05T09:14:19.341" v="275" actId="164"/>
-          <ac:spMkLst>
-            <pc:docMk/>
-            <pc:sldMk cId="2064494614" sldId="257"/>
-            <ac:spMk id="20" creationId="{7458132D-9083-A080-A2B1-B38600D5D194}"/>
-          </ac:spMkLst>
-        </pc:spChg>
-        <pc:spChg chg="add mod">
-          <ac:chgData name="Amit Tzur" userId="107f5334-6ffc-489e-8437-039101ea83e6" providerId="ADAL" clId="{03FB492B-48CE-405D-8E1E-32CC526EEE15}" dt="2024-06-05T09:14:19.341" v="275" actId="164"/>
-          <ac:spMkLst>
-            <pc:docMk/>
-            <pc:sldMk cId="2064494614" sldId="257"/>
-            <ac:spMk id="25" creationId="{0CEF1F7B-6305-FD8F-259E-8FE3439CCC83}"/>
-          </ac:spMkLst>
-        </pc:spChg>
-        <pc:spChg chg="add mod">
-          <ac:chgData name="Amit Tzur" userId="107f5334-6ffc-489e-8437-039101ea83e6" providerId="ADAL" clId="{03FB492B-48CE-405D-8E1E-32CC526EEE15}" dt="2024-06-05T09:14:19.341" v="275" actId="164"/>
-          <ac:spMkLst>
-            <pc:docMk/>
-            <pc:sldMk cId="2064494614" sldId="257"/>
-            <ac:spMk id="27" creationId="{722D73C4-5A5D-5204-F3DD-61442AF4B960}"/>
-          </ac:spMkLst>
-        </pc:spChg>
-        <pc:spChg chg="add mod">
-          <ac:chgData name="Amit Tzur" userId="107f5334-6ffc-489e-8437-039101ea83e6" providerId="ADAL" clId="{03FB492B-48CE-405D-8E1E-32CC526EEE15}" dt="2024-06-05T09:14:19.341" v="275" actId="164"/>
-          <ac:spMkLst>
-            <pc:docMk/>
-            <pc:sldMk cId="2064494614" sldId="257"/>
-            <ac:spMk id="28" creationId="{C59A96DB-9B46-EF22-1774-019F802FF088}"/>
-          </ac:spMkLst>
-        </pc:spChg>
-        <pc:spChg chg="add mod">
-          <ac:chgData name="Amit Tzur" userId="107f5334-6ffc-489e-8437-039101ea83e6" providerId="ADAL" clId="{03FB492B-48CE-405D-8E1E-32CC526EEE15}" dt="2024-06-05T09:14:19.341" v="275" actId="164"/>
-          <ac:spMkLst>
-            <pc:docMk/>
-            <pc:sldMk cId="2064494614" sldId="257"/>
-            <ac:spMk id="31" creationId="{69494678-2D2F-8FE6-A5CE-FA3358251AA4}"/>
-          </ac:spMkLst>
-        </pc:spChg>
-        <pc:spChg chg="add mod">
-          <ac:chgData name="Amit Tzur" userId="107f5334-6ffc-489e-8437-039101ea83e6" providerId="ADAL" clId="{03FB492B-48CE-405D-8E1E-32CC526EEE15}" dt="2024-06-05T09:14:19.341" v="275" actId="164"/>
-          <ac:spMkLst>
-            <pc:docMk/>
-            <pc:sldMk cId="2064494614" sldId="257"/>
-            <ac:spMk id="35" creationId="{8E816827-067A-736C-8044-8133D7E6FF7B}"/>
-          </ac:spMkLst>
-        </pc:spChg>
-        <pc:spChg chg="add del mod">
-          <ac:chgData name="Amit Tzur" userId="107f5334-6ffc-489e-8437-039101ea83e6" providerId="ADAL" clId="{03FB492B-48CE-405D-8E1E-32CC526EEE15}" dt="2024-06-05T09:14:03.452" v="274" actId="478"/>
-          <ac:spMkLst>
-            <pc:docMk/>
-            <pc:sldMk cId="2064494614" sldId="257"/>
-            <ac:spMk id="38" creationId="{75BF9FE3-717A-EA5D-55DA-32D91ED122B3}"/>
-          </ac:spMkLst>
-        </pc:spChg>
-        <pc:grpChg chg="add del mod">
-          <ac:chgData name="Amit Tzur" userId="107f5334-6ffc-489e-8437-039101ea83e6" providerId="ADAL" clId="{03FB492B-48CE-405D-8E1E-32CC526EEE15}" dt="2024-06-04T07:28:38.120" v="115" actId="165"/>
-          <ac:grpSpMkLst>
-            <pc:docMk/>
-            <pc:sldMk cId="2064494614" sldId="257"/>
-            <ac:grpSpMk id="4" creationId="{9FBD17D0-E3CC-35F1-E6A0-D5BB6E47E433}"/>
-          </ac:grpSpMkLst>
-        </pc:grpChg>
-        <pc:grpChg chg="add del mod">
-          <ac:chgData name="Amit Tzur" userId="107f5334-6ffc-489e-8437-039101ea83e6" providerId="ADAL" clId="{03FB492B-48CE-405D-8E1E-32CC526EEE15}" dt="2024-06-04T07:28:48.334" v="117" actId="165"/>
-          <ac:grpSpMkLst>
-            <pc:docMk/>
-            <pc:sldMk cId="2064494614" sldId="257"/>
-            <ac:grpSpMk id="10" creationId="{017324D9-A5A6-E8E6-FB61-8277943CA507}"/>
-          </ac:grpSpMkLst>
-        </pc:grpChg>
-        <pc:grpChg chg="add mod">
-          <ac:chgData name="Amit Tzur" userId="107f5334-6ffc-489e-8437-039101ea83e6" providerId="ADAL" clId="{03FB492B-48CE-405D-8E1E-32CC526EEE15}" dt="2024-06-05T09:14:19.341" v="275" actId="164"/>
-          <ac:grpSpMkLst>
-            <pc:docMk/>
-            <pc:sldMk cId="2064494614" sldId="257"/>
-            <ac:grpSpMk id="41" creationId="{8789D63E-9FBC-D566-62A5-AB9D5D212E1A}"/>
-          </ac:grpSpMkLst>
-        </pc:grpChg>
-        <pc:grpChg chg="add del mod">
-          <ac:chgData name="Amit Tzur" userId="107f5334-6ffc-489e-8437-039101ea83e6" providerId="ADAL" clId="{03FB492B-48CE-405D-8E1E-32CC526EEE15}" dt="2024-06-04T07:43:11.158" v="119" actId="165"/>
-          <ac:grpSpMkLst>
-            <pc:docMk/>
-            <pc:sldMk cId="2064494614" sldId="257"/>
-            <ac:grpSpMk id="45" creationId="{68F384C4-0988-F2B1-995C-FF487E4D2415}"/>
-          </ac:grpSpMkLst>
-        </pc:grpChg>
-        <pc:grpChg chg="add del mod">
-          <ac:chgData name="Amit Tzur" userId="107f5334-6ffc-489e-8437-039101ea83e6" providerId="ADAL" clId="{03FB492B-48CE-405D-8E1E-32CC526EEE15}" dt="2024-06-04T07:43:15.590" v="121" actId="478"/>
-          <ac:grpSpMkLst>
-            <pc:docMk/>
-            <pc:sldMk cId="2064494614" sldId="257"/>
-            <ac:grpSpMk id="46" creationId="{8C9FE4D0-2336-B79A-4196-5BFE773D4450}"/>
-          </ac:grpSpMkLst>
-        </pc:grpChg>
-        <pc:grpChg chg="add mod">
-          <ac:chgData name="Amit Tzur" userId="107f5334-6ffc-489e-8437-039101ea83e6" providerId="ADAL" clId="{03FB492B-48CE-405D-8E1E-32CC526EEE15}" dt="2024-06-04T07:43:20.615" v="122" actId="164"/>
-          <ac:grpSpMkLst>
-            <pc:docMk/>
-            <pc:sldMk cId="2064494614" sldId="257"/>
-            <ac:grpSpMk id="47" creationId="{71766725-B483-2290-F9F9-1EBFB953C4A6}"/>
-          </ac:grpSpMkLst>
-        </pc:grpChg>
-        <pc:grpChg chg="add mod">
-          <ac:chgData name="Amit Tzur" userId="107f5334-6ffc-489e-8437-039101ea83e6" providerId="ADAL" clId="{03FB492B-48CE-405D-8E1E-32CC526EEE15}" dt="2024-06-05T09:14:19.341" v="275" actId="164"/>
-          <ac:grpSpMkLst>
-            <pc:docMk/>
-            <pc:sldMk cId="2064494614" sldId="257"/>
-            <ac:grpSpMk id="55" creationId="{A50CFEEE-E41F-ABEC-D52B-14929FF3D9C1}"/>
-          </ac:grpSpMkLst>
-        </pc:grpChg>
-        <pc:picChg chg="add mod">
-          <ac:chgData name="Amit Tzur" userId="107f5334-6ffc-489e-8437-039101ea83e6" providerId="ADAL" clId="{03FB492B-48CE-405D-8E1E-32CC526EEE15}" dt="2024-06-05T09:14:19.341" v="275" actId="164"/>
-          <ac:picMkLst>
-            <pc:docMk/>
-            <pc:sldMk cId="2064494614" sldId="257"/>
-            <ac:picMk id="2" creationId="{ED334065-F0B1-E482-B83D-16AF6A82BB8C}"/>
-          </ac:picMkLst>
-        </pc:picChg>
-        <pc:picChg chg="mod topLvl">
-          <ac:chgData name="Amit Tzur" userId="107f5334-6ffc-489e-8437-039101ea83e6" providerId="ADAL" clId="{03FB492B-48CE-405D-8E1E-32CC526EEE15}" dt="2024-06-04T07:43:20.615" v="122" actId="164"/>
-          <ac:picMkLst>
-            <pc:docMk/>
-            <pc:sldMk cId="2064494614" sldId="257"/>
-            <ac:picMk id="5" creationId="{BFCAE55F-D8E4-D082-EA73-B761296DECE6}"/>
-          </ac:picMkLst>
-        </pc:picChg>
-        <pc:picChg chg="mod topLvl">
-          <ac:chgData name="Amit Tzur" userId="107f5334-6ffc-489e-8437-039101ea83e6" providerId="ADAL" clId="{03FB492B-48CE-405D-8E1E-32CC526EEE15}" dt="2024-06-04T07:28:55.785" v="118" actId="164"/>
-          <ac:picMkLst>
-            <pc:docMk/>
-            <pc:sldMk cId="2064494614" sldId="257"/>
-            <ac:picMk id="11" creationId="{EDCE5B50-BA1F-59D7-BA95-A0B5F4504586}"/>
-          </ac:picMkLst>
-        </pc:picChg>
-        <pc:cxnChg chg="add mod">
-          <ac:chgData name="Amit Tzur" userId="107f5334-6ffc-489e-8437-039101ea83e6" providerId="ADAL" clId="{03FB492B-48CE-405D-8E1E-32CC526EEE15}" dt="2024-06-05T09:10:06.597" v="250" actId="692"/>
-          <ac:cxnSpMkLst>
-            <pc:docMk/>
-            <pc:sldMk cId="2064494614" sldId="257"/>
-            <ac:cxnSpMk id="4" creationId="{8A333435-DB3D-6978-AB96-DC13F87E4F74}"/>
-          </ac:cxnSpMkLst>
-        </pc:cxnChg>
-        <pc:cxnChg chg="mod topLvl">
-          <ac:chgData name="Amit Tzur" userId="107f5334-6ffc-489e-8437-039101ea83e6" providerId="ADAL" clId="{03FB492B-48CE-405D-8E1E-32CC526EEE15}" dt="2024-06-04T11:05:33.435" v="127" actId="14100"/>
-          <ac:cxnSpMkLst>
-            <pc:docMk/>
-            <pc:sldMk cId="2064494614" sldId="257"/>
-            <ac:cxnSpMk id="7" creationId="{209C0BD1-4C54-E037-C43A-0D049DC6D64B}"/>
-          </ac:cxnSpMkLst>
-        </pc:cxnChg>
-        <pc:cxnChg chg="mod topLvl">
-          <ac:chgData name="Amit Tzur" userId="107f5334-6ffc-489e-8437-039101ea83e6" providerId="ADAL" clId="{03FB492B-48CE-405D-8E1E-32CC526EEE15}" dt="2024-06-04T07:43:20.615" v="122" actId="164"/>
-          <ac:cxnSpMkLst>
-            <pc:docMk/>
-            <pc:sldMk cId="2064494614" sldId="257"/>
-            <ac:cxnSpMk id="8" creationId="{D4D1D692-510A-D523-5F09-E6F84821208F}"/>
-          </ac:cxnSpMkLst>
-        </pc:cxnChg>
-        <pc:cxnChg chg="add mod">
-          <ac:chgData name="Amit Tzur" userId="107f5334-6ffc-489e-8437-039101ea83e6" providerId="ADAL" clId="{03FB492B-48CE-405D-8E1E-32CC526EEE15}" dt="2024-06-05T09:11:02.421" v="257" actId="14100"/>
-          <ac:cxnSpMkLst>
-            <pc:docMk/>
-            <pc:sldMk cId="2064494614" sldId="257"/>
-            <ac:cxnSpMk id="10" creationId="{76C098FC-0EB3-FB74-7976-41A403668CA0}"/>
-          </ac:cxnSpMkLst>
-        </pc:cxnChg>
-        <pc:cxnChg chg="mod topLvl">
-          <ac:chgData name="Amit Tzur" userId="107f5334-6ffc-489e-8437-039101ea83e6" providerId="ADAL" clId="{03FB492B-48CE-405D-8E1E-32CC526EEE15}" dt="2024-06-04T07:43:15.590" v="121" actId="478"/>
-          <ac:cxnSpMkLst>
-            <pc:docMk/>
-            <pc:sldMk cId="2064494614" sldId="257"/>
-            <ac:cxnSpMk id="13" creationId="{FC4B6B8A-33B1-FE2E-E7C1-4E5329DAD250}"/>
-          </ac:cxnSpMkLst>
-        </pc:cxnChg>
-        <pc:cxnChg chg="mod topLvl">
-          <ac:chgData name="Amit Tzur" userId="107f5334-6ffc-489e-8437-039101ea83e6" providerId="ADAL" clId="{03FB492B-48CE-405D-8E1E-32CC526EEE15}" dt="2024-06-04T07:43:15.590" v="121" actId="478"/>
-          <ac:cxnSpMkLst>
-            <pc:docMk/>
-            <pc:sldMk cId="2064494614" sldId="257"/>
-            <ac:cxnSpMk id="14" creationId="{B2B7D1C2-0BDC-7A1B-6920-F46065317C9A}"/>
-          </ac:cxnSpMkLst>
-        </pc:cxnChg>
-        <pc:cxnChg chg="add mod">
-          <ac:chgData name="Amit Tzur" userId="107f5334-6ffc-489e-8437-039101ea83e6" providerId="ADAL" clId="{03FB492B-48CE-405D-8E1E-32CC526EEE15}" dt="2024-06-05T09:14:19.341" v="275" actId="164"/>
-          <ac:cxnSpMkLst>
-            <pc:docMk/>
-            <pc:sldMk cId="2064494614" sldId="257"/>
-            <ac:cxnSpMk id="18" creationId="{99979CCB-4B44-8BE7-560F-B8781E5C99E8}"/>
-          </ac:cxnSpMkLst>
-        </pc:cxnChg>
-        <pc:cxnChg chg="add mod">
-          <ac:chgData name="Amit Tzur" userId="107f5334-6ffc-489e-8437-039101ea83e6" providerId="ADAL" clId="{03FB492B-48CE-405D-8E1E-32CC526EEE15}" dt="2024-06-05T09:14:19.341" v="275" actId="164"/>
-          <ac:cxnSpMkLst>
-            <pc:docMk/>
-            <pc:sldMk cId="2064494614" sldId="257"/>
-            <ac:cxnSpMk id="19" creationId="{526282DE-2DA7-1411-D7D7-0D81DCA4A9ED}"/>
-          </ac:cxnSpMkLst>
-        </pc:cxnChg>
-        <pc:cxnChg chg="add mod">
-          <ac:chgData name="Amit Tzur" userId="107f5334-6ffc-489e-8437-039101ea83e6" providerId="ADAL" clId="{03FB492B-48CE-405D-8E1E-32CC526EEE15}" dt="2024-06-04T07:43:20.615" v="122" actId="164"/>
-          <ac:cxnSpMkLst>
-            <pc:docMk/>
-            <pc:sldMk cId="2064494614" sldId="257"/>
-            <ac:cxnSpMk id="21" creationId="{C69DE679-55F5-7935-6460-F69EFEC02639}"/>
-          </ac:cxnSpMkLst>
-        </pc:cxnChg>
-        <pc:cxnChg chg="add mod">
-          <ac:chgData name="Amit Tzur" userId="107f5334-6ffc-489e-8437-039101ea83e6" providerId="ADAL" clId="{03FB492B-48CE-405D-8E1E-32CC526EEE15}" dt="2024-06-04T07:43:20.615" v="122" actId="164"/>
-          <ac:cxnSpMkLst>
-            <pc:docMk/>
-            <pc:sldMk cId="2064494614" sldId="257"/>
-            <ac:cxnSpMk id="22" creationId="{8FE83CF6-F0E4-003F-3DA3-64D15111DA08}"/>
-          </ac:cxnSpMkLst>
-        </pc:cxnChg>
-        <pc:cxnChg chg="add mod">
-          <ac:chgData name="Amit Tzur" userId="107f5334-6ffc-489e-8437-039101ea83e6" providerId="ADAL" clId="{03FB492B-48CE-405D-8E1E-32CC526EEE15}" dt="2024-06-05T09:14:19.341" v="275" actId="164"/>
-          <ac:cxnSpMkLst>
-            <pc:docMk/>
-            <pc:sldMk cId="2064494614" sldId="257"/>
-            <ac:cxnSpMk id="23" creationId="{57480B71-A6DA-D0EE-CB9F-30A687C512E1}"/>
-          </ac:cxnSpMkLst>
-        </pc:cxnChg>
-        <pc:cxnChg chg="add mod">
-          <ac:chgData name="Amit Tzur" userId="107f5334-6ffc-489e-8437-039101ea83e6" providerId="ADAL" clId="{03FB492B-48CE-405D-8E1E-32CC526EEE15}" dt="2024-06-05T09:14:19.341" v="275" actId="164"/>
-          <ac:cxnSpMkLst>
-            <pc:docMk/>
-            <pc:sldMk cId="2064494614" sldId="257"/>
-            <ac:cxnSpMk id="24" creationId="{257B6CA2-454B-AFD0-C5E0-AED05A5B3127}"/>
-          </ac:cxnSpMkLst>
-        </pc:cxnChg>
-        <pc:cxnChg chg="add mod">
-          <ac:chgData name="Amit Tzur" userId="107f5334-6ffc-489e-8437-039101ea83e6" providerId="ADAL" clId="{03FB492B-48CE-405D-8E1E-32CC526EEE15}" dt="2024-06-05T09:14:19.341" v="275" actId="164"/>
-          <ac:cxnSpMkLst>
-            <pc:docMk/>
-            <pc:sldMk cId="2064494614" sldId="257"/>
-            <ac:cxnSpMk id="26" creationId="{8E5B6059-45A0-1285-26A9-0CEE6D058206}"/>
-          </ac:cxnSpMkLst>
-        </pc:cxnChg>
-        <pc:cxnChg chg="add mod">
-          <ac:chgData name="Amit Tzur" userId="107f5334-6ffc-489e-8437-039101ea83e6" providerId="ADAL" clId="{03FB492B-48CE-405D-8E1E-32CC526EEE15}" dt="2024-06-05T09:14:19.341" v="275" actId="164"/>
-          <ac:cxnSpMkLst>
-            <pc:docMk/>
-            <pc:sldMk cId="2064494614" sldId="257"/>
-            <ac:cxnSpMk id="29" creationId="{03152B79-DD69-1EF8-F4D5-2B4F33C0F680}"/>
-          </ac:cxnSpMkLst>
-        </pc:cxnChg>
-        <pc:cxnChg chg="add mod">
-          <ac:chgData name="Amit Tzur" userId="107f5334-6ffc-489e-8437-039101ea83e6" providerId="ADAL" clId="{03FB492B-48CE-405D-8E1E-32CC526EEE15}" dt="2024-06-05T09:14:19.341" v="275" actId="164"/>
-          <ac:cxnSpMkLst>
-            <pc:docMk/>
-            <pc:sldMk cId="2064494614" sldId="257"/>
-            <ac:cxnSpMk id="30" creationId="{8A908E3E-DF22-89A8-F368-988112E3DF32}"/>
-          </ac:cxnSpMkLst>
-        </pc:cxnChg>
-        <pc:cxnChg chg="add mod">
-          <ac:chgData name="Amit Tzur" userId="107f5334-6ffc-489e-8437-039101ea83e6" providerId="ADAL" clId="{03FB492B-48CE-405D-8E1E-32CC526EEE15}" dt="2024-06-04T07:43:15.590" v="121" actId="478"/>
-          <ac:cxnSpMkLst>
-            <pc:docMk/>
-            <pc:sldMk cId="2064494614" sldId="257"/>
-            <ac:cxnSpMk id="32" creationId="{B9AC2F64-CF1B-E3D9-D897-6FD5800532D6}"/>
-          </ac:cxnSpMkLst>
-        </pc:cxnChg>
-        <pc:cxnChg chg="add mod">
-          <ac:chgData name="Amit Tzur" userId="107f5334-6ffc-489e-8437-039101ea83e6" providerId="ADAL" clId="{03FB492B-48CE-405D-8E1E-32CC526EEE15}" dt="2024-06-04T07:43:15.590" v="121" actId="478"/>
-          <ac:cxnSpMkLst>
-            <pc:docMk/>
-            <pc:sldMk cId="2064494614" sldId="257"/>
-            <ac:cxnSpMk id="33" creationId="{AC616238-5691-F267-3934-1287EB048771}"/>
-          </ac:cxnSpMkLst>
-        </pc:cxnChg>
-        <pc:cxnChg chg="add mod">
-          <ac:chgData name="Amit Tzur" userId="107f5334-6ffc-489e-8437-039101ea83e6" providerId="ADAL" clId="{03FB492B-48CE-405D-8E1E-32CC526EEE15}" dt="2024-06-05T09:08:02.477" v="228" actId="1037"/>
-          <ac:cxnSpMkLst>
-            <pc:docMk/>
-            <pc:sldMk cId="2064494614" sldId="257"/>
-            <ac:cxnSpMk id="34" creationId="{0D4B9915-3295-26A3-2B5F-CA86710F403A}"/>
-          </ac:cxnSpMkLst>
-        </pc:cxnChg>
-        <pc:cxnChg chg="add mod">
-          <ac:chgData name="Amit Tzur" userId="107f5334-6ffc-489e-8437-039101ea83e6" providerId="ADAL" clId="{03FB492B-48CE-405D-8E1E-32CC526EEE15}" dt="2024-06-05T09:14:19.341" v="275" actId="164"/>
-          <ac:cxnSpMkLst>
-            <pc:docMk/>
-            <pc:sldMk cId="2064494614" sldId="257"/>
-            <ac:cxnSpMk id="36" creationId="{5DF812EB-9C49-5150-B2A7-C7BFD062F97E}"/>
-          </ac:cxnSpMkLst>
-        </pc:cxnChg>
-        <pc:cxnChg chg="add del mod ord">
-          <ac:chgData name="Amit Tzur" userId="107f5334-6ffc-489e-8437-039101ea83e6" providerId="ADAL" clId="{03FB492B-48CE-405D-8E1E-32CC526EEE15}" dt="2024-06-05T09:14:00.875" v="272" actId="478"/>
-          <ac:cxnSpMkLst>
-            <pc:docMk/>
-            <pc:sldMk cId="2064494614" sldId="257"/>
-            <ac:cxnSpMk id="37" creationId="{147786E3-468C-7787-0A46-184F96F13654}"/>
-          </ac:cxnSpMkLst>
-        </pc:cxnChg>
-        <pc:cxnChg chg="add mod">
-          <ac:chgData name="Amit Tzur" userId="107f5334-6ffc-489e-8437-039101ea83e6" providerId="ADAL" clId="{03FB492B-48CE-405D-8E1E-32CC526EEE15}" dt="2024-06-04T07:28:55.785" v="118" actId="164"/>
-          <ac:cxnSpMkLst>
-            <pc:docMk/>
-            <pc:sldMk cId="2064494614" sldId="257"/>
-            <ac:cxnSpMk id="39" creationId="{D0648D63-2C72-B6EB-E3A1-03D8636DBEBC}"/>
-          </ac:cxnSpMkLst>
-        </pc:cxnChg>
-        <pc:cxnChg chg="add del mod">
-          <ac:chgData name="Amit Tzur" userId="107f5334-6ffc-489e-8437-039101ea83e6" providerId="ADAL" clId="{03FB492B-48CE-405D-8E1E-32CC526EEE15}" dt="2024-06-05T09:14:02.459" v="273" actId="478"/>
-          <ac:cxnSpMkLst>
-            <pc:docMk/>
-            <pc:sldMk cId="2064494614" sldId="257"/>
-            <ac:cxnSpMk id="40" creationId="{4D92EEF8-E8C5-DACB-B4DD-87DEBF960915}"/>
-          </ac:cxnSpMkLst>
-        </pc:cxnChg>
       </pc:sldChg>
     </pc:docChg>
   </pc:docChgLst>
@@ -671,1284 +161,1090 @@
           <pc:docMk/>
           <pc:sldMk cId="4146690274" sldId="256"/>
         </pc:sldMkLst>
-        <pc:spChg chg="add mod ord">
-          <ac:chgData name="Amit Tzur" userId="107f5334-6ffc-489e-8437-039101ea83e6" providerId="ADAL" clId="{AB878BD5-057C-4607-9280-9B6D4CDC4A98}" dt="2024-02-27T09:04:44.991" v="218" actId="1038"/>
+      </pc:sldChg>
+    </pc:docChg>
+  </pc:docChgLst>
+  <pc:docChgLst>
+    <pc:chgData name="Amit Tzur" userId="107f5334-6ffc-489e-8437-039101ea83e6" providerId="ADAL" clId="{C38C1E97-345F-4627-AC3A-622549F17C87}"/>
+    <pc:docChg chg="undo redo custSel addSld modSld">
+      <pc:chgData name="Amit Tzur" userId="107f5334-6ffc-489e-8437-039101ea83e6" providerId="ADAL" clId="{C38C1E97-345F-4627-AC3A-622549F17C87}" dt="2025-01-28T11:59:51.125" v="540" actId="164"/>
+      <pc:docMkLst>
+        <pc:docMk/>
+      </pc:docMkLst>
+      <pc:sldChg chg="addSp delSp modSp mod">
+        <pc:chgData name="Amit Tzur" userId="107f5334-6ffc-489e-8437-039101ea83e6" providerId="ADAL" clId="{C38C1E97-345F-4627-AC3A-622549F17C87}" dt="2025-01-28T11:25:39.403" v="296" actId="21"/>
+        <pc:sldMkLst>
+          <pc:docMk/>
+          <pc:sldMk cId="4146690274" sldId="256"/>
+        </pc:sldMkLst>
+        <pc:spChg chg="add del mod">
+          <ac:chgData name="Amit Tzur" userId="107f5334-6ffc-489e-8437-039101ea83e6" providerId="ADAL" clId="{C38C1E97-345F-4627-AC3A-622549F17C87}" dt="2025-01-28T11:25:39.403" v="296" actId="21"/>
           <ac:spMkLst>
             <pc:docMk/>
             <pc:sldMk cId="4146690274" sldId="256"/>
-            <ac:spMk id="4" creationId="{5F40D561-329B-C8F8-E68F-4122017B5060}"/>
+            <ac:spMk id="2" creationId="{A8A99833-97BD-737D-EC5E-959760BAC5B0}"/>
           </ac:spMkLst>
         </pc:spChg>
-        <pc:spChg chg="add mod">
-          <ac:chgData name="Amit Tzur" userId="107f5334-6ffc-489e-8437-039101ea83e6" providerId="ADAL" clId="{AB878BD5-057C-4607-9280-9B6D4CDC4A98}" dt="2024-02-27T08:55:08.262" v="102" actId="164"/>
+        <pc:spChg chg="add del mod">
+          <ac:chgData name="Amit Tzur" userId="107f5334-6ffc-489e-8437-039101ea83e6" providerId="ADAL" clId="{C38C1E97-345F-4627-AC3A-622549F17C87}" dt="2025-01-28T11:25:39.403" v="296" actId="21"/>
           <ac:spMkLst>
             <pc:docMk/>
             <pc:sldMk cId="4146690274" sldId="256"/>
-            <ac:spMk id="6" creationId="{9CDAE235-5E16-31E0-9E06-F2334EF989B2}"/>
+            <ac:spMk id="3" creationId="{43EED009-5932-75A1-4D74-FEFDA6BE15C8}"/>
           </ac:spMkLst>
         </pc:spChg>
-        <pc:spChg chg="mod">
-          <ac:chgData name="Amit Tzur" userId="107f5334-6ffc-489e-8437-039101ea83e6" providerId="ADAL" clId="{AB878BD5-057C-4607-9280-9B6D4CDC4A98}" dt="2024-02-27T09:01:43.737" v="159" actId="1076"/>
-          <ac:spMkLst>
-            <pc:docMk/>
-            <pc:sldMk cId="4146690274" sldId="256"/>
-            <ac:spMk id="10" creationId="{A5A34E86-1A3C-0E97-299E-37BE18D860E2}"/>
-          </ac:spMkLst>
-        </pc:spChg>
-        <pc:spChg chg="mod">
-          <ac:chgData name="Amit Tzur" userId="107f5334-6ffc-489e-8437-039101ea83e6" providerId="ADAL" clId="{AB878BD5-057C-4607-9280-9B6D4CDC4A98}" dt="2024-02-27T09:01:43.737" v="159" actId="1076"/>
-          <ac:spMkLst>
-            <pc:docMk/>
-            <pc:sldMk cId="4146690274" sldId="256"/>
-            <ac:spMk id="11" creationId="{42C0FFE0-10FF-E4D1-FF3C-BEB39FD6CE00}"/>
-          </ac:spMkLst>
-        </pc:spChg>
-        <pc:spChg chg="add mod">
-          <ac:chgData name="Amit Tzur" userId="107f5334-6ffc-489e-8437-039101ea83e6" providerId="ADAL" clId="{AB878BD5-057C-4607-9280-9B6D4CDC4A98}" dt="2024-02-27T08:55:08.262" v="102" actId="164"/>
-          <ac:spMkLst>
-            <pc:docMk/>
-            <pc:sldMk cId="4146690274" sldId="256"/>
-            <ac:spMk id="14" creationId="{F4AAC41C-DE82-FF1C-F23F-62DCB96160BD}"/>
-          </ac:spMkLst>
-        </pc:spChg>
-        <pc:spChg chg="add mod">
-          <ac:chgData name="Amit Tzur" userId="107f5334-6ffc-489e-8437-039101ea83e6" providerId="ADAL" clId="{AB878BD5-057C-4607-9280-9B6D4CDC4A98}" dt="2024-02-27T08:55:08.262" v="102" actId="164"/>
-          <ac:spMkLst>
-            <pc:docMk/>
-            <pc:sldMk cId="4146690274" sldId="256"/>
-            <ac:spMk id="16" creationId="{87CFD33E-7854-AF42-CD23-8E1606EACB94}"/>
-          </ac:spMkLst>
-        </pc:spChg>
-        <pc:spChg chg="add del mod">
-          <ac:chgData name="Amit Tzur" userId="107f5334-6ffc-489e-8437-039101ea83e6" providerId="ADAL" clId="{AB878BD5-057C-4607-9280-9B6D4CDC4A98}" dt="2024-02-27T08:54:50.212" v="96" actId="478"/>
-          <ac:spMkLst>
-            <pc:docMk/>
-            <pc:sldMk cId="4146690274" sldId="256"/>
-            <ac:spMk id="19" creationId="{D8D8AFBF-A707-7991-C721-71FF92D121FD}"/>
-          </ac:spMkLst>
-        </pc:spChg>
-        <pc:spChg chg="add del mod">
-          <ac:chgData name="Amit Tzur" userId="107f5334-6ffc-489e-8437-039101ea83e6" providerId="ADAL" clId="{AB878BD5-057C-4607-9280-9B6D4CDC4A98}" dt="2024-02-27T08:54:55.375" v="99" actId="478"/>
-          <ac:spMkLst>
-            <pc:docMk/>
-            <pc:sldMk cId="4146690274" sldId="256"/>
-            <ac:spMk id="22" creationId="{A0CAFBE2-3AC0-9AFF-B657-CA160F09BABE}"/>
-          </ac:spMkLst>
-        </pc:spChg>
-        <pc:spChg chg="mod">
-          <ac:chgData name="Amit Tzur" userId="107f5334-6ffc-489e-8437-039101ea83e6" providerId="ADAL" clId="{AB878BD5-057C-4607-9280-9B6D4CDC4A98}" dt="2024-02-27T09:02:05.264" v="163" actId="1076"/>
-          <ac:spMkLst>
-            <pc:docMk/>
-            <pc:sldMk cId="4146690274" sldId="256"/>
-            <ac:spMk id="23" creationId="{DC4F6DB3-892E-4C8B-E2EE-3FFB3BC1E2F4}"/>
-          </ac:spMkLst>
-        </pc:spChg>
-        <pc:spChg chg="add del mod">
-          <ac:chgData name="Amit Tzur" userId="107f5334-6ffc-489e-8437-039101ea83e6" providerId="ADAL" clId="{AB878BD5-057C-4607-9280-9B6D4CDC4A98}" dt="2024-02-27T08:54:56.704" v="100" actId="478"/>
-          <ac:spMkLst>
-            <pc:docMk/>
-            <pc:sldMk cId="4146690274" sldId="256"/>
-            <ac:spMk id="27" creationId="{5A771540-A3D7-C1F6-964D-968FD1305041}"/>
-          </ac:spMkLst>
-        </pc:spChg>
-        <pc:spChg chg="mod">
-          <ac:chgData name="Amit Tzur" userId="107f5334-6ffc-489e-8437-039101ea83e6" providerId="ADAL" clId="{AB878BD5-057C-4607-9280-9B6D4CDC4A98}" dt="2024-02-27T09:01:31.049" v="158" actId="1076"/>
-          <ac:spMkLst>
-            <pc:docMk/>
-            <pc:sldMk cId="4146690274" sldId="256"/>
-            <ac:spMk id="28" creationId="{FA1FBADE-810F-46FC-C138-9445D6809462}"/>
-          </ac:spMkLst>
-        </pc:spChg>
-        <pc:spChg chg="add del mod">
-          <ac:chgData name="Amit Tzur" userId="107f5334-6ffc-489e-8437-039101ea83e6" providerId="ADAL" clId="{AB878BD5-057C-4607-9280-9B6D4CDC4A98}" dt="2024-02-27T08:54:47.571" v="95" actId="478"/>
-          <ac:spMkLst>
-            <pc:docMk/>
-            <pc:sldMk cId="4146690274" sldId="256"/>
-            <ac:spMk id="29" creationId="{83C53307-669B-C609-E85B-AA454A4231BB}"/>
-          </ac:spMkLst>
-        </pc:spChg>
-        <pc:spChg chg="add del mod">
-          <ac:chgData name="Amit Tzur" userId="107f5334-6ffc-489e-8437-039101ea83e6" providerId="ADAL" clId="{AB878BD5-057C-4607-9280-9B6D4CDC4A98}" dt="2024-02-27T08:54:43.269" v="92" actId="478"/>
-          <ac:spMkLst>
-            <pc:docMk/>
-            <pc:sldMk cId="4146690274" sldId="256"/>
-            <ac:spMk id="32" creationId="{9B956FBD-FF13-F8B0-4C7B-5F592C59A1A4}"/>
-          </ac:spMkLst>
-        </pc:spChg>
-        <pc:spChg chg="add del mod">
-          <ac:chgData name="Amit Tzur" userId="107f5334-6ffc-489e-8437-039101ea83e6" providerId="ADAL" clId="{AB878BD5-057C-4607-9280-9B6D4CDC4A98}" dt="2024-02-27T08:54:39.472" v="90" actId="478"/>
-          <ac:spMkLst>
-            <pc:docMk/>
-            <pc:sldMk cId="4146690274" sldId="256"/>
-            <ac:spMk id="34" creationId="{6CF66746-8DD9-21CE-06FD-C338045D4CA6}"/>
-          </ac:spMkLst>
-        </pc:spChg>
-        <pc:spChg chg="mod">
-          <ac:chgData name="Amit Tzur" userId="107f5334-6ffc-489e-8437-039101ea83e6" providerId="ADAL" clId="{AB878BD5-057C-4607-9280-9B6D4CDC4A98}" dt="2024-02-27T09:02:10.118" v="164" actId="1076"/>
-          <ac:spMkLst>
-            <pc:docMk/>
-            <pc:sldMk cId="4146690274" sldId="256"/>
-            <ac:spMk id="38" creationId="{15ED287E-3E5F-DEAC-4578-D131D2FA6783}"/>
-          </ac:spMkLst>
-        </pc:spChg>
-        <pc:spChg chg="add mod">
-          <ac:chgData name="Amit Tzur" userId="107f5334-6ffc-489e-8437-039101ea83e6" providerId="ADAL" clId="{AB878BD5-057C-4607-9280-9B6D4CDC4A98}" dt="2024-02-27T08:55:08.262" v="102" actId="164"/>
-          <ac:spMkLst>
-            <pc:docMk/>
-            <pc:sldMk cId="4146690274" sldId="256"/>
-            <ac:spMk id="39" creationId="{6825BEF0-48CD-D6BA-355D-FC3A4C4001E3}"/>
-          </ac:spMkLst>
-        </pc:spChg>
-        <pc:spChg chg="mod">
-          <ac:chgData name="Amit Tzur" userId="107f5334-6ffc-489e-8437-039101ea83e6" providerId="ADAL" clId="{AB878BD5-057C-4607-9280-9B6D4CDC4A98}" dt="2024-02-27T09:01:21.832" v="157" actId="14100"/>
-          <ac:spMkLst>
-            <pc:docMk/>
-            <pc:sldMk cId="4146690274" sldId="256"/>
-            <ac:spMk id="40" creationId="{DEC2AD07-9D8A-88B9-2351-04974439AB0F}"/>
-          </ac:spMkLst>
-        </pc:spChg>
-        <pc:spChg chg="mod">
-          <ac:chgData name="Amit Tzur" userId="107f5334-6ffc-489e-8437-039101ea83e6" providerId="ADAL" clId="{AB878BD5-057C-4607-9280-9B6D4CDC4A98}" dt="2024-02-27T09:01:16.393" v="156" actId="14100"/>
-          <ac:spMkLst>
-            <pc:docMk/>
-            <pc:sldMk cId="4146690274" sldId="256"/>
-            <ac:spMk id="43" creationId="{9DC98724-FE22-A811-9A61-7E0D548829F0}"/>
-          </ac:spMkLst>
-        </pc:spChg>
-        <pc:spChg chg="mod">
-          <ac:chgData name="Amit Tzur" userId="107f5334-6ffc-489e-8437-039101ea83e6" providerId="ADAL" clId="{AB878BD5-057C-4607-9280-9B6D4CDC4A98}" dt="2024-02-27T09:01:07.025" v="154" actId="14100"/>
-          <ac:spMkLst>
-            <pc:docMk/>
-            <pc:sldMk cId="4146690274" sldId="256"/>
-            <ac:spMk id="58" creationId="{FEE286BE-41F9-8C84-3B99-00C26C00E3C6}"/>
-          </ac:spMkLst>
-        </pc:spChg>
-        <pc:spChg chg="add mod">
-          <ac:chgData name="Amit Tzur" userId="107f5334-6ffc-489e-8437-039101ea83e6" providerId="ADAL" clId="{AB878BD5-057C-4607-9280-9B6D4CDC4A98}" dt="2024-02-27T09:04:10.815" v="186" actId="1038"/>
-          <ac:spMkLst>
-            <pc:docMk/>
-            <pc:sldMk cId="4146690274" sldId="256"/>
-            <ac:spMk id="66" creationId="{FC2CF829-A971-7728-BFC6-E3F76E02AFC9}"/>
-          </ac:spMkLst>
-        </pc:spChg>
-        <pc:spChg chg="add mod">
-          <ac:chgData name="Amit Tzur" userId="107f5334-6ffc-489e-8437-039101ea83e6" providerId="ADAL" clId="{AB878BD5-057C-4607-9280-9B6D4CDC4A98}" dt="2024-02-27T09:02:54.069" v="176" actId="164"/>
-          <ac:spMkLst>
-            <pc:docMk/>
-            <pc:sldMk cId="4146690274" sldId="256"/>
-            <ac:spMk id="69" creationId="{72E107BE-A301-A9D5-7A36-49BAE532B772}"/>
-          </ac:spMkLst>
-        </pc:spChg>
-        <pc:spChg chg="add mod">
-          <ac:chgData name="Amit Tzur" userId="107f5334-6ffc-489e-8437-039101ea83e6" providerId="ADAL" clId="{AB878BD5-057C-4607-9280-9B6D4CDC4A98}" dt="2024-02-27T09:02:54.069" v="176" actId="164"/>
-          <ac:spMkLst>
-            <pc:docMk/>
-            <pc:sldMk cId="4146690274" sldId="256"/>
-            <ac:spMk id="71" creationId="{025503CD-7E47-0B7A-7809-5BDD286D8B01}"/>
-          </ac:spMkLst>
-        </pc:spChg>
-        <pc:spChg chg="add del mod">
-          <ac:chgData name="Amit Tzur" userId="107f5334-6ffc-489e-8437-039101ea83e6" providerId="ADAL" clId="{AB878BD5-057C-4607-9280-9B6D4CDC4A98}" dt="2024-02-27T09:02:43.665" v="173" actId="478"/>
-          <ac:spMkLst>
-            <pc:docMk/>
-            <pc:sldMk cId="4146690274" sldId="256"/>
-            <ac:spMk id="75" creationId="{51541629-5992-6365-897A-8DADA77442B4}"/>
-          </ac:spMkLst>
-        </pc:spChg>
-        <pc:spChg chg="add mod">
-          <ac:chgData name="Amit Tzur" userId="107f5334-6ffc-489e-8437-039101ea83e6" providerId="ADAL" clId="{AB878BD5-057C-4607-9280-9B6D4CDC4A98}" dt="2024-02-27T08:59:34.847" v="131" actId="1036"/>
-          <ac:spMkLst>
-            <pc:docMk/>
-            <pc:sldMk cId="4146690274" sldId="256"/>
-            <ac:spMk id="76" creationId="{A73FB2B2-1C87-E2D0-4DFB-EC368A330521}"/>
-          </ac:spMkLst>
-        </pc:spChg>
-        <pc:spChg chg="add del mod">
-          <ac:chgData name="Amit Tzur" userId="107f5334-6ffc-489e-8437-039101ea83e6" providerId="ADAL" clId="{AB878BD5-057C-4607-9280-9B6D4CDC4A98}" dt="2024-02-27T09:02:46.719" v="175" actId="478"/>
-          <ac:spMkLst>
-            <pc:docMk/>
-            <pc:sldMk cId="4146690274" sldId="256"/>
-            <ac:spMk id="80" creationId="{5C16F773-C840-3D73-870D-071960428949}"/>
-          </ac:spMkLst>
-        </pc:spChg>
-        <pc:spChg chg="add del mod">
-          <ac:chgData name="Amit Tzur" userId="107f5334-6ffc-489e-8437-039101ea83e6" providerId="ADAL" clId="{AB878BD5-057C-4607-9280-9B6D4CDC4A98}" dt="2024-02-27T09:02:46.719" v="175" actId="478"/>
-          <ac:spMkLst>
-            <pc:docMk/>
-            <pc:sldMk cId="4146690274" sldId="256"/>
-            <ac:spMk id="82" creationId="{98603FED-65A3-FD33-E307-70EBB4DE1AE8}"/>
-          </ac:spMkLst>
-        </pc:spChg>
-        <pc:spChg chg="add del mod">
-          <ac:chgData name="Amit Tzur" userId="107f5334-6ffc-489e-8437-039101ea83e6" providerId="ADAL" clId="{AB878BD5-057C-4607-9280-9B6D4CDC4A98}" dt="2024-02-27T09:02:41.442" v="171" actId="478"/>
-          <ac:spMkLst>
-            <pc:docMk/>
-            <pc:sldMk cId="4146690274" sldId="256"/>
-            <ac:spMk id="83" creationId="{7E8FBBBC-50D3-C1C9-4D0E-9AD5AA86C517}"/>
-          </ac:spMkLst>
-        </pc:spChg>
-        <pc:spChg chg="add del mod">
-          <ac:chgData name="Amit Tzur" userId="107f5334-6ffc-489e-8437-039101ea83e6" providerId="ADAL" clId="{AB878BD5-057C-4607-9280-9B6D4CDC4A98}" dt="2024-02-27T09:02:39.281" v="170" actId="478"/>
-          <ac:spMkLst>
-            <pc:docMk/>
-            <pc:sldMk cId="4146690274" sldId="256"/>
-            <ac:spMk id="86" creationId="{A5C6845D-DA69-83E7-00FF-2102FE1D04A2}"/>
-          </ac:spMkLst>
-        </pc:spChg>
-        <pc:spChg chg="add del mod">
-          <ac:chgData name="Amit Tzur" userId="107f5334-6ffc-489e-8437-039101ea83e6" providerId="ADAL" clId="{AB878BD5-057C-4607-9280-9B6D4CDC4A98}" dt="2024-02-27T09:02:34.514" v="169" actId="478"/>
-          <ac:spMkLst>
-            <pc:docMk/>
-            <pc:sldMk cId="4146690274" sldId="256"/>
-            <ac:spMk id="88" creationId="{4CEA4BFB-9DD8-468B-62A6-1AAF530AAB8C}"/>
-          </ac:spMkLst>
-        </pc:spChg>
-        <pc:spChg chg="add mod">
-          <ac:chgData name="Amit Tzur" userId="107f5334-6ffc-489e-8437-039101ea83e6" providerId="ADAL" clId="{AB878BD5-057C-4607-9280-9B6D4CDC4A98}" dt="2024-02-27T09:02:54.069" v="176" actId="164"/>
-          <ac:spMkLst>
-            <pc:docMk/>
-            <pc:sldMk cId="4146690274" sldId="256"/>
-            <ac:spMk id="91" creationId="{03075C16-F869-0297-EDBE-4A9E96D334EA}"/>
-          </ac:spMkLst>
-        </pc:spChg>
-        <pc:spChg chg="add del mod">
-          <ac:chgData name="Amit Tzur" userId="107f5334-6ffc-489e-8437-039101ea83e6" providerId="ADAL" clId="{AB878BD5-057C-4607-9280-9B6D4CDC4A98}" dt="2024-02-27T09:13:12.360" v="226" actId="478"/>
-          <ac:spMkLst>
-            <pc:docMk/>
-            <pc:sldMk cId="4146690274" sldId="256"/>
-            <ac:spMk id="95" creationId="{149BB1C6-F428-2CEF-9CCC-48352FEDCBDD}"/>
-          </ac:spMkLst>
-        </pc:spChg>
-        <pc:spChg chg="add del mod">
-          <ac:chgData name="Amit Tzur" userId="107f5334-6ffc-489e-8437-039101ea83e6" providerId="ADAL" clId="{AB878BD5-057C-4607-9280-9B6D4CDC4A98}" dt="2024-02-27T09:13:12.360" v="226" actId="478"/>
-          <ac:spMkLst>
-            <pc:docMk/>
-            <pc:sldMk cId="4146690274" sldId="256"/>
-            <ac:spMk id="98" creationId="{7FAA402E-5500-E4A4-955A-6841E36B48B9}"/>
-          </ac:spMkLst>
-        </pc:spChg>
-        <pc:spChg chg="add del mod">
-          <ac:chgData name="Amit Tzur" userId="107f5334-6ffc-489e-8437-039101ea83e6" providerId="ADAL" clId="{AB878BD5-057C-4607-9280-9B6D4CDC4A98}" dt="2024-02-27T09:13:12.360" v="226" actId="478"/>
-          <ac:spMkLst>
-            <pc:docMk/>
-            <pc:sldMk cId="4146690274" sldId="256"/>
-            <ac:spMk id="99" creationId="{6F9B1B6E-3249-8408-3AFC-9572701C713E}"/>
-          </ac:spMkLst>
-        </pc:spChg>
-        <pc:spChg chg="add del mod">
-          <ac:chgData name="Amit Tzur" userId="107f5334-6ffc-489e-8437-039101ea83e6" providerId="ADAL" clId="{AB878BD5-057C-4607-9280-9B6D4CDC4A98}" dt="2024-02-27T09:13:18.317" v="227" actId="478"/>
-          <ac:spMkLst>
-            <pc:docMk/>
-            <pc:sldMk cId="4146690274" sldId="256"/>
-            <ac:spMk id="102" creationId="{D7839B3A-6265-73FD-1FD5-FF77911F7F11}"/>
-          </ac:spMkLst>
-        </pc:spChg>
-        <pc:spChg chg="add del mod">
-          <ac:chgData name="Amit Tzur" userId="107f5334-6ffc-489e-8437-039101ea83e6" providerId="ADAL" clId="{AB878BD5-057C-4607-9280-9B6D4CDC4A98}" dt="2024-02-27T09:13:18.317" v="227" actId="478"/>
-          <ac:spMkLst>
-            <pc:docMk/>
-            <pc:sldMk cId="4146690274" sldId="256"/>
-            <ac:spMk id="105" creationId="{8DA49E2F-2E95-490D-455E-CC928B713046}"/>
-          </ac:spMkLst>
-        </pc:spChg>
-        <pc:spChg chg="add del mod">
-          <ac:chgData name="Amit Tzur" userId="107f5334-6ffc-489e-8437-039101ea83e6" providerId="ADAL" clId="{AB878BD5-057C-4607-9280-9B6D4CDC4A98}" dt="2024-02-27T09:13:18.317" v="227" actId="478"/>
-          <ac:spMkLst>
-            <pc:docMk/>
-            <pc:sldMk cId="4146690274" sldId="256"/>
-            <ac:spMk id="107" creationId="{D4671AC4-B065-F798-79E5-887D0EEB8F5D}"/>
-          </ac:spMkLst>
-        </pc:spChg>
-        <pc:spChg chg="add mod">
-          <ac:chgData name="Amit Tzur" userId="107f5334-6ffc-489e-8437-039101ea83e6" providerId="ADAL" clId="{AB878BD5-057C-4607-9280-9B6D4CDC4A98}" dt="2024-02-27T09:17:37.605" v="344" actId="164"/>
-          <ac:spMkLst>
-            <pc:docMk/>
-            <pc:sldMk cId="4146690274" sldId="256"/>
-            <ac:spMk id="108" creationId="{7DC622B3-CB77-DBB9-C5DE-57A0137A0E6D}"/>
-          </ac:spMkLst>
-        </pc:spChg>
-        <pc:spChg chg="add mod">
-          <ac:chgData name="Amit Tzur" userId="107f5334-6ffc-489e-8437-039101ea83e6" providerId="ADAL" clId="{AB878BD5-057C-4607-9280-9B6D4CDC4A98}" dt="2024-02-27T09:17:37.605" v="344" actId="164"/>
-          <ac:spMkLst>
-            <pc:docMk/>
-            <pc:sldMk cId="4146690274" sldId="256"/>
-            <ac:spMk id="111" creationId="{A3A44898-20D0-3886-C8F7-4DA882D0ACA5}"/>
-          </ac:spMkLst>
-        </pc:spChg>
-        <pc:spChg chg="add del mod">
-          <ac:chgData name="Amit Tzur" userId="107f5334-6ffc-489e-8437-039101ea83e6" providerId="ADAL" clId="{AB878BD5-057C-4607-9280-9B6D4CDC4A98}" dt="2024-02-27T09:13:06.262" v="223" actId="478"/>
-          <ac:spMkLst>
-            <pc:docMk/>
-            <pc:sldMk cId="4146690274" sldId="256"/>
-            <ac:spMk id="113" creationId="{A858771D-D1C1-0551-AC82-6B8A54827C9E}"/>
-          </ac:spMkLst>
-        </pc:spChg>
-        <pc:spChg chg="add del mod">
-          <ac:chgData name="Amit Tzur" userId="107f5334-6ffc-489e-8437-039101ea83e6" providerId="ADAL" clId="{AB878BD5-057C-4607-9280-9B6D4CDC4A98}" dt="2024-02-27T09:13:06.262" v="223" actId="478"/>
-          <ac:spMkLst>
-            <pc:docMk/>
-            <pc:sldMk cId="4146690274" sldId="256"/>
-            <ac:spMk id="116" creationId="{EB5B6677-8A16-E7FA-AF05-C5921D61C557}"/>
-          </ac:spMkLst>
-        </pc:spChg>
-        <pc:spChg chg="add mod">
-          <ac:chgData name="Amit Tzur" userId="107f5334-6ffc-489e-8437-039101ea83e6" providerId="ADAL" clId="{AB878BD5-057C-4607-9280-9B6D4CDC4A98}" dt="2024-02-27T09:17:37.605" v="344" actId="164"/>
-          <ac:spMkLst>
-            <pc:docMk/>
-            <pc:sldMk cId="4146690274" sldId="256"/>
-            <ac:spMk id="118" creationId="{437298BE-D49E-9538-85C5-0E36C0151E9D}"/>
-          </ac:spMkLst>
-        </pc:spChg>
-        <pc:spChg chg="add mod">
-          <ac:chgData name="Amit Tzur" userId="107f5334-6ffc-489e-8437-039101ea83e6" providerId="ADAL" clId="{AB878BD5-057C-4607-9280-9B6D4CDC4A98}" dt="2024-02-27T09:17:37.605" v="344" actId="164"/>
-          <ac:spMkLst>
-            <pc:docMk/>
-            <pc:sldMk cId="4146690274" sldId="256"/>
-            <ac:spMk id="119" creationId="{8F794D2C-E1B1-E51A-381D-451E60EBD2AF}"/>
-          </ac:spMkLst>
-        </pc:spChg>
-        <pc:spChg chg="add mod">
-          <ac:chgData name="Amit Tzur" userId="107f5334-6ffc-489e-8437-039101ea83e6" providerId="ADAL" clId="{AB878BD5-057C-4607-9280-9B6D4CDC4A98}" dt="2024-02-27T09:17:37.605" v="344" actId="164"/>
-          <ac:spMkLst>
-            <pc:docMk/>
-            <pc:sldMk cId="4146690274" sldId="256"/>
-            <ac:spMk id="121" creationId="{38B7CBC7-7F3E-7C9D-C171-309210753247}"/>
-          </ac:spMkLst>
-        </pc:spChg>
-        <pc:spChg chg="add del mod">
-          <ac:chgData name="Amit Tzur" userId="107f5334-6ffc-489e-8437-039101ea83e6" providerId="ADAL" clId="{AB878BD5-057C-4607-9280-9B6D4CDC4A98}" dt="2024-02-27T09:25:25.843" v="351" actId="478"/>
-          <ac:spMkLst>
-            <pc:docMk/>
-            <pc:sldMk cId="4146690274" sldId="256"/>
-            <ac:spMk id="135" creationId="{40B1EED0-5D4B-C3EE-6158-70603798C5C3}"/>
-          </ac:spMkLst>
-        </pc:spChg>
-        <pc:spChg chg="add del mod">
-          <ac:chgData name="Amit Tzur" userId="107f5334-6ffc-489e-8437-039101ea83e6" providerId="ADAL" clId="{AB878BD5-057C-4607-9280-9B6D4CDC4A98}" dt="2024-02-27T09:25:25.843" v="351" actId="478"/>
-          <ac:spMkLst>
-            <pc:docMk/>
-            <pc:sldMk cId="4146690274" sldId="256"/>
-            <ac:spMk id="138" creationId="{FC59F4E6-AAA6-7F93-5461-F84D313A030A}"/>
-          </ac:spMkLst>
-        </pc:spChg>
-        <pc:spChg chg="add del mod">
-          <ac:chgData name="Amit Tzur" userId="107f5334-6ffc-489e-8437-039101ea83e6" providerId="ADAL" clId="{AB878BD5-057C-4607-9280-9B6D4CDC4A98}" dt="2024-02-27T09:25:25.843" v="351" actId="478"/>
-          <ac:spMkLst>
-            <pc:docMk/>
-            <pc:sldMk cId="4146690274" sldId="256"/>
-            <ac:spMk id="139" creationId="{CD68FF7B-38AE-BC4F-0F41-07BAD2F8C516}"/>
-          </ac:spMkLst>
-        </pc:spChg>
-        <pc:spChg chg="add mod">
-          <ac:chgData name="Amit Tzur" userId="107f5334-6ffc-489e-8437-039101ea83e6" providerId="ADAL" clId="{AB878BD5-057C-4607-9280-9B6D4CDC4A98}" dt="2024-02-27T09:25:44.708" v="355" actId="164"/>
-          <ac:spMkLst>
-            <pc:docMk/>
-            <pc:sldMk cId="4146690274" sldId="256"/>
-            <ac:spMk id="142" creationId="{320D3C37-0AC5-E49C-CBAA-218DEBA3B442}"/>
-          </ac:spMkLst>
-        </pc:spChg>
-        <pc:spChg chg="add mod">
-          <ac:chgData name="Amit Tzur" userId="107f5334-6ffc-489e-8437-039101ea83e6" providerId="ADAL" clId="{AB878BD5-057C-4607-9280-9B6D4CDC4A98}" dt="2024-02-27T09:25:44.708" v="355" actId="164"/>
-          <ac:spMkLst>
-            <pc:docMk/>
-            <pc:sldMk cId="4146690274" sldId="256"/>
-            <ac:spMk id="145" creationId="{24A5F419-BC96-C23C-55DA-B0A3B5228DFD}"/>
-          </ac:spMkLst>
-        </pc:spChg>
-        <pc:spChg chg="add del mod">
-          <ac:chgData name="Amit Tzur" userId="107f5334-6ffc-489e-8437-039101ea83e6" providerId="ADAL" clId="{AB878BD5-057C-4607-9280-9B6D4CDC4A98}" dt="2024-02-27T09:25:36.067" v="354" actId="478"/>
-          <ac:spMkLst>
-            <pc:docMk/>
-            <pc:sldMk cId="4146690274" sldId="256"/>
-            <ac:spMk id="147" creationId="{B814AA04-496A-33D3-C92B-0211B5038AD7}"/>
-          </ac:spMkLst>
-        </pc:spChg>
-        <pc:spChg chg="add del mod">
-          <ac:chgData name="Amit Tzur" userId="107f5334-6ffc-489e-8437-039101ea83e6" providerId="ADAL" clId="{AB878BD5-057C-4607-9280-9B6D4CDC4A98}" dt="2024-02-27T09:25:25.843" v="351" actId="478"/>
-          <ac:spMkLst>
-            <pc:docMk/>
-            <pc:sldMk cId="4146690274" sldId="256"/>
-            <ac:spMk id="148" creationId="{E0A92EEE-3C25-6FEE-A2DB-5C129ED2D6C9}"/>
-          </ac:spMkLst>
-        </pc:spChg>
-        <pc:spChg chg="add del mod">
-          <ac:chgData name="Amit Tzur" userId="107f5334-6ffc-489e-8437-039101ea83e6" providerId="ADAL" clId="{AB878BD5-057C-4607-9280-9B6D4CDC4A98}" dt="2024-02-27T09:25:25.843" v="351" actId="478"/>
-          <ac:spMkLst>
-            <pc:docMk/>
-            <pc:sldMk cId="4146690274" sldId="256"/>
-            <ac:spMk id="151" creationId="{5FE36FE6-66E9-A376-FA6F-36F54583AB3B}"/>
-          </ac:spMkLst>
-        </pc:spChg>
-        <pc:spChg chg="add del mod">
-          <ac:chgData name="Amit Tzur" userId="107f5334-6ffc-489e-8437-039101ea83e6" providerId="ADAL" clId="{AB878BD5-057C-4607-9280-9B6D4CDC4A98}" dt="2024-02-27T09:25:06.085" v="348" actId="478"/>
-          <ac:spMkLst>
-            <pc:docMk/>
-            <pc:sldMk cId="4146690274" sldId="256"/>
-            <ac:spMk id="153" creationId="{1AEBD062-DA0B-9DEE-13D6-1982D0A4E66D}"/>
-          </ac:spMkLst>
-        </pc:spChg>
-        <pc:spChg chg="add del mod">
-          <ac:chgData name="Amit Tzur" userId="107f5334-6ffc-489e-8437-039101ea83e6" providerId="ADAL" clId="{AB878BD5-057C-4607-9280-9B6D4CDC4A98}" dt="2024-02-27T09:25:06.085" v="348" actId="478"/>
-          <ac:spMkLst>
-            <pc:docMk/>
-            <pc:sldMk cId="4146690274" sldId="256"/>
-            <ac:spMk id="156" creationId="{18744D43-A3ED-EE5B-D6E7-22EA5822306B}"/>
-          </ac:spMkLst>
-        </pc:spChg>
-        <pc:spChg chg="add del mod">
-          <ac:chgData name="Amit Tzur" userId="107f5334-6ffc-489e-8437-039101ea83e6" providerId="ADAL" clId="{AB878BD5-057C-4607-9280-9B6D4CDC4A98}" dt="2024-02-27T09:37:08.772" v="430" actId="478"/>
-          <ac:spMkLst>
-            <pc:docMk/>
-            <pc:sldMk cId="4146690274" sldId="256"/>
-            <ac:spMk id="161" creationId="{8374B900-A20C-6F99-2E50-7C6D2BEFD420}"/>
-          </ac:spMkLst>
-        </pc:spChg>
-        <pc:spChg chg="add del mod">
-          <ac:chgData name="Amit Tzur" userId="107f5334-6ffc-489e-8437-039101ea83e6" providerId="ADAL" clId="{AB878BD5-057C-4607-9280-9B6D4CDC4A98}" dt="2024-02-27T09:35:02.985" v="376" actId="478"/>
-          <ac:spMkLst>
-            <pc:docMk/>
-            <pc:sldMk cId="4146690274" sldId="256"/>
-            <ac:spMk id="164" creationId="{75E492A8-870F-A00B-C6DA-FD94F5BE4EA1}"/>
-          </ac:spMkLst>
-        </pc:spChg>
-        <pc:spChg chg="add del mod">
-          <ac:chgData name="Amit Tzur" userId="107f5334-6ffc-489e-8437-039101ea83e6" providerId="ADAL" clId="{AB878BD5-057C-4607-9280-9B6D4CDC4A98}" dt="2024-02-27T09:35:02.985" v="376" actId="478"/>
-          <ac:spMkLst>
-            <pc:docMk/>
-            <pc:sldMk cId="4146690274" sldId="256"/>
-            <ac:spMk id="165" creationId="{FA20AF3C-54F0-0ED1-4B9D-56E3E4B0555E}"/>
-          </ac:spMkLst>
-        </pc:spChg>
-        <pc:spChg chg="add del mod">
-          <ac:chgData name="Amit Tzur" userId="107f5334-6ffc-489e-8437-039101ea83e6" providerId="ADAL" clId="{AB878BD5-057C-4607-9280-9B6D4CDC4A98}" dt="2024-02-27T09:35:02.985" v="376" actId="478"/>
-          <ac:spMkLst>
-            <pc:docMk/>
-            <pc:sldMk cId="4146690274" sldId="256"/>
-            <ac:spMk id="168" creationId="{EC509B3C-B133-5998-288A-997C4784BCE4}"/>
-          </ac:spMkLst>
-        </pc:spChg>
-        <pc:spChg chg="add mod">
-          <ac:chgData name="Amit Tzur" userId="107f5334-6ffc-489e-8437-039101ea83e6" providerId="ADAL" clId="{AB878BD5-057C-4607-9280-9B6D4CDC4A98}" dt="2024-02-27T09:38:28.787" v="443" actId="14100"/>
-          <ac:spMkLst>
-            <pc:docMk/>
-            <pc:sldMk cId="4146690274" sldId="256"/>
-            <ac:spMk id="171" creationId="{D5669E60-2BF3-74AF-9FA2-237E94089889}"/>
-          </ac:spMkLst>
-        </pc:spChg>
-        <pc:spChg chg="add mod">
-          <ac:chgData name="Amit Tzur" userId="107f5334-6ffc-489e-8437-039101ea83e6" providerId="ADAL" clId="{AB878BD5-057C-4607-9280-9B6D4CDC4A98}" dt="2024-02-27T09:37:46.824" v="442" actId="164"/>
-          <ac:spMkLst>
-            <pc:docMk/>
-            <pc:sldMk cId="4146690274" sldId="256"/>
-            <ac:spMk id="173" creationId="{1805DA54-5180-A795-CBE3-FD5363F3B185}"/>
-          </ac:spMkLst>
-        </pc:spChg>
-        <pc:spChg chg="add del mod">
-          <ac:chgData name="Amit Tzur" userId="107f5334-6ffc-489e-8437-039101ea83e6" providerId="ADAL" clId="{AB878BD5-057C-4607-9280-9B6D4CDC4A98}" dt="2024-02-27T09:34:59.969" v="375" actId="478"/>
-          <ac:spMkLst>
-            <pc:docMk/>
-            <pc:sldMk cId="4146690274" sldId="256"/>
-            <ac:spMk id="174" creationId="{F3F68A1B-AF09-FDD0-95CD-054D5F09A2A6}"/>
-          </ac:spMkLst>
-        </pc:spChg>
-        <pc:spChg chg="add del mod">
-          <ac:chgData name="Amit Tzur" userId="107f5334-6ffc-489e-8437-039101ea83e6" providerId="ADAL" clId="{AB878BD5-057C-4607-9280-9B6D4CDC4A98}" dt="2024-02-27T09:35:42.676" v="409" actId="478"/>
-          <ac:spMkLst>
-            <pc:docMk/>
-            <pc:sldMk cId="4146690274" sldId="256"/>
-            <ac:spMk id="177" creationId="{8F80E599-FA97-6231-030F-2EE4BF8E7B86}"/>
-          </ac:spMkLst>
-        </pc:spChg>
-        <pc:spChg chg="add mod">
-          <ac:chgData name="Amit Tzur" userId="107f5334-6ffc-489e-8437-039101ea83e6" providerId="ADAL" clId="{AB878BD5-057C-4607-9280-9B6D4CDC4A98}" dt="2024-02-27T09:37:46.824" v="442" actId="164"/>
-          <ac:spMkLst>
-            <pc:docMk/>
-            <pc:sldMk cId="4146690274" sldId="256"/>
-            <ac:spMk id="179" creationId="{B902FAF0-F4F2-F157-77F5-E9EC3B1FCCC4}"/>
-          </ac:spMkLst>
-        </pc:spChg>
-        <pc:spChg chg="add del mod">
-          <ac:chgData name="Amit Tzur" userId="107f5334-6ffc-489e-8437-039101ea83e6" providerId="ADAL" clId="{AB878BD5-057C-4607-9280-9B6D4CDC4A98}" dt="2024-02-27T09:34:59.969" v="375" actId="478"/>
-          <ac:spMkLst>
-            <pc:docMk/>
-            <pc:sldMk cId="4146690274" sldId="256"/>
-            <ac:spMk id="182" creationId="{A665C40D-66F1-8F68-EF6F-1668882C22CF}"/>
-          </ac:spMkLst>
-        </pc:spChg>
-        <pc:spChg chg="add mod">
-          <ac:chgData name="Amit Tzur" userId="107f5334-6ffc-489e-8437-039101ea83e6" providerId="ADAL" clId="{AB878BD5-057C-4607-9280-9B6D4CDC4A98}" dt="2024-02-27T09:37:46.824" v="442" actId="164"/>
-          <ac:spMkLst>
-            <pc:docMk/>
-            <pc:sldMk cId="4146690274" sldId="256"/>
-            <ac:spMk id="197" creationId="{544A8F41-9F70-117B-DBE2-1052677DC575}"/>
-          </ac:spMkLst>
-        </pc:spChg>
-        <pc:grpChg chg="add del mod">
-          <ac:chgData name="Amit Tzur" userId="107f5334-6ffc-489e-8437-039101ea83e6" providerId="ADAL" clId="{AB878BD5-057C-4607-9280-9B6D4CDC4A98}" dt="2024-02-27T08:57:06.769" v="103" actId="478"/>
-          <ac:grpSpMkLst>
-            <pc:docMk/>
-            <pc:sldMk cId="4146690274" sldId="256"/>
-            <ac:grpSpMk id="45" creationId="{632EA137-38E3-F22E-8D88-E9758E33A431}"/>
-          </ac:grpSpMkLst>
-        </pc:grpChg>
-        <pc:grpChg chg="add del mod">
-          <ac:chgData name="Amit Tzur" userId="107f5334-6ffc-489e-8437-039101ea83e6" providerId="ADAL" clId="{AB878BD5-057C-4607-9280-9B6D4CDC4A98}" dt="2024-02-27T09:04:53.273" v="220" actId="478"/>
-          <ac:grpSpMkLst>
-            <pc:docMk/>
-            <pc:sldMk cId="4146690274" sldId="256"/>
-            <ac:grpSpMk id="93" creationId="{59AC16CB-7E3F-7E54-70BC-CEA854C12C97}"/>
-          </ac:grpSpMkLst>
-        </pc:grpChg>
-        <pc:grpChg chg="add mod">
-          <ac:chgData name="Amit Tzur" userId="107f5334-6ffc-489e-8437-039101ea83e6" providerId="ADAL" clId="{AB878BD5-057C-4607-9280-9B6D4CDC4A98}" dt="2024-02-27T09:17:37.605" v="344" actId="164"/>
-          <ac:grpSpMkLst>
-            <pc:docMk/>
-            <pc:sldMk cId="4146690274" sldId="256"/>
-            <ac:grpSpMk id="133" creationId="{161009F7-8337-1380-B02F-569BF29DE581}"/>
-          </ac:grpSpMkLst>
-        </pc:grpChg>
-        <pc:grpChg chg="add mod">
-          <ac:chgData name="Amit Tzur" userId="107f5334-6ffc-489e-8437-039101ea83e6" providerId="ADAL" clId="{AB878BD5-057C-4607-9280-9B6D4CDC4A98}" dt="2024-02-27T09:34:05.311" v="360" actId="552"/>
-          <ac:grpSpMkLst>
-            <pc:docMk/>
-            <pc:sldMk cId="4146690274" sldId="256"/>
-            <ac:grpSpMk id="158" creationId="{F53533CF-751A-BF2C-B065-D2A4CD513A19}"/>
-          </ac:grpSpMkLst>
-        </pc:grpChg>
-        <pc:grpChg chg="add mod">
-          <ac:chgData name="Amit Tzur" userId="107f5334-6ffc-489e-8437-039101ea83e6" providerId="ADAL" clId="{AB878BD5-057C-4607-9280-9B6D4CDC4A98}" dt="2024-02-27T09:37:46.824" v="442" actId="164"/>
+        <pc:grpChg chg="mod">
+          <ac:chgData name="Amit Tzur" userId="107f5334-6ffc-489e-8437-039101ea83e6" providerId="ADAL" clId="{C38C1E97-345F-4627-AC3A-622549F17C87}" dt="2025-01-28T11:25:31.624" v="294" actId="1076"/>
           <ac:grpSpMkLst>
             <pc:docMk/>
             <pc:sldMk cId="4146690274" sldId="256"/>
             <ac:grpSpMk id="203" creationId="{7FF0ACD3-CDCD-92CB-933E-697727E45175}"/>
           </ac:grpSpMkLst>
         </pc:grpChg>
-        <pc:picChg chg="add mod">
-          <ac:chgData name="Amit Tzur" userId="107f5334-6ffc-489e-8437-039101ea83e6" providerId="ADAL" clId="{AB878BD5-057C-4607-9280-9B6D4CDC4A98}" dt="2024-02-27T08:55:08.262" v="102" actId="164"/>
+      </pc:sldChg>
+      <pc:sldChg chg="addSp delSp modSp add mod">
+        <pc:chgData name="Amit Tzur" userId="107f5334-6ffc-489e-8437-039101ea83e6" providerId="ADAL" clId="{C38C1E97-345F-4627-AC3A-622549F17C87}" dt="2025-01-28T11:50:15.369" v="488" actId="1076"/>
+        <pc:sldMkLst>
+          <pc:docMk/>
+          <pc:sldMk cId="644078281" sldId="258"/>
+        </pc:sldMkLst>
+        <pc:spChg chg="del">
+          <ac:chgData name="Amit Tzur" userId="107f5334-6ffc-489e-8437-039101ea83e6" providerId="ADAL" clId="{C38C1E97-345F-4627-AC3A-622549F17C87}" dt="2025-01-28T11:47:00.865" v="486" actId="478"/>
+          <ac:spMkLst>
+            <pc:docMk/>
+            <pc:sldMk cId="644078281" sldId="258"/>
+            <ac:spMk id="4" creationId="{451BA4AD-A3F3-AF8F-2E66-37F802D6E068}"/>
+          </ac:spMkLst>
+        </pc:spChg>
+        <pc:spChg chg="del">
+          <ac:chgData name="Amit Tzur" userId="107f5334-6ffc-489e-8437-039101ea83e6" providerId="ADAL" clId="{C38C1E97-345F-4627-AC3A-622549F17C87}" dt="2025-01-28T11:47:00.865" v="486" actId="478"/>
+          <ac:spMkLst>
+            <pc:docMk/>
+            <pc:sldMk cId="644078281" sldId="258"/>
+            <ac:spMk id="10" creationId="{958C4599-EE18-E66A-035F-1CE4354740F1}"/>
+          </ac:spMkLst>
+        </pc:spChg>
+        <pc:spChg chg="del">
+          <ac:chgData name="Amit Tzur" userId="107f5334-6ffc-489e-8437-039101ea83e6" providerId="ADAL" clId="{C38C1E97-345F-4627-AC3A-622549F17C87}" dt="2025-01-28T11:47:00.865" v="486" actId="478"/>
+          <ac:spMkLst>
+            <pc:docMk/>
+            <pc:sldMk cId="644078281" sldId="258"/>
+            <ac:spMk id="11" creationId="{C4EC4A47-6291-D864-9829-7707E76D8F1B}"/>
+          </ac:spMkLst>
+        </pc:spChg>
+        <pc:spChg chg="del">
+          <ac:chgData name="Amit Tzur" userId="107f5334-6ffc-489e-8437-039101ea83e6" providerId="ADAL" clId="{C38C1E97-345F-4627-AC3A-622549F17C87}" dt="2025-01-28T11:47:00.865" v="486" actId="478"/>
+          <ac:spMkLst>
+            <pc:docMk/>
+            <pc:sldMk cId="644078281" sldId="258"/>
+            <ac:spMk id="23" creationId="{4224877B-5DA4-FBB9-F642-20E3F528591A}"/>
+          </ac:spMkLst>
+        </pc:spChg>
+        <pc:spChg chg="del">
+          <ac:chgData name="Amit Tzur" userId="107f5334-6ffc-489e-8437-039101ea83e6" providerId="ADAL" clId="{C38C1E97-345F-4627-AC3A-622549F17C87}" dt="2025-01-28T11:47:00.865" v="486" actId="478"/>
+          <ac:spMkLst>
+            <pc:docMk/>
+            <pc:sldMk cId="644078281" sldId="258"/>
+            <ac:spMk id="28" creationId="{165B8FD8-B5D2-8602-EEF6-476BA340BB18}"/>
+          </ac:spMkLst>
+        </pc:spChg>
+        <pc:spChg chg="del">
+          <ac:chgData name="Amit Tzur" userId="107f5334-6ffc-489e-8437-039101ea83e6" providerId="ADAL" clId="{C38C1E97-345F-4627-AC3A-622549F17C87}" dt="2025-01-28T11:47:00.865" v="486" actId="478"/>
+          <ac:spMkLst>
+            <pc:docMk/>
+            <pc:sldMk cId="644078281" sldId="258"/>
+            <ac:spMk id="38" creationId="{4B86FB46-5429-4E11-9A41-579C9B411CE6}"/>
+          </ac:spMkLst>
+        </pc:spChg>
+        <pc:spChg chg="del">
+          <ac:chgData name="Amit Tzur" userId="107f5334-6ffc-489e-8437-039101ea83e6" providerId="ADAL" clId="{C38C1E97-345F-4627-AC3A-622549F17C87}" dt="2025-01-28T11:47:00.865" v="486" actId="478"/>
+          <ac:spMkLst>
+            <pc:docMk/>
+            <pc:sldMk cId="644078281" sldId="258"/>
+            <ac:spMk id="40" creationId="{5E5B1A63-D7C8-FABC-0A15-19EA487790D8}"/>
+          </ac:spMkLst>
+        </pc:spChg>
+        <pc:spChg chg="del">
+          <ac:chgData name="Amit Tzur" userId="107f5334-6ffc-489e-8437-039101ea83e6" providerId="ADAL" clId="{C38C1E97-345F-4627-AC3A-622549F17C87}" dt="2025-01-28T11:47:00.865" v="486" actId="478"/>
+          <ac:spMkLst>
+            <pc:docMk/>
+            <pc:sldMk cId="644078281" sldId="258"/>
+            <ac:spMk id="43" creationId="{02F5C1BE-1927-D21C-E6D7-FD9A78B20192}"/>
+          </ac:spMkLst>
+        </pc:spChg>
+        <pc:spChg chg="add mod">
+          <ac:chgData name="Amit Tzur" userId="107f5334-6ffc-489e-8437-039101ea83e6" providerId="ADAL" clId="{C38C1E97-345F-4627-AC3A-622549F17C87}" dt="2025-01-28T11:50:15.369" v="488" actId="1076"/>
+          <ac:spMkLst>
+            <pc:docMk/>
+            <pc:sldMk cId="644078281" sldId="258"/>
+            <ac:spMk id="50" creationId="{A8A99833-97BD-737D-EC5E-959760BAC5B0}"/>
+          </ac:spMkLst>
+        </pc:spChg>
+        <pc:spChg chg="add mod">
+          <ac:chgData name="Amit Tzur" userId="107f5334-6ffc-489e-8437-039101ea83e6" providerId="ADAL" clId="{C38C1E97-345F-4627-AC3A-622549F17C87}" dt="2025-01-28T11:31:10.504" v="351" actId="164"/>
+          <ac:spMkLst>
+            <pc:docMk/>
+            <pc:sldMk cId="644078281" sldId="258"/>
+            <ac:spMk id="51" creationId="{43EED009-5932-75A1-4D74-FEFDA6BE15C8}"/>
+          </ac:spMkLst>
+        </pc:spChg>
+        <pc:spChg chg="add del mod">
+          <ac:chgData name="Amit Tzur" userId="107f5334-6ffc-489e-8437-039101ea83e6" providerId="ADAL" clId="{C38C1E97-345F-4627-AC3A-622549F17C87}" dt="2025-01-28T11:27:01.211" v="333" actId="478"/>
+          <ac:spMkLst>
+            <pc:docMk/>
+            <pc:sldMk cId="644078281" sldId="258"/>
+            <ac:spMk id="52" creationId="{B4925853-53BD-8156-75D0-8131C612BA3F}"/>
+          </ac:spMkLst>
+        </pc:spChg>
+        <pc:spChg chg="add mod">
+          <ac:chgData name="Amit Tzur" userId="107f5334-6ffc-489e-8437-039101ea83e6" providerId="ADAL" clId="{C38C1E97-345F-4627-AC3A-622549F17C87}" dt="2025-01-28T11:31:10.504" v="351" actId="164"/>
+          <ac:spMkLst>
+            <pc:docMk/>
+            <pc:sldMk cId="644078281" sldId="258"/>
+            <ac:spMk id="54" creationId="{BF28CCCE-A542-4674-F3CE-EA47683FBC1C}"/>
+          </ac:spMkLst>
+        </pc:spChg>
+        <pc:spChg chg="del">
+          <ac:chgData name="Amit Tzur" userId="107f5334-6ffc-489e-8437-039101ea83e6" providerId="ADAL" clId="{C38C1E97-345F-4627-AC3A-622549F17C87}" dt="2025-01-28T11:47:00.865" v="486" actId="478"/>
+          <ac:spMkLst>
+            <pc:docMk/>
+            <pc:sldMk cId="644078281" sldId="258"/>
+            <ac:spMk id="58" creationId="{CF5FF3E4-CF01-4890-52AC-D415B0B69681}"/>
+          </ac:spMkLst>
+        </pc:spChg>
+        <pc:spChg chg="mod topLvl">
+          <ac:chgData name="Amit Tzur" userId="107f5334-6ffc-489e-8437-039101ea83e6" providerId="ADAL" clId="{C38C1E97-345F-4627-AC3A-622549F17C87}" dt="2025-01-28T11:21:50.367" v="234" actId="164"/>
+          <ac:spMkLst>
+            <pc:docMk/>
+            <pc:sldMk cId="644078281" sldId="258"/>
+            <ac:spMk id="66" creationId="{BFC16D51-25CF-0FBB-535A-E85958D7EA62}"/>
+          </ac:spMkLst>
+        </pc:spChg>
+        <pc:spChg chg="mod topLvl">
+          <ac:chgData name="Amit Tzur" userId="107f5334-6ffc-489e-8437-039101ea83e6" providerId="ADAL" clId="{C38C1E97-345F-4627-AC3A-622549F17C87}" dt="2025-01-28T11:21:50.367" v="234" actId="164"/>
+          <ac:spMkLst>
+            <pc:docMk/>
+            <pc:sldMk cId="644078281" sldId="258"/>
+            <ac:spMk id="69" creationId="{66470FEF-40A0-FE7D-29C4-8F700AFBFCFC}"/>
+          </ac:spMkLst>
+        </pc:spChg>
+        <pc:spChg chg="mod topLvl">
+          <ac:chgData name="Amit Tzur" userId="107f5334-6ffc-489e-8437-039101ea83e6" providerId="ADAL" clId="{C38C1E97-345F-4627-AC3A-622549F17C87}" dt="2025-01-28T11:21:50.367" v="234" actId="164"/>
+          <ac:spMkLst>
+            <pc:docMk/>
+            <pc:sldMk cId="644078281" sldId="258"/>
+            <ac:spMk id="71" creationId="{648579E5-3A2C-E0BD-3405-49D6EAA2CDE7}"/>
+          </ac:spMkLst>
+        </pc:spChg>
+        <pc:spChg chg="del">
+          <ac:chgData name="Amit Tzur" userId="107f5334-6ffc-489e-8437-039101ea83e6" providerId="ADAL" clId="{C38C1E97-345F-4627-AC3A-622549F17C87}" dt="2025-01-28T11:47:00.865" v="486" actId="478"/>
+          <ac:spMkLst>
+            <pc:docMk/>
+            <pc:sldMk cId="644078281" sldId="258"/>
+            <ac:spMk id="76" creationId="{F70FE10E-1FA7-85A9-8465-7EE8624EE6D6}"/>
+          </ac:spMkLst>
+        </pc:spChg>
+        <pc:spChg chg="mod topLvl">
+          <ac:chgData name="Amit Tzur" userId="107f5334-6ffc-489e-8437-039101ea83e6" providerId="ADAL" clId="{C38C1E97-345F-4627-AC3A-622549F17C87}" dt="2025-01-28T11:21:50.367" v="234" actId="164"/>
+          <ac:spMkLst>
+            <pc:docMk/>
+            <pc:sldMk cId="644078281" sldId="258"/>
+            <ac:spMk id="91" creationId="{39485E2A-73E2-D139-8E6F-4E4EE697B42A}"/>
+          </ac:spMkLst>
+        </pc:spChg>
+        <pc:spChg chg="mod topLvl">
+          <ac:chgData name="Amit Tzur" userId="107f5334-6ffc-489e-8437-039101ea83e6" providerId="ADAL" clId="{C38C1E97-345F-4627-AC3A-622549F17C87}" dt="2025-01-28T11:22:01.461" v="239" actId="164"/>
+          <ac:spMkLst>
+            <pc:docMk/>
+            <pc:sldMk cId="644078281" sldId="258"/>
+            <ac:spMk id="108" creationId="{3A568D36-9E45-3AB0-D18D-259B61CBA366}"/>
+          </ac:spMkLst>
+        </pc:spChg>
+        <pc:spChg chg="mod topLvl">
+          <ac:chgData name="Amit Tzur" userId="107f5334-6ffc-489e-8437-039101ea83e6" providerId="ADAL" clId="{C38C1E97-345F-4627-AC3A-622549F17C87}" dt="2025-01-28T11:22:01.461" v="239" actId="164"/>
+          <ac:spMkLst>
+            <pc:docMk/>
+            <pc:sldMk cId="644078281" sldId="258"/>
+            <ac:spMk id="111" creationId="{81184FE1-B764-8DD3-8337-69FFDA89E823}"/>
+          </ac:spMkLst>
+        </pc:spChg>
+        <pc:spChg chg="mod topLvl">
+          <ac:chgData name="Amit Tzur" userId="107f5334-6ffc-489e-8437-039101ea83e6" providerId="ADAL" clId="{C38C1E97-345F-4627-AC3A-622549F17C87}" dt="2025-01-28T11:22:01.461" v="239" actId="164"/>
+          <ac:spMkLst>
+            <pc:docMk/>
+            <pc:sldMk cId="644078281" sldId="258"/>
+            <ac:spMk id="118" creationId="{ADFD9D43-31C7-0678-05FB-86327B271C9F}"/>
+          </ac:spMkLst>
+        </pc:spChg>
+        <pc:spChg chg="mod topLvl">
+          <ac:chgData name="Amit Tzur" userId="107f5334-6ffc-489e-8437-039101ea83e6" providerId="ADAL" clId="{C38C1E97-345F-4627-AC3A-622549F17C87}" dt="2025-01-28T11:22:01.461" v="239" actId="164"/>
+          <ac:spMkLst>
+            <pc:docMk/>
+            <pc:sldMk cId="644078281" sldId="258"/>
+            <ac:spMk id="119" creationId="{0070EF7A-671B-9D2F-D2F6-4A41E486413A}"/>
+          </ac:spMkLst>
+        </pc:spChg>
+        <pc:spChg chg="mod topLvl">
+          <ac:chgData name="Amit Tzur" userId="107f5334-6ffc-489e-8437-039101ea83e6" providerId="ADAL" clId="{C38C1E97-345F-4627-AC3A-622549F17C87}" dt="2025-01-28T11:22:01.461" v="239" actId="164"/>
+          <ac:spMkLst>
+            <pc:docMk/>
+            <pc:sldMk cId="644078281" sldId="258"/>
+            <ac:spMk id="121" creationId="{A0E6BB92-4DEE-D0F2-367B-A93C89AC591D}"/>
+          </ac:spMkLst>
+        </pc:spChg>
+        <pc:spChg chg="mod topLvl">
+          <ac:chgData name="Amit Tzur" userId="107f5334-6ffc-489e-8437-039101ea83e6" providerId="ADAL" clId="{C38C1E97-345F-4627-AC3A-622549F17C87}" dt="2025-01-28T11:31:15.469" v="352" actId="164"/>
+          <ac:spMkLst>
+            <pc:docMk/>
+            <pc:sldMk cId="644078281" sldId="258"/>
+            <ac:spMk id="142" creationId="{044BFE8E-231A-4D04-4CB1-1067644C847F}"/>
+          </ac:spMkLst>
+        </pc:spChg>
+        <pc:spChg chg="mod topLvl">
+          <ac:chgData name="Amit Tzur" userId="107f5334-6ffc-489e-8437-039101ea83e6" providerId="ADAL" clId="{C38C1E97-345F-4627-AC3A-622549F17C87}" dt="2025-01-28T11:31:15.469" v="352" actId="164"/>
+          <ac:spMkLst>
+            <pc:docMk/>
+            <pc:sldMk cId="644078281" sldId="258"/>
+            <ac:spMk id="145" creationId="{033A0D4F-A7F7-68F4-0083-F07C2698CBC0}"/>
+          </ac:spMkLst>
+        </pc:spChg>
+        <pc:spChg chg="mod ord topLvl">
+          <ac:chgData name="Amit Tzur" userId="107f5334-6ffc-489e-8437-039101ea83e6" providerId="ADAL" clId="{C38C1E97-345F-4627-AC3A-622549F17C87}" dt="2025-01-28T11:31:10.504" v="351" actId="164"/>
+          <ac:spMkLst>
+            <pc:docMk/>
+            <pc:sldMk cId="644078281" sldId="258"/>
+            <ac:spMk id="171" creationId="{D584EB81-9867-0689-241A-65F282D296C9}"/>
+          </ac:spMkLst>
+        </pc:spChg>
+        <pc:spChg chg="mod ord topLvl">
+          <ac:chgData name="Amit Tzur" userId="107f5334-6ffc-489e-8437-039101ea83e6" providerId="ADAL" clId="{C38C1E97-345F-4627-AC3A-622549F17C87}" dt="2025-01-28T11:31:10.504" v="351" actId="164"/>
+          <ac:spMkLst>
+            <pc:docMk/>
+            <pc:sldMk cId="644078281" sldId="258"/>
+            <ac:spMk id="173" creationId="{745AA306-D670-6279-4746-C60D8A907275}"/>
+          </ac:spMkLst>
+        </pc:spChg>
+        <pc:spChg chg="mod ord topLvl">
+          <ac:chgData name="Amit Tzur" userId="107f5334-6ffc-489e-8437-039101ea83e6" providerId="ADAL" clId="{C38C1E97-345F-4627-AC3A-622549F17C87}" dt="2025-01-28T11:31:10.504" v="351" actId="164"/>
+          <ac:spMkLst>
+            <pc:docMk/>
+            <pc:sldMk cId="644078281" sldId="258"/>
+            <ac:spMk id="179" creationId="{56FA1C40-39CD-30FB-E983-BD5FD26385CD}"/>
+          </ac:spMkLst>
+        </pc:spChg>
+        <pc:spChg chg="mod ord topLvl">
+          <ac:chgData name="Amit Tzur" userId="107f5334-6ffc-489e-8437-039101ea83e6" providerId="ADAL" clId="{C38C1E97-345F-4627-AC3A-622549F17C87}" dt="2025-01-28T11:31:10.504" v="351" actId="164"/>
+          <ac:spMkLst>
+            <pc:docMk/>
+            <pc:sldMk cId="644078281" sldId="258"/>
+            <ac:spMk id="197" creationId="{943A40A6-3420-2FD4-FB62-D955DB9AA41E}"/>
+          </ac:spMkLst>
+        </pc:spChg>
+        <pc:grpChg chg="add mod">
+          <ac:chgData name="Amit Tzur" userId="107f5334-6ffc-489e-8437-039101ea83e6" providerId="ADAL" clId="{C38C1E97-345F-4627-AC3A-622549F17C87}" dt="2025-01-28T11:21:50.367" v="234" actId="164"/>
+          <ac:grpSpMkLst>
+            <pc:docMk/>
+            <pc:sldMk cId="644078281" sldId="258"/>
+            <ac:grpSpMk id="36" creationId="{890E2184-23AF-95E3-7FE9-2669077FF8C0}"/>
+          </ac:grpSpMkLst>
+        </pc:grpChg>
+        <pc:grpChg chg="add mod">
+          <ac:chgData name="Amit Tzur" userId="107f5334-6ffc-489e-8437-039101ea83e6" providerId="ADAL" clId="{C38C1E97-345F-4627-AC3A-622549F17C87}" dt="2025-01-28T11:22:01.461" v="239" actId="164"/>
+          <ac:grpSpMkLst>
+            <pc:docMk/>
+            <pc:sldMk cId="644078281" sldId="258"/>
+            <ac:grpSpMk id="45" creationId="{64248F88-B5AC-CBB2-6F69-CA6F9CC3E906}"/>
+          </ac:grpSpMkLst>
+        </pc:grpChg>
+        <pc:grpChg chg="add mod">
+          <ac:chgData name="Amit Tzur" userId="107f5334-6ffc-489e-8437-039101ea83e6" providerId="ADAL" clId="{C38C1E97-345F-4627-AC3A-622549F17C87}" dt="2025-01-28T11:31:10.504" v="351" actId="164"/>
+          <ac:grpSpMkLst>
+            <pc:docMk/>
+            <pc:sldMk cId="644078281" sldId="258"/>
+            <ac:grpSpMk id="60" creationId="{599064AF-FAA7-15D9-E587-0F8B6EAE9191}"/>
+          </ac:grpSpMkLst>
+        </pc:grpChg>
+        <pc:grpChg chg="add mod">
+          <ac:chgData name="Amit Tzur" userId="107f5334-6ffc-489e-8437-039101ea83e6" providerId="ADAL" clId="{C38C1E97-345F-4627-AC3A-622549F17C87}" dt="2025-01-28T11:31:15.469" v="352" actId="164"/>
+          <ac:grpSpMkLst>
+            <pc:docMk/>
+            <pc:sldMk cId="644078281" sldId="258"/>
+            <ac:grpSpMk id="61" creationId="{1206394F-DAE8-1799-33B3-7CA33DD12406}"/>
+          </ac:grpSpMkLst>
+        </pc:grpChg>
+        <pc:grpChg chg="del mod">
+          <ac:chgData name="Amit Tzur" userId="107f5334-6ffc-489e-8437-039101ea83e6" providerId="ADAL" clId="{C38C1E97-345F-4627-AC3A-622549F17C87}" dt="2025-01-28T11:14:19.198" v="56" actId="165"/>
+          <ac:grpSpMkLst>
+            <pc:docMk/>
+            <pc:sldMk cId="644078281" sldId="258"/>
+            <ac:grpSpMk id="93" creationId="{FB892A74-B0CE-44B8-60BA-6B9BD904D710}"/>
+          </ac:grpSpMkLst>
+        </pc:grpChg>
+        <pc:grpChg chg="del">
+          <ac:chgData name="Amit Tzur" userId="107f5334-6ffc-489e-8437-039101ea83e6" providerId="ADAL" clId="{C38C1E97-345F-4627-AC3A-622549F17C87}" dt="2025-01-28T11:18:45.514" v="186" actId="165"/>
+          <ac:grpSpMkLst>
+            <pc:docMk/>
+            <pc:sldMk cId="644078281" sldId="258"/>
+            <ac:grpSpMk id="133" creationId="{A00B5601-EB12-9D7C-865B-ECF38E63E3D0}"/>
+          </ac:grpSpMkLst>
+        </pc:grpChg>
+        <pc:grpChg chg="del">
+          <ac:chgData name="Amit Tzur" userId="107f5334-6ffc-489e-8437-039101ea83e6" providerId="ADAL" clId="{C38C1E97-345F-4627-AC3A-622549F17C87}" dt="2025-01-28T11:22:10.778" v="241" actId="165"/>
+          <ac:grpSpMkLst>
+            <pc:docMk/>
+            <pc:sldMk cId="644078281" sldId="258"/>
+            <ac:grpSpMk id="158" creationId="{6881669F-8644-97A2-4559-17EE7FCE2CA5}"/>
+          </ac:grpSpMkLst>
+        </pc:grpChg>
+        <pc:grpChg chg="del">
+          <ac:chgData name="Amit Tzur" userId="107f5334-6ffc-489e-8437-039101ea83e6" providerId="ADAL" clId="{C38C1E97-345F-4627-AC3A-622549F17C87}" dt="2025-01-28T11:22:13.935" v="242" actId="165"/>
+          <ac:grpSpMkLst>
+            <pc:docMk/>
+            <pc:sldMk cId="644078281" sldId="258"/>
+            <ac:grpSpMk id="203" creationId="{716432CC-7729-0DD0-8A5C-1A95BDB64072}"/>
+          </ac:grpSpMkLst>
+        </pc:grpChg>
+        <pc:picChg chg="add mod ord">
+          <ac:chgData name="Amit Tzur" userId="107f5334-6ffc-489e-8437-039101ea83e6" providerId="ADAL" clId="{C38C1E97-345F-4627-AC3A-622549F17C87}" dt="2025-01-28T11:21:50.367" v="234" actId="164"/>
           <ac:picMkLst>
             <pc:docMk/>
-            <pc:sldMk cId="4146690274" sldId="256"/>
-            <ac:picMk id="5" creationId="{FD96D135-E795-B2D4-5116-F6F76619DEB6}"/>
+            <pc:sldMk cId="644078281" sldId="258"/>
+            <ac:picMk id="3" creationId="{62DE6979-5C2C-061E-AF9F-19F56726038F}"/>
           </ac:picMkLst>
         </pc:picChg>
-        <pc:picChg chg="add mod">
-          <ac:chgData name="Amit Tzur" userId="107f5334-6ffc-489e-8437-039101ea83e6" providerId="ADAL" clId="{AB878BD5-057C-4607-9280-9B6D4CDC4A98}" dt="2024-02-27T09:02:54.069" v="176" actId="164"/>
+        <pc:picChg chg="add mod ord">
+          <ac:chgData name="Amit Tzur" userId="107f5334-6ffc-489e-8437-039101ea83e6" providerId="ADAL" clId="{C38C1E97-345F-4627-AC3A-622549F17C87}" dt="2025-01-28T11:22:01.461" v="239" actId="164"/>
           <ac:picMkLst>
             <pc:docMk/>
-            <pc:sldMk cId="4146690274" sldId="256"/>
-            <ac:picMk id="65" creationId="{DE7B9800-C0BD-1894-F2E7-A05982A1CD2B}"/>
+            <pc:sldMk cId="644078281" sldId="258"/>
+            <ac:picMk id="29" creationId="{A0038AA2-A687-A730-A406-ED0F38FC2BF0}"/>
           </ac:picMkLst>
         </pc:picChg>
-        <pc:picChg chg="mod ord">
-          <ac:chgData name="Amit Tzur" userId="107f5334-6ffc-489e-8437-039101ea83e6" providerId="ADAL" clId="{AB878BD5-057C-4607-9280-9B6D4CDC4A98}" dt="2024-02-27T08:57:30.840" v="106" actId="14100"/>
+        <pc:picChg chg="add mod ord">
+          <ac:chgData name="Amit Tzur" userId="107f5334-6ffc-489e-8437-039101ea83e6" providerId="ADAL" clId="{C38C1E97-345F-4627-AC3A-622549F17C87}" dt="2025-01-28T11:31:15.469" v="352" actId="164"/>
           <ac:picMkLst>
             <pc:docMk/>
-            <pc:sldMk cId="4146690274" sldId="256"/>
-            <ac:picMk id="70" creationId="{2A79B68B-09F9-59A9-C6F1-FF646005B09D}"/>
+            <pc:sldMk cId="644078281" sldId="258"/>
+            <ac:picMk id="39" creationId="{3DE7ACD5-5A5F-7A49-A25C-6F4E1D6515FB}"/>
+          </ac:picMkLst>
+        </pc:picChg>
+        <pc:picChg chg="add mod ord">
+          <ac:chgData name="Amit Tzur" userId="107f5334-6ffc-489e-8437-039101ea83e6" providerId="ADAL" clId="{C38C1E97-345F-4627-AC3A-622549F17C87}" dt="2025-01-28T11:31:10.504" v="351" actId="164"/>
+          <ac:picMkLst>
+            <pc:docMk/>
+            <pc:sldMk cId="644078281" sldId="258"/>
+            <ac:picMk id="44" creationId="{2FEA55C9-823D-5623-25AD-D604E2337B48}"/>
+          </ac:picMkLst>
+        </pc:picChg>
+        <pc:picChg chg="del mod topLvl">
+          <ac:chgData name="Amit Tzur" userId="107f5334-6ffc-489e-8437-039101ea83e6" providerId="ADAL" clId="{C38C1E97-345F-4627-AC3A-622549F17C87}" dt="2025-01-28T11:14:30.363" v="60" actId="478"/>
+          <ac:picMkLst>
+            <pc:docMk/>
+            <pc:sldMk cId="644078281" sldId="258"/>
+            <ac:picMk id="65" creationId="{C9E0D9F8-E2FC-8F1A-65DA-6E9C0314A8C0}"/>
           </ac:picMkLst>
         </pc:picChg>
         <pc:picChg chg="add del mod">
-          <ac:chgData name="Amit Tzur" userId="107f5334-6ffc-489e-8437-039101ea83e6" providerId="ADAL" clId="{AB878BD5-057C-4607-9280-9B6D4CDC4A98}" dt="2024-02-27T09:17:37.605" v="344" actId="164"/>
+          <ac:chgData name="Amit Tzur" userId="107f5334-6ffc-489e-8437-039101ea83e6" providerId="ADAL" clId="{C38C1E97-345F-4627-AC3A-622549F17C87}" dt="2025-01-28T11:13:56.939" v="52" actId="478"/>
           <ac:picMkLst>
             <pc:docMk/>
-            <pc:sldMk cId="4146690274" sldId="256"/>
-            <ac:picMk id="94" creationId="{C93E78D3-8EDC-CEA2-F1F1-7494393238DE}"/>
+            <pc:sldMk cId="644078281" sldId="258"/>
+            <ac:picMk id="70" creationId="{24CFF9CF-0591-2734-A05A-7CEB0DCECCD1}"/>
           </ac:picMkLst>
         </pc:picChg>
-        <pc:picChg chg="add mod">
-          <ac:chgData name="Amit Tzur" userId="107f5334-6ffc-489e-8437-039101ea83e6" providerId="ADAL" clId="{AB878BD5-057C-4607-9280-9B6D4CDC4A98}" dt="2024-02-27T09:25:44.708" v="355" actId="164"/>
+        <pc:picChg chg="del mod topLvl">
+          <ac:chgData name="Amit Tzur" userId="107f5334-6ffc-489e-8437-039101ea83e6" providerId="ADAL" clId="{C38C1E97-345F-4627-AC3A-622549F17C87}" dt="2025-01-28T11:19:02.911" v="190" actId="478"/>
           <ac:picMkLst>
             <pc:docMk/>
-            <pc:sldMk cId="4146690274" sldId="256"/>
-            <ac:picMk id="134" creationId="{734850D3-1358-679A-CD3C-E7E7BB049B5C}"/>
+            <pc:sldMk cId="644078281" sldId="258"/>
+            <ac:picMk id="94" creationId="{A6CA95F5-95A3-0A49-BAE1-9C572792234A}"/>
           </ac:picMkLst>
         </pc:picChg>
-        <pc:picChg chg="add del mod">
-          <ac:chgData name="Amit Tzur" userId="107f5334-6ffc-489e-8437-039101ea83e6" providerId="ADAL" clId="{AB878BD5-057C-4607-9280-9B6D4CDC4A98}" dt="2024-02-27T09:37:46.824" v="442" actId="164"/>
+        <pc:picChg chg="del mod topLvl">
+          <ac:chgData name="Amit Tzur" userId="107f5334-6ffc-489e-8437-039101ea83e6" providerId="ADAL" clId="{C38C1E97-345F-4627-AC3A-622549F17C87}" dt="2025-01-28T11:22:46.820" v="249" actId="478"/>
           <ac:picMkLst>
             <pc:docMk/>
-            <pc:sldMk cId="4146690274" sldId="256"/>
-            <ac:picMk id="160" creationId="{EF312E90-25A1-6C8F-82F7-DB8BA38E42BC}"/>
+            <pc:sldMk cId="644078281" sldId="258"/>
+            <ac:picMk id="134" creationId="{B6367019-B079-CFDA-8BEB-ABFACC3CD45D}"/>
+          </ac:picMkLst>
+        </pc:picChg>
+        <pc:picChg chg="add del mod topLvl">
+          <ac:chgData name="Amit Tzur" userId="107f5334-6ffc-489e-8437-039101ea83e6" providerId="ADAL" clId="{C38C1E97-345F-4627-AC3A-622549F17C87}" dt="2025-01-28T11:23:22.118" v="253" actId="478"/>
+          <ac:picMkLst>
+            <pc:docMk/>
+            <pc:sldMk cId="644078281" sldId="258"/>
+            <ac:picMk id="160" creationId="{F4F022ED-7456-8C2C-96D1-2B357F0BE193}"/>
           </ac:picMkLst>
         </pc:picChg>
         <pc:cxnChg chg="mod">
-          <ac:chgData name="Amit Tzur" userId="107f5334-6ffc-489e-8437-039101ea83e6" providerId="ADAL" clId="{AB878BD5-057C-4607-9280-9B6D4CDC4A98}" dt="2024-02-27T09:00:46.385" v="152" actId="692"/>
+          <ac:chgData name="Amit Tzur" userId="107f5334-6ffc-489e-8437-039101ea83e6" providerId="ADAL" clId="{C38C1E97-345F-4627-AC3A-622549F17C87}" dt="2025-01-28T11:16:36.142" v="92" actId="1036"/>
           <ac:cxnSpMkLst>
             <pc:docMk/>
-            <pc:sldMk cId="4146690274" sldId="256"/>
-            <ac:cxnSpMk id="7" creationId="{AD7C99A7-74D3-99F8-7124-4FA1E97AA892}"/>
+            <pc:sldMk cId="644078281" sldId="258"/>
+            <ac:cxnSpMk id="67" creationId="{41F76F47-7F93-BA08-FAD4-589D10E28F07}"/>
+          </ac:cxnSpMkLst>
+        </pc:cxnChg>
+        <pc:cxnChg chg="mod topLvl">
+          <ac:chgData name="Amit Tzur" userId="107f5334-6ffc-489e-8437-039101ea83e6" providerId="ADAL" clId="{C38C1E97-345F-4627-AC3A-622549F17C87}" dt="2025-01-28T11:21:50.367" v="234" actId="164"/>
+          <ac:cxnSpMkLst>
+            <pc:docMk/>
+            <pc:sldMk cId="644078281" sldId="258"/>
+            <ac:cxnSpMk id="68" creationId="{D0682E1B-8197-436F-6131-EB12323C6125}"/>
+          </ac:cxnSpMkLst>
+        </pc:cxnChg>
+        <pc:cxnChg chg="mod">
+          <ac:chgData name="Amit Tzur" userId="107f5334-6ffc-489e-8437-039101ea83e6" providerId="ADAL" clId="{C38C1E97-345F-4627-AC3A-622549F17C87}" dt="2025-01-28T11:17:05.656" v="118" actId="14100"/>
+          <ac:cxnSpMkLst>
+            <pc:docMk/>
+            <pc:sldMk cId="644078281" sldId="258"/>
+            <ac:cxnSpMk id="72" creationId="{11F35FF1-AF11-629A-0716-D383EBC441D4}"/>
+          </ac:cxnSpMkLst>
+        </pc:cxnChg>
+        <pc:cxnChg chg="mod topLvl">
+          <ac:chgData name="Amit Tzur" userId="107f5334-6ffc-489e-8437-039101ea83e6" providerId="ADAL" clId="{C38C1E97-345F-4627-AC3A-622549F17C87}" dt="2025-01-28T11:21:50.367" v="234" actId="164"/>
+          <ac:cxnSpMkLst>
+            <pc:docMk/>
+            <pc:sldMk cId="644078281" sldId="258"/>
+            <ac:cxnSpMk id="73" creationId="{4B7F8C21-6ABB-A8A3-9ED0-21F37B48854F}"/>
+          </ac:cxnSpMkLst>
+        </pc:cxnChg>
+        <pc:cxnChg chg="mod topLvl">
+          <ac:chgData name="Amit Tzur" userId="107f5334-6ffc-489e-8437-039101ea83e6" providerId="ADAL" clId="{C38C1E97-345F-4627-AC3A-622549F17C87}" dt="2025-01-28T11:21:50.367" v="234" actId="164"/>
+          <ac:cxnSpMkLst>
+            <pc:docMk/>
+            <pc:sldMk cId="644078281" sldId="258"/>
+            <ac:cxnSpMk id="90" creationId="{23621149-B21F-0EE8-06F0-1257BA20610B}"/>
+          </ac:cxnSpMkLst>
+        </pc:cxnChg>
+        <pc:cxnChg chg="mod topLvl">
+          <ac:chgData name="Amit Tzur" userId="107f5334-6ffc-489e-8437-039101ea83e6" providerId="ADAL" clId="{C38C1E97-345F-4627-AC3A-622549F17C87}" dt="2025-01-28T11:21:50.367" v="234" actId="164"/>
+          <ac:cxnSpMkLst>
+            <pc:docMk/>
+            <pc:sldMk cId="644078281" sldId="258"/>
+            <ac:cxnSpMk id="92" creationId="{C0F463DF-F718-730E-8F8B-D6318E3CBFDD}"/>
+          </ac:cxnSpMkLst>
+        </pc:cxnChg>
+        <pc:cxnChg chg="mod">
+          <ac:chgData name="Amit Tzur" userId="107f5334-6ffc-489e-8437-039101ea83e6" providerId="ADAL" clId="{C38C1E97-345F-4627-AC3A-622549F17C87}" dt="2025-01-28T11:22:01.461" v="239" actId="164"/>
+          <ac:cxnSpMkLst>
+            <pc:docMk/>
+            <pc:sldMk cId="644078281" sldId="258"/>
+            <ac:cxnSpMk id="109" creationId="{6100CB93-9D84-5E38-5F6A-0C235F2521BD}"/>
+          </ac:cxnSpMkLst>
+        </pc:cxnChg>
+        <pc:cxnChg chg="mod">
+          <ac:chgData name="Amit Tzur" userId="107f5334-6ffc-489e-8437-039101ea83e6" providerId="ADAL" clId="{C38C1E97-345F-4627-AC3A-622549F17C87}" dt="2025-01-28T11:20:31.779" v="222" actId="14100"/>
+          <ac:cxnSpMkLst>
+            <pc:docMk/>
+            <pc:sldMk cId="644078281" sldId="258"/>
+            <ac:cxnSpMk id="110" creationId="{13E62A21-D061-0CD5-8E1C-7653D8ACFE20}"/>
+          </ac:cxnSpMkLst>
+        </pc:cxnChg>
+        <pc:cxnChg chg="del mod topLvl">
+          <ac:chgData name="Amit Tzur" userId="107f5334-6ffc-489e-8437-039101ea83e6" providerId="ADAL" clId="{C38C1E97-345F-4627-AC3A-622549F17C87}" dt="2025-01-28T11:21:22.609" v="230" actId="478"/>
+          <ac:cxnSpMkLst>
+            <pc:docMk/>
+            <pc:sldMk cId="644078281" sldId="258"/>
+            <ac:cxnSpMk id="120" creationId="{C0283775-277C-A4F1-0F33-9522E6F0B255}"/>
+          </ac:cxnSpMkLst>
+        </pc:cxnChg>
+        <pc:cxnChg chg="mod topLvl">
+          <ac:chgData name="Amit Tzur" userId="107f5334-6ffc-489e-8437-039101ea83e6" providerId="ADAL" clId="{C38C1E97-345F-4627-AC3A-622549F17C87}" dt="2025-01-28T11:22:01.461" v="239" actId="164"/>
+          <ac:cxnSpMkLst>
+            <pc:docMk/>
+            <pc:sldMk cId="644078281" sldId="258"/>
+            <ac:cxnSpMk id="122" creationId="{3CF46640-8F2B-C7E8-3B8B-21A0223FB38A}"/>
+          </ac:cxnSpMkLst>
+        </pc:cxnChg>
+        <pc:cxnChg chg="mod topLvl">
+          <ac:chgData name="Amit Tzur" userId="107f5334-6ffc-489e-8437-039101ea83e6" providerId="ADAL" clId="{C38C1E97-345F-4627-AC3A-622549F17C87}" dt="2025-01-28T11:22:01.461" v="239" actId="164"/>
+          <ac:cxnSpMkLst>
+            <pc:docMk/>
+            <pc:sldMk cId="644078281" sldId="258"/>
+            <ac:cxnSpMk id="125" creationId="{A26A4B0A-C780-9FD1-0EF6-039D1A3E2CB3}"/>
+          </ac:cxnSpMkLst>
+        </pc:cxnChg>
+        <pc:cxnChg chg="mod topLvl">
+          <ac:chgData name="Amit Tzur" userId="107f5334-6ffc-489e-8437-039101ea83e6" providerId="ADAL" clId="{C38C1E97-345F-4627-AC3A-622549F17C87}" dt="2025-01-28T11:31:15.469" v="352" actId="164"/>
+          <ac:cxnSpMkLst>
+            <pc:docMk/>
+            <pc:sldMk cId="644078281" sldId="258"/>
+            <ac:cxnSpMk id="143" creationId="{D7BA22BD-60E5-5AC0-04F0-7A3ED3E02BFD}"/>
+          </ac:cxnSpMkLst>
+        </pc:cxnChg>
+        <pc:cxnChg chg="mod topLvl">
+          <ac:chgData name="Amit Tzur" userId="107f5334-6ffc-489e-8437-039101ea83e6" providerId="ADAL" clId="{C38C1E97-345F-4627-AC3A-622549F17C87}" dt="2025-01-28T11:31:15.469" v="352" actId="164"/>
+          <ac:cxnSpMkLst>
+            <pc:docMk/>
+            <pc:sldMk cId="644078281" sldId="258"/>
+            <ac:cxnSpMk id="144" creationId="{B9882F6D-F769-5AEE-E099-C30FE5931C90}"/>
           </ac:cxnSpMkLst>
         </pc:cxnChg>
         <pc:cxnChg chg="mod ord">
-          <ac:chgData name="Amit Tzur" userId="107f5334-6ffc-489e-8437-039101ea83e6" providerId="ADAL" clId="{AB878BD5-057C-4607-9280-9B6D4CDC4A98}" dt="2024-02-27T09:00:46.385" v="152" actId="692"/>
+          <ac:chgData name="Amit Tzur" userId="107f5334-6ffc-489e-8437-039101ea83e6" providerId="ADAL" clId="{C38C1E97-345F-4627-AC3A-622549F17C87}" dt="2025-01-28T11:30:22.847" v="346" actId="692"/>
           <ac:cxnSpMkLst>
             <pc:docMk/>
-            <pc:sldMk cId="4146690274" sldId="256"/>
-            <ac:cxnSpMk id="8" creationId="{A31581ED-E087-660B-FC73-43F599B9263A}"/>
+            <pc:sldMk cId="644078281" sldId="258"/>
+            <ac:cxnSpMk id="170" creationId="{5323CBBE-CBE5-C1C6-5BCA-8048F2B774BF}"/>
+          </ac:cxnSpMkLst>
+        </pc:cxnChg>
+        <pc:cxnChg chg="mod ord">
+          <ac:chgData name="Amit Tzur" userId="107f5334-6ffc-489e-8437-039101ea83e6" providerId="ADAL" clId="{C38C1E97-345F-4627-AC3A-622549F17C87}" dt="2025-01-28T11:30:24.654" v="348" actId="1076"/>
+          <ac:cxnSpMkLst>
+            <pc:docMk/>
+            <pc:sldMk cId="644078281" sldId="258"/>
+            <ac:cxnSpMk id="172" creationId="{5863D2D4-3BD9-85F9-7E6C-B0B214864A08}"/>
+          </ac:cxnSpMkLst>
+        </pc:cxnChg>
+        <pc:cxnChg chg="mod">
+          <ac:chgData name="Amit Tzur" userId="107f5334-6ffc-489e-8437-039101ea83e6" providerId="ADAL" clId="{C38C1E97-345F-4627-AC3A-622549F17C87}" dt="2025-01-28T11:23:46.131" v="257" actId="14100"/>
+          <ac:cxnSpMkLst>
+            <pc:docMk/>
+            <pc:sldMk cId="644078281" sldId="258"/>
+            <ac:cxnSpMk id="178" creationId="{17C1B6A8-19F3-DD46-BB26-EB28C558D629}"/>
+          </ac:cxnSpMkLst>
+        </pc:cxnChg>
+        <pc:cxnChg chg="mod ord topLvl">
+          <ac:chgData name="Amit Tzur" userId="107f5334-6ffc-489e-8437-039101ea83e6" providerId="ADAL" clId="{C38C1E97-345F-4627-AC3A-622549F17C87}" dt="2025-01-28T11:31:10.504" v="351" actId="164"/>
+          <ac:cxnSpMkLst>
+            <pc:docMk/>
+            <pc:sldMk cId="644078281" sldId="258"/>
+            <ac:cxnSpMk id="180" creationId="{1DD6696E-ADCB-E954-A55B-1EFD1493F99A}"/>
+          </ac:cxnSpMkLst>
+        </pc:cxnChg>
+        <pc:cxnChg chg="mod ord">
+          <ac:chgData name="Amit Tzur" userId="107f5334-6ffc-489e-8437-039101ea83e6" providerId="ADAL" clId="{C38C1E97-345F-4627-AC3A-622549F17C87}" dt="2025-01-28T11:29:54.132" v="342" actId="166"/>
+          <ac:cxnSpMkLst>
+            <pc:docMk/>
+            <pc:sldMk cId="644078281" sldId="258"/>
+            <ac:cxnSpMk id="187" creationId="{354BF549-7D3B-60CD-616F-2144B0CC0441}"/>
+          </ac:cxnSpMkLst>
+        </pc:cxnChg>
+        <pc:cxnChg chg="mod ord topLvl">
+          <ac:chgData name="Amit Tzur" userId="107f5334-6ffc-489e-8437-039101ea83e6" providerId="ADAL" clId="{C38C1E97-345F-4627-AC3A-622549F17C87}" dt="2025-01-28T11:29:54.132" v="342" actId="166"/>
+          <ac:cxnSpMkLst>
+            <pc:docMk/>
+            <pc:sldMk cId="644078281" sldId="258"/>
+            <ac:cxnSpMk id="188" creationId="{2D987F61-2500-E47B-1ED2-EF9E0DEAA932}"/>
+          </ac:cxnSpMkLst>
+        </pc:cxnChg>
+        <pc:cxnChg chg="mod topLvl">
+          <ac:chgData name="Amit Tzur" userId="107f5334-6ffc-489e-8437-039101ea83e6" providerId="ADAL" clId="{C38C1E97-345F-4627-AC3A-622549F17C87}" dt="2025-01-28T11:23:40.644" v="255" actId="14100"/>
+          <ac:cxnSpMkLst>
+            <pc:docMk/>
+            <pc:sldMk cId="644078281" sldId="258"/>
+            <ac:cxnSpMk id="196" creationId="{56BA401B-5AE2-859E-6D2C-C52391336AEA}"/>
+          </ac:cxnSpMkLst>
+        </pc:cxnChg>
+        <pc:cxnChg chg="mod ord topLvl">
+          <ac:chgData name="Amit Tzur" userId="107f5334-6ffc-489e-8437-039101ea83e6" providerId="ADAL" clId="{C38C1E97-345F-4627-AC3A-622549F17C87}" dt="2025-01-28T11:30:22.847" v="346" actId="692"/>
+          <ac:cxnSpMkLst>
+            <pc:docMk/>
+            <pc:sldMk cId="644078281" sldId="258"/>
+            <ac:cxnSpMk id="198" creationId="{36425CA0-0C52-961D-173C-155D21FFBECB}"/>
+          </ac:cxnSpMkLst>
+        </pc:cxnChg>
+      </pc:sldChg>
+      <pc:sldChg chg="addSp delSp modSp add mod">
+        <pc:chgData name="Amit Tzur" userId="107f5334-6ffc-489e-8437-039101ea83e6" providerId="ADAL" clId="{C38C1E97-345F-4627-AC3A-622549F17C87}" dt="2025-01-28T11:59:51.125" v="540" actId="164"/>
+        <pc:sldMkLst>
+          <pc:docMk/>
+          <pc:sldMk cId="113948419" sldId="259"/>
+        </pc:sldMkLst>
+        <pc:spChg chg="mod">
+          <ac:chgData name="Amit Tzur" userId="107f5334-6ffc-489e-8437-039101ea83e6" providerId="ADAL" clId="{C38C1E97-345F-4627-AC3A-622549F17C87}" dt="2025-01-28T11:57:15.886" v="493" actId="165"/>
+          <ac:spMkLst>
+            <pc:docMk/>
+            <pc:sldMk cId="113948419" sldId="259"/>
+            <ac:spMk id="3" creationId="{C4E1A009-E543-5B64-49CF-C65CBAD2E381}"/>
+          </ac:spMkLst>
+        </pc:spChg>
+        <pc:spChg chg="mod topLvl">
+          <ac:chgData name="Amit Tzur" userId="107f5334-6ffc-489e-8437-039101ea83e6" providerId="ADAL" clId="{C38C1E97-345F-4627-AC3A-622549F17C87}" dt="2025-01-28T11:32:39.834" v="392" actId="164"/>
+          <ac:spMkLst>
+            <pc:docMk/>
+            <pc:sldMk cId="113948419" sldId="259"/>
+            <ac:spMk id="6" creationId="{3AA5B381-1A34-E83B-AF93-22103DA4A6EF}"/>
+          </ac:spMkLst>
+        </pc:spChg>
+        <pc:spChg chg="mod topLvl">
+          <ac:chgData name="Amit Tzur" userId="107f5334-6ffc-489e-8437-039101ea83e6" providerId="ADAL" clId="{C38C1E97-345F-4627-AC3A-622549F17C87}" dt="2025-01-28T11:32:39.834" v="392" actId="164"/>
+          <ac:spMkLst>
+            <pc:docMk/>
+            <pc:sldMk cId="113948419" sldId="259"/>
+            <ac:spMk id="9" creationId="{6FD126C9-3927-8782-38F5-8DC15B866664}"/>
+          </ac:spMkLst>
+        </pc:spChg>
+        <pc:spChg chg="mod topLvl">
+          <ac:chgData name="Amit Tzur" userId="107f5334-6ffc-489e-8437-039101ea83e6" providerId="ADAL" clId="{C38C1E97-345F-4627-AC3A-622549F17C87}" dt="2025-01-28T11:33:30.677" v="402" actId="164"/>
+          <ac:spMkLst>
+            <pc:docMk/>
+            <pc:sldMk cId="113948419" sldId="259"/>
+            <ac:spMk id="12" creationId="{D3DA25E0-C22C-93E4-2302-1945C0CE3C54}"/>
+          </ac:spMkLst>
+        </pc:spChg>
+        <pc:spChg chg="mod topLvl">
+          <ac:chgData name="Amit Tzur" userId="107f5334-6ffc-489e-8437-039101ea83e6" providerId="ADAL" clId="{C38C1E97-345F-4627-AC3A-622549F17C87}" dt="2025-01-28T11:33:30.677" v="402" actId="164"/>
+          <ac:spMkLst>
+            <pc:docMk/>
+            <pc:sldMk cId="113948419" sldId="259"/>
+            <ac:spMk id="15" creationId="{1B67B610-D266-669F-B370-0B7A405883E0}"/>
+          </ac:spMkLst>
+        </pc:spChg>
+        <pc:spChg chg="mod topLvl">
+          <ac:chgData name="Amit Tzur" userId="107f5334-6ffc-489e-8437-039101ea83e6" providerId="ADAL" clId="{C38C1E97-345F-4627-AC3A-622549F17C87}" dt="2025-01-28T11:59:51.125" v="540" actId="164"/>
+          <ac:spMkLst>
+            <pc:docMk/>
+            <pc:sldMk cId="113948419" sldId="259"/>
+            <ac:spMk id="16" creationId="{C2DA0491-BBA8-AC09-789C-D334713E0958}"/>
+          </ac:spMkLst>
+        </pc:spChg>
+        <pc:spChg chg="mod topLvl">
+          <ac:chgData name="Amit Tzur" userId="107f5334-6ffc-489e-8437-039101ea83e6" providerId="ADAL" clId="{C38C1E97-345F-4627-AC3A-622549F17C87}" dt="2025-01-28T11:59:51.125" v="540" actId="164"/>
+          <ac:spMkLst>
+            <pc:docMk/>
+            <pc:sldMk cId="113948419" sldId="259"/>
+            <ac:spMk id="17" creationId="{15DD20E7-7EBD-D4DD-72C2-5A9DDE2B0E42}"/>
+          </ac:spMkLst>
+        </pc:spChg>
+        <pc:spChg chg="mod topLvl">
+          <ac:chgData name="Amit Tzur" userId="107f5334-6ffc-489e-8437-039101ea83e6" providerId="ADAL" clId="{C38C1E97-345F-4627-AC3A-622549F17C87}" dt="2025-01-28T11:59:51.125" v="540" actId="164"/>
+          <ac:spMkLst>
+            <pc:docMk/>
+            <pc:sldMk cId="113948419" sldId="259"/>
+            <ac:spMk id="20" creationId="{8E3BCCCB-59F7-A374-664D-C92A2661912E}"/>
+          </ac:spMkLst>
+        </pc:spChg>
+        <pc:spChg chg="mod topLvl">
+          <ac:chgData name="Amit Tzur" userId="107f5334-6ffc-489e-8437-039101ea83e6" providerId="ADAL" clId="{C38C1E97-345F-4627-AC3A-622549F17C87}" dt="2025-01-28T11:59:51.125" v="540" actId="164"/>
+          <ac:spMkLst>
+            <pc:docMk/>
+            <pc:sldMk cId="113948419" sldId="259"/>
+            <ac:spMk id="25" creationId="{3FC4E5D3-DFD1-0584-FAE7-16F4368E10D6}"/>
+          </ac:spMkLst>
+        </pc:spChg>
+        <pc:spChg chg="mod topLvl">
+          <ac:chgData name="Amit Tzur" userId="107f5334-6ffc-489e-8437-039101ea83e6" providerId="ADAL" clId="{C38C1E97-345F-4627-AC3A-622549F17C87}" dt="2025-01-28T11:59:51.125" v="540" actId="164"/>
+          <ac:spMkLst>
+            <pc:docMk/>
+            <pc:sldMk cId="113948419" sldId="259"/>
+            <ac:spMk id="27" creationId="{D55A89DA-C1BC-1F61-BDA4-784B873A4127}"/>
+          </ac:spMkLst>
+        </pc:spChg>
+        <pc:spChg chg="mod topLvl">
+          <ac:chgData name="Amit Tzur" userId="107f5334-6ffc-489e-8437-039101ea83e6" providerId="ADAL" clId="{C38C1E97-345F-4627-AC3A-622549F17C87}" dt="2025-01-28T11:59:51.125" v="540" actId="164"/>
+          <ac:spMkLst>
+            <pc:docMk/>
+            <pc:sldMk cId="113948419" sldId="259"/>
+            <ac:spMk id="28" creationId="{E9C75E1E-62F6-AC40-5694-D4093204041E}"/>
+          </ac:spMkLst>
+        </pc:spChg>
+        <pc:spChg chg="mod topLvl">
+          <ac:chgData name="Amit Tzur" userId="107f5334-6ffc-489e-8437-039101ea83e6" providerId="ADAL" clId="{C38C1E97-345F-4627-AC3A-622549F17C87}" dt="2025-01-28T11:59:51.125" v="540" actId="164"/>
+          <ac:spMkLst>
+            <pc:docMk/>
+            <pc:sldMk cId="113948419" sldId="259"/>
+            <ac:spMk id="31" creationId="{35C3E8F6-3C79-D30F-8AD0-FE9D55D3D195}"/>
+          </ac:spMkLst>
+        </pc:spChg>
+        <pc:spChg chg="mod topLvl">
+          <ac:chgData name="Amit Tzur" userId="107f5334-6ffc-489e-8437-039101ea83e6" providerId="ADAL" clId="{C38C1E97-345F-4627-AC3A-622549F17C87}" dt="2025-01-28T11:59:51.125" v="540" actId="164"/>
+          <ac:spMkLst>
+            <pc:docMk/>
+            <pc:sldMk cId="113948419" sldId="259"/>
+            <ac:spMk id="35" creationId="{F0621C6D-CDFF-128A-8C8E-43A424513F1D}"/>
+          </ac:spMkLst>
+        </pc:spChg>
+        <pc:spChg chg="mod topLvl">
+          <ac:chgData name="Amit Tzur" userId="107f5334-6ffc-489e-8437-039101ea83e6" providerId="ADAL" clId="{C38C1E97-345F-4627-AC3A-622549F17C87}" dt="2025-01-28T11:46:37.733" v="485" actId="164"/>
+          <ac:spMkLst>
+            <pc:docMk/>
+            <pc:sldMk cId="113948419" sldId="259"/>
+            <ac:spMk id="53" creationId="{E8F69D14-CF76-15DC-B507-A3A24DC046A1}"/>
+          </ac:spMkLst>
+        </pc:spChg>
+        <pc:spChg chg="mod topLvl">
+          <ac:chgData name="Amit Tzur" userId="107f5334-6ffc-489e-8437-039101ea83e6" providerId="ADAL" clId="{C38C1E97-345F-4627-AC3A-622549F17C87}" dt="2025-01-28T11:46:37.733" v="485" actId="164"/>
+          <ac:spMkLst>
+            <pc:docMk/>
+            <pc:sldMk cId="113948419" sldId="259"/>
+            <ac:spMk id="57" creationId="{63207E77-0B80-DBEC-7C22-2FF052646AF1}"/>
+          </ac:spMkLst>
+        </pc:spChg>
+        <pc:spChg chg="add del">
+          <ac:chgData name="Amit Tzur" userId="107f5334-6ffc-489e-8437-039101ea83e6" providerId="ADAL" clId="{C38C1E97-345F-4627-AC3A-622549F17C87}" dt="2025-01-28T11:40:05.579" v="434" actId="11529"/>
+          <ac:spMkLst>
+            <pc:docMk/>
+            <pc:sldMk cId="113948419" sldId="259"/>
+            <ac:spMk id="66" creationId="{FBC7D471-156F-3A4D-7508-1A70BEDB71AD}"/>
+          </ac:spMkLst>
+        </pc:spChg>
+        <pc:spChg chg="add del">
+          <ac:chgData name="Amit Tzur" userId="107f5334-6ffc-489e-8437-039101ea83e6" providerId="ADAL" clId="{C38C1E97-345F-4627-AC3A-622549F17C87}" dt="2025-01-28T11:40:28.567" v="436" actId="478"/>
+          <ac:spMkLst>
+            <pc:docMk/>
+            <pc:sldMk cId="113948419" sldId="259"/>
+            <ac:spMk id="67" creationId="{26EC2050-1775-0D89-5D6D-9497428DA3B3}"/>
+          </ac:spMkLst>
+        </pc:spChg>
+        <pc:spChg chg="add del">
+          <ac:chgData name="Amit Tzur" userId="107f5334-6ffc-489e-8437-039101ea83e6" providerId="ADAL" clId="{C38C1E97-345F-4627-AC3A-622549F17C87}" dt="2025-01-28T11:40:52.815" v="438" actId="478"/>
+          <ac:spMkLst>
+            <pc:docMk/>
+            <pc:sldMk cId="113948419" sldId="259"/>
+            <ac:spMk id="68" creationId="{69B6CF0A-2808-35EB-2F57-65E1A15D9E06}"/>
+          </ac:spMkLst>
+        </pc:spChg>
+        <pc:spChg chg="add del">
+          <ac:chgData name="Amit Tzur" userId="107f5334-6ffc-489e-8437-039101ea83e6" providerId="ADAL" clId="{C38C1E97-345F-4627-AC3A-622549F17C87}" dt="2025-01-28T11:41:30.797" v="440" actId="478"/>
+          <ac:spMkLst>
+            <pc:docMk/>
+            <pc:sldMk cId="113948419" sldId="259"/>
+            <ac:spMk id="69" creationId="{F497CB75-15BF-80C7-FBA5-BD52E2DAF692}"/>
+          </ac:spMkLst>
+        </pc:spChg>
+        <pc:spChg chg="add del mod">
+          <ac:chgData name="Amit Tzur" userId="107f5334-6ffc-489e-8437-039101ea83e6" providerId="ADAL" clId="{C38C1E97-345F-4627-AC3A-622549F17C87}" dt="2025-01-28T11:45:21.741" v="457" actId="478"/>
+          <ac:spMkLst>
+            <pc:docMk/>
+            <pc:sldMk cId="113948419" sldId="259"/>
+            <ac:spMk id="70" creationId="{032F77A9-7B1A-CFCC-BC05-DF57449ABBCC}"/>
+          </ac:spMkLst>
+        </pc:spChg>
+        <pc:spChg chg="add del mod">
+          <ac:chgData name="Amit Tzur" userId="107f5334-6ffc-489e-8437-039101ea83e6" providerId="ADAL" clId="{C38C1E97-345F-4627-AC3A-622549F17C87}" dt="2025-01-28T11:43:38.345" v="448" actId="478"/>
+          <ac:spMkLst>
+            <pc:docMk/>
+            <pc:sldMk cId="113948419" sldId="259"/>
+            <ac:spMk id="71" creationId="{B5EDDD6D-B788-05E2-B920-4A02C1D0EB39}"/>
+          </ac:spMkLst>
+        </pc:spChg>
+        <pc:spChg chg="add del mod">
+          <ac:chgData name="Amit Tzur" userId="107f5334-6ffc-489e-8437-039101ea83e6" providerId="ADAL" clId="{C38C1E97-345F-4627-AC3A-622549F17C87}" dt="2025-01-28T11:44:31.919" v="451" actId="478"/>
+          <ac:spMkLst>
+            <pc:docMk/>
+            <pc:sldMk cId="113948419" sldId="259"/>
+            <ac:spMk id="72" creationId="{E2D0FAD0-EBBC-3F50-6E37-BF20B004E67C}"/>
+          </ac:spMkLst>
+        </pc:spChg>
+        <pc:spChg chg="add mod">
+          <ac:chgData name="Amit Tzur" userId="107f5334-6ffc-489e-8437-039101ea83e6" providerId="ADAL" clId="{C38C1E97-345F-4627-AC3A-622549F17C87}" dt="2025-01-28T11:46:37.733" v="485" actId="164"/>
+          <ac:spMkLst>
+            <pc:docMk/>
+            <pc:sldMk cId="113948419" sldId="259"/>
+            <ac:spMk id="73" creationId="{B35D87EA-96B9-7ACB-7E41-4A492DF8798A}"/>
+          </ac:spMkLst>
+        </pc:spChg>
+        <pc:grpChg chg="mod">
+          <ac:chgData name="Amit Tzur" userId="107f5334-6ffc-489e-8437-039101ea83e6" providerId="ADAL" clId="{C38C1E97-345F-4627-AC3A-622549F17C87}" dt="2025-01-28T11:59:51.125" v="540" actId="164"/>
+          <ac:grpSpMkLst>
+            <pc:docMk/>
+            <pc:sldMk cId="113948419" sldId="259"/>
+            <ac:grpSpMk id="41" creationId="{4A979366-65CB-494A-99CE-805B6BAA86DC}"/>
+          </ac:grpSpMkLst>
+        </pc:grpChg>
+        <pc:grpChg chg="add mod">
+          <ac:chgData name="Amit Tzur" userId="107f5334-6ffc-489e-8437-039101ea83e6" providerId="ADAL" clId="{C38C1E97-345F-4627-AC3A-622549F17C87}" dt="2025-01-28T11:32:39.834" v="392" actId="164"/>
+          <ac:grpSpMkLst>
+            <pc:docMk/>
+            <pc:sldMk cId="113948419" sldId="259"/>
+            <ac:grpSpMk id="43" creationId="{DE7369D5-1231-D1B8-39DD-B77E2E284497}"/>
+          </ac:grpSpMkLst>
+        </pc:grpChg>
+        <pc:grpChg chg="del">
+          <ac:chgData name="Amit Tzur" userId="107f5334-6ffc-489e-8437-039101ea83e6" providerId="ADAL" clId="{C38C1E97-345F-4627-AC3A-622549F17C87}" dt="2025-01-28T11:31:03.077" v="350" actId="165"/>
+          <ac:grpSpMkLst>
+            <pc:docMk/>
+            <pc:sldMk cId="113948419" sldId="259"/>
+            <ac:grpSpMk id="46" creationId="{C40524D1-E61C-5DF3-BDDD-6D5DE045DF90}"/>
+          </ac:grpSpMkLst>
+        </pc:grpChg>
+        <pc:grpChg chg="del">
+          <ac:chgData name="Amit Tzur" userId="107f5334-6ffc-489e-8437-039101ea83e6" providerId="ADAL" clId="{C38C1E97-345F-4627-AC3A-622549F17C87}" dt="2025-01-28T11:31:03.077" v="350" actId="165"/>
+          <ac:grpSpMkLst>
+            <pc:docMk/>
+            <pc:sldMk cId="113948419" sldId="259"/>
+            <ac:grpSpMk id="47" creationId="{CB3E64DC-70F0-02DE-9E8E-32DD198A1039}"/>
+          </ac:grpSpMkLst>
+        </pc:grpChg>
+        <pc:grpChg chg="add mod">
+          <ac:chgData name="Amit Tzur" userId="107f5334-6ffc-489e-8437-039101ea83e6" providerId="ADAL" clId="{C38C1E97-345F-4627-AC3A-622549F17C87}" dt="2025-01-28T11:33:30.677" v="402" actId="164"/>
+          <ac:grpSpMkLst>
+            <pc:docMk/>
+            <pc:sldMk cId="113948419" sldId="259"/>
+            <ac:grpSpMk id="50" creationId="{74F67859-F300-11AD-A020-61669912AF87}"/>
+          </ac:grpSpMkLst>
+        </pc:grpChg>
+        <pc:grpChg chg="add del mod">
+          <ac:chgData name="Amit Tzur" userId="107f5334-6ffc-489e-8437-039101ea83e6" providerId="ADAL" clId="{C38C1E97-345F-4627-AC3A-622549F17C87}" dt="2025-01-28T11:33:48.649" v="405" actId="165"/>
+          <ac:grpSpMkLst>
+            <pc:docMk/>
+            <pc:sldMk cId="113948419" sldId="259"/>
+            <ac:grpSpMk id="51" creationId="{0CB58027-D163-93C9-0090-3E0231EBF14A}"/>
+          </ac:grpSpMkLst>
+        </pc:grpChg>
+        <pc:grpChg chg="add mod">
+          <ac:chgData name="Amit Tzur" userId="107f5334-6ffc-489e-8437-039101ea83e6" providerId="ADAL" clId="{C38C1E97-345F-4627-AC3A-622549F17C87}" dt="2025-01-28T11:46:37.733" v="485" actId="164"/>
+          <ac:grpSpMkLst>
+            <pc:docMk/>
+            <pc:sldMk cId="113948419" sldId="259"/>
+            <ac:grpSpMk id="81" creationId="{56ED398D-C64C-31FD-E664-D4B94BD57875}"/>
+          </ac:grpSpMkLst>
+        </pc:grpChg>
+        <pc:picChg chg="del mod topLvl">
+          <ac:chgData name="Amit Tzur" userId="107f5334-6ffc-489e-8437-039101ea83e6" providerId="ADAL" clId="{C38C1E97-345F-4627-AC3A-622549F17C87}" dt="2025-01-28T11:57:31.703" v="497" actId="478"/>
+          <ac:picMkLst>
+            <pc:docMk/>
+            <pc:sldMk cId="113948419" sldId="259"/>
+            <ac:picMk id="2" creationId="{600E10AC-41DD-CF7C-9013-DD2D2363F1B5}"/>
+          </ac:picMkLst>
+        </pc:picChg>
+        <pc:picChg chg="del mod topLvl">
+          <ac:chgData name="Amit Tzur" userId="107f5334-6ffc-489e-8437-039101ea83e6" providerId="ADAL" clId="{C38C1E97-345F-4627-AC3A-622549F17C87}" dt="2025-01-28T11:31:50.450" v="361" actId="478"/>
+          <ac:picMkLst>
+            <pc:docMk/>
+            <pc:sldMk cId="113948419" sldId="259"/>
+            <ac:picMk id="5" creationId="{02A55635-F6A1-C388-F5BA-5C2D665F5CCF}"/>
+          </ac:picMkLst>
+        </pc:picChg>
+        <pc:picChg chg="add del mod topLvl">
+          <ac:chgData name="Amit Tzur" userId="107f5334-6ffc-489e-8437-039101ea83e6" providerId="ADAL" clId="{C38C1E97-345F-4627-AC3A-622549F17C87}" dt="2025-01-28T11:33:06.288" v="397" actId="478"/>
+          <ac:picMkLst>
+            <pc:docMk/>
+            <pc:sldMk cId="113948419" sldId="259"/>
+            <ac:picMk id="11" creationId="{DDDCE7BC-53B8-F81D-FFB5-E2F4E6B591A5}"/>
+          </ac:picMkLst>
+        </pc:picChg>
+        <pc:picChg chg="add mod ord">
+          <ac:chgData name="Amit Tzur" userId="107f5334-6ffc-489e-8437-039101ea83e6" providerId="ADAL" clId="{C38C1E97-345F-4627-AC3A-622549F17C87}" dt="2025-01-28T11:32:39.834" v="392" actId="164"/>
+          <ac:picMkLst>
+            <pc:docMk/>
+            <pc:sldMk cId="113948419" sldId="259"/>
+            <ac:picMk id="37" creationId="{3EDEAF2B-9475-1E7B-06AD-61C0DEC7DD06}"/>
+          </ac:picMkLst>
+        </pc:picChg>
+        <pc:picChg chg="add mod ord">
+          <ac:chgData name="Amit Tzur" userId="107f5334-6ffc-489e-8437-039101ea83e6" providerId="ADAL" clId="{C38C1E97-345F-4627-AC3A-622549F17C87}" dt="2025-01-28T11:33:30.677" v="402" actId="164"/>
+          <ac:picMkLst>
+            <pc:docMk/>
+            <pc:sldMk cId="113948419" sldId="259"/>
+            <ac:picMk id="38" creationId="{BB438E3A-B452-3C64-723D-BF99F1772255}"/>
+          </ac:picMkLst>
+        </pc:picChg>
+        <pc:picChg chg="mod topLvl">
+          <ac:chgData name="Amit Tzur" userId="107f5334-6ffc-489e-8437-039101ea83e6" providerId="ADAL" clId="{C38C1E97-345F-4627-AC3A-622549F17C87}" dt="2025-01-28T11:46:37.733" v="485" actId="164"/>
+          <ac:picMkLst>
+            <pc:docMk/>
+            <pc:sldMk cId="113948419" sldId="259"/>
+            <ac:picMk id="52" creationId="{DF0199D8-9D1F-DC05-2284-F5EBE488A3DC}"/>
+          </ac:picMkLst>
+        </pc:picChg>
+        <pc:picChg chg="add mod ord">
+          <ac:chgData name="Amit Tzur" userId="107f5334-6ffc-489e-8437-039101ea83e6" providerId="ADAL" clId="{C38C1E97-345F-4627-AC3A-622549F17C87}" dt="2025-01-28T11:59:51.125" v="540" actId="164"/>
+          <ac:picMkLst>
+            <pc:docMk/>
+            <pc:sldMk cId="113948419" sldId="259"/>
+            <ac:picMk id="82" creationId="{8EE10B5A-965D-869B-804E-6613BDBA9206}"/>
+          </ac:picMkLst>
+        </pc:picChg>
+        <pc:cxnChg chg="mod">
+          <ac:chgData name="Amit Tzur" userId="107f5334-6ffc-489e-8437-039101ea83e6" providerId="ADAL" clId="{C38C1E97-345F-4627-AC3A-622549F17C87}" dt="2025-01-28T11:57:55.152" v="499" actId="14100"/>
+          <ac:cxnSpMkLst>
+            <pc:docMk/>
+            <pc:sldMk cId="113948419" sldId="259"/>
+            <ac:cxnSpMk id="4" creationId="{DAD450ED-7A41-41BE-B929-3F35D93FA3CE}"/>
+          </ac:cxnSpMkLst>
+        </pc:cxnChg>
+        <pc:cxnChg chg="mod topLvl">
+          <ac:chgData name="Amit Tzur" userId="107f5334-6ffc-489e-8437-039101ea83e6" providerId="ADAL" clId="{C38C1E97-345F-4627-AC3A-622549F17C87}" dt="2025-01-28T11:32:39.834" v="392" actId="164"/>
+          <ac:cxnSpMkLst>
+            <pc:docMk/>
+            <pc:sldMk cId="113948419" sldId="259"/>
+            <ac:cxnSpMk id="7" creationId="{95F8AB5F-CE72-49EF-4DFF-4A35582B1B05}"/>
+          </ac:cxnSpMkLst>
+        </pc:cxnChg>
+        <pc:cxnChg chg="mod">
+          <ac:chgData name="Amit Tzur" userId="107f5334-6ffc-489e-8437-039101ea83e6" providerId="ADAL" clId="{C38C1E97-345F-4627-AC3A-622549F17C87}" dt="2025-01-28T11:32:39.834" v="392" actId="164"/>
+          <ac:cxnSpMkLst>
+            <pc:docMk/>
+            <pc:sldMk cId="113948419" sldId="259"/>
+            <ac:cxnSpMk id="8" creationId="{E41A603F-4C9B-C158-3AF6-AB0E10092E8E}"/>
+          </ac:cxnSpMkLst>
+        </pc:cxnChg>
+        <pc:cxnChg chg="mod">
+          <ac:chgData name="Amit Tzur" userId="107f5334-6ffc-489e-8437-039101ea83e6" providerId="ADAL" clId="{C38C1E97-345F-4627-AC3A-622549F17C87}" dt="2025-01-28T11:59:03.787" v="514" actId="14100"/>
+          <ac:cxnSpMkLst>
+            <pc:docMk/>
+            <pc:sldMk cId="113948419" sldId="259"/>
+            <ac:cxnSpMk id="10" creationId="{7506384F-073C-FF4C-2B3F-623806D9A600}"/>
+          </ac:cxnSpMkLst>
+        </pc:cxnChg>
+        <pc:cxnChg chg="mod">
+          <ac:chgData name="Amit Tzur" userId="107f5334-6ffc-489e-8437-039101ea83e6" providerId="ADAL" clId="{C38C1E97-345F-4627-AC3A-622549F17C87}" dt="2025-01-28T11:33:30.677" v="402" actId="164"/>
+          <ac:cxnSpMkLst>
+            <pc:docMk/>
+            <pc:sldMk cId="113948419" sldId="259"/>
+            <ac:cxnSpMk id="13" creationId="{F5A49FC1-2393-77B5-4D83-CBAA30E82610}"/>
+          </ac:cxnSpMkLst>
+        </pc:cxnChg>
+        <pc:cxnChg chg="mod">
+          <ac:chgData name="Amit Tzur" userId="107f5334-6ffc-489e-8437-039101ea83e6" providerId="ADAL" clId="{C38C1E97-345F-4627-AC3A-622549F17C87}" dt="2025-01-28T11:33:30.677" v="402" actId="164"/>
+          <ac:cxnSpMkLst>
+            <pc:docMk/>
+            <pc:sldMk cId="113948419" sldId="259"/>
+            <ac:cxnSpMk id="14" creationId="{669C2CA8-7B70-040A-08ED-1CD634490999}"/>
+          </ac:cxnSpMkLst>
+        </pc:cxnChg>
+        <pc:cxnChg chg="mod">
+          <ac:chgData name="Amit Tzur" userId="107f5334-6ffc-489e-8437-039101ea83e6" providerId="ADAL" clId="{C38C1E97-345F-4627-AC3A-622549F17C87}" dt="2025-01-28T11:58:20.361" v="504" actId="1076"/>
+          <ac:cxnSpMkLst>
+            <pc:docMk/>
+            <pc:sldMk cId="113948419" sldId="259"/>
+            <ac:cxnSpMk id="18" creationId="{4B0E1755-520A-61EA-F6ED-E7BA8738C116}"/>
+          </ac:cxnSpMkLst>
+        </pc:cxnChg>
+        <pc:cxnChg chg="mod">
+          <ac:chgData name="Amit Tzur" userId="107f5334-6ffc-489e-8437-039101ea83e6" providerId="ADAL" clId="{C38C1E97-345F-4627-AC3A-622549F17C87}" dt="2025-01-28T11:59:08.730" v="515" actId="14100"/>
+          <ac:cxnSpMkLst>
+            <pc:docMk/>
+            <pc:sldMk cId="113948419" sldId="259"/>
+            <ac:cxnSpMk id="19" creationId="{4992A73C-0B29-9FCB-CF1D-80E105D43077}"/>
+          </ac:cxnSpMkLst>
+        </pc:cxnChg>
+        <pc:cxnChg chg="mod">
+          <ac:chgData name="Amit Tzur" userId="107f5334-6ffc-489e-8437-039101ea83e6" providerId="ADAL" clId="{C38C1E97-345F-4627-AC3A-622549F17C87}" dt="2025-01-28T11:32:39.834" v="392" actId="164"/>
+          <ac:cxnSpMkLst>
+            <pc:docMk/>
+            <pc:sldMk cId="113948419" sldId="259"/>
+            <ac:cxnSpMk id="21" creationId="{7FAD4A20-D765-5055-1C1D-A30A6077DB40}"/>
+          </ac:cxnSpMkLst>
+        </pc:cxnChg>
+        <pc:cxnChg chg="mod">
+          <ac:chgData name="Amit Tzur" userId="107f5334-6ffc-489e-8437-039101ea83e6" providerId="ADAL" clId="{C38C1E97-345F-4627-AC3A-622549F17C87}" dt="2025-01-28T11:32:39.834" v="392" actId="164"/>
+          <ac:cxnSpMkLst>
+            <pc:docMk/>
+            <pc:sldMk cId="113948419" sldId="259"/>
+            <ac:cxnSpMk id="22" creationId="{56685FC5-D158-D92E-2A9F-38682E55EB54}"/>
+          </ac:cxnSpMkLst>
+        </pc:cxnChg>
+        <pc:cxnChg chg="mod">
+          <ac:chgData name="Amit Tzur" userId="107f5334-6ffc-489e-8437-039101ea83e6" providerId="ADAL" clId="{C38C1E97-345F-4627-AC3A-622549F17C87}" dt="2025-01-28T11:59:26.585" v="538" actId="1036"/>
+          <ac:cxnSpMkLst>
+            <pc:docMk/>
+            <pc:sldMk cId="113948419" sldId="259"/>
+            <ac:cxnSpMk id="23" creationId="{15142837-10BD-C854-9998-5A032518FC43}"/>
+          </ac:cxnSpMkLst>
+        </pc:cxnChg>
+        <pc:cxnChg chg="mod">
+          <ac:chgData name="Amit Tzur" userId="107f5334-6ffc-489e-8437-039101ea83e6" providerId="ADAL" clId="{C38C1E97-345F-4627-AC3A-622549F17C87}" dt="2025-01-28T11:59:29.465" v="539" actId="1076"/>
+          <ac:cxnSpMkLst>
+            <pc:docMk/>
+            <pc:sldMk cId="113948419" sldId="259"/>
+            <ac:cxnSpMk id="24" creationId="{FF1A10DD-FB18-1414-723D-D3C1D3738631}"/>
+          </ac:cxnSpMkLst>
+        </pc:cxnChg>
+        <pc:cxnChg chg="mod">
+          <ac:chgData name="Amit Tzur" userId="107f5334-6ffc-489e-8437-039101ea83e6" providerId="ADAL" clId="{C38C1E97-345F-4627-AC3A-622549F17C87}" dt="2025-01-28T11:59:16.592" v="516" actId="1076"/>
+          <ac:cxnSpMkLst>
+            <pc:docMk/>
+            <pc:sldMk cId="113948419" sldId="259"/>
+            <ac:cxnSpMk id="26" creationId="{061EB768-D4C6-39C4-43C5-B49717CFAA1F}"/>
+          </ac:cxnSpMkLst>
+        </pc:cxnChg>
+        <pc:cxnChg chg="mod">
+          <ac:chgData name="Amit Tzur" userId="107f5334-6ffc-489e-8437-039101ea83e6" providerId="ADAL" clId="{C38C1E97-345F-4627-AC3A-622549F17C87}" dt="2025-01-28T11:58:34.135" v="507" actId="1076"/>
+          <ac:cxnSpMkLst>
+            <pc:docMk/>
+            <pc:sldMk cId="113948419" sldId="259"/>
+            <ac:cxnSpMk id="29" creationId="{98BFD2B6-DC5A-0159-89BD-7EBF5C627188}"/>
+          </ac:cxnSpMkLst>
+        </pc:cxnChg>
+        <pc:cxnChg chg="mod">
+          <ac:chgData name="Amit Tzur" userId="107f5334-6ffc-489e-8437-039101ea83e6" providerId="ADAL" clId="{C38C1E97-345F-4627-AC3A-622549F17C87}" dt="2025-01-28T11:58:40.123" v="510" actId="1076"/>
+          <ac:cxnSpMkLst>
+            <pc:docMk/>
+            <pc:sldMk cId="113948419" sldId="259"/>
+            <ac:cxnSpMk id="30" creationId="{E0F02E92-3BE7-43A9-9F78-1AE5EEA44240}"/>
+          </ac:cxnSpMkLst>
+        </pc:cxnChg>
+        <pc:cxnChg chg="mod">
+          <ac:chgData name="Amit Tzur" userId="107f5334-6ffc-489e-8437-039101ea83e6" providerId="ADAL" clId="{C38C1E97-345F-4627-AC3A-622549F17C87}" dt="2025-01-28T11:33:30.677" v="402" actId="164"/>
+          <ac:cxnSpMkLst>
+            <pc:docMk/>
+            <pc:sldMk cId="113948419" sldId="259"/>
+            <ac:cxnSpMk id="32" creationId="{0B5507C3-0987-39AC-5F38-6434EC872197}"/>
+          </ac:cxnSpMkLst>
+        </pc:cxnChg>
+        <pc:cxnChg chg="mod topLvl">
+          <ac:chgData name="Amit Tzur" userId="107f5334-6ffc-489e-8437-039101ea83e6" providerId="ADAL" clId="{C38C1E97-345F-4627-AC3A-622549F17C87}" dt="2025-01-28T11:33:30.677" v="402" actId="164"/>
+          <ac:cxnSpMkLst>
+            <pc:docMk/>
+            <pc:sldMk cId="113948419" sldId="259"/>
+            <ac:cxnSpMk id="33" creationId="{B8E164A6-2BD2-EAAE-1AFE-363D21650196}"/>
+          </ac:cxnSpMkLst>
+        </pc:cxnChg>
+        <pc:cxnChg chg="mod">
+          <ac:chgData name="Amit Tzur" userId="107f5334-6ffc-489e-8437-039101ea83e6" providerId="ADAL" clId="{C38C1E97-345F-4627-AC3A-622549F17C87}" dt="2025-01-28T11:58:06.417" v="501" actId="14100"/>
+          <ac:cxnSpMkLst>
+            <pc:docMk/>
+            <pc:sldMk cId="113948419" sldId="259"/>
+            <ac:cxnSpMk id="34" creationId="{48CDE8D9-0139-E967-4D9F-D01410A02C84}"/>
+          </ac:cxnSpMkLst>
+        </pc:cxnChg>
+        <pc:cxnChg chg="mod">
+          <ac:chgData name="Amit Tzur" userId="107f5334-6ffc-489e-8437-039101ea83e6" providerId="ADAL" clId="{C38C1E97-345F-4627-AC3A-622549F17C87}" dt="2025-01-28T11:58:45.179" v="511" actId="14100"/>
+          <ac:cxnSpMkLst>
+            <pc:docMk/>
+            <pc:sldMk cId="113948419" sldId="259"/>
+            <ac:cxnSpMk id="36" creationId="{CDB9997F-02A1-573D-3C55-EE2521A9F015}"/>
+          </ac:cxnSpMkLst>
+        </pc:cxnChg>
+        <pc:cxnChg chg="mod">
+          <ac:chgData name="Amit Tzur" userId="107f5334-6ffc-489e-8437-039101ea83e6" providerId="ADAL" clId="{C38C1E97-345F-4627-AC3A-622549F17C87}" dt="2025-01-28T11:33:30.677" v="402" actId="164"/>
+          <ac:cxnSpMkLst>
+            <pc:docMk/>
+            <pc:sldMk cId="113948419" sldId="259"/>
+            <ac:cxnSpMk id="39" creationId="{EE934154-E922-6069-C36F-2AB082C575BC}"/>
+          </ac:cxnSpMkLst>
+        </pc:cxnChg>
+        <pc:cxnChg chg="mod topLvl">
+          <ac:chgData name="Amit Tzur" userId="107f5334-6ffc-489e-8437-039101ea83e6" providerId="ADAL" clId="{C38C1E97-345F-4627-AC3A-622549F17C87}" dt="2025-01-28T11:46:37.733" v="485" actId="164"/>
+          <ac:cxnSpMkLst>
+            <pc:docMk/>
+            <pc:sldMk cId="113948419" sldId="259"/>
+            <ac:cxnSpMk id="54" creationId="{BB38074E-DA0F-DD40-5230-6E1CD7A639FE}"/>
+          </ac:cxnSpMkLst>
+        </pc:cxnChg>
+        <pc:cxnChg chg="mod topLvl">
+          <ac:chgData name="Amit Tzur" userId="107f5334-6ffc-489e-8437-039101ea83e6" providerId="ADAL" clId="{C38C1E97-345F-4627-AC3A-622549F17C87}" dt="2025-01-28T11:46:37.733" v="485" actId="164"/>
+          <ac:cxnSpMkLst>
+            <pc:docMk/>
+            <pc:sldMk cId="113948419" sldId="259"/>
+            <ac:cxnSpMk id="56" creationId="{298B2643-4F10-6003-4FFB-C4DD09D5DAE3}"/>
+          </ac:cxnSpMkLst>
+        </pc:cxnChg>
+        <pc:cxnChg chg="mod topLvl">
+          <ac:chgData name="Amit Tzur" userId="107f5334-6ffc-489e-8437-039101ea83e6" providerId="ADAL" clId="{C38C1E97-345F-4627-AC3A-622549F17C87}" dt="2025-01-28T11:46:37.733" v="485" actId="164"/>
+          <ac:cxnSpMkLst>
+            <pc:docMk/>
+            <pc:sldMk cId="113948419" sldId="259"/>
+            <ac:cxnSpMk id="58" creationId="{A8FFB38A-8DC5-F7CD-35D3-029F1D462822}"/>
+          </ac:cxnSpMkLst>
+        </pc:cxnChg>
+        <pc:cxnChg chg="mod topLvl">
+          <ac:chgData name="Amit Tzur" userId="107f5334-6ffc-489e-8437-039101ea83e6" providerId="ADAL" clId="{C38C1E97-345F-4627-AC3A-622549F17C87}" dt="2025-01-28T11:46:37.733" v="485" actId="164"/>
+          <ac:cxnSpMkLst>
+            <pc:docMk/>
+            <pc:sldMk cId="113948419" sldId="259"/>
+            <ac:cxnSpMk id="59" creationId="{402168B8-A6ED-5AF5-B237-8A01608AE291}"/>
           </ac:cxnSpMkLst>
         </pc:cxnChg>
         <pc:cxnChg chg="add mod">
-          <ac:chgData name="Amit Tzur" userId="107f5334-6ffc-489e-8437-039101ea83e6" providerId="ADAL" clId="{AB878BD5-057C-4607-9280-9B6D4CDC4A98}" dt="2024-02-27T08:55:08.262" v="102" actId="164"/>
+          <ac:chgData name="Amit Tzur" userId="107f5334-6ffc-489e-8437-039101ea83e6" providerId="ADAL" clId="{C38C1E97-345F-4627-AC3A-622549F17C87}" dt="2025-01-28T11:46:37.733" v="485" actId="164"/>
           <ac:cxnSpMkLst>
             <pc:docMk/>
-            <pc:sldMk cId="4146690274" sldId="256"/>
-            <ac:cxnSpMk id="9" creationId="{E4D6C1F0-F4DD-7748-A5A4-BB8056BF7904}"/>
-          </ac:cxnSpMkLst>
-        </pc:cxnChg>
-        <pc:cxnChg chg="mod">
-          <ac:chgData name="Amit Tzur" userId="107f5334-6ffc-489e-8437-039101ea83e6" providerId="ADAL" clId="{AB878BD5-057C-4607-9280-9B6D4CDC4A98}" dt="2024-02-27T09:01:51.104" v="161" actId="14100"/>
-          <ac:cxnSpMkLst>
-            <pc:docMk/>
-            <pc:sldMk cId="4146690274" sldId="256"/>
-            <ac:cxnSpMk id="12" creationId="{D6DB11AA-02B0-B1D8-AE6B-2EF34E2EF695}"/>
-          </ac:cxnSpMkLst>
-        </pc:cxnChg>
-        <pc:cxnChg chg="add mod">
-          <ac:chgData name="Amit Tzur" userId="107f5334-6ffc-489e-8437-039101ea83e6" providerId="ADAL" clId="{AB878BD5-057C-4607-9280-9B6D4CDC4A98}" dt="2024-02-27T08:55:08.262" v="102" actId="164"/>
-          <ac:cxnSpMkLst>
-            <pc:docMk/>
-            <pc:sldMk cId="4146690274" sldId="256"/>
-            <ac:cxnSpMk id="13" creationId="{E8F75E87-BD3E-7548-27C0-D6C0B390D106}"/>
-          </ac:cxnSpMkLst>
-        </pc:cxnChg>
-        <pc:cxnChg chg="mod">
-          <ac:chgData name="Amit Tzur" userId="107f5334-6ffc-489e-8437-039101ea83e6" providerId="ADAL" clId="{AB878BD5-057C-4607-9280-9B6D4CDC4A98}" dt="2024-02-27T09:01:57.646" v="162" actId="14100"/>
-          <ac:cxnSpMkLst>
-            <pc:docMk/>
-            <pc:sldMk cId="4146690274" sldId="256"/>
-            <ac:cxnSpMk id="15" creationId="{9C2E4C8D-16BC-14C5-3A07-756BCB028AC7}"/>
-          </ac:cxnSpMkLst>
-        </pc:cxnChg>
-        <pc:cxnChg chg="add mod">
-          <ac:chgData name="Amit Tzur" userId="107f5334-6ffc-489e-8437-039101ea83e6" providerId="ADAL" clId="{AB878BD5-057C-4607-9280-9B6D4CDC4A98}" dt="2024-02-27T08:57:06.769" v="103" actId="478"/>
-          <ac:cxnSpMkLst>
-            <pc:docMk/>
-            <pc:sldMk cId="4146690274" sldId="256"/>
-            <ac:cxnSpMk id="17" creationId="{BED55E08-0470-BB1A-69B6-779D3722AF4C}"/>
-          </ac:cxnSpMkLst>
-        </pc:cxnChg>
-        <pc:cxnChg chg="add mod">
-          <ac:chgData name="Amit Tzur" userId="107f5334-6ffc-489e-8437-039101ea83e6" providerId="ADAL" clId="{AB878BD5-057C-4607-9280-9B6D4CDC4A98}" dt="2024-02-27T08:57:06.769" v="103" actId="478"/>
-          <ac:cxnSpMkLst>
-            <pc:docMk/>
-            <pc:sldMk cId="4146690274" sldId="256"/>
-            <ac:cxnSpMk id="18" creationId="{BD6A095D-AD73-3B01-62BA-5C3023DD14BB}"/>
-          </ac:cxnSpMkLst>
-        </pc:cxnChg>
-        <pc:cxnChg chg="add del mod">
-          <ac:chgData name="Amit Tzur" userId="107f5334-6ffc-489e-8437-039101ea83e6" providerId="ADAL" clId="{AB878BD5-057C-4607-9280-9B6D4CDC4A98}" dt="2024-02-27T08:54:51.441" v="97" actId="478"/>
-          <ac:cxnSpMkLst>
-            <pc:docMk/>
-            <pc:sldMk cId="4146690274" sldId="256"/>
-            <ac:cxnSpMk id="20" creationId="{B977183F-4029-97E8-11E3-01DCCF7D351F}"/>
-          </ac:cxnSpMkLst>
-        </pc:cxnChg>
-        <pc:cxnChg chg="add del mod">
-          <ac:chgData name="Amit Tzur" userId="107f5334-6ffc-489e-8437-039101ea83e6" providerId="ADAL" clId="{AB878BD5-057C-4607-9280-9B6D4CDC4A98}" dt="2024-02-27T08:54:53.109" v="98" actId="478"/>
-          <ac:cxnSpMkLst>
-            <pc:docMk/>
-            <pc:sldMk cId="4146690274" sldId="256"/>
-            <ac:cxnSpMk id="21" creationId="{3EBBEA43-C2DF-80F4-69FE-C1430ADC0FE8}"/>
-          </ac:cxnSpMkLst>
-        </pc:cxnChg>
-        <pc:cxnChg chg="mod">
-          <ac:chgData name="Amit Tzur" userId="107f5334-6ffc-489e-8437-039101ea83e6" providerId="ADAL" clId="{AB878BD5-057C-4607-9280-9B6D4CDC4A98}" dt="2024-02-27T09:02:05.264" v="163" actId="1076"/>
-          <ac:cxnSpMkLst>
-            <pc:docMk/>
-            <pc:sldMk cId="4146690274" sldId="256"/>
-            <ac:cxnSpMk id="24" creationId="{1EC5C6A0-7E7C-1C0D-566B-E1B9715A5FED}"/>
-          </ac:cxnSpMkLst>
-        </pc:cxnChg>
-        <pc:cxnChg chg="mod">
-          <ac:chgData name="Amit Tzur" userId="107f5334-6ffc-489e-8437-039101ea83e6" providerId="ADAL" clId="{AB878BD5-057C-4607-9280-9B6D4CDC4A98}" dt="2024-02-27T09:01:31.049" v="158" actId="1076"/>
-          <ac:cxnSpMkLst>
-            <pc:docMk/>
-            <pc:sldMk cId="4146690274" sldId="256"/>
-            <ac:cxnSpMk id="25" creationId="{C01BAECC-B03B-B9B9-8FAD-0FC5F1216CFD}"/>
-          </ac:cxnSpMkLst>
-        </pc:cxnChg>
-        <pc:cxnChg chg="add del mod">
-          <ac:chgData name="Amit Tzur" userId="107f5334-6ffc-489e-8437-039101ea83e6" providerId="ADAL" clId="{AB878BD5-057C-4607-9280-9B6D4CDC4A98}" dt="2024-02-27T08:54:58.192" v="101" actId="478"/>
-          <ac:cxnSpMkLst>
-            <pc:docMk/>
-            <pc:sldMk cId="4146690274" sldId="256"/>
-            <ac:cxnSpMk id="26" creationId="{F6E6187D-5062-B13F-8310-3DE834074694}"/>
-          </ac:cxnSpMkLst>
-        </pc:cxnChg>
-        <pc:cxnChg chg="add del mod">
-          <ac:chgData name="Amit Tzur" userId="107f5334-6ffc-489e-8437-039101ea83e6" providerId="ADAL" clId="{AB878BD5-057C-4607-9280-9B6D4CDC4A98}" dt="2024-02-27T08:54:45.510" v="94" actId="478"/>
-          <ac:cxnSpMkLst>
-            <pc:docMk/>
-            <pc:sldMk cId="4146690274" sldId="256"/>
-            <ac:cxnSpMk id="30" creationId="{D72DF141-075F-832B-5DD6-F73E4B8079F7}"/>
-          </ac:cxnSpMkLst>
-        </pc:cxnChg>
-        <pc:cxnChg chg="add del mod">
-          <ac:chgData name="Amit Tzur" userId="107f5334-6ffc-489e-8437-039101ea83e6" providerId="ADAL" clId="{AB878BD5-057C-4607-9280-9B6D4CDC4A98}" dt="2024-02-27T08:54:44.436" v="93" actId="478"/>
-          <ac:cxnSpMkLst>
-            <pc:docMk/>
-            <pc:sldMk cId="4146690274" sldId="256"/>
-            <ac:cxnSpMk id="31" creationId="{DA8C18B6-F195-B71B-7871-EC0692B1684E}"/>
-          </ac:cxnSpMkLst>
-        </pc:cxnChg>
-        <pc:cxnChg chg="add del mod">
-          <ac:chgData name="Amit Tzur" userId="107f5334-6ffc-489e-8437-039101ea83e6" providerId="ADAL" clId="{AB878BD5-057C-4607-9280-9B6D4CDC4A98}" dt="2024-02-27T08:54:41.267" v="91" actId="478"/>
-          <ac:cxnSpMkLst>
-            <pc:docMk/>
-            <pc:sldMk cId="4146690274" sldId="256"/>
-            <ac:cxnSpMk id="33" creationId="{14657C7A-99F5-27EA-14CA-3E9065E86709}"/>
-          </ac:cxnSpMkLst>
-        </pc:cxnChg>
-        <pc:cxnChg chg="add del mod">
-          <ac:chgData name="Amit Tzur" userId="107f5334-6ffc-489e-8437-039101ea83e6" providerId="ADAL" clId="{AB878BD5-057C-4607-9280-9B6D4CDC4A98}" dt="2024-02-27T08:54:37.246" v="89" actId="478"/>
-          <ac:cxnSpMkLst>
-            <pc:docMk/>
-            <pc:sldMk cId="4146690274" sldId="256"/>
-            <ac:cxnSpMk id="35" creationId="{800D9B08-DF60-A3DE-A31E-DF885E5D4709}"/>
-          </ac:cxnSpMkLst>
-        </pc:cxnChg>
-        <pc:cxnChg chg="add mod">
-          <ac:chgData name="Amit Tzur" userId="107f5334-6ffc-489e-8437-039101ea83e6" providerId="ADAL" clId="{AB878BD5-057C-4607-9280-9B6D4CDC4A98}" dt="2024-02-27T08:55:08.262" v="102" actId="164"/>
-          <ac:cxnSpMkLst>
-            <pc:docMk/>
-            <pc:sldMk cId="4146690274" sldId="256"/>
-            <ac:cxnSpMk id="36" creationId="{6149464D-793B-8D8D-77A6-F605E759592D}"/>
-          </ac:cxnSpMkLst>
-        </pc:cxnChg>
-        <pc:cxnChg chg="mod">
-          <ac:chgData name="Amit Tzur" userId="107f5334-6ffc-489e-8437-039101ea83e6" providerId="ADAL" clId="{AB878BD5-057C-4607-9280-9B6D4CDC4A98}" dt="2024-02-27T09:02:10.118" v="164" actId="1076"/>
-          <ac:cxnSpMkLst>
-            <pc:docMk/>
-            <pc:sldMk cId="4146690274" sldId="256"/>
-            <ac:cxnSpMk id="37" creationId="{A6DC6F50-7FE6-8865-8409-5AACA8B3A0D2}"/>
-          </ac:cxnSpMkLst>
-        </pc:cxnChg>
-        <pc:cxnChg chg="mod">
-          <ac:chgData name="Amit Tzur" userId="107f5334-6ffc-489e-8437-039101ea83e6" providerId="ADAL" clId="{AB878BD5-057C-4607-9280-9B6D4CDC4A98}" dt="2024-02-27T09:01:21.832" v="157" actId="14100"/>
-          <ac:cxnSpMkLst>
-            <pc:docMk/>
-            <pc:sldMk cId="4146690274" sldId="256"/>
-            <ac:cxnSpMk id="41" creationId="{B8C85E20-4B21-0B1E-5B29-C7CAAE11B359}"/>
-          </ac:cxnSpMkLst>
-        </pc:cxnChg>
-        <pc:cxnChg chg="mod">
-          <ac:chgData name="Amit Tzur" userId="107f5334-6ffc-489e-8437-039101ea83e6" providerId="ADAL" clId="{AB878BD5-057C-4607-9280-9B6D4CDC4A98}" dt="2024-02-27T09:01:16.393" v="156" actId="14100"/>
-          <ac:cxnSpMkLst>
-            <pc:docMk/>
-            <pc:sldMk cId="4146690274" sldId="256"/>
-            <ac:cxnSpMk id="42" creationId="{C91DBF78-9D0F-92B3-FC33-5DF2FFC67050}"/>
-          </ac:cxnSpMkLst>
-        </pc:cxnChg>
-        <pc:cxnChg chg="add mod">
-          <ac:chgData name="Amit Tzur" userId="107f5334-6ffc-489e-8437-039101ea83e6" providerId="ADAL" clId="{AB878BD5-057C-4607-9280-9B6D4CDC4A98}" dt="2024-02-27T08:57:06.769" v="103" actId="478"/>
-          <ac:cxnSpMkLst>
-            <pc:docMk/>
-            <pc:sldMk cId="4146690274" sldId="256"/>
-            <ac:cxnSpMk id="44" creationId="{BB00002F-F58B-DD50-CF2D-1C97DBBADC3E}"/>
-          </ac:cxnSpMkLst>
-        </pc:cxnChg>
-        <pc:cxnChg chg="mod">
-          <ac:chgData name="Amit Tzur" userId="107f5334-6ffc-489e-8437-039101ea83e6" providerId="ADAL" clId="{AB878BD5-057C-4607-9280-9B6D4CDC4A98}" dt="2024-02-27T09:00:46.385" v="152" actId="692"/>
-          <ac:cxnSpMkLst>
-            <pc:docMk/>
-            <pc:sldMk cId="4146690274" sldId="256"/>
-            <ac:cxnSpMk id="53" creationId="{CE5B7553-FF5C-03E5-877F-6B93FC7383C8}"/>
-          </ac:cxnSpMkLst>
-        </pc:cxnChg>
-        <pc:cxnChg chg="mod">
-          <ac:chgData name="Amit Tzur" userId="107f5334-6ffc-489e-8437-039101ea83e6" providerId="ADAL" clId="{AB878BD5-057C-4607-9280-9B6D4CDC4A98}" dt="2024-02-27T09:01:07.025" v="154" actId="14100"/>
-          <ac:cxnSpMkLst>
-            <pc:docMk/>
-            <pc:sldMk cId="4146690274" sldId="256"/>
-            <ac:cxnSpMk id="59" creationId="{ABB8C4C5-8229-770B-E0CC-9263B2B2E9CC}"/>
-          </ac:cxnSpMkLst>
-        </pc:cxnChg>
-        <pc:cxnChg chg="add mod">
-          <ac:chgData name="Amit Tzur" userId="107f5334-6ffc-489e-8437-039101ea83e6" providerId="ADAL" clId="{AB878BD5-057C-4607-9280-9B6D4CDC4A98}" dt="2024-02-27T09:02:54.069" v="176" actId="164"/>
-          <ac:cxnSpMkLst>
-            <pc:docMk/>
-            <pc:sldMk cId="4146690274" sldId="256"/>
-            <ac:cxnSpMk id="67" creationId="{F2B8C96F-7FF6-3BB4-FFEA-2574B1D69A03}"/>
-          </ac:cxnSpMkLst>
-        </pc:cxnChg>
-        <pc:cxnChg chg="add mod">
-          <ac:chgData name="Amit Tzur" userId="107f5334-6ffc-489e-8437-039101ea83e6" providerId="ADAL" clId="{AB878BD5-057C-4607-9280-9B6D4CDC4A98}" dt="2024-02-27T09:02:54.069" v="176" actId="164"/>
-          <ac:cxnSpMkLst>
-            <pc:docMk/>
-            <pc:sldMk cId="4146690274" sldId="256"/>
-            <ac:cxnSpMk id="68" creationId="{6314BDC4-3153-D50D-DA48-6F333717FDA9}"/>
-          </ac:cxnSpMkLst>
-        </pc:cxnChg>
-        <pc:cxnChg chg="add mod">
-          <ac:chgData name="Amit Tzur" userId="107f5334-6ffc-489e-8437-039101ea83e6" providerId="ADAL" clId="{AB878BD5-057C-4607-9280-9B6D4CDC4A98}" dt="2024-02-27T09:04:53.273" v="220" actId="478"/>
-          <ac:cxnSpMkLst>
-            <pc:docMk/>
-            <pc:sldMk cId="4146690274" sldId="256"/>
-            <ac:cxnSpMk id="72" creationId="{6F249980-F122-EFFF-A035-3240E37C189B}"/>
-          </ac:cxnSpMkLst>
-        </pc:cxnChg>
-        <pc:cxnChg chg="add mod">
-          <ac:chgData name="Amit Tzur" userId="107f5334-6ffc-489e-8437-039101ea83e6" providerId="ADAL" clId="{AB878BD5-057C-4607-9280-9B6D4CDC4A98}" dt="2024-02-27T09:04:53.273" v="220" actId="478"/>
-          <ac:cxnSpMkLst>
-            <pc:docMk/>
-            <pc:sldMk cId="4146690274" sldId="256"/>
-            <ac:cxnSpMk id="73" creationId="{1AAB87A6-55DC-C3FA-8E85-DED381535950}"/>
-          </ac:cxnSpMkLst>
-        </pc:cxnChg>
-        <pc:cxnChg chg="add mod ord">
-          <ac:chgData name="Amit Tzur" userId="107f5334-6ffc-489e-8437-039101ea83e6" providerId="ADAL" clId="{AB878BD5-057C-4607-9280-9B6D4CDC4A98}" dt="2024-02-27T09:00:06.145" v="136" actId="692"/>
-          <ac:cxnSpMkLst>
-            <pc:docMk/>
-            <pc:sldMk cId="4146690274" sldId="256"/>
-            <ac:cxnSpMk id="74" creationId="{FC9EFB05-7BA8-904E-AC48-5BFBCEB7D723}"/>
-          </ac:cxnSpMkLst>
-        </pc:cxnChg>
-        <pc:cxnChg chg="add mod">
-          <ac:chgData name="Amit Tzur" userId="107f5334-6ffc-489e-8437-039101ea83e6" providerId="ADAL" clId="{AB878BD5-057C-4607-9280-9B6D4CDC4A98}" dt="2024-02-27T08:59:34.847" v="131" actId="1036"/>
-          <ac:cxnSpMkLst>
-            <pc:docMk/>
-            <pc:sldMk cId="4146690274" sldId="256"/>
-            <ac:cxnSpMk id="77" creationId="{0FD28176-8A4B-3354-8173-5025B1A6B6FA}"/>
-          </ac:cxnSpMkLst>
-        </pc:cxnChg>
-        <pc:cxnChg chg="add del mod">
-          <ac:chgData name="Amit Tzur" userId="107f5334-6ffc-489e-8437-039101ea83e6" providerId="ADAL" clId="{AB878BD5-057C-4607-9280-9B6D4CDC4A98}" dt="2024-02-27T09:02:44.528" v="174" actId="478"/>
-          <ac:cxnSpMkLst>
-            <pc:docMk/>
-            <pc:sldMk cId="4146690274" sldId="256"/>
-            <ac:cxnSpMk id="78" creationId="{1531AAC5-B1E7-276D-6A96-164EB0E9F6AC}"/>
-          </ac:cxnSpMkLst>
-        </pc:cxnChg>
-        <pc:cxnChg chg="add del mod">
-          <ac:chgData name="Amit Tzur" userId="107f5334-6ffc-489e-8437-039101ea83e6" providerId="ADAL" clId="{AB878BD5-057C-4607-9280-9B6D4CDC4A98}" dt="2024-02-27T09:02:46.719" v="175" actId="478"/>
-          <ac:cxnSpMkLst>
-            <pc:docMk/>
-            <pc:sldMk cId="4146690274" sldId="256"/>
-            <ac:cxnSpMk id="79" creationId="{2E45B46E-EDC9-E6D9-BD37-10F74DBA74CD}"/>
-          </ac:cxnSpMkLst>
-        </pc:cxnChg>
-        <pc:cxnChg chg="add del mod">
-          <ac:chgData name="Amit Tzur" userId="107f5334-6ffc-489e-8437-039101ea83e6" providerId="ADAL" clId="{AB878BD5-057C-4607-9280-9B6D4CDC4A98}" dt="2024-02-27T09:02:46.719" v="175" actId="478"/>
-          <ac:cxnSpMkLst>
-            <pc:docMk/>
-            <pc:sldMk cId="4146690274" sldId="256"/>
-            <ac:cxnSpMk id="81" creationId="{2847BC5A-1D2D-A8BD-64D2-03793C238214}"/>
-          </ac:cxnSpMkLst>
-        </pc:cxnChg>
-        <pc:cxnChg chg="add del mod">
-          <ac:chgData name="Amit Tzur" userId="107f5334-6ffc-489e-8437-039101ea83e6" providerId="ADAL" clId="{AB878BD5-057C-4607-9280-9B6D4CDC4A98}" dt="2024-02-27T09:02:42.144" v="172" actId="478"/>
-          <ac:cxnSpMkLst>
-            <pc:docMk/>
-            <pc:sldMk cId="4146690274" sldId="256"/>
-            <ac:cxnSpMk id="84" creationId="{4312356D-6CB1-3FD3-3A3F-32CB48DC70F4}"/>
-          </ac:cxnSpMkLst>
-        </pc:cxnChg>
-        <pc:cxnChg chg="add del mod">
-          <ac:chgData name="Amit Tzur" userId="107f5334-6ffc-489e-8437-039101ea83e6" providerId="ADAL" clId="{AB878BD5-057C-4607-9280-9B6D4CDC4A98}" dt="2024-02-27T09:02:39.281" v="170" actId="478"/>
-          <ac:cxnSpMkLst>
-            <pc:docMk/>
-            <pc:sldMk cId="4146690274" sldId="256"/>
-            <ac:cxnSpMk id="85" creationId="{28CAEE11-F4BA-3D81-5620-6CEF8B55DC3C}"/>
-          </ac:cxnSpMkLst>
-        </pc:cxnChg>
-        <pc:cxnChg chg="add del mod">
-          <ac:chgData name="Amit Tzur" userId="107f5334-6ffc-489e-8437-039101ea83e6" providerId="ADAL" clId="{AB878BD5-057C-4607-9280-9B6D4CDC4A98}" dt="2024-02-27T09:02:33.056" v="168" actId="478"/>
-          <ac:cxnSpMkLst>
-            <pc:docMk/>
-            <pc:sldMk cId="4146690274" sldId="256"/>
-            <ac:cxnSpMk id="87" creationId="{28D28A9B-373B-60BC-199E-4892879DE79D}"/>
-          </ac:cxnSpMkLst>
-        </pc:cxnChg>
-        <pc:cxnChg chg="add del mod">
-          <ac:chgData name="Amit Tzur" userId="107f5334-6ffc-489e-8437-039101ea83e6" providerId="ADAL" clId="{AB878BD5-057C-4607-9280-9B6D4CDC4A98}" dt="2024-02-27T09:02:31.843" v="167" actId="478"/>
-          <ac:cxnSpMkLst>
-            <pc:docMk/>
-            <pc:sldMk cId="4146690274" sldId="256"/>
-            <ac:cxnSpMk id="89" creationId="{B2839612-20DC-25B5-CF97-E2FB0A29182F}"/>
-          </ac:cxnSpMkLst>
-        </pc:cxnChg>
-        <pc:cxnChg chg="add mod">
-          <ac:chgData name="Amit Tzur" userId="107f5334-6ffc-489e-8437-039101ea83e6" providerId="ADAL" clId="{AB878BD5-057C-4607-9280-9B6D4CDC4A98}" dt="2024-02-27T09:02:54.069" v="176" actId="164"/>
-          <ac:cxnSpMkLst>
-            <pc:docMk/>
-            <pc:sldMk cId="4146690274" sldId="256"/>
-            <ac:cxnSpMk id="90" creationId="{1A839631-C66B-273E-BC27-CEEFA0EBAE3E}"/>
-          </ac:cxnSpMkLst>
-        </pc:cxnChg>
-        <pc:cxnChg chg="add mod">
-          <ac:chgData name="Amit Tzur" userId="107f5334-6ffc-489e-8437-039101ea83e6" providerId="ADAL" clId="{AB878BD5-057C-4607-9280-9B6D4CDC4A98}" dt="2024-02-27T09:04:53.273" v="220" actId="478"/>
-          <ac:cxnSpMkLst>
-            <pc:docMk/>
-            <pc:sldMk cId="4146690274" sldId="256"/>
-            <ac:cxnSpMk id="92" creationId="{9D1F9925-A02D-BBD6-7884-2DC9A3528C09}"/>
-          </ac:cxnSpMkLst>
-        </pc:cxnChg>
-        <pc:cxnChg chg="add del mod">
-          <ac:chgData name="Amit Tzur" userId="107f5334-6ffc-489e-8437-039101ea83e6" providerId="ADAL" clId="{AB878BD5-057C-4607-9280-9B6D4CDC4A98}" dt="2024-02-27T09:13:12.360" v="226" actId="478"/>
-          <ac:cxnSpMkLst>
-            <pc:docMk/>
-            <pc:sldMk cId="4146690274" sldId="256"/>
-            <ac:cxnSpMk id="96" creationId="{01FB4F6C-E7BF-D6C0-E0F9-F379553E727C}"/>
-          </ac:cxnSpMkLst>
-        </pc:cxnChg>
-        <pc:cxnChg chg="add del mod">
-          <ac:chgData name="Amit Tzur" userId="107f5334-6ffc-489e-8437-039101ea83e6" providerId="ADAL" clId="{AB878BD5-057C-4607-9280-9B6D4CDC4A98}" dt="2024-02-27T09:13:12.360" v="226" actId="478"/>
-          <ac:cxnSpMkLst>
-            <pc:docMk/>
-            <pc:sldMk cId="4146690274" sldId="256"/>
-            <ac:cxnSpMk id="97" creationId="{6966221E-777D-224A-0A89-2783CF2FB4F2}"/>
-          </ac:cxnSpMkLst>
-        </pc:cxnChg>
-        <pc:cxnChg chg="add del mod">
-          <ac:chgData name="Amit Tzur" userId="107f5334-6ffc-489e-8437-039101ea83e6" providerId="ADAL" clId="{AB878BD5-057C-4607-9280-9B6D4CDC4A98}" dt="2024-02-27T09:13:12.360" v="226" actId="478"/>
-          <ac:cxnSpMkLst>
-            <pc:docMk/>
-            <pc:sldMk cId="4146690274" sldId="256"/>
-            <ac:cxnSpMk id="100" creationId="{08DDAB13-DA34-FF3F-A295-FE7C70041580}"/>
-          </ac:cxnSpMkLst>
-        </pc:cxnChg>
-        <pc:cxnChg chg="add del mod">
-          <ac:chgData name="Amit Tzur" userId="107f5334-6ffc-489e-8437-039101ea83e6" providerId="ADAL" clId="{AB878BD5-057C-4607-9280-9B6D4CDC4A98}" dt="2024-02-27T09:13:12.360" v="226" actId="478"/>
-          <ac:cxnSpMkLst>
-            <pc:docMk/>
-            <pc:sldMk cId="4146690274" sldId="256"/>
-            <ac:cxnSpMk id="101" creationId="{385AC7F6-6C0E-0C58-5F7F-ADD7F85B4A6F}"/>
-          </ac:cxnSpMkLst>
-        </pc:cxnChg>
-        <pc:cxnChg chg="add del mod">
-          <ac:chgData name="Amit Tzur" userId="107f5334-6ffc-489e-8437-039101ea83e6" providerId="ADAL" clId="{AB878BD5-057C-4607-9280-9B6D4CDC4A98}" dt="2024-02-27T09:13:18.317" v="227" actId="478"/>
-          <ac:cxnSpMkLst>
-            <pc:docMk/>
-            <pc:sldMk cId="4146690274" sldId="256"/>
-            <ac:cxnSpMk id="103" creationId="{7E729864-13CF-0585-71D5-6A6C035380B6}"/>
-          </ac:cxnSpMkLst>
-        </pc:cxnChg>
-        <pc:cxnChg chg="add del mod">
-          <ac:chgData name="Amit Tzur" userId="107f5334-6ffc-489e-8437-039101ea83e6" providerId="ADAL" clId="{AB878BD5-057C-4607-9280-9B6D4CDC4A98}" dt="2024-02-27T09:13:18.317" v="227" actId="478"/>
-          <ac:cxnSpMkLst>
-            <pc:docMk/>
-            <pc:sldMk cId="4146690274" sldId="256"/>
-            <ac:cxnSpMk id="104" creationId="{C7B2D4F0-5D9F-9984-FC90-CAE4CAA96A66}"/>
-          </ac:cxnSpMkLst>
-        </pc:cxnChg>
-        <pc:cxnChg chg="add del mod">
-          <ac:chgData name="Amit Tzur" userId="107f5334-6ffc-489e-8437-039101ea83e6" providerId="ADAL" clId="{AB878BD5-057C-4607-9280-9B6D4CDC4A98}" dt="2024-02-27T09:13:18.317" v="227" actId="478"/>
-          <ac:cxnSpMkLst>
-            <pc:docMk/>
-            <pc:sldMk cId="4146690274" sldId="256"/>
-            <ac:cxnSpMk id="106" creationId="{E4AFCC31-8561-8BA6-261F-B81761D165CB}"/>
-          </ac:cxnSpMkLst>
-        </pc:cxnChg>
-        <pc:cxnChg chg="add mod">
-          <ac:chgData name="Amit Tzur" userId="107f5334-6ffc-489e-8437-039101ea83e6" providerId="ADAL" clId="{AB878BD5-057C-4607-9280-9B6D4CDC4A98}" dt="2024-02-27T09:17:37.605" v="344" actId="164"/>
-          <ac:cxnSpMkLst>
-            <pc:docMk/>
-            <pc:sldMk cId="4146690274" sldId="256"/>
-            <ac:cxnSpMk id="109" creationId="{318A774D-26D1-A26B-EBA6-9A588AC47E47}"/>
-          </ac:cxnSpMkLst>
-        </pc:cxnChg>
-        <pc:cxnChg chg="add mod">
-          <ac:chgData name="Amit Tzur" userId="107f5334-6ffc-489e-8437-039101ea83e6" providerId="ADAL" clId="{AB878BD5-057C-4607-9280-9B6D4CDC4A98}" dt="2024-02-27T09:17:37.605" v="344" actId="164"/>
-          <ac:cxnSpMkLst>
-            <pc:docMk/>
-            <pc:sldMk cId="4146690274" sldId="256"/>
-            <ac:cxnSpMk id="110" creationId="{7F837951-A9BE-00DD-AD50-F3E26B5FF65D}"/>
-          </ac:cxnSpMkLst>
-        </pc:cxnChg>
-        <pc:cxnChg chg="add del mod">
-          <ac:chgData name="Amit Tzur" userId="107f5334-6ffc-489e-8437-039101ea83e6" providerId="ADAL" clId="{AB878BD5-057C-4607-9280-9B6D4CDC4A98}" dt="2024-02-27T09:14:46.420" v="237" actId="478"/>
-          <ac:cxnSpMkLst>
-            <pc:docMk/>
-            <pc:sldMk cId="4146690274" sldId="256"/>
-            <ac:cxnSpMk id="112" creationId="{A83FEE64-CF45-5300-A480-D9D35A77C18F}"/>
-          </ac:cxnSpMkLst>
-        </pc:cxnChg>
-        <pc:cxnChg chg="add del mod">
-          <ac:chgData name="Amit Tzur" userId="107f5334-6ffc-489e-8437-039101ea83e6" providerId="ADAL" clId="{AB878BD5-057C-4607-9280-9B6D4CDC4A98}" dt="2024-02-27T09:13:08.514" v="225" actId="478"/>
-          <ac:cxnSpMkLst>
-            <pc:docMk/>
-            <pc:sldMk cId="4146690274" sldId="256"/>
-            <ac:cxnSpMk id="114" creationId="{25D43CFC-30DD-190A-BB34-50EC1735D43E}"/>
-          </ac:cxnSpMkLst>
-        </pc:cxnChg>
-        <pc:cxnChg chg="add del mod">
-          <ac:chgData name="Amit Tzur" userId="107f5334-6ffc-489e-8437-039101ea83e6" providerId="ADAL" clId="{AB878BD5-057C-4607-9280-9B6D4CDC4A98}" dt="2024-02-27T09:13:12.360" v="226" actId="478"/>
-          <ac:cxnSpMkLst>
-            <pc:docMk/>
-            <pc:sldMk cId="4146690274" sldId="256"/>
-            <ac:cxnSpMk id="115" creationId="{3DD402F5-F3EF-F60A-6D27-580DC962704D}"/>
-          </ac:cxnSpMkLst>
-        </pc:cxnChg>
-        <pc:cxnChg chg="add del mod">
-          <ac:chgData name="Amit Tzur" userId="107f5334-6ffc-489e-8437-039101ea83e6" providerId="ADAL" clId="{AB878BD5-057C-4607-9280-9B6D4CDC4A98}" dt="2024-02-27T09:13:07.424" v="224" actId="478"/>
-          <ac:cxnSpMkLst>
-            <pc:docMk/>
-            <pc:sldMk cId="4146690274" sldId="256"/>
-            <ac:cxnSpMk id="117" creationId="{7C938D28-DD10-B8A6-0144-5BCE6219870D}"/>
-          </ac:cxnSpMkLst>
-        </pc:cxnChg>
-        <pc:cxnChg chg="add mod">
-          <ac:chgData name="Amit Tzur" userId="107f5334-6ffc-489e-8437-039101ea83e6" providerId="ADAL" clId="{AB878BD5-057C-4607-9280-9B6D4CDC4A98}" dt="2024-02-27T09:17:37.605" v="344" actId="164"/>
-          <ac:cxnSpMkLst>
-            <pc:docMk/>
-            <pc:sldMk cId="4146690274" sldId="256"/>
-            <ac:cxnSpMk id="120" creationId="{06BB2B11-CAAE-7EDE-63D7-F94CC8825A85}"/>
-          </ac:cxnSpMkLst>
-        </pc:cxnChg>
-        <pc:cxnChg chg="add mod">
-          <ac:chgData name="Amit Tzur" userId="107f5334-6ffc-489e-8437-039101ea83e6" providerId="ADAL" clId="{AB878BD5-057C-4607-9280-9B6D4CDC4A98}" dt="2024-02-27T09:17:37.605" v="344" actId="164"/>
-          <ac:cxnSpMkLst>
-            <pc:docMk/>
-            <pc:sldMk cId="4146690274" sldId="256"/>
-            <ac:cxnSpMk id="122" creationId="{071962B1-81DB-2FCA-4D98-AB540C929418}"/>
-          </ac:cxnSpMkLst>
-        </pc:cxnChg>
-        <pc:cxnChg chg="add mod">
-          <ac:chgData name="Amit Tzur" userId="107f5334-6ffc-489e-8437-039101ea83e6" providerId="ADAL" clId="{AB878BD5-057C-4607-9280-9B6D4CDC4A98}" dt="2024-02-27T09:17:37.605" v="344" actId="164"/>
-          <ac:cxnSpMkLst>
-            <pc:docMk/>
-            <pc:sldMk cId="4146690274" sldId="256"/>
-            <ac:cxnSpMk id="125" creationId="{8C4D153D-AB8C-1A9B-8564-8C4476F4103F}"/>
-          </ac:cxnSpMkLst>
-        </pc:cxnChg>
-        <pc:cxnChg chg="add del mod">
-          <ac:chgData name="Amit Tzur" userId="107f5334-6ffc-489e-8437-039101ea83e6" providerId="ADAL" clId="{AB878BD5-057C-4607-9280-9B6D4CDC4A98}" dt="2024-02-27T09:25:25.843" v="351" actId="478"/>
-          <ac:cxnSpMkLst>
-            <pc:docMk/>
-            <pc:sldMk cId="4146690274" sldId="256"/>
-            <ac:cxnSpMk id="136" creationId="{3A327A8A-107D-4B29-0A2A-D375E7A4B204}"/>
-          </ac:cxnSpMkLst>
-        </pc:cxnChg>
-        <pc:cxnChg chg="add del mod">
-          <ac:chgData name="Amit Tzur" userId="107f5334-6ffc-489e-8437-039101ea83e6" providerId="ADAL" clId="{AB878BD5-057C-4607-9280-9B6D4CDC4A98}" dt="2024-02-27T09:25:25.843" v="351" actId="478"/>
-          <ac:cxnSpMkLst>
-            <pc:docMk/>
-            <pc:sldMk cId="4146690274" sldId="256"/>
-            <ac:cxnSpMk id="137" creationId="{0C8DC2BF-20EE-9F3A-BFE5-B5265ADEBFE4}"/>
-          </ac:cxnSpMkLst>
-        </pc:cxnChg>
-        <pc:cxnChg chg="add del mod">
-          <ac:chgData name="Amit Tzur" userId="107f5334-6ffc-489e-8437-039101ea83e6" providerId="ADAL" clId="{AB878BD5-057C-4607-9280-9B6D4CDC4A98}" dt="2024-02-27T09:25:25.843" v="351" actId="478"/>
-          <ac:cxnSpMkLst>
-            <pc:docMk/>
-            <pc:sldMk cId="4146690274" sldId="256"/>
-            <ac:cxnSpMk id="140" creationId="{2568DD06-B493-FB3B-23C5-EB3F03AB25A2}"/>
-          </ac:cxnSpMkLst>
-        </pc:cxnChg>
-        <pc:cxnChg chg="add del mod">
-          <ac:chgData name="Amit Tzur" userId="107f5334-6ffc-489e-8437-039101ea83e6" providerId="ADAL" clId="{AB878BD5-057C-4607-9280-9B6D4CDC4A98}" dt="2024-02-27T09:25:25.843" v="351" actId="478"/>
-          <ac:cxnSpMkLst>
-            <pc:docMk/>
-            <pc:sldMk cId="4146690274" sldId="256"/>
-            <ac:cxnSpMk id="141" creationId="{DAFDB78A-A9FE-60A9-E141-233DD9814C61}"/>
-          </ac:cxnSpMkLst>
-        </pc:cxnChg>
-        <pc:cxnChg chg="add mod">
-          <ac:chgData name="Amit Tzur" userId="107f5334-6ffc-489e-8437-039101ea83e6" providerId="ADAL" clId="{AB878BD5-057C-4607-9280-9B6D4CDC4A98}" dt="2024-02-27T09:25:44.708" v="355" actId="164"/>
-          <ac:cxnSpMkLst>
-            <pc:docMk/>
-            <pc:sldMk cId="4146690274" sldId="256"/>
-            <ac:cxnSpMk id="143" creationId="{37B30735-EA7F-78D8-62B3-91CE84204B3A}"/>
-          </ac:cxnSpMkLst>
-        </pc:cxnChg>
-        <pc:cxnChg chg="add mod">
-          <ac:chgData name="Amit Tzur" userId="107f5334-6ffc-489e-8437-039101ea83e6" providerId="ADAL" clId="{AB878BD5-057C-4607-9280-9B6D4CDC4A98}" dt="2024-02-27T09:25:44.708" v="355" actId="164"/>
-          <ac:cxnSpMkLst>
-            <pc:docMk/>
-            <pc:sldMk cId="4146690274" sldId="256"/>
-            <ac:cxnSpMk id="144" creationId="{90A7090B-0FF1-909F-6AC4-ABE73CED6096}"/>
-          </ac:cxnSpMkLst>
-        </pc:cxnChg>
-        <pc:cxnChg chg="add del mod">
-          <ac:chgData name="Amit Tzur" userId="107f5334-6ffc-489e-8437-039101ea83e6" providerId="ADAL" clId="{AB878BD5-057C-4607-9280-9B6D4CDC4A98}" dt="2024-02-27T09:25:36.067" v="354" actId="478"/>
-          <ac:cxnSpMkLst>
-            <pc:docMk/>
-            <pc:sldMk cId="4146690274" sldId="256"/>
-            <ac:cxnSpMk id="146" creationId="{F0E93667-E73E-D0F9-1186-FC4D9D731F4B}"/>
-          </ac:cxnSpMkLst>
-        </pc:cxnChg>
-        <pc:cxnChg chg="add del mod">
-          <ac:chgData name="Amit Tzur" userId="107f5334-6ffc-489e-8437-039101ea83e6" providerId="ADAL" clId="{AB878BD5-057C-4607-9280-9B6D4CDC4A98}" dt="2024-02-27T09:25:25.843" v="351" actId="478"/>
-          <ac:cxnSpMkLst>
-            <pc:docMk/>
-            <pc:sldMk cId="4146690274" sldId="256"/>
-            <ac:cxnSpMk id="149" creationId="{E0079095-A8B3-AB8C-0C0B-EA0BCFBF6BA4}"/>
-          </ac:cxnSpMkLst>
-        </pc:cxnChg>
-        <pc:cxnChg chg="add del mod">
-          <ac:chgData name="Amit Tzur" userId="107f5334-6ffc-489e-8437-039101ea83e6" providerId="ADAL" clId="{AB878BD5-057C-4607-9280-9B6D4CDC4A98}" dt="2024-02-27T09:25:25.843" v="351" actId="478"/>
-          <ac:cxnSpMkLst>
-            <pc:docMk/>
-            <pc:sldMk cId="4146690274" sldId="256"/>
-            <ac:cxnSpMk id="150" creationId="{B467F61B-DC8A-6A65-B762-AC6FF5E09F6F}"/>
-          </ac:cxnSpMkLst>
-        </pc:cxnChg>
-        <pc:cxnChg chg="add del mod">
-          <ac:chgData name="Amit Tzur" userId="107f5334-6ffc-489e-8437-039101ea83e6" providerId="ADAL" clId="{AB878BD5-057C-4607-9280-9B6D4CDC4A98}" dt="2024-02-27T09:25:29.456" v="353" actId="478"/>
-          <ac:cxnSpMkLst>
-            <pc:docMk/>
-            <pc:sldMk cId="4146690274" sldId="256"/>
-            <ac:cxnSpMk id="152" creationId="{F2873664-4D6B-74B2-3FEC-3B207A09EF2E}"/>
-          </ac:cxnSpMkLst>
-        </pc:cxnChg>
-        <pc:cxnChg chg="add del mod">
-          <ac:chgData name="Amit Tzur" userId="107f5334-6ffc-489e-8437-039101ea83e6" providerId="ADAL" clId="{AB878BD5-057C-4607-9280-9B6D4CDC4A98}" dt="2024-02-27T09:25:07.284" v="349" actId="478"/>
-          <ac:cxnSpMkLst>
-            <pc:docMk/>
-            <pc:sldMk cId="4146690274" sldId="256"/>
-            <ac:cxnSpMk id="154" creationId="{ECE16479-CAB2-3900-E052-B99C3E9344AC}"/>
-          </ac:cxnSpMkLst>
-        </pc:cxnChg>
-        <pc:cxnChg chg="add del mod">
-          <ac:chgData name="Amit Tzur" userId="107f5334-6ffc-489e-8437-039101ea83e6" providerId="ADAL" clId="{AB878BD5-057C-4607-9280-9B6D4CDC4A98}" dt="2024-02-27T09:25:28.243" v="352" actId="478"/>
-          <ac:cxnSpMkLst>
-            <pc:docMk/>
-            <pc:sldMk cId="4146690274" sldId="256"/>
-            <ac:cxnSpMk id="155" creationId="{66156011-7A7A-5D6E-5045-40B349BC55FC}"/>
-          </ac:cxnSpMkLst>
-        </pc:cxnChg>
-        <pc:cxnChg chg="add del mod">
-          <ac:chgData name="Amit Tzur" userId="107f5334-6ffc-489e-8437-039101ea83e6" providerId="ADAL" clId="{AB878BD5-057C-4607-9280-9B6D4CDC4A98}" dt="2024-02-27T09:25:07.840" v="350" actId="478"/>
-          <ac:cxnSpMkLst>
-            <pc:docMk/>
-            <pc:sldMk cId="4146690274" sldId="256"/>
-            <ac:cxnSpMk id="157" creationId="{B1C52AE9-2CAC-4290-8E1F-354B3C9074A1}"/>
-          </ac:cxnSpMkLst>
-        </pc:cxnChg>
-        <pc:cxnChg chg="add del mod">
-          <ac:chgData name="Amit Tzur" userId="107f5334-6ffc-489e-8437-039101ea83e6" providerId="ADAL" clId="{AB878BD5-057C-4607-9280-9B6D4CDC4A98}" dt="2024-02-27T09:35:05.272" v="379" actId="478"/>
-          <ac:cxnSpMkLst>
-            <pc:docMk/>
-            <pc:sldMk cId="4146690274" sldId="256"/>
-            <ac:cxnSpMk id="162" creationId="{C558EC40-EBF4-8CC9-5615-F3FB911487A3}"/>
-          </ac:cxnSpMkLst>
-        </pc:cxnChg>
-        <pc:cxnChg chg="add del mod">
-          <ac:chgData name="Amit Tzur" userId="107f5334-6ffc-489e-8437-039101ea83e6" providerId="ADAL" clId="{AB878BD5-057C-4607-9280-9B6D4CDC4A98}" dt="2024-02-27T09:35:04.543" v="378" actId="478"/>
-          <ac:cxnSpMkLst>
-            <pc:docMk/>
-            <pc:sldMk cId="4146690274" sldId="256"/>
-            <ac:cxnSpMk id="163" creationId="{138A83F3-0C4F-288E-814A-C77F5B813E6B}"/>
-          </ac:cxnSpMkLst>
-        </pc:cxnChg>
-        <pc:cxnChg chg="add del mod">
-          <ac:chgData name="Amit Tzur" userId="107f5334-6ffc-489e-8437-039101ea83e6" providerId="ADAL" clId="{AB878BD5-057C-4607-9280-9B6D4CDC4A98}" dt="2024-02-27T09:35:02.985" v="376" actId="478"/>
-          <ac:cxnSpMkLst>
-            <pc:docMk/>
-            <pc:sldMk cId="4146690274" sldId="256"/>
-            <ac:cxnSpMk id="166" creationId="{710D4AA9-ECB6-1E21-11FA-F30BCCA102C0}"/>
-          </ac:cxnSpMkLst>
-        </pc:cxnChg>
-        <pc:cxnChg chg="add del mod">
-          <ac:chgData name="Amit Tzur" userId="107f5334-6ffc-489e-8437-039101ea83e6" providerId="ADAL" clId="{AB878BD5-057C-4607-9280-9B6D4CDC4A98}" dt="2024-02-27T09:35:02.985" v="376" actId="478"/>
-          <ac:cxnSpMkLst>
-            <pc:docMk/>
-            <pc:sldMk cId="4146690274" sldId="256"/>
-            <ac:cxnSpMk id="167" creationId="{EB08335D-F3BD-CB15-E1E1-5453AD0546DC}"/>
-          </ac:cxnSpMkLst>
-        </pc:cxnChg>
-        <pc:cxnChg chg="add del mod">
-          <ac:chgData name="Amit Tzur" userId="107f5334-6ffc-489e-8437-039101ea83e6" providerId="ADAL" clId="{AB878BD5-057C-4607-9280-9B6D4CDC4A98}" dt="2024-02-27T09:35:02.985" v="376" actId="478"/>
-          <ac:cxnSpMkLst>
-            <pc:docMk/>
-            <pc:sldMk cId="4146690274" sldId="256"/>
-            <ac:cxnSpMk id="169" creationId="{ADBE7F60-7679-76DA-1E3A-AC83D2365F1D}"/>
-          </ac:cxnSpMkLst>
-        </pc:cxnChg>
-        <pc:cxnChg chg="add mod">
-          <ac:chgData name="Amit Tzur" userId="107f5334-6ffc-489e-8437-039101ea83e6" providerId="ADAL" clId="{AB878BD5-057C-4607-9280-9B6D4CDC4A98}" dt="2024-02-27T09:38:28.787" v="443" actId="14100"/>
-          <ac:cxnSpMkLst>
-            <pc:docMk/>
-            <pc:sldMk cId="4146690274" sldId="256"/>
-            <ac:cxnSpMk id="170" creationId="{6AAA520C-2664-1BAB-2514-4BF9337EB02F}"/>
-          </ac:cxnSpMkLst>
-        </pc:cxnChg>
-        <pc:cxnChg chg="add mod">
-          <ac:chgData name="Amit Tzur" userId="107f5334-6ffc-489e-8437-039101ea83e6" providerId="ADAL" clId="{AB878BD5-057C-4607-9280-9B6D4CDC4A98}" dt="2024-02-27T09:37:46.824" v="442" actId="164"/>
-          <ac:cxnSpMkLst>
-            <pc:docMk/>
-            <pc:sldMk cId="4146690274" sldId="256"/>
-            <ac:cxnSpMk id="172" creationId="{AA8FA365-8819-FF92-79FE-A4494EC4B83E}"/>
-          </ac:cxnSpMkLst>
-        </pc:cxnChg>
-        <pc:cxnChg chg="add del mod">
-          <ac:chgData name="Amit Tzur" userId="107f5334-6ffc-489e-8437-039101ea83e6" providerId="ADAL" clId="{AB878BD5-057C-4607-9280-9B6D4CDC4A98}" dt="2024-02-27T09:34:59.969" v="375" actId="478"/>
-          <ac:cxnSpMkLst>
-            <pc:docMk/>
-            <pc:sldMk cId="4146690274" sldId="256"/>
-            <ac:cxnSpMk id="175" creationId="{7068B831-C3D1-22AE-E090-7FB288157539}"/>
-          </ac:cxnSpMkLst>
-        </pc:cxnChg>
-        <pc:cxnChg chg="add del mod">
-          <ac:chgData name="Amit Tzur" userId="107f5334-6ffc-489e-8437-039101ea83e6" providerId="ADAL" clId="{AB878BD5-057C-4607-9280-9B6D4CDC4A98}" dt="2024-02-27T09:35:42.676" v="409" actId="478"/>
-          <ac:cxnSpMkLst>
-            <pc:docMk/>
-            <pc:sldMk cId="4146690274" sldId="256"/>
-            <ac:cxnSpMk id="176" creationId="{33ED5706-BD0A-5F1A-71D7-1FC19EDC7BD6}"/>
-          </ac:cxnSpMkLst>
-        </pc:cxnChg>
-        <pc:cxnChg chg="add mod">
-          <ac:chgData name="Amit Tzur" userId="107f5334-6ffc-489e-8437-039101ea83e6" providerId="ADAL" clId="{AB878BD5-057C-4607-9280-9B6D4CDC4A98}" dt="2024-02-27T09:37:46.824" v="442" actId="164"/>
-          <ac:cxnSpMkLst>
-            <pc:docMk/>
-            <pc:sldMk cId="4146690274" sldId="256"/>
-            <ac:cxnSpMk id="178" creationId="{7571CAD7-4F7A-141A-3E32-84A6E25C56BF}"/>
-          </ac:cxnSpMkLst>
-        </pc:cxnChg>
-        <pc:cxnChg chg="add mod">
-          <ac:chgData name="Amit Tzur" userId="107f5334-6ffc-489e-8437-039101ea83e6" providerId="ADAL" clId="{AB878BD5-057C-4607-9280-9B6D4CDC4A98}" dt="2024-02-27T09:37:46.824" v="442" actId="164"/>
-          <ac:cxnSpMkLst>
-            <pc:docMk/>
-            <pc:sldMk cId="4146690274" sldId="256"/>
-            <ac:cxnSpMk id="180" creationId="{62FEFAE9-CF87-3EA9-3E45-AE8B82351C17}"/>
-          </ac:cxnSpMkLst>
-        </pc:cxnChg>
-        <pc:cxnChg chg="add del mod">
-          <ac:chgData name="Amit Tzur" userId="107f5334-6ffc-489e-8437-039101ea83e6" providerId="ADAL" clId="{AB878BD5-057C-4607-9280-9B6D4CDC4A98}" dt="2024-02-27T09:35:03.943" v="377" actId="478"/>
-          <ac:cxnSpMkLst>
-            <pc:docMk/>
-            <pc:sldMk cId="4146690274" sldId="256"/>
-            <ac:cxnSpMk id="181" creationId="{C6EC7A76-3C31-55F3-C25F-F7B497F36990}"/>
-          </ac:cxnSpMkLst>
-        </pc:cxnChg>
-        <pc:cxnChg chg="add del mod">
-          <ac:chgData name="Amit Tzur" userId="107f5334-6ffc-489e-8437-039101ea83e6" providerId="ADAL" clId="{AB878BD5-057C-4607-9280-9B6D4CDC4A98}" dt="2024-02-27T09:34:59.969" v="375" actId="478"/>
-          <ac:cxnSpMkLst>
-            <pc:docMk/>
-            <pc:sldMk cId="4146690274" sldId="256"/>
-            <ac:cxnSpMk id="183" creationId="{D403BD52-B531-0BC5-DDA9-5229E70AC5B0}"/>
-          </ac:cxnSpMkLst>
-        </pc:cxnChg>
-        <pc:cxnChg chg="add mod">
-          <ac:chgData name="Amit Tzur" userId="107f5334-6ffc-489e-8437-039101ea83e6" providerId="ADAL" clId="{AB878BD5-057C-4607-9280-9B6D4CDC4A98}" dt="2024-02-27T09:38:34.489" v="444" actId="14100"/>
-          <ac:cxnSpMkLst>
-            <pc:docMk/>
-            <pc:sldMk cId="4146690274" sldId="256"/>
-            <ac:cxnSpMk id="187" creationId="{58D0B42D-5F17-EBB9-EDBD-A756A182A826}"/>
-          </ac:cxnSpMkLst>
-        </pc:cxnChg>
-        <pc:cxnChg chg="add mod">
-          <ac:chgData name="Amit Tzur" userId="107f5334-6ffc-489e-8437-039101ea83e6" providerId="ADAL" clId="{AB878BD5-057C-4607-9280-9B6D4CDC4A98}" dt="2024-02-27T09:38:28.787" v="443" actId="14100"/>
-          <ac:cxnSpMkLst>
-            <pc:docMk/>
-            <pc:sldMk cId="4146690274" sldId="256"/>
-            <ac:cxnSpMk id="188" creationId="{B9C064DE-0CEE-AD7C-42E8-0227CEE210DE}"/>
-          </ac:cxnSpMkLst>
-        </pc:cxnChg>
-        <pc:cxnChg chg="add mod">
-          <ac:chgData name="Amit Tzur" userId="107f5334-6ffc-489e-8437-039101ea83e6" providerId="ADAL" clId="{AB878BD5-057C-4607-9280-9B6D4CDC4A98}" dt="2024-02-27T09:37:46.824" v="442" actId="164"/>
-          <ac:cxnSpMkLst>
-            <pc:docMk/>
-            <pc:sldMk cId="4146690274" sldId="256"/>
-            <ac:cxnSpMk id="196" creationId="{C6045402-ADB4-6397-0A75-F81673894C2F}"/>
-          </ac:cxnSpMkLst>
-        </pc:cxnChg>
-        <pc:cxnChg chg="add mod">
-          <ac:chgData name="Amit Tzur" userId="107f5334-6ffc-489e-8437-039101ea83e6" providerId="ADAL" clId="{AB878BD5-057C-4607-9280-9B6D4CDC4A98}" dt="2024-02-27T09:37:46.824" v="442" actId="164"/>
-          <ac:cxnSpMkLst>
-            <pc:docMk/>
-            <pc:sldMk cId="4146690274" sldId="256"/>
-            <ac:cxnSpMk id="198" creationId="{B508FFF6-893B-7F6B-D76A-F8A92EAE66CC}"/>
+            <pc:sldMk cId="113948419" sldId="259"/>
+            <ac:cxnSpMk id="63" creationId="{336BC981-7D63-3D2F-C613-01ABACF265CB}"/>
           </ac:cxnSpMkLst>
         </pc:cxnChg>
       </pc:sldChg>
@@ -2104,7 +1400,7 @@
           <a:p>
             <a:fld id="{0D3ACD90-2949-42AA-AA16-C5AC787B6775}" type="datetimeFigureOut">
               <a:rPr lang="en-US" smtClean="0"/>
-              <a:t>6/5/2024</a:t>
+              <a:t>1/28/2025</a:t>
             </a:fld>
             <a:endParaRPr lang="en-US"/>
           </a:p>
@@ -2302,7 +1598,7 @@
           <a:p>
             <a:fld id="{0D3ACD90-2949-42AA-AA16-C5AC787B6775}" type="datetimeFigureOut">
               <a:rPr lang="en-US" smtClean="0"/>
-              <a:t>6/5/2024</a:t>
+              <a:t>1/28/2025</a:t>
             </a:fld>
             <a:endParaRPr lang="en-US"/>
           </a:p>
@@ -2510,7 +1806,7 @@
           <a:p>
             <a:fld id="{0D3ACD90-2949-42AA-AA16-C5AC787B6775}" type="datetimeFigureOut">
               <a:rPr lang="en-US" smtClean="0"/>
-              <a:t>6/5/2024</a:t>
+              <a:t>1/28/2025</a:t>
             </a:fld>
             <a:endParaRPr lang="en-US"/>
           </a:p>
@@ -2708,7 +2004,7 @@
           <a:p>
             <a:fld id="{0D3ACD90-2949-42AA-AA16-C5AC787B6775}" type="datetimeFigureOut">
               <a:rPr lang="en-US" smtClean="0"/>
-              <a:t>6/5/2024</a:t>
+              <a:t>1/28/2025</a:t>
             </a:fld>
             <a:endParaRPr lang="en-US"/>
           </a:p>
@@ -2983,7 +2279,7 @@
           <a:p>
             <a:fld id="{0D3ACD90-2949-42AA-AA16-C5AC787B6775}" type="datetimeFigureOut">
               <a:rPr lang="en-US" smtClean="0"/>
-              <a:t>6/5/2024</a:t>
+              <a:t>1/28/2025</a:t>
             </a:fld>
             <a:endParaRPr lang="en-US"/>
           </a:p>
@@ -3248,7 +2544,7 @@
           <a:p>
             <a:fld id="{0D3ACD90-2949-42AA-AA16-C5AC787B6775}" type="datetimeFigureOut">
               <a:rPr lang="en-US" smtClean="0"/>
-              <a:t>6/5/2024</a:t>
+              <a:t>1/28/2025</a:t>
             </a:fld>
             <a:endParaRPr lang="en-US"/>
           </a:p>
@@ -3660,7 +2956,7 @@
           <a:p>
             <a:fld id="{0D3ACD90-2949-42AA-AA16-C5AC787B6775}" type="datetimeFigureOut">
               <a:rPr lang="en-US" smtClean="0"/>
-              <a:t>6/5/2024</a:t>
+              <a:t>1/28/2025</a:t>
             </a:fld>
             <a:endParaRPr lang="en-US"/>
           </a:p>
@@ -3801,7 +3097,7 @@
           <a:p>
             <a:fld id="{0D3ACD90-2949-42AA-AA16-C5AC787B6775}" type="datetimeFigureOut">
               <a:rPr lang="en-US" smtClean="0"/>
-              <a:t>6/5/2024</a:t>
+              <a:t>1/28/2025</a:t>
             </a:fld>
             <a:endParaRPr lang="en-US"/>
           </a:p>
@@ -3914,7 +3210,7 @@
           <a:p>
             <a:fld id="{0D3ACD90-2949-42AA-AA16-C5AC787B6775}" type="datetimeFigureOut">
               <a:rPr lang="en-US" smtClean="0"/>
-              <a:t>6/5/2024</a:t>
+              <a:t>1/28/2025</a:t>
             </a:fld>
             <a:endParaRPr lang="en-US"/>
           </a:p>
@@ -4225,7 +3521,7 @@
           <a:p>
             <a:fld id="{0D3ACD90-2949-42AA-AA16-C5AC787B6775}" type="datetimeFigureOut">
               <a:rPr lang="en-US" smtClean="0"/>
-              <a:t>6/5/2024</a:t>
+              <a:t>1/28/2025</a:t>
             </a:fld>
             <a:endParaRPr lang="en-US"/>
           </a:p>
@@ -4513,7 +3809,7 @@
           <a:p>
             <a:fld id="{0D3ACD90-2949-42AA-AA16-C5AC787B6775}" type="datetimeFigureOut">
               <a:rPr lang="en-US" smtClean="0"/>
-              <a:t>6/5/2024</a:t>
+              <a:t>1/28/2025</a:t>
             </a:fld>
             <a:endParaRPr lang="en-US"/>
           </a:p>
@@ -4754,7 +4050,7 @@
           <a:p>
             <a:fld id="{0D3ACD90-2949-42AA-AA16-C5AC787B6775}" type="datetimeFigureOut">
               <a:rPr lang="en-US" smtClean="0"/>
-              <a:t>6/5/2024</a:t>
+              <a:t>1/28/2025</a:t>
             </a:fld>
             <a:endParaRPr lang="en-US"/>
           </a:p>
@@ -9715,6 +9011,4194 @@
 </p:sld>
 </file>
 
+<file path=ppt/slides/slide3.xml><?xml version="1.0" encoding="utf-8"?>
+<p:sld xmlns:a="http://schemas.openxmlformats.org/drawingml/2006/main" xmlns:r="http://schemas.openxmlformats.org/officeDocument/2006/relationships" xmlns:p="http://schemas.openxmlformats.org/presentationml/2006/main">
+  <p:cSld>
+    <p:spTree>
+      <p:nvGrpSpPr>
+        <p:cNvPr id="1" name="">
+          <a:extLst>
+            <a:ext uri="{FF2B5EF4-FFF2-40B4-BE49-F238E27FC236}">
+              <a16:creationId xmlns:a16="http://schemas.microsoft.com/office/drawing/2014/main" id="{845B9C0E-8022-5BDF-33A2-412B6935EF50}"/>
+            </a:ext>
+          </a:extLst>
+        </p:cNvPr>
+        <p:cNvGrpSpPr/>
+        <p:nvPr/>
+      </p:nvGrpSpPr>
+      <p:grpSpPr>
+        <a:xfrm>
+          <a:off x="0" y="0"/>
+          <a:ext cx="0" cy="0"/>
+          <a:chOff x="0" y="0"/>
+          <a:chExt cx="0" cy="0"/>
+        </a:xfrm>
+      </p:grpSpPr>
+      <p:grpSp>
+        <p:nvGrpSpPr>
+          <p:cNvPr id="36" name="Group 35">
+            <a:extLst>
+              <a:ext uri="{FF2B5EF4-FFF2-40B4-BE49-F238E27FC236}">
+                <a16:creationId xmlns:a16="http://schemas.microsoft.com/office/drawing/2014/main" id="{890E2184-23AF-95E3-7FE9-2669077FF8C0}"/>
+              </a:ext>
+            </a:extLst>
+          </p:cNvPr>
+          <p:cNvGrpSpPr/>
+          <p:nvPr/>
+        </p:nvGrpSpPr>
+        <p:grpSpPr>
+          <a:xfrm>
+            <a:off x="4248616" y="468412"/>
+            <a:ext cx="2516077" cy="2703051"/>
+            <a:chOff x="4248616" y="468412"/>
+            <a:chExt cx="2516077" cy="2703051"/>
+          </a:xfrm>
+        </p:grpSpPr>
+        <p:pic>
+          <p:nvPicPr>
+            <p:cNvPr id="3" name="Picture 2" descr="A person with glasses and beard&#10;&#10;Description automatically generated">
+              <a:extLst>
+                <a:ext uri="{FF2B5EF4-FFF2-40B4-BE49-F238E27FC236}">
+                  <a16:creationId xmlns:a16="http://schemas.microsoft.com/office/drawing/2014/main" id="{62DE6979-5C2C-061E-AF9F-19F56726038F}"/>
+                </a:ext>
+              </a:extLst>
+            </p:cNvPr>
+            <p:cNvPicPr>
+              <a:picLocks noChangeAspect="1"/>
+            </p:cNvPicPr>
+            <p:nvPr/>
+          </p:nvPicPr>
+          <p:blipFill>
+            <a:blip r:embed="rId2">
+              <a:extLst>
+                <a:ext uri="{28A0092B-C50C-407E-A947-70E740481C1C}">
+                  <a14:useLocalDpi xmlns:a14="http://schemas.microsoft.com/office/drawing/2010/main" val="0"/>
+                </a:ext>
+              </a:extLst>
+            </a:blip>
+            <a:stretch>
+              <a:fillRect/>
+            </a:stretch>
+          </p:blipFill>
+          <p:spPr>
+            <a:xfrm>
+              <a:off x="4731783" y="468412"/>
+              <a:ext cx="2032910" cy="2703051"/>
+            </a:xfrm>
+            <a:prstGeom prst="rect">
+              <a:avLst/>
+            </a:prstGeom>
+          </p:spPr>
+        </p:pic>
+        <p:sp>
+          <p:nvSpPr>
+            <p:cNvPr id="66" name="Rectangle 65">
+              <a:extLst>
+                <a:ext uri="{FF2B5EF4-FFF2-40B4-BE49-F238E27FC236}">
+                  <a16:creationId xmlns:a16="http://schemas.microsoft.com/office/drawing/2014/main" id="{BFC16D51-25CF-0FBB-535A-E85958D7EA62}"/>
+                </a:ext>
+              </a:extLst>
+            </p:cNvPr>
+            <p:cNvSpPr/>
+            <p:nvPr/>
+          </p:nvSpPr>
+          <p:spPr>
+            <a:xfrm>
+              <a:off x="5662339" y="1791537"/>
+              <a:ext cx="52388" cy="51363"/>
+            </a:xfrm>
+            <a:prstGeom prst="rect">
+              <a:avLst/>
+            </a:prstGeom>
+            <a:noFill/>
+            <a:ln w="9525">
+              <a:solidFill>
+                <a:schemeClr val="tx1"/>
+              </a:solidFill>
+            </a:ln>
+            <a:scene3d>
+              <a:camera prst="orthographicFront">
+                <a:rot lat="0" lon="0" rev="21300000"/>
+              </a:camera>
+              <a:lightRig rig="threePt" dir="t"/>
+            </a:scene3d>
+          </p:spPr>
+          <p:style>
+            <a:lnRef idx="2">
+              <a:schemeClr val="accent1">
+                <a:shade val="15000"/>
+              </a:schemeClr>
+            </a:lnRef>
+            <a:fillRef idx="1">
+              <a:schemeClr val="accent1"/>
+            </a:fillRef>
+            <a:effectRef idx="0">
+              <a:schemeClr val="accent1"/>
+            </a:effectRef>
+            <a:fontRef idx="minor">
+              <a:schemeClr val="lt1"/>
+            </a:fontRef>
+          </p:style>
+          <p:txBody>
+            <a:bodyPr rtlCol="0" anchor="ctr"/>
+            <a:lstStyle/>
+            <a:p>
+              <a:pPr algn="ctr"/>
+              <a:endParaRPr lang="en-US"/>
+            </a:p>
+          </p:txBody>
+        </p:sp>
+        <p:cxnSp>
+          <p:nvCxnSpPr>
+            <p:cNvPr id="67" name="Straight Arrow Connector 66">
+              <a:extLst>
+                <a:ext uri="{FF2B5EF4-FFF2-40B4-BE49-F238E27FC236}">
+                  <a16:creationId xmlns:a16="http://schemas.microsoft.com/office/drawing/2014/main" id="{41F76F47-7F93-BA08-FAD4-589D10E28F07}"/>
+                </a:ext>
+              </a:extLst>
+            </p:cNvPr>
+            <p:cNvCxnSpPr>
+              <a:cxnSpLocks/>
+            </p:cNvCxnSpPr>
+            <p:nvPr/>
+          </p:nvCxnSpPr>
+          <p:spPr>
+            <a:xfrm>
+              <a:off x="5177964" y="1887030"/>
+              <a:ext cx="1073558" cy="7262"/>
+            </a:xfrm>
+            <a:prstGeom prst="straightConnector1">
+              <a:avLst/>
+            </a:prstGeom>
+            <a:ln w="12700">
+              <a:solidFill>
+                <a:srgbClr val="FFC000"/>
+              </a:solidFill>
+              <a:headEnd type="triangle" w="sm" len="sm"/>
+              <a:tailEnd type="triangle" w="sm" len="sm"/>
+            </a:ln>
+          </p:spPr>
+          <p:style>
+            <a:lnRef idx="2">
+              <a:schemeClr val="accent2"/>
+            </a:lnRef>
+            <a:fillRef idx="0">
+              <a:schemeClr val="accent2"/>
+            </a:fillRef>
+            <a:effectRef idx="1">
+              <a:schemeClr val="accent2"/>
+            </a:effectRef>
+            <a:fontRef idx="minor">
+              <a:schemeClr val="tx1"/>
+            </a:fontRef>
+          </p:style>
+        </p:cxnSp>
+        <p:cxnSp>
+          <p:nvCxnSpPr>
+            <p:cNvPr id="68" name="Straight Arrow Connector 67">
+              <a:extLst>
+                <a:ext uri="{FF2B5EF4-FFF2-40B4-BE49-F238E27FC236}">
+                  <a16:creationId xmlns:a16="http://schemas.microsoft.com/office/drawing/2014/main" id="{D0682E1B-8197-436F-6131-EB12323C6125}"/>
+                </a:ext>
+              </a:extLst>
+            </p:cNvPr>
+            <p:cNvCxnSpPr>
+              <a:cxnSpLocks/>
+            </p:cNvCxnSpPr>
+            <p:nvPr/>
+          </p:nvCxnSpPr>
+          <p:spPr>
+            <a:xfrm>
+              <a:off x="5136674" y="1841579"/>
+              <a:ext cx="1130391" cy="10422"/>
+            </a:xfrm>
+            <a:prstGeom prst="straightConnector1">
+              <a:avLst/>
+            </a:prstGeom>
+            <a:ln w="12700">
+              <a:solidFill>
+                <a:srgbClr val="FFC000"/>
+              </a:solidFill>
+              <a:headEnd type="triangle" w="sm" len="sm"/>
+              <a:tailEnd type="triangle" w="sm" len="sm"/>
+            </a:ln>
+          </p:spPr>
+          <p:style>
+            <a:lnRef idx="2">
+              <a:schemeClr val="accent2"/>
+            </a:lnRef>
+            <a:fillRef idx="0">
+              <a:schemeClr val="accent2"/>
+            </a:fillRef>
+            <a:effectRef idx="1">
+              <a:schemeClr val="accent2"/>
+            </a:effectRef>
+            <a:fontRef idx="minor">
+              <a:schemeClr val="tx1"/>
+            </a:fontRef>
+          </p:style>
+        </p:cxnSp>
+        <p:sp>
+          <p:nvSpPr>
+            <p:cNvPr id="69" name="TextBox 68">
+              <a:extLst>
+                <a:ext uri="{FF2B5EF4-FFF2-40B4-BE49-F238E27FC236}">
+                  <a16:creationId xmlns:a16="http://schemas.microsoft.com/office/drawing/2014/main" id="{66470FEF-40A0-FE7D-29C4-8F700AFBFCFC}"/>
+                </a:ext>
+              </a:extLst>
+            </p:cNvPr>
+            <p:cNvSpPr txBox="1"/>
+            <p:nvPr/>
+          </p:nvSpPr>
+          <p:spPr>
+            <a:xfrm>
+              <a:off x="4275012" y="1565689"/>
+              <a:ext cx="793102" cy="200055"/>
+            </a:xfrm>
+            <a:prstGeom prst="rect">
+              <a:avLst/>
+            </a:prstGeom>
+            <a:solidFill>
+              <a:schemeClr val="accent2">
+                <a:lumMod val="20000"/>
+                <a:lumOff val="80000"/>
+              </a:schemeClr>
+            </a:solidFill>
+          </p:spPr>
+          <p:txBody>
+            <a:bodyPr wrap="square" rtlCol="0">
+              <a:spAutoFit/>
+            </a:bodyPr>
+            <a:lstStyle/>
+            <a:p>
+              <a:r>
+                <a:rPr lang="en-US" sz="700" b="1" dirty="0"/>
+                <a:t>Frame width</a:t>
+              </a:r>
+            </a:p>
+          </p:txBody>
+        </p:sp>
+        <p:sp>
+          <p:nvSpPr>
+            <p:cNvPr id="71" name="TextBox 70">
+              <a:extLst>
+                <a:ext uri="{FF2B5EF4-FFF2-40B4-BE49-F238E27FC236}">
+                  <a16:creationId xmlns:a16="http://schemas.microsoft.com/office/drawing/2014/main" id="{648579E5-3A2C-E0BD-3405-49D6EAA2CDE7}"/>
+                </a:ext>
+              </a:extLst>
+            </p:cNvPr>
+            <p:cNvSpPr txBox="1"/>
+            <p:nvPr/>
+          </p:nvSpPr>
+          <p:spPr>
+            <a:xfrm>
+              <a:off x="4270249" y="1779037"/>
+              <a:ext cx="793102" cy="200055"/>
+            </a:xfrm>
+            <a:prstGeom prst="rect">
+              <a:avLst/>
+            </a:prstGeom>
+            <a:solidFill>
+              <a:schemeClr val="accent2">
+                <a:lumMod val="20000"/>
+                <a:lumOff val="80000"/>
+              </a:schemeClr>
+            </a:solidFill>
+          </p:spPr>
+          <p:txBody>
+            <a:bodyPr wrap="square" rtlCol="0">
+              <a:spAutoFit/>
+            </a:bodyPr>
+            <a:lstStyle/>
+            <a:p>
+              <a:r>
+                <a:rPr lang="en-US" sz="700" b="1" dirty="0"/>
+                <a:t>Face width</a:t>
+              </a:r>
+            </a:p>
+          </p:txBody>
+        </p:sp>
+        <p:cxnSp>
+          <p:nvCxnSpPr>
+            <p:cNvPr id="72" name="Straight Arrow Connector 71">
+              <a:extLst>
+                <a:ext uri="{FF2B5EF4-FFF2-40B4-BE49-F238E27FC236}">
+                  <a16:creationId xmlns:a16="http://schemas.microsoft.com/office/drawing/2014/main" id="{11F35FF1-AF11-629A-0716-D383EBC441D4}"/>
+                </a:ext>
+              </a:extLst>
+            </p:cNvPr>
+            <p:cNvCxnSpPr>
+              <a:cxnSpLocks/>
+              <a:stCxn id="71" idx="3"/>
+            </p:cNvCxnSpPr>
+            <p:nvPr/>
+          </p:nvCxnSpPr>
+          <p:spPr>
+            <a:xfrm>
+              <a:off x="5063351" y="1879065"/>
+              <a:ext cx="113958" cy="11596"/>
+            </a:xfrm>
+            <a:prstGeom prst="straightConnector1">
+              <a:avLst/>
+            </a:prstGeom>
+            <a:ln w="9525">
+              <a:solidFill>
+                <a:schemeClr val="tx1"/>
+              </a:solidFill>
+              <a:headEnd type="none" w="sm" len="sm"/>
+              <a:tailEnd type="triangle" w="sm" len="sm"/>
+            </a:ln>
+          </p:spPr>
+          <p:style>
+            <a:lnRef idx="2">
+              <a:schemeClr val="accent2"/>
+            </a:lnRef>
+            <a:fillRef idx="0">
+              <a:schemeClr val="accent2"/>
+            </a:fillRef>
+            <a:effectRef idx="1">
+              <a:schemeClr val="accent2"/>
+            </a:effectRef>
+            <a:fontRef idx="minor">
+              <a:schemeClr val="tx1"/>
+            </a:fontRef>
+          </p:style>
+        </p:cxnSp>
+        <p:cxnSp>
+          <p:nvCxnSpPr>
+            <p:cNvPr id="73" name="Straight Arrow Connector 72">
+              <a:extLst>
+                <a:ext uri="{FF2B5EF4-FFF2-40B4-BE49-F238E27FC236}">
+                  <a16:creationId xmlns:a16="http://schemas.microsoft.com/office/drawing/2014/main" id="{4B7F8C21-6ABB-A8A3-9ED0-21F37B48854F}"/>
+                </a:ext>
+              </a:extLst>
+            </p:cNvPr>
+            <p:cNvCxnSpPr>
+              <a:cxnSpLocks/>
+              <a:stCxn id="69" idx="3"/>
+            </p:cNvCxnSpPr>
+            <p:nvPr/>
+          </p:nvCxnSpPr>
+          <p:spPr>
+            <a:xfrm>
+              <a:off x="5068114" y="1665717"/>
+              <a:ext cx="272309" cy="169390"/>
+            </a:xfrm>
+            <a:prstGeom prst="straightConnector1">
+              <a:avLst/>
+            </a:prstGeom>
+            <a:ln w="9525">
+              <a:solidFill>
+                <a:schemeClr val="tx1"/>
+              </a:solidFill>
+              <a:headEnd type="none" w="sm" len="sm"/>
+              <a:tailEnd type="triangle" w="sm" len="sm"/>
+            </a:ln>
+          </p:spPr>
+          <p:style>
+            <a:lnRef idx="2">
+              <a:schemeClr val="accent2"/>
+            </a:lnRef>
+            <a:fillRef idx="0">
+              <a:schemeClr val="accent2"/>
+            </a:fillRef>
+            <a:effectRef idx="1">
+              <a:schemeClr val="accent2"/>
+            </a:effectRef>
+            <a:fontRef idx="minor">
+              <a:schemeClr val="tx1"/>
+            </a:fontRef>
+          </p:style>
+        </p:cxnSp>
+        <p:cxnSp>
+          <p:nvCxnSpPr>
+            <p:cNvPr id="90" name="Straight Connector 89">
+              <a:extLst>
+                <a:ext uri="{FF2B5EF4-FFF2-40B4-BE49-F238E27FC236}">
+                  <a16:creationId xmlns:a16="http://schemas.microsoft.com/office/drawing/2014/main" id="{23621149-B21F-0EE8-06F0-1257BA20610B}"/>
+                </a:ext>
+              </a:extLst>
+            </p:cNvPr>
+            <p:cNvCxnSpPr>
+              <a:cxnSpLocks/>
+            </p:cNvCxnSpPr>
+            <p:nvPr/>
+          </p:nvCxnSpPr>
+          <p:spPr>
+            <a:xfrm flipH="1">
+              <a:off x="5713690" y="1704122"/>
+              <a:ext cx="1451" cy="490860"/>
+            </a:xfrm>
+            <a:prstGeom prst="line">
+              <a:avLst/>
+            </a:prstGeom>
+            <a:ln w="12700">
+              <a:solidFill>
+                <a:srgbClr val="7030A0"/>
+              </a:solidFill>
+            </a:ln>
+          </p:spPr>
+          <p:style>
+            <a:lnRef idx="2">
+              <a:schemeClr val="accent1"/>
+            </a:lnRef>
+            <a:fillRef idx="0">
+              <a:schemeClr val="accent1"/>
+            </a:fillRef>
+            <a:effectRef idx="1">
+              <a:schemeClr val="accent1"/>
+            </a:effectRef>
+            <a:fontRef idx="minor">
+              <a:schemeClr val="tx1"/>
+            </a:fontRef>
+          </p:style>
+        </p:cxnSp>
+        <p:sp>
+          <p:nvSpPr>
+            <p:cNvPr id="91" name="TextBox 90">
+              <a:extLst>
+                <a:ext uri="{FF2B5EF4-FFF2-40B4-BE49-F238E27FC236}">
+                  <a16:creationId xmlns:a16="http://schemas.microsoft.com/office/drawing/2014/main" id="{39485E2A-73E2-D139-8E6F-4E4EE697B42A}"/>
+                </a:ext>
+              </a:extLst>
+            </p:cNvPr>
+            <p:cNvSpPr txBox="1"/>
+            <p:nvPr/>
+          </p:nvSpPr>
+          <p:spPr>
+            <a:xfrm>
+              <a:off x="4248616" y="1087212"/>
+              <a:ext cx="1037854" cy="200055"/>
+            </a:xfrm>
+            <a:prstGeom prst="rect">
+              <a:avLst/>
+            </a:prstGeom>
+            <a:solidFill>
+              <a:schemeClr val="accent2">
+                <a:lumMod val="20000"/>
+                <a:lumOff val="80000"/>
+              </a:schemeClr>
+            </a:solidFill>
+          </p:spPr>
+          <p:txBody>
+            <a:bodyPr wrap="square" rtlCol="0">
+              <a:spAutoFit/>
+            </a:bodyPr>
+            <a:lstStyle/>
+            <a:p>
+              <a:r>
+                <a:rPr lang="en-US" sz="700" b="1" dirty="0"/>
+                <a:t>Frame symmetry line</a:t>
+              </a:r>
+            </a:p>
+          </p:txBody>
+        </p:sp>
+        <p:cxnSp>
+          <p:nvCxnSpPr>
+            <p:cNvPr id="92" name="Straight Arrow Connector 91">
+              <a:extLst>
+                <a:ext uri="{FF2B5EF4-FFF2-40B4-BE49-F238E27FC236}">
+                  <a16:creationId xmlns:a16="http://schemas.microsoft.com/office/drawing/2014/main" id="{C0F463DF-F718-730E-8F8B-D6318E3CBFDD}"/>
+                </a:ext>
+              </a:extLst>
+            </p:cNvPr>
+            <p:cNvCxnSpPr>
+              <a:cxnSpLocks/>
+              <a:stCxn id="91" idx="2"/>
+            </p:cNvCxnSpPr>
+            <p:nvPr/>
+          </p:nvCxnSpPr>
+          <p:spPr>
+            <a:xfrm>
+              <a:off x="4767543" y="1287267"/>
+              <a:ext cx="934326" cy="470269"/>
+            </a:xfrm>
+            <a:prstGeom prst="straightConnector1">
+              <a:avLst/>
+            </a:prstGeom>
+            <a:ln w="9525">
+              <a:solidFill>
+                <a:schemeClr val="tx1"/>
+              </a:solidFill>
+              <a:headEnd type="none" w="sm" len="sm"/>
+              <a:tailEnd type="triangle" w="sm" len="sm"/>
+            </a:ln>
+          </p:spPr>
+          <p:style>
+            <a:lnRef idx="2">
+              <a:schemeClr val="accent2"/>
+            </a:lnRef>
+            <a:fillRef idx="0">
+              <a:schemeClr val="accent2"/>
+            </a:fillRef>
+            <a:effectRef idx="1">
+              <a:schemeClr val="accent2"/>
+            </a:effectRef>
+            <a:fontRef idx="minor">
+              <a:schemeClr val="tx1"/>
+            </a:fontRef>
+          </p:style>
+        </p:cxnSp>
+      </p:grpSp>
+      <p:grpSp>
+        <p:nvGrpSpPr>
+          <p:cNvPr id="45" name="Group 44">
+            <a:extLst>
+              <a:ext uri="{FF2B5EF4-FFF2-40B4-BE49-F238E27FC236}">
+                <a16:creationId xmlns:a16="http://schemas.microsoft.com/office/drawing/2014/main" id="{64248F88-B5AC-CBB2-6F69-CA6F9CC3E906}"/>
+              </a:ext>
+            </a:extLst>
+          </p:cNvPr>
+          <p:cNvGrpSpPr/>
+          <p:nvPr/>
+        </p:nvGrpSpPr>
+        <p:grpSpPr>
+          <a:xfrm>
+            <a:off x="7544587" y="445839"/>
+            <a:ext cx="2751440" cy="2703051"/>
+            <a:chOff x="7544587" y="445839"/>
+            <a:chExt cx="2751440" cy="2703051"/>
+          </a:xfrm>
+        </p:grpSpPr>
+        <p:pic>
+          <p:nvPicPr>
+            <p:cNvPr id="29" name="Picture 28" descr="A person with glasses and beard&#10;&#10;Description automatically generated">
+              <a:extLst>
+                <a:ext uri="{FF2B5EF4-FFF2-40B4-BE49-F238E27FC236}">
+                  <a16:creationId xmlns:a16="http://schemas.microsoft.com/office/drawing/2014/main" id="{A0038AA2-A687-A730-A406-ED0F38FC2BF0}"/>
+                </a:ext>
+              </a:extLst>
+            </p:cNvPr>
+            <p:cNvPicPr>
+              <a:picLocks noChangeAspect="1"/>
+            </p:cNvPicPr>
+            <p:nvPr/>
+          </p:nvPicPr>
+          <p:blipFill>
+            <a:blip r:embed="rId2">
+              <a:extLst>
+                <a:ext uri="{28A0092B-C50C-407E-A947-70E740481C1C}">
+                  <a14:useLocalDpi xmlns:a14="http://schemas.microsoft.com/office/drawing/2010/main" val="0"/>
+                </a:ext>
+              </a:extLst>
+            </a:blip>
+            <a:stretch>
+              <a:fillRect/>
+            </a:stretch>
+          </p:blipFill>
+          <p:spPr>
+            <a:xfrm>
+              <a:off x="7993542" y="445839"/>
+              <a:ext cx="2032910" cy="2703051"/>
+            </a:xfrm>
+            <a:prstGeom prst="rect">
+              <a:avLst/>
+            </a:prstGeom>
+          </p:spPr>
+        </p:pic>
+        <p:sp>
+          <p:nvSpPr>
+            <p:cNvPr id="108" name="TextBox 107">
+              <a:extLst>
+                <a:ext uri="{FF2B5EF4-FFF2-40B4-BE49-F238E27FC236}">
+                  <a16:creationId xmlns:a16="http://schemas.microsoft.com/office/drawing/2014/main" id="{3A568D36-9E45-3AB0-D18D-259B61CBA366}"/>
+                </a:ext>
+              </a:extLst>
+            </p:cNvPr>
+            <p:cNvSpPr txBox="1"/>
+            <p:nvPr/>
+          </p:nvSpPr>
+          <p:spPr>
+            <a:xfrm>
+              <a:off x="7544587" y="1474928"/>
+              <a:ext cx="793103" cy="200055"/>
+            </a:xfrm>
+            <a:prstGeom prst="rect">
+              <a:avLst/>
+            </a:prstGeom>
+            <a:solidFill>
+              <a:schemeClr val="accent2">
+                <a:lumMod val="20000"/>
+                <a:lumOff val="80000"/>
+              </a:schemeClr>
+            </a:solidFill>
+          </p:spPr>
+          <p:txBody>
+            <a:bodyPr wrap="square" rtlCol="0">
+              <a:spAutoFit/>
+            </a:bodyPr>
+            <a:lstStyle/>
+            <a:p>
+              <a:r>
+                <a:rPr lang="en-US" sz="700" b="1" dirty="0"/>
+                <a:t>Right eyebrow</a:t>
+              </a:r>
+            </a:p>
+          </p:txBody>
+        </p:sp>
+        <p:cxnSp>
+          <p:nvCxnSpPr>
+            <p:cNvPr id="109" name="Straight Arrow Connector 108">
+              <a:extLst>
+                <a:ext uri="{FF2B5EF4-FFF2-40B4-BE49-F238E27FC236}">
+                  <a16:creationId xmlns:a16="http://schemas.microsoft.com/office/drawing/2014/main" id="{6100CB93-9D84-5E38-5F6A-0C235F2521BD}"/>
+                </a:ext>
+              </a:extLst>
+            </p:cNvPr>
+            <p:cNvCxnSpPr>
+              <a:cxnSpLocks/>
+              <a:stCxn id="108" idx="3"/>
+            </p:cNvCxnSpPr>
+            <p:nvPr/>
+          </p:nvCxnSpPr>
+          <p:spPr>
+            <a:xfrm>
+              <a:off x="8337690" y="1574956"/>
+              <a:ext cx="478360" cy="148996"/>
+            </a:xfrm>
+            <a:prstGeom prst="straightConnector1">
+              <a:avLst/>
+            </a:prstGeom>
+            <a:ln w="9525">
+              <a:solidFill>
+                <a:schemeClr val="tx1"/>
+              </a:solidFill>
+              <a:headEnd type="none" w="sm" len="sm"/>
+              <a:tailEnd type="triangle" w="sm" len="sm"/>
+            </a:ln>
+          </p:spPr>
+          <p:style>
+            <a:lnRef idx="2">
+              <a:schemeClr val="accent2"/>
+            </a:lnRef>
+            <a:fillRef idx="0">
+              <a:schemeClr val="accent2"/>
+            </a:fillRef>
+            <a:effectRef idx="1">
+              <a:schemeClr val="accent2"/>
+            </a:effectRef>
+            <a:fontRef idx="minor">
+              <a:schemeClr val="tx1"/>
+            </a:fontRef>
+          </p:style>
+        </p:cxnSp>
+        <p:cxnSp>
+          <p:nvCxnSpPr>
+            <p:cNvPr id="110" name="Straight Arrow Connector 109">
+              <a:extLst>
+                <a:ext uri="{FF2B5EF4-FFF2-40B4-BE49-F238E27FC236}">
+                  <a16:creationId xmlns:a16="http://schemas.microsoft.com/office/drawing/2014/main" id="{13E62A21-D061-0CD5-8E1C-7653D8ACFE20}"/>
+                </a:ext>
+              </a:extLst>
+            </p:cNvPr>
+            <p:cNvCxnSpPr>
+              <a:cxnSpLocks/>
+              <a:stCxn id="111" idx="1"/>
+            </p:cNvCxnSpPr>
+            <p:nvPr/>
+          </p:nvCxnSpPr>
+          <p:spPr>
+            <a:xfrm flipH="1">
+              <a:off x="9224306" y="1540304"/>
+              <a:ext cx="350817" cy="163818"/>
+            </a:xfrm>
+            <a:prstGeom prst="straightConnector1">
+              <a:avLst/>
+            </a:prstGeom>
+            <a:ln w="9525">
+              <a:solidFill>
+                <a:schemeClr val="tx1"/>
+              </a:solidFill>
+              <a:headEnd type="none" w="sm" len="sm"/>
+              <a:tailEnd type="triangle" w="sm" len="sm"/>
+            </a:ln>
+          </p:spPr>
+          <p:style>
+            <a:lnRef idx="2">
+              <a:schemeClr val="accent2"/>
+            </a:lnRef>
+            <a:fillRef idx="0">
+              <a:schemeClr val="accent2"/>
+            </a:fillRef>
+            <a:effectRef idx="1">
+              <a:schemeClr val="accent2"/>
+            </a:effectRef>
+            <a:fontRef idx="minor">
+              <a:schemeClr val="tx1"/>
+            </a:fontRef>
+          </p:style>
+        </p:cxnSp>
+        <p:sp>
+          <p:nvSpPr>
+            <p:cNvPr id="111" name="TextBox 110">
+              <a:extLst>
+                <a:ext uri="{FF2B5EF4-FFF2-40B4-BE49-F238E27FC236}">
+                  <a16:creationId xmlns:a16="http://schemas.microsoft.com/office/drawing/2014/main" id="{81184FE1-B764-8DD3-8337-69FFDA89E823}"/>
+                </a:ext>
+              </a:extLst>
+            </p:cNvPr>
+            <p:cNvSpPr txBox="1"/>
+            <p:nvPr/>
+          </p:nvSpPr>
+          <p:spPr>
+            <a:xfrm>
+              <a:off x="9575123" y="1440276"/>
+              <a:ext cx="720904" cy="200055"/>
+            </a:xfrm>
+            <a:prstGeom prst="rect">
+              <a:avLst/>
+            </a:prstGeom>
+            <a:solidFill>
+              <a:schemeClr val="accent2">
+                <a:lumMod val="20000"/>
+                <a:lumOff val="80000"/>
+              </a:schemeClr>
+            </a:solidFill>
+          </p:spPr>
+          <p:txBody>
+            <a:bodyPr wrap="square" rtlCol="0">
+              <a:spAutoFit/>
+            </a:bodyPr>
+            <a:lstStyle/>
+            <a:p>
+              <a:r>
+                <a:rPr lang="en-US" sz="700" b="1" dirty="0"/>
+                <a:t>Left eyebrow</a:t>
+              </a:r>
+            </a:p>
+          </p:txBody>
+        </p:sp>
+        <p:sp>
+          <p:nvSpPr>
+            <p:cNvPr id="118" name="Freeform: Shape 117">
+              <a:extLst>
+                <a:ext uri="{FF2B5EF4-FFF2-40B4-BE49-F238E27FC236}">
+                  <a16:creationId xmlns:a16="http://schemas.microsoft.com/office/drawing/2014/main" id="{ADFD9D43-31C7-0678-05FB-86327B271C9F}"/>
+                </a:ext>
+              </a:extLst>
+            </p:cNvPr>
+            <p:cNvSpPr/>
+            <p:nvPr/>
+          </p:nvSpPr>
+          <p:spPr>
+            <a:xfrm rot="188433">
+              <a:off x="8539593" y="1750911"/>
+              <a:ext cx="341216" cy="50856"/>
+            </a:xfrm>
+            <a:custGeom>
+              <a:avLst/>
+              <a:gdLst>
+                <a:gd name="connsiteX0" fmla="*/ 0 w 347662"/>
+                <a:gd name="connsiteY0" fmla="*/ 2291 h 26104"/>
+                <a:gd name="connsiteX1" fmla="*/ 171450 w 347662"/>
+                <a:gd name="connsiteY1" fmla="*/ 2291 h 26104"/>
+                <a:gd name="connsiteX2" fmla="*/ 347662 w 347662"/>
+                <a:gd name="connsiteY2" fmla="*/ 26104 h 26104"/>
+              </a:gdLst>
+              <a:ahLst/>
+              <a:cxnLst>
+                <a:cxn ang="0">
+                  <a:pos x="connsiteX0" y="connsiteY0"/>
+                </a:cxn>
+                <a:cxn ang="0">
+                  <a:pos x="connsiteX1" y="connsiteY1"/>
+                </a:cxn>
+                <a:cxn ang="0">
+                  <a:pos x="connsiteX2" y="connsiteY2"/>
+                </a:cxn>
+              </a:cxnLst>
+              <a:rect l="l" t="t" r="r" b="b"/>
+              <a:pathLst>
+                <a:path w="347662" h="26104">
+                  <a:moveTo>
+                    <a:pt x="0" y="2291"/>
+                  </a:moveTo>
+                  <a:cubicBezTo>
+                    <a:pt x="56753" y="306"/>
+                    <a:pt x="113506" y="-1678"/>
+                    <a:pt x="171450" y="2291"/>
+                  </a:cubicBezTo>
+                  <a:cubicBezTo>
+                    <a:pt x="229394" y="6260"/>
+                    <a:pt x="288528" y="16182"/>
+                    <a:pt x="347662" y="26104"/>
+                  </a:cubicBezTo>
+                </a:path>
+              </a:pathLst>
+            </a:custGeom>
+            <a:noFill/>
+            <a:ln w="12700">
+              <a:solidFill>
+                <a:srgbClr val="FFC000"/>
+              </a:solidFill>
+              <a:prstDash val="sysDash"/>
+            </a:ln>
+          </p:spPr>
+          <p:style>
+            <a:lnRef idx="2">
+              <a:schemeClr val="accent1">
+                <a:shade val="15000"/>
+              </a:schemeClr>
+            </a:lnRef>
+            <a:fillRef idx="1">
+              <a:schemeClr val="accent1"/>
+            </a:fillRef>
+            <a:effectRef idx="0">
+              <a:schemeClr val="accent1"/>
+            </a:effectRef>
+            <a:fontRef idx="minor">
+              <a:schemeClr val="lt1"/>
+            </a:fontRef>
+          </p:style>
+          <p:txBody>
+            <a:bodyPr rtlCol="0" anchor="ctr"/>
+            <a:lstStyle/>
+            <a:p>
+              <a:pPr algn="ctr"/>
+              <a:endParaRPr lang="en-US"/>
+            </a:p>
+          </p:txBody>
+        </p:sp>
+        <p:sp>
+          <p:nvSpPr>
+            <p:cNvPr id="119" name="TextBox 118">
+              <a:extLst>
+                <a:ext uri="{FF2B5EF4-FFF2-40B4-BE49-F238E27FC236}">
+                  <a16:creationId xmlns:a16="http://schemas.microsoft.com/office/drawing/2014/main" id="{0070EF7A-671B-9D2F-D2F6-4A41E486413A}"/>
+                </a:ext>
+              </a:extLst>
+            </p:cNvPr>
+            <p:cNvSpPr txBox="1"/>
+            <p:nvPr/>
+          </p:nvSpPr>
+          <p:spPr>
+            <a:xfrm>
+              <a:off x="7571467" y="1912335"/>
+              <a:ext cx="867133" cy="523220"/>
+            </a:xfrm>
+            <a:prstGeom prst="rect">
+              <a:avLst/>
+            </a:prstGeom>
+            <a:solidFill>
+              <a:schemeClr val="accent2">
+                <a:lumMod val="20000"/>
+                <a:lumOff val="80000"/>
+              </a:schemeClr>
+            </a:solidFill>
+          </p:spPr>
+          <p:txBody>
+            <a:bodyPr wrap="square" rtlCol="0">
+              <a:spAutoFit/>
+            </a:bodyPr>
+            <a:lstStyle/>
+            <a:p>
+              <a:r>
+                <a:rPr lang="en-US" sz="700" b="1" dirty="0"/>
+                <a:t>Frame sections which should correlate to the eyebrows</a:t>
+              </a:r>
+            </a:p>
+          </p:txBody>
+        </p:sp>
+        <p:sp>
+          <p:nvSpPr>
+            <p:cNvPr id="121" name="Freeform: Shape 120">
+              <a:extLst>
+                <a:ext uri="{FF2B5EF4-FFF2-40B4-BE49-F238E27FC236}">
+                  <a16:creationId xmlns:a16="http://schemas.microsoft.com/office/drawing/2014/main" id="{A0E6BB92-4DEE-D0F2-367B-A93C89AC591D}"/>
+                </a:ext>
+              </a:extLst>
+            </p:cNvPr>
+            <p:cNvSpPr/>
+            <p:nvPr/>
+          </p:nvSpPr>
+          <p:spPr>
+            <a:xfrm rot="20823833">
+              <a:off x="9081867" y="1761050"/>
+              <a:ext cx="332185" cy="45719"/>
+            </a:xfrm>
+            <a:custGeom>
+              <a:avLst/>
+              <a:gdLst>
+                <a:gd name="connsiteX0" fmla="*/ 0 w 347662"/>
+                <a:gd name="connsiteY0" fmla="*/ 2291 h 26104"/>
+                <a:gd name="connsiteX1" fmla="*/ 171450 w 347662"/>
+                <a:gd name="connsiteY1" fmla="*/ 2291 h 26104"/>
+                <a:gd name="connsiteX2" fmla="*/ 347662 w 347662"/>
+                <a:gd name="connsiteY2" fmla="*/ 26104 h 26104"/>
+              </a:gdLst>
+              <a:ahLst/>
+              <a:cxnLst>
+                <a:cxn ang="0">
+                  <a:pos x="connsiteX0" y="connsiteY0"/>
+                </a:cxn>
+                <a:cxn ang="0">
+                  <a:pos x="connsiteX1" y="connsiteY1"/>
+                </a:cxn>
+                <a:cxn ang="0">
+                  <a:pos x="connsiteX2" y="connsiteY2"/>
+                </a:cxn>
+              </a:cxnLst>
+              <a:rect l="l" t="t" r="r" b="b"/>
+              <a:pathLst>
+                <a:path w="347662" h="26104">
+                  <a:moveTo>
+                    <a:pt x="0" y="2291"/>
+                  </a:moveTo>
+                  <a:cubicBezTo>
+                    <a:pt x="56753" y="306"/>
+                    <a:pt x="113506" y="-1678"/>
+                    <a:pt x="171450" y="2291"/>
+                  </a:cubicBezTo>
+                  <a:cubicBezTo>
+                    <a:pt x="229394" y="6260"/>
+                    <a:pt x="288528" y="16182"/>
+                    <a:pt x="347662" y="26104"/>
+                  </a:cubicBezTo>
+                </a:path>
+              </a:pathLst>
+            </a:custGeom>
+            <a:noFill/>
+            <a:ln w="12700">
+              <a:solidFill>
+                <a:srgbClr val="FFC000"/>
+              </a:solidFill>
+              <a:prstDash val="sysDash"/>
+            </a:ln>
+          </p:spPr>
+          <p:style>
+            <a:lnRef idx="2">
+              <a:schemeClr val="accent1">
+                <a:shade val="15000"/>
+              </a:schemeClr>
+            </a:lnRef>
+            <a:fillRef idx="1">
+              <a:schemeClr val="accent1"/>
+            </a:fillRef>
+            <a:effectRef idx="0">
+              <a:schemeClr val="accent1"/>
+            </a:effectRef>
+            <a:fontRef idx="minor">
+              <a:schemeClr val="lt1"/>
+            </a:fontRef>
+          </p:style>
+          <p:txBody>
+            <a:bodyPr rtlCol="0" anchor="ctr"/>
+            <a:lstStyle/>
+            <a:p>
+              <a:pPr algn="ctr"/>
+              <a:endParaRPr lang="en-US"/>
+            </a:p>
+          </p:txBody>
+        </p:sp>
+        <p:cxnSp>
+          <p:nvCxnSpPr>
+            <p:cNvPr id="122" name="Straight Arrow Connector 121">
+              <a:extLst>
+                <a:ext uri="{FF2B5EF4-FFF2-40B4-BE49-F238E27FC236}">
+                  <a16:creationId xmlns:a16="http://schemas.microsoft.com/office/drawing/2014/main" id="{3CF46640-8F2B-C7E8-3B8B-21A0223FB38A}"/>
+                </a:ext>
+              </a:extLst>
+            </p:cNvPr>
+            <p:cNvCxnSpPr>
+              <a:cxnSpLocks/>
+              <a:stCxn id="119" idx="3"/>
+            </p:cNvCxnSpPr>
+            <p:nvPr/>
+          </p:nvCxnSpPr>
+          <p:spPr>
+            <a:xfrm flipV="1">
+              <a:off x="8438600" y="1765744"/>
+              <a:ext cx="229150" cy="408201"/>
+            </a:xfrm>
+            <a:prstGeom prst="straightConnector1">
+              <a:avLst/>
+            </a:prstGeom>
+            <a:ln w="9525">
+              <a:solidFill>
+                <a:schemeClr val="tx1"/>
+              </a:solidFill>
+              <a:headEnd type="none" w="sm" len="sm"/>
+              <a:tailEnd type="triangle" w="sm" len="sm"/>
+            </a:ln>
+          </p:spPr>
+          <p:style>
+            <a:lnRef idx="2">
+              <a:schemeClr val="accent2"/>
+            </a:lnRef>
+            <a:fillRef idx="0">
+              <a:schemeClr val="accent2"/>
+            </a:fillRef>
+            <a:effectRef idx="1">
+              <a:schemeClr val="accent2"/>
+            </a:effectRef>
+            <a:fontRef idx="minor">
+              <a:schemeClr val="tx1"/>
+            </a:fontRef>
+          </p:style>
+        </p:cxnSp>
+        <p:cxnSp>
+          <p:nvCxnSpPr>
+            <p:cNvPr id="125" name="Straight Arrow Connector 124">
+              <a:extLst>
+                <a:ext uri="{FF2B5EF4-FFF2-40B4-BE49-F238E27FC236}">
+                  <a16:creationId xmlns:a16="http://schemas.microsoft.com/office/drawing/2014/main" id="{A26A4B0A-C780-9FD1-0EF6-039D1A3E2CB3}"/>
+                </a:ext>
+              </a:extLst>
+            </p:cNvPr>
+            <p:cNvCxnSpPr>
+              <a:cxnSpLocks/>
+              <a:stCxn id="119" idx="3"/>
+            </p:cNvCxnSpPr>
+            <p:nvPr/>
+          </p:nvCxnSpPr>
+          <p:spPr>
+            <a:xfrm flipV="1">
+              <a:off x="8438600" y="1782845"/>
+              <a:ext cx="853038" cy="391100"/>
+            </a:xfrm>
+            <a:prstGeom prst="straightConnector1">
+              <a:avLst/>
+            </a:prstGeom>
+            <a:ln w="9525">
+              <a:solidFill>
+                <a:schemeClr val="tx1"/>
+              </a:solidFill>
+              <a:headEnd type="none" w="sm" len="sm"/>
+              <a:tailEnd type="triangle" w="sm" len="sm"/>
+            </a:ln>
+          </p:spPr>
+          <p:style>
+            <a:lnRef idx="2">
+              <a:schemeClr val="accent2"/>
+            </a:lnRef>
+            <a:fillRef idx="0">
+              <a:schemeClr val="accent2"/>
+            </a:fillRef>
+            <a:effectRef idx="1">
+              <a:schemeClr val="accent2"/>
+            </a:effectRef>
+            <a:fontRef idx="minor">
+              <a:schemeClr val="tx1"/>
+            </a:fontRef>
+          </p:style>
+        </p:cxnSp>
+      </p:grpSp>
+      <p:grpSp>
+        <p:nvGrpSpPr>
+          <p:cNvPr id="61" name="Group 60">
+            <a:extLst>
+              <a:ext uri="{FF2B5EF4-FFF2-40B4-BE49-F238E27FC236}">
+                <a16:creationId xmlns:a16="http://schemas.microsoft.com/office/drawing/2014/main" id="{1206394F-DAE8-1799-33B3-7CA33DD12406}"/>
+              </a:ext>
+            </a:extLst>
+          </p:cNvPr>
+          <p:cNvGrpSpPr/>
+          <p:nvPr/>
+        </p:nvGrpSpPr>
+        <p:grpSpPr>
+          <a:xfrm>
+            <a:off x="980903" y="3306324"/>
+            <a:ext cx="2755857" cy="2703051"/>
+            <a:chOff x="980903" y="3306324"/>
+            <a:chExt cx="2755857" cy="2703051"/>
+          </a:xfrm>
+        </p:grpSpPr>
+        <p:pic>
+          <p:nvPicPr>
+            <p:cNvPr id="39" name="Picture 38" descr="A person with glasses and beard&#10;&#10;Description automatically generated">
+              <a:extLst>
+                <a:ext uri="{FF2B5EF4-FFF2-40B4-BE49-F238E27FC236}">
+                  <a16:creationId xmlns:a16="http://schemas.microsoft.com/office/drawing/2014/main" id="{3DE7ACD5-5A5F-7A49-A25C-6F4E1D6515FB}"/>
+                </a:ext>
+              </a:extLst>
+            </p:cNvPr>
+            <p:cNvPicPr>
+              <a:picLocks noChangeAspect="1"/>
+            </p:cNvPicPr>
+            <p:nvPr/>
+          </p:nvPicPr>
+          <p:blipFill>
+            <a:blip r:embed="rId2">
+              <a:extLst>
+                <a:ext uri="{28A0092B-C50C-407E-A947-70E740481C1C}">
+                  <a14:useLocalDpi xmlns:a14="http://schemas.microsoft.com/office/drawing/2010/main" val="0"/>
+                </a:ext>
+              </a:extLst>
+            </a:blip>
+            <a:stretch>
+              <a:fillRect/>
+            </a:stretch>
+          </p:blipFill>
+          <p:spPr>
+            <a:xfrm>
+              <a:off x="1357841" y="3306324"/>
+              <a:ext cx="2032910" cy="2703051"/>
+            </a:xfrm>
+            <a:prstGeom prst="rect">
+              <a:avLst/>
+            </a:prstGeom>
+          </p:spPr>
+        </p:pic>
+        <p:sp>
+          <p:nvSpPr>
+            <p:cNvPr id="142" name="TextBox 141">
+              <a:extLst>
+                <a:ext uri="{FF2B5EF4-FFF2-40B4-BE49-F238E27FC236}">
+                  <a16:creationId xmlns:a16="http://schemas.microsoft.com/office/drawing/2014/main" id="{044BFE8E-231A-4D04-4CB1-1067644C847F}"/>
+                </a:ext>
+              </a:extLst>
+            </p:cNvPr>
+            <p:cNvSpPr txBox="1"/>
+            <p:nvPr/>
+          </p:nvSpPr>
+          <p:spPr>
+            <a:xfrm>
+              <a:off x="980903" y="5028839"/>
+              <a:ext cx="744170" cy="307777"/>
+            </a:xfrm>
+            <a:prstGeom prst="rect">
+              <a:avLst/>
+            </a:prstGeom>
+            <a:solidFill>
+              <a:schemeClr val="accent2">
+                <a:lumMod val="20000"/>
+                <a:lumOff val="80000"/>
+              </a:schemeClr>
+            </a:solidFill>
+          </p:spPr>
+          <p:txBody>
+            <a:bodyPr wrap="square" rtlCol="0">
+              <a:spAutoFit/>
+            </a:bodyPr>
+            <a:lstStyle/>
+            <a:p>
+              <a:r>
+                <a:rPr lang="en-US" sz="700" b="1" dirty="0"/>
+                <a:t>Right lower cheek line</a:t>
+              </a:r>
+            </a:p>
+          </p:txBody>
+        </p:sp>
+        <p:cxnSp>
+          <p:nvCxnSpPr>
+            <p:cNvPr id="143" name="Straight Arrow Connector 142">
+              <a:extLst>
+                <a:ext uri="{FF2B5EF4-FFF2-40B4-BE49-F238E27FC236}">
+                  <a16:creationId xmlns:a16="http://schemas.microsoft.com/office/drawing/2014/main" id="{D7BA22BD-60E5-5AC0-04F0-7A3ED3E02BFD}"/>
+                </a:ext>
+              </a:extLst>
+            </p:cNvPr>
+            <p:cNvCxnSpPr>
+              <a:cxnSpLocks/>
+              <a:stCxn id="142" idx="3"/>
+            </p:cNvCxnSpPr>
+            <p:nvPr/>
+          </p:nvCxnSpPr>
+          <p:spPr>
+            <a:xfrm flipV="1">
+              <a:off x="1725073" y="4987750"/>
+              <a:ext cx="250598" cy="194978"/>
+            </a:xfrm>
+            <a:prstGeom prst="straightConnector1">
+              <a:avLst/>
+            </a:prstGeom>
+            <a:ln w="9525">
+              <a:solidFill>
+                <a:schemeClr val="tx1"/>
+              </a:solidFill>
+              <a:headEnd type="none" w="sm" len="sm"/>
+              <a:tailEnd type="triangle" w="sm" len="sm"/>
+            </a:ln>
+          </p:spPr>
+          <p:style>
+            <a:lnRef idx="2">
+              <a:schemeClr val="accent2"/>
+            </a:lnRef>
+            <a:fillRef idx="0">
+              <a:schemeClr val="accent2"/>
+            </a:fillRef>
+            <a:effectRef idx="1">
+              <a:schemeClr val="accent2"/>
+            </a:effectRef>
+            <a:fontRef idx="minor">
+              <a:schemeClr val="tx1"/>
+            </a:fontRef>
+          </p:style>
+        </p:cxnSp>
+        <p:cxnSp>
+          <p:nvCxnSpPr>
+            <p:cNvPr id="144" name="Straight Arrow Connector 143">
+              <a:extLst>
+                <a:ext uri="{FF2B5EF4-FFF2-40B4-BE49-F238E27FC236}">
+                  <a16:creationId xmlns:a16="http://schemas.microsoft.com/office/drawing/2014/main" id="{B9882F6D-F769-5AEE-E099-C30FE5931C90}"/>
+                </a:ext>
+              </a:extLst>
+            </p:cNvPr>
+            <p:cNvCxnSpPr>
+              <a:cxnSpLocks/>
+              <a:stCxn id="145" idx="1"/>
+            </p:cNvCxnSpPr>
+            <p:nvPr/>
+          </p:nvCxnSpPr>
+          <p:spPr>
+            <a:xfrm flipH="1" flipV="1">
+              <a:off x="2644372" y="4987750"/>
+              <a:ext cx="348218" cy="169197"/>
+            </a:xfrm>
+            <a:prstGeom prst="straightConnector1">
+              <a:avLst/>
+            </a:prstGeom>
+            <a:ln w="9525">
+              <a:solidFill>
+                <a:schemeClr val="tx1"/>
+              </a:solidFill>
+              <a:headEnd type="none" w="sm" len="sm"/>
+              <a:tailEnd type="triangle" w="sm" len="sm"/>
+            </a:ln>
+          </p:spPr>
+          <p:style>
+            <a:lnRef idx="2">
+              <a:schemeClr val="accent2"/>
+            </a:lnRef>
+            <a:fillRef idx="0">
+              <a:schemeClr val="accent2"/>
+            </a:fillRef>
+            <a:effectRef idx="1">
+              <a:schemeClr val="accent2"/>
+            </a:effectRef>
+            <a:fontRef idx="minor">
+              <a:schemeClr val="tx1"/>
+            </a:fontRef>
+          </p:style>
+        </p:cxnSp>
+        <p:sp>
+          <p:nvSpPr>
+            <p:cNvPr id="145" name="TextBox 144">
+              <a:extLst>
+                <a:ext uri="{FF2B5EF4-FFF2-40B4-BE49-F238E27FC236}">
+                  <a16:creationId xmlns:a16="http://schemas.microsoft.com/office/drawing/2014/main" id="{033A0D4F-A7F7-68F4-0083-F07C2698CBC0}"/>
+                </a:ext>
+              </a:extLst>
+            </p:cNvPr>
+            <p:cNvSpPr txBox="1"/>
+            <p:nvPr/>
+          </p:nvSpPr>
+          <p:spPr>
+            <a:xfrm>
+              <a:off x="2992590" y="5003058"/>
+              <a:ext cx="744170" cy="307777"/>
+            </a:xfrm>
+            <a:prstGeom prst="rect">
+              <a:avLst/>
+            </a:prstGeom>
+            <a:solidFill>
+              <a:schemeClr val="accent2">
+                <a:lumMod val="20000"/>
+                <a:lumOff val="80000"/>
+              </a:schemeClr>
+            </a:solidFill>
+          </p:spPr>
+          <p:txBody>
+            <a:bodyPr wrap="square" rtlCol="0">
+              <a:spAutoFit/>
+            </a:bodyPr>
+            <a:lstStyle/>
+            <a:p>
+              <a:r>
+                <a:rPr lang="en-US" sz="700" b="1" dirty="0"/>
+                <a:t>Left lower cheek line</a:t>
+              </a:r>
+            </a:p>
+          </p:txBody>
+        </p:sp>
+      </p:grpSp>
+      <p:grpSp>
+        <p:nvGrpSpPr>
+          <p:cNvPr id="60" name="Group 59">
+            <a:extLst>
+              <a:ext uri="{FF2B5EF4-FFF2-40B4-BE49-F238E27FC236}">
+                <a16:creationId xmlns:a16="http://schemas.microsoft.com/office/drawing/2014/main" id="{599064AF-FAA7-15D9-E587-0F8B6EAE9191}"/>
+              </a:ext>
+            </a:extLst>
+          </p:cNvPr>
+          <p:cNvGrpSpPr/>
+          <p:nvPr/>
+        </p:nvGrpSpPr>
+        <p:grpSpPr>
+          <a:xfrm>
+            <a:off x="4400264" y="3338353"/>
+            <a:ext cx="2733352" cy="2703051"/>
+            <a:chOff x="4400264" y="3338353"/>
+            <a:chExt cx="2733352" cy="2703051"/>
+          </a:xfrm>
+        </p:grpSpPr>
+        <p:pic>
+          <p:nvPicPr>
+            <p:cNvPr id="44" name="Picture 43" descr="A person with glasses and beard&#10;&#10;Description automatically generated">
+              <a:extLst>
+                <a:ext uri="{FF2B5EF4-FFF2-40B4-BE49-F238E27FC236}">
+                  <a16:creationId xmlns:a16="http://schemas.microsoft.com/office/drawing/2014/main" id="{2FEA55C9-823D-5623-25AD-D604E2337B48}"/>
+                </a:ext>
+              </a:extLst>
+            </p:cNvPr>
+            <p:cNvPicPr>
+              <a:picLocks noChangeAspect="1"/>
+            </p:cNvPicPr>
+            <p:nvPr/>
+          </p:nvPicPr>
+          <p:blipFill>
+            <a:blip r:embed="rId2">
+              <a:extLst>
+                <a:ext uri="{28A0092B-C50C-407E-A947-70E740481C1C}">
+                  <a14:useLocalDpi xmlns:a14="http://schemas.microsoft.com/office/drawing/2010/main" val="0"/>
+                </a:ext>
+              </a:extLst>
+            </a:blip>
+            <a:stretch>
+              <a:fillRect/>
+            </a:stretch>
+          </p:blipFill>
+          <p:spPr>
+            <a:xfrm>
+              <a:off x="4731783" y="3338353"/>
+              <a:ext cx="2032910" cy="2703051"/>
+            </a:xfrm>
+            <a:prstGeom prst="rect">
+              <a:avLst/>
+            </a:prstGeom>
+          </p:spPr>
+        </p:pic>
+        <p:cxnSp>
+          <p:nvCxnSpPr>
+            <p:cNvPr id="178" name="Straight Arrow Connector 177">
+              <a:extLst>
+                <a:ext uri="{FF2B5EF4-FFF2-40B4-BE49-F238E27FC236}">
+                  <a16:creationId xmlns:a16="http://schemas.microsoft.com/office/drawing/2014/main" id="{17C1B6A8-19F3-DD46-BB26-EB28C558D629}"/>
+                </a:ext>
+              </a:extLst>
+            </p:cNvPr>
+            <p:cNvCxnSpPr>
+              <a:cxnSpLocks/>
+            </p:cNvCxnSpPr>
+            <p:nvPr/>
+          </p:nvCxnSpPr>
+          <p:spPr>
+            <a:xfrm flipV="1">
+              <a:off x="5701869" y="4370503"/>
+              <a:ext cx="7114" cy="1308778"/>
+            </a:xfrm>
+            <a:prstGeom prst="straightConnector1">
+              <a:avLst/>
+            </a:prstGeom>
+            <a:ln w="12700">
+              <a:solidFill>
+                <a:srgbClr val="FFC000"/>
+              </a:solidFill>
+              <a:headEnd type="triangle" w="sm" len="sm"/>
+              <a:tailEnd type="triangle" w="sm" len="sm"/>
+            </a:ln>
+          </p:spPr>
+          <p:style>
+            <a:lnRef idx="2">
+              <a:schemeClr val="accent2"/>
+            </a:lnRef>
+            <a:fillRef idx="0">
+              <a:schemeClr val="accent2"/>
+            </a:fillRef>
+            <a:effectRef idx="1">
+              <a:schemeClr val="accent2"/>
+            </a:effectRef>
+            <a:fontRef idx="minor">
+              <a:schemeClr val="tx1"/>
+            </a:fontRef>
+          </p:style>
+        </p:cxnSp>
+        <p:cxnSp>
+          <p:nvCxnSpPr>
+            <p:cNvPr id="196" name="Straight Arrow Connector 195">
+              <a:extLst>
+                <a:ext uri="{FF2B5EF4-FFF2-40B4-BE49-F238E27FC236}">
+                  <a16:creationId xmlns:a16="http://schemas.microsoft.com/office/drawing/2014/main" id="{56BA401B-5AE2-859E-6D2C-C52391336AEA}"/>
+                </a:ext>
+              </a:extLst>
+            </p:cNvPr>
+            <p:cNvCxnSpPr>
+              <a:cxnSpLocks/>
+            </p:cNvCxnSpPr>
+            <p:nvPr/>
+          </p:nvCxnSpPr>
+          <p:spPr>
+            <a:xfrm flipV="1">
+              <a:off x="5204268" y="4760022"/>
+              <a:ext cx="1029845" cy="1446"/>
+            </a:xfrm>
+            <a:prstGeom prst="straightConnector1">
+              <a:avLst/>
+            </a:prstGeom>
+            <a:ln w="12700">
+              <a:solidFill>
+                <a:srgbClr val="FFC000"/>
+              </a:solidFill>
+              <a:headEnd type="triangle" w="sm" len="sm"/>
+              <a:tailEnd type="triangle" w="sm" len="sm"/>
+            </a:ln>
+          </p:spPr>
+          <p:style>
+            <a:lnRef idx="2">
+              <a:schemeClr val="accent2"/>
+            </a:lnRef>
+            <a:fillRef idx="0">
+              <a:schemeClr val="accent2"/>
+            </a:fillRef>
+            <a:effectRef idx="1">
+              <a:schemeClr val="accent2"/>
+            </a:effectRef>
+            <a:fontRef idx="minor">
+              <a:schemeClr val="tx1"/>
+            </a:fontRef>
+          </p:style>
+        </p:cxnSp>
+        <p:sp>
+          <p:nvSpPr>
+            <p:cNvPr id="50" name="Oval 49">
+              <a:extLst>
+                <a:ext uri="{FF2B5EF4-FFF2-40B4-BE49-F238E27FC236}">
+                  <a16:creationId xmlns:a16="http://schemas.microsoft.com/office/drawing/2014/main" id="{A8A99833-97BD-737D-EC5E-959760BAC5B0}"/>
+                </a:ext>
+              </a:extLst>
+            </p:cNvPr>
+            <p:cNvSpPr/>
+            <p:nvPr/>
+          </p:nvSpPr>
+          <p:spPr>
+            <a:xfrm>
+              <a:off x="5154309" y="4558759"/>
+              <a:ext cx="1112756" cy="1097449"/>
+            </a:xfrm>
+            <a:prstGeom prst="ellipse">
+              <a:avLst/>
+            </a:prstGeom>
+            <a:noFill/>
+            <a:ln w="9525">
+              <a:solidFill>
+                <a:srgbClr val="00FF00"/>
+              </a:solidFill>
+            </a:ln>
+          </p:spPr>
+          <p:style>
+            <a:lnRef idx="2">
+              <a:schemeClr val="accent1">
+                <a:shade val="15000"/>
+              </a:schemeClr>
+            </a:lnRef>
+            <a:fillRef idx="1">
+              <a:schemeClr val="accent1"/>
+            </a:fillRef>
+            <a:effectRef idx="0">
+              <a:schemeClr val="accent1"/>
+            </a:effectRef>
+            <a:fontRef idx="minor">
+              <a:schemeClr val="lt1"/>
+            </a:fontRef>
+          </p:style>
+          <p:txBody>
+            <a:bodyPr rtlCol="1" anchor="ctr"/>
+            <a:lstStyle/>
+            <a:p>
+              <a:pPr algn="ctr"/>
+              <a:endParaRPr lang="he-IL"/>
+            </a:p>
+          </p:txBody>
+        </p:sp>
+        <p:sp>
+          <p:nvSpPr>
+            <p:cNvPr id="51" name="Oval 50">
+              <a:extLst>
+                <a:ext uri="{FF2B5EF4-FFF2-40B4-BE49-F238E27FC236}">
+                  <a16:creationId xmlns:a16="http://schemas.microsoft.com/office/drawing/2014/main" id="{43EED009-5932-75A1-4D74-FEFDA6BE15C8}"/>
+                </a:ext>
+              </a:extLst>
+            </p:cNvPr>
+            <p:cNvSpPr/>
+            <p:nvPr/>
+          </p:nvSpPr>
+          <p:spPr>
+            <a:xfrm>
+              <a:off x="5180089" y="4580738"/>
+              <a:ext cx="433726" cy="442396"/>
+            </a:xfrm>
+            <a:prstGeom prst="ellipse">
+              <a:avLst/>
+            </a:prstGeom>
+            <a:noFill/>
+            <a:ln w="9525">
+              <a:solidFill>
+                <a:srgbClr val="00FF00"/>
+              </a:solidFill>
+            </a:ln>
+          </p:spPr>
+          <p:style>
+            <a:lnRef idx="2">
+              <a:schemeClr val="accent1">
+                <a:shade val="15000"/>
+              </a:schemeClr>
+            </a:lnRef>
+            <a:fillRef idx="1">
+              <a:schemeClr val="accent1"/>
+            </a:fillRef>
+            <a:effectRef idx="0">
+              <a:schemeClr val="accent1"/>
+            </a:effectRef>
+            <a:fontRef idx="minor">
+              <a:schemeClr val="lt1"/>
+            </a:fontRef>
+          </p:style>
+          <p:txBody>
+            <a:bodyPr rtlCol="1" anchor="ctr"/>
+            <a:lstStyle/>
+            <a:p>
+              <a:pPr algn="ctr"/>
+              <a:endParaRPr lang="he-IL"/>
+            </a:p>
+          </p:txBody>
+        </p:sp>
+        <p:sp>
+          <p:nvSpPr>
+            <p:cNvPr id="54" name="Oval 53">
+              <a:extLst>
+                <a:ext uri="{FF2B5EF4-FFF2-40B4-BE49-F238E27FC236}">
+                  <a16:creationId xmlns:a16="http://schemas.microsoft.com/office/drawing/2014/main" id="{BF28CCCE-A542-4674-F3CE-EA47683FBC1C}"/>
+                </a:ext>
+              </a:extLst>
+            </p:cNvPr>
+            <p:cNvSpPr/>
+            <p:nvPr/>
+          </p:nvSpPr>
+          <p:spPr>
+            <a:xfrm>
+              <a:off x="5800387" y="4591660"/>
+              <a:ext cx="433726" cy="442396"/>
+            </a:xfrm>
+            <a:prstGeom prst="ellipse">
+              <a:avLst/>
+            </a:prstGeom>
+            <a:noFill/>
+            <a:ln w="9525">
+              <a:solidFill>
+                <a:srgbClr val="00FF00"/>
+              </a:solidFill>
+            </a:ln>
+          </p:spPr>
+          <p:style>
+            <a:lnRef idx="2">
+              <a:schemeClr val="accent1">
+                <a:shade val="15000"/>
+              </a:schemeClr>
+            </a:lnRef>
+            <a:fillRef idx="1">
+              <a:schemeClr val="accent1"/>
+            </a:fillRef>
+            <a:effectRef idx="0">
+              <a:schemeClr val="accent1"/>
+            </a:effectRef>
+            <a:fontRef idx="minor">
+              <a:schemeClr val="lt1"/>
+            </a:fontRef>
+          </p:style>
+          <p:txBody>
+            <a:bodyPr rtlCol="1" anchor="ctr"/>
+            <a:lstStyle/>
+            <a:p>
+              <a:pPr algn="ctr"/>
+              <a:endParaRPr lang="he-IL"/>
+            </a:p>
+          </p:txBody>
+        </p:sp>
+        <p:cxnSp>
+          <p:nvCxnSpPr>
+            <p:cNvPr id="170" name="Straight Arrow Connector 169">
+              <a:extLst>
+                <a:ext uri="{FF2B5EF4-FFF2-40B4-BE49-F238E27FC236}">
+                  <a16:creationId xmlns:a16="http://schemas.microsoft.com/office/drawing/2014/main" id="{5323CBBE-CBE5-C1C6-5BCA-8048F2B774BF}"/>
+                </a:ext>
+              </a:extLst>
+            </p:cNvPr>
+            <p:cNvCxnSpPr>
+              <a:cxnSpLocks/>
+              <a:stCxn id="171" idx="3"/>
+              <a:endCxn id="51" idx="3"/>
+            </p:cNvCxnSpPr>
+            <p:nvPr/>
+          </p:nvCxnSpPr>
+          <p:spPr>
+            <a:xfrm flipV="1">
+              <a:off x="4986564" y="4958347"/>
+              <a:ext cx="257043" cy="352489"/>
+            </a:xfrm>
+            <a:prstGeom prst="straightConnector1">
+              <a:avLst/>
+            </a:prstGeom>
+            <a:ln w="9525">
+              <a:solidFill>
+                <a:schemeClr val="tx1"/>
+              </a:solidFill>
+              <a:headEnd type="none" w="sm" len="sm"/>
+              <a:tailEnd type="triangle" w="sm" len="sm"/>
+            </a:ln>
+          </p:spPr>
+          <p:style>
+            <a:lnRef idx="2">
+              <a:schemeClr val="accent2"/>
+            </a:lnRef>
+            <a:fillRef idx="0">
+              <a:schemeClr val="accent2"/>
+            </a:fillRef>
+            <a:effectRef idx="1">
+              <a:schemeClr val="accent2"/>
+            </a:effectRef>
+            <a:fontRef idx="minor">
+              <a:schemeClr val="tx1"/>
+            </a:fontRef>
+          </p:style>
+        </p:cxnSp>
+        <p:sp>
+          <p:nvSpPr>
+            <p:cNvPr id="171" name="TextBox 170">
+              <a:extLst>
+                <a:ext uri="{FF2B5EF4-FFF2-40B4-BE49-F238E27FC236}">
+                  <a16:creationId xmlns:a16="http://schemas.microsoft.com/office/drawing/2014/main" id="{D584EB81-9867-0689-241A-65F282D296C9}"/>
+                </a:ext>
+              </a:extLst>
+            </p:cNvPr>
+            <p:cNvSpPr txBox="1"/>
+            <p:nvPr/>
+          </p:nvSpPr>
+          <p:spPr>
+            <a:xfrm>
+              <a:off x="4508071" y="5156947"/>
+              <a:ext cx="478493" cy="307777"/>
+            </a:xfrm>
+            <a:prstGeom prst="rect">
+              <a:avLst/>
+            </a:prstGeom>
+            <a:solidFill>
+              <a:schemeClr val="accent2">
+                <a:lumMod val="20000"/>
+                <a:lumOff val="80000"/>
+              </a:schemeClr>
+            </a:solidFill>
+          </p:spPr>
+          <p:txBody>
+            <a:bodyPr wrap="square" rtlCol="0">
+              <a:spAutoFit/>
+            </a:bodyPr>
+            <a:lstStyle/>
+            <a:p>
+              <a:r>
+                <a:rPr lang="en-US" sz="700" b="1" dirty="0"/>
+                <a:t>Best fit circles</a:t>
+              </a:r>
+            </a:p>
+          </p:txBody>
+        </p:sp>
+        <p:cxnSp>
+          <p:nvCxnSpPr>
+            <p:cNvPr id="172" name="Straight Arrow Connector 171">
+              <a:extLst>
+                <a:ext uri="{FF2B5EF4-FFF2-40B4-BE49-F238E27FC236}">
+                  <a16:creationId xmlns:a16="http://schemas.microsoft.com/office/drawing/2014/main" id="{5863D2D4-3BD9-85F9-7E6C-B0B214864A08}"/>
+                </a:ext>
+              </a:extLst>
+            </p:cNvPr>
+            <p:cNvCxnSpPr>
+              <a:cxnSpLocks/>
+              <a:stCxn id="173" idx="1"/>
+            </p:cNvCxnSpPr>
+            <p:nvPr/>
+          </p:nvCxnSpPr>
+          <p:spPr>
+            <a:xfrm flipH="1" flipV="1">
+              <a:off x="6188238" y="5237765"/>
+              <a:ext cx="348218" cy="115336"/>
+            </a:xfrm>
+            <a:prstGeom prst="straightConnector1">
+              <a:avLst/>
+            </a:prstGeom>
+            <a:ln w="9525">
+              <a:solidFill>
+                <a:schemeClr val="tx1"/>
+              </a:solidFill>
+              <a:headEnd type="none" w="sm" len="sm"/>
+              <a:tailEnd type="triangle" w="sm" len="sm"/>
+            </a:ln>
+          </p:spPr>
+          <p:style>
+            <a:lnRef idx="2">
+              <a:schemeClr val="accent2"/>
+            </a:lnRef>
+            <a:fillRef idx="0">
+              <a:schemeClr val="accent2"/>
+            </a:fillRef>
+            <a:effectRef idx="1">
+              <a:schemeClr val="accent2"/>
+            </a:effectRef>
+            <a:fontRef idx="minor">
+              <a:schemeClr val="tx1"/>
+            </a:fontRef>
+          </p:style>
+        </p:cxnSp>
+        <p:sp>
+          <p:nvSpPr>
+            <p:cNvPr id="173" name="TextBox 172">
+              <a:extLst>
+                <a:ext uri="{FF2B5EF4-FFF2-40B4-BE49-F238E27FC236}">
+                  <a16:creationId xmlns:a16="http://schemas.microsoft.com/office/drawing/2014/main" id="{745AA306-D670-6279-4746-C60D8A907275}"/>
+                </a:ext>
+              </a:extLst>
+            </p:cNvPr>
+            <p:cNvSpPr txBox="1"/>
+            <p:nvPr/>
+          </p:nvSpPr>
+          <p:spPr>
+            <a:xfrm>
+              <a:off x="6536456" y="5253073"/>
+              <a:ext cx="597160" cy="200055"/>
+            </a:xfrm>
+            <a:prstGeom prst="rect">
+              <a:avLst/>
+            </a:prstGeom>
+            <a:solidFill>
+              <a:schemeClr val="accent2">
+                <a:lumMod val="20000"/>
+                <a:lumOff val="80000"/>
+              </a:schemeClr>
+            </a:solidFill>
+          </p:spPr>
+          <p:txBody>
+            <a:bodyPr wrap="square" rtlCol="0">
+              <a:spAutoFit/>
+            </a:bodyPr>
+            <a:lstStyle/>
+            <a:p>
+              <a:r>
+                <a:rPr lang="en-US" sz="700" b="1" dirty="0"/>
+                <a:t>Jaw line</a:t>
+              </a:r>
+            </a:p>
+          </p:txBody>
+        </p:sp>
+        <p:sp>
+          <p:nvSpPr>
+            <p:cNvPr id="179" name="TextBox 178">
+              <a:extLst>
+                <a:ext uri="{FF2B5EF4-FFF2-40B4-BE49-F238E27FC236}">
+                  <a16:creationId xmlns:a16="http://schemas.microsoft.com/office/drawing/2014/main" id="{56FA1C40-39CD-30FB-E983-BD5FD26385CD}"/>
+                </a:ext>
+              </a:extLst>
+            </p:cNvPr>
+            <p:cNvSpPr txBox="1"/>
+            <p:nvPr/>
+          </p:nvSpPr>
+          <p:spPr>
+            <a:xfrm>
+              <a:off x="6137072" y="3916533"/>
+              <a:ext cx="652992" cy="200055"/>
+            </a:xfrm>
+            <a:prstGeom prst="rect">
+              <a:avLst/>
+            </a:prstGeom>
+            <a:solidFill>
+              <a:schemeClr val="accent2">
+                <a:lumMod val="20000"/>
+                <a:lumOff val="80000"/>
+              </a:schemeClr>
+            </a:solidFill>
+          </p:spPr>
+          <p:txBody>
+            <a:bodyPr wrap="square" rtlCol="0">
+              <a:spAutoFit/>
+            </a:bodyPr>
+            <a:lstStyle/>
+            <a:p>
+              <a:r>
+                <a:rPr lang="en-US" sz="700" b="1" dirty="0"/>
+                <a:t>Face height</a:t>
+              </a:r>
+            </a:p>
+          </p:txBody>
+        </p:sp>
+        <p:cxnSp>
+          <p:nvCxnSpPr>
+            <p:cNvPr id="180" name="Straight Arrow Connector 179">
+              <a:extLst>
+                <a:ext uri="{FF2B5EF4-FFF2-40B4-BE49-F238E27FC236}">
+                  <a16:creationId xmlns:a16="http://schemas.microsoft.com/office/drawing/2014/main" id="{1DD6696E-ADCB-E954-A55B-1EFD1493F99A}"/>
+                </a:ext>
+              </a:extLst>
+            </p:cNvPr>
+            <p:cNvCxnSpPr>
+              <a:cxnSpLocks/>
+              <a:stCxn id="179" idx="2"/>
+            </p:cNvCxnSpPr>
+            <p:nvPr/>
+          </p:nvCxnSpPr>
+          <p:spPr>
+            <a:xfrm flipH="1">
+              <a:off x="5735123" y="4116588"/>
+              <a:ext cx="728445" cy="398159"/>
+            </a:xfrm>
+            <a:prstGeom prst="straightConnector1">
+              <a:avLst/>
+            </a:prstGeom>
+            <a:ln w="9525">
+              <a:solidFill>
+                <a:schemeClr val="tx1"/>
+              </a:solidFill>
+              <a:headEnd type="none" w="sm" len="sm"/>
+              <a:tailEnd type="triangle" w="sm" len="sm"/>
+            </a:ln>
+          </p:spPr>
+          <p:style>
+            <a:lnRef idx="2">
+              <a:schemeClr val="accent2"/>
+            </a:lnRef>
+            <a:fillRef idx="0">
+              <a:schemeClr val="accent2"/>
+            </a:fillRef>
+            <a:effectRef idx="1">
+              <a:schemeClr val="accent2"/>
+            </a:effectRef>
+            <a:fontRef idx="minor">
+              <a:schemeClr val="tx1"/>
+            </a:fontRef>
+          </p:style>
+        </p:cxnSp>
+        <p:cxnSp>
+          <p:nvCxnSpPr>
+            <p:cNvPr id="187" name="Straight Arrow Connector 186">
+              <a:extLst>
+                <a:ext uri="{FF2B5EF4-FFF2-40B4-BE49-F238E27FC236}">
+                  <a16:creationId xmlns:a16="http://schemas.microsoft.com/office/drawing/2014/main" id="{354BF549-7D3B-60CD-616F-2144B0CC0441}"/>
+                </a:ext>
+              </a:extLst>
+            </p:cNvPr>
+            <p:cNvCxnSpPr>
+              <a:cxnSpLocks/>
+              <a:stCxn id="171" idx="3"/>
+            </p:cNvCxnSpPr>
+            <p:nvPr/>
+          </p:nvCxnSpPr>
+          <p:spPr>
+            <a:xfrm flipV="1">
+              <a:off x="4986564" y="5292311"/>
+              <a:ext cx="160282" cy="18525"/>
+            </a:xfrm>
+            <a:prstGeom prst="straightConnector1">
+              <a:avLst/>
+            </a:prstGeom>
+            <a:ln w="9525">
+              <a:solidFill>
+                <a:schemeClr val="tx1"/>
+              </a:solidFill>
+              <a:headEnd type="none" w="sm" len="sm"/>
+              <a:tailEnd type="triangle" w="sm" len="sm"/>
+            </a:ln>
+          </p:spPr>
+          <p:style>
+            <a:lnRef idx="2">
+              <a:schemeClr val="accent2"/>
+            </a:lnRef>
+            <a:fillRef idx="0">
+              <a:schemeClr val="accent2"/>
+            </a:fillRef>
+            <a:effectRef idx="1">
+              <a:schemeClr val="accent2"/>
+            </a:effectRef>
+            <a:fontRef idx="minor">
+              <a:schemeClr val="tx1"/>
+            </a:fontRef>
+          </p:style>
+        </p:cxnSp>
+        <p:cxnSp>
+          <p:nvCxnSpPr>
+            <p:cNvPr id="188" name="Straight Arrow Connector 187">
+              <a:extLst>
+                <a:ext uri="{FF2B5EF4-FFF2-40B4-BE49-F238E27FC236}">
+                  <a16:creationId xmlns:a16="http://schemas.microsoft.com/office/drawing/2014/main" id="{2D987F61-2500-E47B-1ED2-EF9E0DEAA932}"/>
+                </a:ext>
+              </a:extLst>
+            </p:cNvPr>
+            <p:cNvCxnSpPr>
+              <a:cxnSpLocks/>
+              <a:stCxn id="171" idx="3"/>
+              <a:endCxn id="54" idx="2"/>
+            </p:cNvCxnSpPr>
+            <p:nvPr/>
+          </p:nvCxnSpPr>
+          <p:spPr>
+            <a:xfrm flipV="1">
+              <a:off x="4986564" y="4812858"/>
+              <a:ext cx="813823" cy="497978"/>
+            </a:xfrm>
+            <a:prstGeom prst="straightConnector1">
+              <a:avLst/>
+            </a:prstGeom>
+            <a:ln w="9525">
+              <a:solidFill>
+                <a:schemeClr val="tx1"/>
+              </a:solidFill>
+              <a:headEnd type="none" w="sm" len="sm"/>
+              <a:tailEnd type="triangle" w="sm" len="sm"/>
+            </a:ln>
+          </p:spPr>
+          <p:style>
+            <a:lnRef idx="2">
+              <a:schemeClr val="accent2"/>
+            </a:lnRef>
+            <a:fillRef idx="0">
+              <a:schemeClr val="accent2"/>
+            </a:fillRef>
+            <a:effectRef idx="1">
+              <a:schemeClr val="accent2"/>
+            </a:effectRef>
+            <a:fontRef idx="minor">
+              <a:schemeClr val="tx1"/>
+            </a:fontRef>
+          </p:style>
+        </p:cxnSp>
+        <p:sp>
+          <p:nvSpPr>
+            <p:cNvPr id="197" name="TextBox 196">
+              <a:extLst>
+                <a:ext uri="{FF2B5EF4-FFF2-40B4-BE49-F238E27FC236}">
+                  <a16:creationId xmlns:a16="http://schemas.microsoft.com/office/drawing/2014/main" id="{943A40A6-3420-2FD4-FB62-D955DB9AA41E}"/>
+                </a:ext>
+              </a:extLst>
+            </p:cNvPr>
+            <p:cNvSpPr txBox="1"/>
+            <p:nvPr/>
+          </p:nvSpPr>
+          <p:spPr>
+            <a:xfrm>
+              <a:off x="4400264" y="4351495"/>
+              <a:ext cx="678857" cy="200055"/>
+            </a:xfrm>
+            <a:prstGeom prst="rect">
+              <a:avLst/>
+            </a:prstGeom>
+            <a:solidFill>
+              <a:schemeClr val="accent2">
+                <a:lumMod val="20000"/>
+                <a:lumOff val="80000"/>
+              </a:schemeClr>
+            </a:solidFill>
+          </p:spPr>
+          <p:txBody>
+            <a:bodyPr wrap="square" rtlCol="0">
+              <a:spAutoFit/>
+            </a:bodyPr>
+            <a:lstStyle/>
+            <a:p>
+              <a:r>
+                <a:rPr lang="en-US" sz="700" b="1" dirty="0"/>
+                <a:t>Face width</a:t>
+              </a:r>
+            </a:p>
+          </p:txBody>
+        </p:sp>
+        <p:cxnSp>
+          <p:nvCxnSpPr>
+            <p:cNvPr id="198" name="Straight Arrow Connector 197">
+              <a:extLst>
+                <a:ext uri="{FF2B5EF4-FFF2-40B4-BE49-F238E27FC236}">
+                  <a16:creationId xmlns:a16="http://schemas.microsoft.com/office/drawing/2014/main" id="{36425CA0-0C52-961D-173C-155D21FFBECB}"/>
+                </a:ext>
+              </a:extLst>
+            </p:cNvPr>
+            <p:cNvCxnSpPr>
+              <a:cxnSpLocks/>
+              <a:stCxn id="197" idx="3"/>
+            </p:cNvCxnSpPr>
+            <p:nvPr/>
+          </p:nvCxnSpPr>
+          <p:spPr>
+            <a:xfrm>
+              <a:off x="5079121" y="4451523"/>
+              <a:ext cx="219694" cy="308499"/>
+            </a:xfrm>
+            <a:prstGeom prst="straightConnector1">
+              <a:avLst/>
+            </a:prstGeom>
+            <a:ln w="9525">
+              <a:solidFill>
+                <a:schemeClr val="tx1"/>
+              </a:solidFill>
+              <a:headEnd type="none" w="sm" len="sm"/>
+              <a:tailEnd type="triangle" w="sm" len="sm"/>
+            </a:ln>
+          </p:spPr>
+          <p:style>
+            <a:lnRef idx="2">
+              <a:schemeClr val="accent2"/>
+            </a:lnRef>
+            <a:fillRef idx="0">
+              <a:schemeClr val="accent2"/>
+            </a:fillRef>
+            <a:effectRef idx="1">
+              <a:schemeClr val="accent2"/>
+            </a:effectRef>
+            <a:fontRef idx="minor">
+              <a:schemeClr val="tx1"/>
+            </a:fontRef>
+          </p:style>
+        </p:cxnSp>
+      </p:grpSp>
+    </p:spTree>
+    <p:extLst>
+      <p:ext uri="{BB962C8B-B14F-4D97-AF65-F5344CB8AC3E}">
+        <p14:creationId xmlns:p14="http://schemas.microsoft.com/office/powerpoint/2010/main" val="644078281"/>
+      </p:ext>
+    </p:extLst>
+  </p:cSld>
+  <p:clrMapOvr>
+    <a:masterClrMapping/>
+  </p:clrMapOvr>
+</p:sld>
+</file>
+
+<file path=ppt/slides/slide4.xml><?xml version="1.0" encoding="utf-8"?>
+<p:sld xmlns:a="http://schemas.openxmlformats.org/drawingml/2006/main" xmlns:r="http://schemas.openxmlformats.org/officeDocument/2006/relationships" xmlns:p="http://schemas.openxmlformats.org/presentationml/2006/main">
+  <p:cSld>
+    <p:spTree>
+      <p:nvGrpSpPr>
+        <p:cNvPr id="1" name="">
+          <a:extLst>
+            <a:ext uri="{FF2B5EF4-FFF2-40B4-BE49-F238E27FC236}">
+              <a16:creationId xmlns:a16="http://schemas.microsoft.com/office/drawing/2014/main" id="{10BED903-D8F6-5FB9-4082-F6B956F74E83}"/>
+            </a:ext>
+          </a:extLst>
+        </p:cNvPr>
+        <p:cNvGrpSpPr/>
+        <p:nvPr/>
+      </p:nvGrpSpPr>
+      <p:grpSpPr>
+        <a:xfrm>
+          <a:off x="0" y="0"/>
+          <a:ext cx="0" cy="0"/>
+          <a:chOff x="0" y="0"/>
+          <a:chExt cx="0" cy="0"/>
+        </a:xfrm>
+      </p:grpSpPr>
+      <p:grpSp>
+        <p:nvGrpSpPr>
+          <p:cNvPr id="43" name="Group 42">
+            <a:extLst>
+              <a:ext uri="{FF2B5EF4-FFF2-40B4-BE49-F238E27FC236}">
+                <a16:creationId xmlns:a16="http://schemas.microsoft.com/office/drawing/2014/main" id="{DE7369D5-1231-D1B8-39DD-B77E2E284497}"/>
+              </a:ext>
+            </a:extLst>
+          </p:cNvPr>
+          <p:cNvGrpSpPr/>
+          <p:nvPr/>
+        </p:nvGrpSpPr>
+        <p:grpSpPr>
+          <a:xfrm>
+            <a:off x="1259171" y="808617"/>
+            <a:ext cx="2286285" cy="2703051"/>
+            <a:chOff x="1259171" y="808617"/>
+            <a:chExt cx="2286285" cy="2703051"/>
+          </a:xfrm>
+        </p:grpSpPr>
+        <p:pic>
+          <p:nvPicPr>
+            <p:cNvPr id="37" name="Picture 36" descr="A person with glasses and beard&#10;&#10;Description automatically generated">
+              <a:extLst>
+                <a:ext uri="{FF2B5EF4-FFF2-40B4-BE49-F238E27FC236}">
+                  <a16:creationId xmlns:a16="http://schemas.microsoft.com/office/drawing/2014/main" id="{3EDEAF2B-9475-1E7B-06AD-61C0DEC7DD06}"/>
+                </a:ext>
+              </a:extLst>
+            </p:cNvPr>
+            <p:cNvPicPr>
+              <a:picLocks noChangeAspect="1"/>
+            </p:cNvPicPr>
+            <p:nvPr/>
+          </p:nvPicPr>
+          <p:blipFill>
+            <a:blip r:embed="rId2">
+              <a:extLst>
+                <a:ext uri="{28A0092B-C50C-407E-A947-70E740481C1C}">
+                  <a14:useLocalDpi xmlns:a14="http://schemas.microsoft.com/office/drawing/2010/main" val="0"/>
+                </a:ext>
+              </a:extLst>
+            </a:blip>
+            <a:stretch>
+              <a:fillRect/>
+            </a:stretch>
+          </p:blipFill>
+          <p:spPr>
+            <a:xfrm>
+              <a:off x="1259171" y="808617"/>
+              <a:ext cx="2032910" cy="2703051"/>
+            </a:xfrm>
+            <a:prstGeom prst="rect">
+              <a:avLst/>
+            </a:prstGeom>
+          </p:spPr>
+        </p:pic>
+        <p:sp>
+          <p:nvSpPr>
+            <p:cNvPr id="6" name="TextBox 5">
+              <a:extLst>
+                <a:ext uri="{FF2B5EF4-FFF2-40B4-BE49-F238E27FC236}">
+                  <a16:creationId xmlns:a16="http://schemas.microsoft.com/office/drawing/2014/main" id="{3AA5B381-1A34-E83B-AF93-22103DA4A6EF}"/>
+                </a:ext>
+              </a:extLst>
+            </p:cNvPr>
+            <p:cNvSpPr txBox="1"/>
+            <p:nvPr/>
+          </p:nvSpPr>
+          <p:spPr>
+            <a:xfrm>
+              <a:off x="1526875" y="1754756"/>
+              <a:ext cx="353683" cy="200055"/>
+            </a:xfrm>
+            <a:prstGeom prst="rect">
+              <a:avLst/>
+            </a:prstGeom>
+            <a:solidFill>
+              <a:schemeClr val="accent2">
+                <a:lumMod val="20000"/>
+                <a:lumOff val="80000"/>
+              </a:schemeClr>
+            </a:solidFill>
+          </p:spPr>
+          <p:txBody>
+            <a:bodyPr wrap="square" rtlCol="0">
+              <a:spAutoFit/>
+            </a:bodyPr>
+            <a:lstStyle/>
+            <a:p>
+              <a:r>
+                <a:rPr lang="en-US" sz="700" b="1" dirty="0"/>
+                <a:t>DBL</a:t>
+              </a:r>
+            </a:p>
+          </p:txBody>
+        </p:sp>
+        <p:cxnSp>
+          <p:nvCxnSpPr>
+            <p:cNvPr id="7" name="Straight Arrow Connector 6">
+              <a:extLst>
+                <a:ext uri="{FF2B5EF4-FFF2-40B4-BE49-F238E27FC236}">
+                  <a16:creationId xmlns:a16="http://schemas.microsoft.com/office/drawing/2014/main" id="{95F8AB5F-CE72-49EF-4DFF-4A35582B1B05}"/>
+                </a:ext>
+              </a:extLst>
+            </p:cNvPr>
+            <p:cNvCxnSpPr>
+              <a:cxnSpLocks/>
+              <a:stCxn id="6" idx="3"/>
+            </p:cNvCxnSpPr>
+            <p:nvPr/>
+          </p:nvCxnSpPr>
+          <p:spPr>
+            <a:xfrm>
+              <a:off x="1880558" y="1854784"/>
+              <a:ext cx="386392" cy="297866"/>
+            </a:xfrm>
+            <a:prstGeom prst="straightConnector1">
+              <a:avLst/>
+            </a:prstGeom>
+            <a:ln w="9525">
+              <a:solidFill>
+                <a:schemeClr val="tx1"/>
+              </a:solidFill>
+              <a:headEnd type="none" w="sm" len="sm"/>
+              <a:tailEnd type="triangle" w="sm" len="sm"/>
+            </a:ln>
+          </p:spPr>
+          <p:style>
+            <a:lnRef idx="2">
+              <a:schemeClr val="accent2"/>
+            </a:lnRef>
+            <a:fillRef idx="0">
+              <a:schemeClr val="accent2"/>
+            </a:fillRef>
+            <a:effectRef idx="1">
+              <a:schemeClr val="accent2"/>
+            </a:effectRef>
+            <a:fontRef idx="minor">
+              <a:schemeClr val="tx1"/>
+            </a:fontRef>
+          </p:style>
+        </p:cxnSp>
+        <p:cxnSp>
+          <p:nvCxnSpPr>
+            <p:cNvPr id="8" name="Straight Arrow Connector 7">
+              <a:extLst>
+                <a:ext uri="{FF2B5EF4-FFF2-40B4-BE49-F238E27FC236}">
+                  <a16:creationId xmlns:a16="http://schemas.microsoft.com/office/drawing/2014/main" id="{E41A603F-4C9B-C158-3AF6-AB0E10092E8E}"/>
+                </a:ext>
+              </a:extLst>
+            </p:cNvPr>
+            <p:cNvCxnSpPr>
+              <a:cxnSpLocks/>
+              <a:stCxn id="9" idx="1"/>
+            </p:cNvCxnSpPr>
+            <p:nvPr/>
+          </p:nvCxnSpPr>
+          <p:spPr>
+            <a:xfrm flipH="1" flipV="1">
+              <a:off x="2242382" y="2264569"/>
+              <a:ext cx="651537" cy="394671"/>
+            </a:xfrm>
+            <a:prstGeom prst="straightConnector1">
+              <a:avLst/>
+            </a:prstGeom>
+            <a:ln w="9525">
+              <a:solidFill>
+                <a:schemeClr val="tx1"/>
+              </a:solidFill>
+              <a:headEnd type="none" w="sm" len="sm"/>
+              <a:tailEnd type="triangle" w="sm" len="sm"/>
+            </a:ln>
+          </p:spPr>
+          <p:style>
+            <a:lnRef idx="2">
+              <a:schemeClr val="accent2"/>
+            </a:lnRef>
+            <a:fillRef idx="0">
+              <a:schemeClr val="accent2"/>
+            </a:fillRef>
+            <a:effectRef idx="1">
+              <a:schemeClr val="accent2"/>
+            </a:effectRef>
+            <a:fontRef idx="minor">
+              <a:schemeClr val="tx1"/>
+            </a:fontRef>
+          </p:style>
+        </p:cxnSp>
+        <p:sp>
+          <p:nvSpPr>
+            <p:cNvPr id="9" name="TextBox 8">
+              <a:extLst>
+                <a:ext uri="{FF2B5EF4-FFF2-40B4-BE49-F238E27FC236}">
+                  <a16:creationId xmlns:a16="http://schemas.microsoft.com/office/drawing/2014/main" id="{6FD126C9-3927-8782-38F5-8DC15B866664}"/>
+                </a:ext>
+              </a:extLst>
+            </p:cNvPr>
+            <p:cNvSpPr txBox="1"/>
+            <p:nvPr/>
+          </p:nvSpPr>
+          <p:spPr>
+            <a:xfrm>
+              <a:off x="2893919" y="2505351"/>
+              <a:ext cx="651537" cy="307777"/>
+            </a:xfrm>
+            <a:prstGeom prst="rect">
+              <a:avLst/>
+            </a:prstGeom>
+            <a:solidFill>
+              <a:schemeClr val="accent2">
+                <a:lumMod val="20000"/>
+                <a:lumOff val="80000"/>
+              </a:schemeClr>
+            </a:solidFill>
+          </p:spPr>
+          <p:txBody>
+            <a:bodyPr wrap="square" rtlCol="0">
+              <a:spAutoFit/>
+            </a:bodyPr>
+            <a:lstStyle/>
+            <a:p>
+              <a:r>
+                <a:rPr lang="en-US" sz="700" b="1" dirty="0"/>
+                <a:t>Face nose width</a:t>
+              </a:r>
+            </a:p>
+          </p:txBody>
+        </p:sp>
+        <p:cxnSp>
+          <p:nvCxnSpPr>
+            <p:cNvPr id="21" name="Straight Connector 20">
+              <a:extLst>
+                <a:ext uri="{FF2B5EF4-FFF2-40B4-BE49-F238E27FC236}">
+                  <a16:creationId xmlns:a16="http://schemas.microsoft.com/office/drawing/2014/main" id="{7FAD4A20-D765-5055-1C1D-A30A6077DB40}"/>
+                </a:ext>
+              </a:extLst>
+            </p:cNvPr>
+            <p:cNvCxnSpPr>
+              <a:cxnSpLocks/>
+            </p:cNvCxnSpPr>
+            <p:nvPr/>
+          </p:nvCxnSpPr>
+          <p:spPr>
+            <a:xfrm>
+              <a:off x="2190749" y="2235993"/>
+              <a:ext cx="97630" cy="0"/>
+            </a:xfrm>
+            <a:prstGeom prst="line">
+              <a:avLst/>
+            </a:prstGeom>
+            <a:ln w="9525"/>
+          </p:spPr>
+          <p:style>
+            <a:lnRef idx="2">
+              <a:schemeClr val="accent2"/>
+            </a:lnRef>
+            <a:fillRef idx="0">
+              <a:schemeClr val="accent2"/>
+            </a:fillRef>
+            <a:effectRef idx="1">
+              <a:schemeClr val="accent2"/>
+            </a:effectRef>
+            <a:fontRef idx="minor">
+              <a:schemeClr val="tx1"/>
+            </a:fontRef>
+          </p:style>
+        </p:cxnSp>
+        <p:cxnSp>
+          <p:nvCxnSpPr>
+            <p:cNvPr id="22" name="Straight Connector 21">
+              <a:extLst>
+                <a:ext uri="{FF2B5EF4-FFF2-40B4-BE49-F238E27FC236}">
+                  <a16:creationId xmlns:a16="http://schemas.microsoft.com/office/drawing/2014/main" id="{56685FC5-D158-D92E-2A9F-38682E55EB54}"/>
+                </a:ext>
+              </a:extLst>
+            </p:cNvPr>
+            <p:cNvCxnSpPr>
+              <a:cxnSpLocks/>
+            </p:cNvCxnSpPr>
+            <p:nvPr/>
+          </p:nvCxnSpPr>
+          <p:spPr>
+            <a:xfrm>
+              <a:off x="2152650" y="2176373"/>
+              <a:ext cx="173831" cy="0"/>
+            </a:xfrm>
+            <a:prstGeom prst="line">
+              <a:avLst/>
+            </a:prstGeom>
+            <a:ln w="9525"/>
+          </p:spPr>
+          <p:style>
+            <a:lnRef idx="2">
+              <a:schemeClr val="accent5"/>
+            </a:lnRef>
+            <a:fillRef idx="0">
+              <a:schemeClr val="accent5"/>
+            </a:fillRef>
+            <a:effectRef idx="1">
+              <a:schemeClr val="accent5"/>
+            </a:effectRef>
+            <a:fontRef idx="minor">
+              <a:schemeClr val="tx1"/>
+            </a:fontRef>
+          </p:style>
+        </p:cxnSp>
+      </p:grpSp>
+      <p:grpSp>
+        <p:nvGrpSpPr>
+          <p:cNvPr id="50" name="Group 49">
+            <a:extLst>
+              <a:ext uri="{FF2B5EF4-FFF2-40B4-BE49-F238E27FC236}">
+                <a16:creationId xmlns:a16="http://schemas.microsoft.com/office/drawing/2014/main" id="{74F67859-F300-11AD-A020-61669912AF87}"/>
+              </a:ext>
+            </a:extLst>
+          </p:cNvPr>
+          <p:cNvGrpSpPr/>
+          <p:nvPr/>
+        </p:nvGrpSpPr>
+        <p:grpSpPr>
+          <a:xfrm>
+            <a:off x="4708339" y="830183"/>
+            <a:ext cx="2619502" cy="2703051"/>
+            <a:chOff x="4708339" y="830183"/>
+            <a:chExt cx="2619502" cy="2703051"/>
+          </a:xfrm>
+        </p:grpSpPr>
+        <p:pic>
+          <p:nvPicPr>
+            <p:cNvPr id="38" name="Picture 37" descr="A person with glasses and beard&#10;&#10;Description automatically generated">
+              <a:extLst>
+                <a:ext uri="{FF2B5EF4-FFF2-40B4-BE49-F238E27FC236}">
+                  <a16:creationId xmlns:a16="http://schemas.microsoft.com/office/drawing/2014/main" id="{BB438E3A-B452-3C64-723D-BF99F1772255}"/>
+                </a:ext>
+              </a:extLst>
+            </p:cNvPr>
+            <p:cNvPicPr>
+              <a:picLocks noChangeAspect="1"/>
+            </p:cNvPicPr>
+            <p:nvPr/>
+          </p:nvPicPr>
+          <p:blipFill>
+            <a:blip r:embed="rId2">
+              <a:extLst>
+                <a:ext uri="{28A0092B-C50C-407E-A947-70E740481C1C}">
+                  <a14:useLocalDpi xmlns:a14="http://schemas.microsoft.com/office/drawing/2010/main" val="0"/>
+                </a:ext>
+              </a:extLst>
+            </a:blip>
+            <a:stretch>
+              <a:fillRect/>
+            </a:stretch>
+          </p:blipFill>
+          <p:spPr>
+            <a:xfrm>
+              <a:off x="5095009" y="830183"/>
+              <a:ext cx="2032910" cy="2703051"/>
+            </a:xfrm>
+            <a:prstGeom prst="rect">
+              <a:avLst/>
+            </a:prstGeom>
+          </p:spPr>
+        </p:pic>
+        <p:sp>
+          <p:nvSpPr>
+            <p:cNvPr id="12" name="TextBox 11">
+              <a:extLst>
+                <a:ext uri="{FF2B5EF4-FFF2-40B4-BE49-F238E27FC236}">
+                  <a16:creationId xmlns:a16="http://schemas.microsoft.com/office/drawing/2014/main" id="{D3DA25E0-C22C-93E4-2302-1945C0CE3C54}"/>
+                </a:ext>
+              </a:extLst>
+            </p:cNvPr>
+            <p:cNvSpPr txBox="1"/>
+            <p:nvPr/>
+          </p:nvSpPr>
+          <p:spPr>
+            <a:xfrm>
+              <a:off x="4708339" y="2552698"/>
+              <a:ext cx="753902" cy="200055"/>
+            </a:xfrm>
+            <a:prstGeom prst="rect">
+              <a:avLst/>
+            </a:prstGeom>
+            <a:solidFill>
+              <a:schemeClr val="accent2">
+                <a:lumMod val="20000"/>
+                <a:lumOff val="80000"/>
+              </a:schemeClr>
+            </a:solidFill>
+          </p:spPr>
+          <p:txBody>
+            <a:bodyPr wrap="square" rtlCol="0">
+              <a:spAutoFit/>
+            </a:bodyPr>
+            <a:lstStyle/>
+            <a:p>
+              <a:r>
+                <a:rPr lang="en-US" sz="700" b="1" dirty="0"/>
+                <a:t>Frame color</a:t>
+              </a:r>
+            </a:p>
+          </p:txBody>
+        </p:sp>
+        <p:cxnSp>
+          <p:nvCxnSpPr>
+            <p:cNvPr id="13" name="Straight Arrow Connector 12">
+              <a:extLst>
+                <a:ext uri="{FF2B5EF4-FFF2-40B4-BE49-F238E27FC236}">
+                  <a16:creationId xmlns:a16="http://schemas.microsoft.com/office/drawing/2014/main" id="{F5A49FC1-2393-77B5-4D83-CBAA30E82610}"/>
+                </a:ext>
+              </a:extLst>
+            </p:cNvPr>
+            <p:cNvCxnSpPr>
+              <a:cxnSpLocks/>
+              <a:stCxn id="12" idx="3"/>
+            </p:cNvCxnSpPr>
+            <p:nvPr/>
+          </p:nvCxnSpPr>
+          <p:spPr>
+            <a:xfrm flipV="1">
+              <a:off x="5462241" y="2447925"/>
+              <a:ext cx="147984" cy="204801"/>
+            </a:xfrm>
+            <a:prstGeom prst="straightConnector1">
+              <a:avLst/>
+            </a:prstGeom>
+            <a:ln w="9525">
+              <a:solidFill>
+                <a:schemeClr val="tx1"/>
+              </a:solidFill>
+              <a:headEnd type="none" w="sm" len="sm"/>
+              <a:tailEnd type="triangle" w="sm" len="sm"/>
+            </a:ln>
+          </p:spPr>
+          <p:style>
+            <a:lnRef idx="2">
+              <a:schemeClr val="accent2"/>
+            </a:lnRef>
+            <a:fillRef idx="0">
+              <a:schemeClr val="accent2"/>
+            </a:fillRef>
+            <a:effectRef idx="1">
+              <a:schemeClr val="accent2"/>
+            </a:effectRef>
+            <a:fontRef idx="minor">
+              <a:schemeClr val="tx1"/>
+            </a:fontRef>
+          </p:style>
+        </p:cxnSp>
+        <p:cxnSp>
+          <p:nvCxnSpPr>
+            <p:cNvPr id="14" name="Straight Arrow Connector 13">
+              <a:extLst>
+                <a:ext uri="{FF2B5EF4-FFF2-40B4-BE49-F238E27FC236}">
+                  <a16:creationId xmlns:a16="http://schemas.microsoft.com/office/drawing/2014/main" id="{669C2CA8-7B70-040A-08ED-1CD634490999}"/>
+                </a:ext>
+              </a:extLst>
+            </p:cNvPr>
+            <p:cNvCxnSpPr>
+              <a:cxnSpLocks/>
+              <a:stCxn id="15" idx="1"/>
+            </p:cNvCxnSpPr>
+            <p:nvPr/>
+          </p:nvCxnSpPr>
+          <p:spPr>
+            <a:xfrm flipH="1" flipV="1">
+              <a:off x="6064250" y="2574925"/>
+              <a:ext cx="631496" cy="184343"/>
+            </a:xfrm>
+            <a:prstGeom prst="straightConnector1">
+              <a:avLst/>
+            </a:prstGeom>
+            <a:ln w="9525">
+              <a:solidFill>
+                <a:schemeClr val="tx1"/>
+              </a:solidFill>
+              <a:headEnd type="none" w="sm" len="sm"/>
+              <a:tailEnd type="triangle" w="sm" len="sm"/>
+            </a:ln>
+          </p:spPr>
+          <p:style>
+            <a:lnRef idx="2">
+              <a:schemeClr val="accent2"/>
+            </a:lnRef>
+            <a:fillRef idx="0">
+              <a:schemeClr val="accent2"/>
+            </a:fillRef>
+            <a:effectRef idx="1">
+              <a:schemeClr val="accent2"/>
+            </a:effectRef>
+            <a:fontRef idx="minor">
+              <a:schemeClr val="tx1"/>
+            </a:fontRef>
+          </p:style>
+        </p:cxnSp>
+        <p:sp>
+          <p:nvSpPr>
+            <p:cNvPr id="15" name="TextBox 14">
+              <a:extLst>
+                <a:ext uri="{FF2B5EF4-FFF2-40B4-BE49-F238E27FC236}">
+                  <a16:creationId xmlns:a16="http://schemas.microsoft.com/office/drawing/2014/main" id="{1B67B610-D266-669F-B370-0B7A405883E0}"/>
+                </a:ext>
+              </a:extLst>
+            </p:cNvPr>
+            <p:cNvSpPr txBox="1"/>
+            <p:nvPr/>
+          </p:nvSpPr>
+          <p:spPr>
+            <a:xfrm>
+              <a:off x="6695746" y="2659240"/>
+              <a:ext cx="632095" cy="200055"/>
+            </a:xfrm>
+            <a:prstGeom prst="rect">
+              <a:avLst/>
+            </a:prstGeom>
+            <a:solidFill>
+              <a:schemeClr val="accent2">
+                <a:lumMod val="20000"/>
+                <a:lumOff val="80000"/>
+              </a:schemeClr>
+            </a:solidFill>
+          </p:spPr>
+          <p:txBody>
+            <a:bodyPr wrap="square" rtlCol="0">
+              <a:spAutoFit/>
+            </a:bodyPr>
+            <a:lstStyle/>
+            <a:p>
+              <a:r>
+                <a:rPr lang="en-US" sz="700" b="1" dirty="0"/>
+                <a:t>Skin color</a:t>
+              </a:r>
+            </a:p>
+          </p:txBody>
+        </p:sp>
+        <p:cxnSp>
+          <p:nvCxnSpPr>
+            <p:cNvPr id="32" name="Straight Arrow Connector 31">
+              <a:extLst>
+                <a:ext uri="{FF2B5EF4-FFF2-40B4-BE49-F238E27FC236}">
+                  <a16:creationId xmlns:a16="http://schemas.microsoft.com/office/drawing/2014/main" id="{0B5507C3-0987-39AC-5F38-6434EC872197}"/>
+                </a:ext>
+              </a:extLst>
+            </p:cNvPr>
+            <p:cNvCxnSpPr>
+              <a:cxnSpLocks/>
+              <a:stCxn id="15" idx="1"/>
+            </p:cNvCxnSpPr>
+            <p:nvPr/>
+          </p:nvCxnSpPr>
+          <p:spPr>
+            <a:xfrm flipH="1" flipV="1">
+              <a:off x="5795963" y="2615939"/>
+              <a:ext cx="899783" cy="143329"/>
+            </a:xfrm>
+            <a:prstGeom prst="straightConnector1">
+              <a:avLst/>
+            </a:prstGeom>
+            <a:ln w="9525">
+              <a:solidFill>
+                <a:schemeClr val="tx1"/>
+              </a:solidFill>
+              <a:headEnd type="none" w="sm" len="sm"/>
+              <a:tailEnd type="triangle" w="sm" len="sm"/>
+            </a:ln>
+          </p:spPr>
+          <p:style>
+            <a:lnRef idx="2">
+              <a:schemeClr val="accent2"/>
+            </a:lnRef>
+            <a:fillRef idx="0">
+              <a:schemeClr val="accent2"/>
+            </a:fillRef>
+            <a:effectRef idx="1">
+              <a:schemeClr val="accent2"/>
+            </a:effectRef>
+            <a:fontRef idx="minor">
+              <a:schemeClr val="tx1"/>
+            </a:fontRef>
+          </p:style>
+        </p:cxnSp>
+        <p:cxnSp>
+          <p:nvCxnSpPr>
+            <p:cNvPr id="33" name="Straight Arrow Connector 32">
+              <a:extLst>
+                <a:ext uri="{FF2B5EF4-FFF2-40B4-BE49-F238E27FC236}">
+                  <a16:creationId xmlns:a16="http://schemas.microsoft.com/office/drawing/2014/main" id="{B8E164A6-2BD2-EAAE-1AFE-363D21650196}"/>
+                </a:ext>
+              </a:extLst>
+            </p:cNvPr>
+            <p:cNvCxnSpPr>
+              <a:cxnSpLocks/>
+              <a:stCxn id="15" idx="1"/>
+            </p:cNvCxnSpPr>
+            <p:nvPr/>
+          </p:nvCxnSpPr>
+          <p:spPr>
+            <a:xfrm flipH="1" flipV="1">
+              <a:off x="6324600" y="2615939"/>
+              <a:ext cx="371146" cy="143329"/>
+            </a:xfrm>
+            <a:prstGeom prst="straightConnector1">
+              <a:avLst/>
+            </a:prstGeom>
+            <a:ln w="9525">
+              <a:solidFill>
+                <a:schemeClr val="tx1"/>
+              </a:solidFill>
+              <a:headEnd type="none" w="sm" len="sm"/>
+              <a:tailEnd type="triangle" w="sm" len="sm"/>
+            </a:ln>
+          </p:spPr>
+          <p:style>
+            <a:lnRef idx="2">
+              <a:schemeClr val="accent2"/>
+            </a:lnRef>
+            <a:fillRef idx="0">
+              <a:schemeClr val="accent2"/>
+            </a:fillRef>
+            <a:effectRef idx="1">
+              <a:schemeClr val="accent2"/>
+            </a:effectRef>
+            <a:fontRef idx="minor">
+              <a:schemeClr val="tx1"/>
+            </a:fontRef>
+          </p:style>
+        </p:cxnSp>
+        <p:cxnSp>
+          <p:nvCxnSpPr>
+            <p:cNvPr id="39" name="Straight Arrow Connector 38">
+              <a:extLst>
+                <a:ext uri="{FF2B5EF4-FFF2-40B4-BE49-F238E27FC236}">
+                  <a16:creationId xmlns:a16="http://schemas.microsoft.com/office/drawing/2014/main" id="{EE934154-E922-6069-C36F-2AB082C575BC}"/>
+                </a:ext>
+              </a:extLst>
+            </p:cNvPr>
+            <p:cNvCxnSpPr>
+              <a:cxnSpLocks/>
+            </p:cNvCxnSpPr>
+            <p:nvPr/>
+          </p:nvCxnSpPr>
+          <p:spPr>
+            <a:xfrm flipH="1" flipV="1">
+              <a:off x="6064250" y="1954811"/>
+              <a:ext cx="631496" cy="804457"/>
+            </a:xfrm>
+            <a:prstGeom prst="straightConnector1">
+              <a:avLst/>
+            </a:prstGeom>
+            <a:ln w="9525">
+              <a:solidFill>
+                <a:schemeClr val="tx1"/>
+              </a:solidFill>
+              <a:headEnd type="none" w="sm" len="sm"/>
+              <a:tailEnd type="triangle" w="sm" len="sm"/>
+            </a:ln>
+          </p:spPr>
+          <p:style>
+            <a:lnRef idx="2">
+              <a:schemeClr val="accent2"/>
+            </a:lnRef>
+            <a:fillRef idx="0">
+              <a:schemeClr val="accent2"/>
+            </a:fillRef>
+            <a:effectRef idx="1">
+              <a:schemeClr val="accent2"/>
+            </a:effectRef>
+            <a:fontRef idx="minor">
+              <a:schemeClr val="tx1"/>
+            </a:fontRef>
+          </p:style>
+        </p:cxnSp>
+      </p:grpSp>
+      <p:grpSp>
+        <p:nvGrpSpPr>
+          <p:cNvPr id="94" name="Group 93">
+            <a:extLst>
+              <a:ext uri="{FF2B5EF4-FFF2-40B4-BE49-F238E27FC236}">
+                <a16:creationId xmlns:a16="http://schemas.microsoft.com/office/drawing/2014/main" id="{EF152B59-810E-653C-823B-17402087286B}"/>
+              </a:ext>
+            </a:extLst>
+          </p:cNvPr>
+          <p:cNvGrpSpPr/>
+          <p:nvPr/>
+        </p:nvGrpSpPr>
+        <p:grpSpPr>
+          <a:xfrm>
+            <a:off x="7773807" y="1333967"/>
+            <a:ext cx="3983608" cy="5182293"/>
+            <a:chOff x="7773807" y="1333967"/>
+            <a:chExt cx="3983608" cy="5182293"/>
+          </a:xfrm>
+        </p:grpSpPr>
+        <p:pic>
+          <p:nvPicPr>
+            <p:cNvPr id="82" name="Picture 81" descr="A person with glasses and beard&#10;&#10;Description automatically generated">
+              <a:extLst>
+                <a:ext uri="{FF2B5EF4-FFF2-40B4-BE49-F238E27FC236}">
+                  <a16:creationId xmlns:a16="http://schemas.microsoft.com/office/drawing/2014/main" id="{8EE10B5A-965D-869B-804E-6613BDBA9206}"/>
+                </a:ext>
+              </a:extLst>
+            </p:cNvPr>
+            <p:cNvPicPr>
+              <a:picLocks noChangeAspect="1"/>
+            </p:cNvPicPr>
+            <p:nvPr/>
+          </p:nvPicPr>
+          <p:blipFill>
+            <a:blip r:embed="rId2">
+              <a:extLst>
+                <a:ext uri="{28A0092B-C50C-407E-A947-70E740481C1C}">
+                  <a14:useLocalDpi xmlns:a14="http://schemas.microsoft.com/office/drawing/2010/main" val="0"/>
+                </a:ext>
+              </a:extLst>
+            </a:blip>
+            <a:stretch>
+              <a:fillRect/>
+            </a:stretch>
+          </p:blipFill>
+          <p:spPr>
+            <a:xfrm>
+              <a:off x="7859917" y="1333967"/>
+              <a:ext cx="3897498" cy="5182293"/>
+            </a:xfrm>
+            <a:prstGeom prst="rect">
+              <a:avLst/>
+            </a:prstGeom>
+          </p:spPr>
+        </p:pic>
+        <p:sp>
+          <p:nvSpPr>
+            <p:cNvPr id="16" name="TextBox 15">
+              <a:extLst>
+                <a:ext uri="{FF2B5EF4-FFF2-40B4-BE49-F238E27FC236}">
+                  <a16:creationId xmlns:a16="http://schemas.microsoft.com/office/drawing/2014/main" id="{C2DA0491-BBA8-AC09-789C-D334713E0958}"/>
+                </a:ext>
+              </a:extLst>
+            </p:cNvPr>
+            <p:cNvSpPr txBox="1"/>
+            <p:nvPr/>
+          </p:nvSpPr>
+          <p:spPr>
+            <a:xfrm>
+              <a:off x="7803411" y="3785446"/>
+              <a:ext cx="793102" cy="200055"/>
+            </a:xfrm>
+            <a:prstGeom prst="rect">
+              <a:avLst/>
+            </a:prstGeom>
+            <a:solidFill>
+              <a:srgbClr val="00B050"/>
+            </a:solidFill>
+          </p:spPr>
+          <p:txBody>
+            <a:bodyPr wrap="square" rtlCol="0">
+              <a:spAutoFit/>
+            </a:bodyPr>
+            <a:lstStyle/>
+            <a:p>
+              <a:r>
+                <a:rPr lang="en-US" sz="700" b="1" dirty="0"/>
+                <a:t>Frame width</a:t>
+              </a:r>
+            </a:p>
+          </p:txBody>
+        </p:sp>
+        <p:sp>
+          <p:nvSpPr>
+            <p:cNvPr id="17" name="TextBox 16">
+              <a:extLst>
+                <a:ext uri="{FF2B5EF4-FFF2-40B4-BE49-F238E27FC236}">
+                  <a16:creationId xmlns:a16="http://schemas.microsoft.com/office/drawing/2014/main" id="{15DD20E7-7EBD-D4DD-72C2-5A9DDE2B0E42}"/>
+                </a:ext>
+              </a:extLst>
+            </p:cNvPr>
+            <p:cNvSpPr txBox="1"/>
+            <p:nvPr/>
+          </p:nvSpPr>
+          <p:spPr>
+            <a:xfrm>
+              <a:off x="7773807" y="4003870"/>
+              <a:ext cx="793102" cy="200055"/>
+            </a:xfrm>
+            <a:prstGeom prst="rect">
+              <a:avLst/>
+            </a:prstGeom>
+            <a:solidFill>
+              <a:srgbClr val="FFC000"/>
+            </a:solidFill>
+          </p:spPr>
+          <p:txBody>
+            <a:bodyPr wrap="square" rtlCol="0">
+              <a:spAutoFit/>
+            </a:bodyPr>
+            <a:lstStyle/>
+            <a:p>
+              <a:r>
+                <a:rPr lang="en-US" sz="700" b="1" dirty="0"/>
+                <a:t>Face width</a:t>
+              </a:r>
+            </a:p>
+          </p:txBody>
+        </p:sp>
+        <p:cxnSp>
+          <p:nvCxnSpPr>
+            <p:cNvPr id="18" name="Straight Arrow Connector 17">
+              <a:extLst>
+                <a:ext uri="{FF2B5EF4-FFF2-40B4-BE49-F238E27FC236}">
+                  <a16:creationId xmlns:a16="http://schemas.microsoft.com/office/drawing/2014/main" id="{4B0E1755-520A-61EA-F6ED-E7BA8738C116}"/>
+                </a:ext>
+              </a:extLst>
+            </p:cNvPr>
+            <p:cNvCxnSpPr>
+              <a:cxnSpLocks/>
+              <a:stCxn id="17" idx="3"/>
+            </p:cNvCxnSpPr>
+            <p:nvPr/>
+          </p:nvCxnSpPr>
+          <p:spPr>
+            <a:xfrm>
+              <a:off x="8566909" y="4103898"/>
+              <a:ext cx="183359" cy="8884"/>
+            </a:xfrm>
+            <a:prstGeom prst="straightConnector1">
+              <a:avLst/>
+            </a:prstGeom>
+            <a:ln w="15875">
+              <a:solidFill>
+                <a:schemeClr val="tx1"/>
+              </a:solidFill>
+              <a:headEnd type="none" w="sm" len="sm"/>
+              <a:tailEnd type="triangle" w="sm" len="sm"/>
+            </a:ln>
+          </p:spPr>
+          <p:style>
+            <a:lnRef idx="2">
+              <a:schemeClr val="accent2"/>
+            </a:lnRef>
+            <a:fillRef idx="0">
+              <a:schemeClr val="accent2"/>
+            </a:fillRef>
+            <a:effectRef idx="1">
+              <a:schemeClr val="accent2"/>
+            </a:effectRef>
+            <a:fontRef idx="minor">
+              <a:schemeClr val="tx1"/>
+            </a:fontRef>
+          </p:style>
+        </p:cxnSp>
+        <p:cxnSp>
+          <p:nvCxnSpPr>
+            <p:cNvPr id="19" name="Straight Arrow Connector 18">
+              <a:extLst>
+                <a:ext uri="{FF2B5EF4-FFF2-40B4-BE49-F238E27FC236}">
+                  <a16:creationId xmlns:a16="http://schemas.microsoft.com/office/drawing/2014/main" id="{4992A73C-0B29-9FCB-CF1D-80E105D43077}"/>
+                </a:ext>
+              </a:extLst>
+            </p:cNvPr>
+            <p:cNvCxnSpPr>
+              <a:cxnSpLocks/>
+              <a:stCxn id="16" idx="3"/>
+            </p:cNvCxnSpPr>
+            <p:nvPr/>
+          </p:nvCxnSpPr>
+          <p:spPr>
+            <a:xfrm>
+              <a:off x="8596513" y="3885474"/>
+              <a:ext cx="271262" cy="73676"/>
+            </a:xfrm>
+            <a:prstGeom prst="straightConnector1">
+              <a:avLst/>
+            </a:prstGeom>
+            <a:ln w="15875">
+              <a:solidFill>
+                <a:schemeClr val="tx1"/>
+              </a:solidFill>
+              <a:headEnd type="none" w="sm" len="sm"/>
+              <a:tailEnd type="triangle" w="sm" len="sm"/>
+            </a:ln>
+          </p:spPr>
+          <p:style>
+            <a:lnRef idx="2">
+              <a:schemeClr val="accent2"/>
+            </a:lnRef>
+            <a:fillRef idx="0">
+              <a:schemeClr val="accent2"/>
+            </a:fillRef>
+            <a:effectRef idx="1">
+              <a:schemeClr val="accent2"/>
+            </a:effectRef>
+            <a:fontRef idx="minor">
+              <a:schemeClr val="tx1"/>
+            </a:fontRef>
+          </p:style>
+        </p:cxnSp>
+        <p:sp>
+          <p:nvSpPr>
+            <p:cNvPr id="20" name="TextBox 19">
+              <a:extLst>
+                <a:ext uri="{FF2B5EF4-FFF2-40B4-BE49-F238E27FC236}">
+                  <a16:creationId xmlns:a16="http://schemas.microsoft.com/office/drawing/2014/main" id="{8E3BCCCB-59F7-A374-664D-C92A2661912E}"/>
+                </a:ext>
+              </a:extLst>
+            </p:cNvPr>
+            <p:cNvSpPr txBox="1"/>
+            <p:nvPr/>
+          </p:nvSpPr>
+          <p:spPr>
+            <a:xfrm>
+              <a:off x="7964860" y="4569025"/>
+              <a:ext cx="744170" cy="307777"/>
+            </a:xfrm>
+            <a:prstGeom prst="rect">
+              <a:avLst/>
+            </a:prstGeom>
+            <a:solidFill>
+              <a:srgbClr val="00FFFF"/>
+            </a:solidFill>
+          </p:spPr>
+          <p:txBody>
+            <a:bodyPr wrap="square" rtlCol="0">
+              <a:spAutoFit/>
+            </a:bodyPr>
+            <a:lstStyle/>
+            <a:p>
+              <a:r>
+                <a:rPr lang="en-US" sz="700" b="1" dirty="0"/>
+                <a:t>Right lower cheek line</a:t>
+              </a:r>
+            </a:p>
+          </p:txBody>
+        </p:sp>
+        <p:cxnSp>
+          <p:nvCxnSpPr>
+            <p:cNvPr id="23" name="Straight Arrow Connector 22">
+              <a:extLst>
+                <a:ext uri="{FF2B5EF4-FFF2-40B4-BE49-F238E27FC236}">
+                  <a16:creationId xmlns:a16="http://schemas.microsoft.com/office/drawing/2014/main" id="{15142837-10BD-C854-9998-5A032518FC43}"/>
+                </a:ext>
+              </a:extLst>
+            </p:cNvPr>
+            <p:cNvCxnSpPr>
+              <a:cxnSpLocks/>
+              <a:stCxn id="20" idx="3"/>
+            </p:cNvCxnSpPr>
+            <p:nvPr/>
+          </p:nvCxnSpPr>
+          <p:spPr>
+            <a:xfrm flipV="1">
+              <a:off x="8709030" y="4514596"/>
+              <a:ext cx="375071" cy="208318"/>
+            </a:xfrm>
+            <a:prstGeom prst="straightConnector1">
+              <a:avLst/>
+            </a:prstGeom>
+            <a:ln w="15875">
+              <a:solidFill>
+                <a:schemeClr val="tx1"/>
+              </a:solidFill>
+              <a:headEnd type="none" w="sm" len="sm"/>
+              <a:tailEnd type="triangle" w="sm" len="sm"/>
+            </a:ln>
+          </p:spPr>
+          <p:style>
+            <a:lnRef idx="2">
+              <a:schemeClr val="accent2"/>
+            </a:lnRef>
+            <a:fillRef idx="0">
+              <a:schemeClr val="accent2"/>
+            </a:fillRef>
+            <a:effectRef idx="1">
+              <a:schemeClr val="accent2"/>
+            </a:effectRef>
+            <a:fontRef idx="minor">
+              <a:schemeClr val="tx1"/>
+            </a:fontRef>
+          </p:style>
+        </p:cxnSp>
+        <p:cxnSp>
+          <p:nvCxnSpPr>
+            <p:cNvPr id="24" name="Straight Arrow Connector 23">
+              <a:extLst>
+                <a:ext uri="{FF2B5EF4-FFF2-40B4-BE49-F238E27FC236}">
+                  <a16:creationId xmlns:a16="http://schemas.microsoft.com/office/drawing/2014/main" id="{FF1A10DD-FB18-1414-723D-D3C1D3738631}"/>
+                </a:ext>
+              </a:extLst>
+            </p:cNvPr>
+            <p:cNvCxnSpPr>
+              <a:cxnSpLocks/>
+              <a:stCxn id="25" idx="1"/>
+            </p:cNvCxnSpPr>
+            <p:nvPr/>
+          </p:nvCxnSpPr>
+          <p:spPr>
+            <a:xfrm flipH="1" flipV="1">
+              <a:off x="10377495" y="4538134"/>
+              <a:ext cx="348218" cy="169197"/>
+            </a:xfrm>
+            <a:prstGeom prst="straightConnector1">
+              <a:avLst/>
+            </a:prstGeom>
+            <a:ln w="15875">
+              <a:solidFill>
+                <a:schemeClr val="tx1"/>
+              </a:solidFill>
+              <a:headEnd type="none" w="sm" len="sm"/>
+              <a:tailEnd type="triangle" w="sm" len="sm"/>
+            </a:ln>
+          </p:spPr>
+          <p:style>
+            <a:lnRef idx="2">
+              <a:schemeClr val="accent2"/>
+            </a:lnRef>
+            <a:fillRef idx="0">
+              <a:schemeClr val="accent2"/>
+            </a:fillRef>
+            <a:effectRef idx="1">
+              <a:schemeClr val="accent2"/>
+            </a:effectRef>
+            <a:fontRef idx="minor">
+              <a:schemeClr val="tx1"/>
+            </a:fontRef>
+          </p:style>
+        </p:cxnSp>
+        <p:sp>
+          <p:nvSpPr>
+            <p:cNvPr id="25" name="TextBox 24">
+              <a:extLst>
+                <a:ext uri="{FF2B5EF4-FFF2-40B4-BE49-F238E27FC236}">
+                  <a16:creationId xmlns:a16="http://schemas.microsoft.com/office/drawing/2014/main" id="{3FC4E5D3-DFD1-0584-FAE7-16F4368E10D6}"/>
+                </a:ext>
+              </a:extLst>
+            </p:cNvPr>
+            <p:cNvSpPr txBox="1"/>
+            <p:nvPr/>
+          </p:nvSpPr>
+          <p:spPr>
+            <a:xfrm>
+              <a:off x="10725713" y="4553442"/>
+              <a:ext cx="744170" cy="307777"/>
+            </a:xfrm>
+            <a:prstGeom prst="rect">
+              <a:avLst/>
+            </a:prstGeom>
+            <a:solidFill>
+              <a:srgbClr val="00FFFF"/>
+            </a:solidFill>
+          </p:spPr>
+          <p:txBody>
+            <a:bodyPr wrap="square" rtlCol="0">
+              <a:spAutoFit/>
+            </a:bodyPr>
+            <a:lstStyle/>
+            <a:p>
+              <a:r>
+                <a:rPr lang="en-US" sz="700" b="1" dirty="0"/>
+                <a:t>Left lower cheek line</a:t>
+              </a:r>
+            </a:p>
+          </p:txBody>
+        </p:sp>
+        <p:cxnSp>
+          <p:nvCxnSpPr>
+            <p:cNvPr id="26" name="Straight Arrow Connector 25">
+              <a:extLst>
+                <a:ext uri="{FF2B5EF4-FFF2-40B4-BE49-F238E27FC236}">
+                  <a16:creationId xmlns:a16="http://schemas.microsoft.com/office/drawing/2014/main" id="{061EB768-D4C6-39C4-43C5-B49717CFAA1F}"/>
+                </a:ext>
+              </a:extLst>
+            </p:cNvPr>
+            <p:cNvCxnSpPr>
+              <a:cxnSpLocks/>
+              <a:stCxn id="27" idx="1"/>
+            </p:cNvCxnSpPr>
+            <p:nvPr/>
+          </p:nvCxnSpPr>
+          <p:spPr>
+            <a:xfrm flipH="1" flipV="1">
+              <a:off x="10655048" y="5060315"/>
+              <a:ext cx="348218" cy="115336"/>
+            </a:xfrm>
+            <a:prstGeom prst="straightConnector1">
+              <a:avLst/>
+            </a:prstGeom>
+            <a:ln w="15875">
+              <a:solidFill>
+                <a:schemeClr val="tx1"/>
+              </a:solidFill>
+              <a:headEnd type="none" w="sm" len="sm"/>
+              <a:tailEnd type="triangle" w="sm" len="sm"/>
+            </a:ln>
+          </p:spPr>
+          <p:style>
+            <a:lnRef idx="2">
+              <a:schemeClr val="accent2"/>
+            </a:lnRef>
+            <a:fillRef idx="0">
+              <a:schemeClr val="accent2"/>
+            </a:fillRef>
+            <a:effectRef idx="1">
+              <a:schemeClr val="accent2"/>
+            </a:effectRef>
+            <a:fontRef idx="minor">
+              <a:schemeClr val="tx1"/>
+            </a:fontRef>
+          </p:style>
+        </p:cxnSp>
+        <p:sp>
+          <p:nvSpPr>
+            <p:cNvPr id="27" name="TextBox 26">
+              <a:extLst>
+                <a:ext uri="{FF2B5EF4-FFF2-40B4-BE49-F238E27FC236}">
+                  <a16:creationId xmlns:a16="http://schemas.microsoft.com/office/drawing/2014/main" id="{D55A89DA-C1BC-1F61-BDA4-784B873A4127}"/>
+                </a:ext>
+              </a:extLst>
+            </p:cNvPr>
+            <p:cNvSpPr txBox="1"/>
+            <p:nvPr/>
+          </p:nvSpPr>
+          <p:spPr>
+            <a:xfrm>
+              <a:off x="11003266" y="5075623"/>
+              <a:ext cx="597160" cy="200055"/>
+            </a:xfrm>
+            <a:prstGeom prst="rect">
+              <a:avLst/>
+            </a:prstGeom>
+            <a:solidFill>
+              <a:srgbClr val="FF00FF"/>
+            </a:solidFill>
+          </p:spPr>
+          <p:txBody>
+            <a:bodyPr wrap="square" rtlCol="0">
+              <a:spAutoFit/>
+            </a:bodyPr>
+            <a:lstStyle/>
+            <a:p>
+              <a:r>
+                <a:rPr lang="en-US" sz="700" b="1" dirty="0"/>
+                <a:t>Jaw line</a:t>
+              </a:r>
+            </a:p>
+          </p:txBody>
+        </p:sp>
+        <p:sp>
+          <p:nvSpPr>
+            <p:cNvPr id="28" name="TextBox 27">
+              <a:extLst>
+                <a:ext uri="{FF2B5EF4-FFF2-40B4-BE49-F238E27FC236}">
+                  <a16:creationId xmlns:a16="http://schemas.microsoft.com/office/drawing/2014/main" id="{E9C75E1E-62F6-AC40-5694-D4093204041E}"/>
+                </a:ext>
+              </a:extLst>
+            </p:cNvPr>
+            <p:cNvSpPr txBox="1"/>
+            <p:nvPr/>
+          </p:nvSpPr>
+          <p:spPr>
+            <a:xfrm>
+              <a:off x="7971485" y="3462771"/>
+              <a:ext cx="793103" cy="200055"/>
+            </a:xfrm>
+            <a:prstGeom prst="rect">
+              <a:avLst/>
+            </a:prstGeom>
+            <a:solidFill>
+              <a:srgbClr val="FF0066"/>
+            </a:solidFill>
+          </p:spPr>
+          <p:txBody>
+            <a:bodyPr wrap="square" rtlCol="0">
+              <a:spAutoFit/>
+            </a:bodyPr>
+            <a:lstStyle/>
+            <a:p>
+              <a:r>
+                <a:rPr lang="en-US" sz="700" b="1" dirty="0"/>
+                <a:t>Right eyebrow</a:t>
+              </a:r>
+            </a:p>
+          </p:txBody>
+        </p:sp>
+        <p:cxnSp>
+          <p:nvCxnSpPr>
+            <p:cNvPr id="29" name="Straight Arrow Connector 28">
+              <a:extLst>
+                <a:ext uri="{FF2B5EF4-FFF2-40B4-BE49-F238E27FC236}">
+                  <a16:creationId xmlns:a16="http://schemas.microsoft.com/office/drawing/2014/main" id="{98BFD2B6-DC5A-0159-89BD-7EBF5C627188}"/>
+                </a:ext>
+              </a:extLst>
+            </p:cNvPr>
+            <p:cNvCxnSpPr>
+              <a:cxnSpLocks/>
+              <a:stCxn id="28" idx="3"/>
+            </p:cNvCxnSpPr>
+            <p:nvPr/>
+          </p:nvCxnSpPr>
+          <p:spPr>
+            <a:xfrm>
+              <a:off x="8764588" y="3562799"/>
+              <a:ext cx="376621" cy="207400"/>
+            </a:xfrm>
+            <a:prstGeom prst="straightConnector1">
+              <a:avLst/>
+            </a:prstGeom>
+            <a:ln w="15875">
+              <a:solidFill>
+                <a:schemeClr val="tx1"/>
+              </a:solidFill>
+              <a:headEnd type="none" w="sm" len="sm"/>
+              <a:tailEnd type="triangle" w="sm" len="sm"/>
+            </a:ln>
+          </p:spPr>
+          <p:style>
+            <a:lnRef idx="2">
+              <a:schemeClr val="accent2"/>
+            </a:lnRef>
+            <a:fillRef idx="0">
+              <a:schemeClr val="accent2"/>
+            </a:fillRef>
+            <a:effectRef idx="1">
+              <a:schemeClr val="accent2"/>
+            </a:effectRef>
+            <a:fontRef idx="minor">
+              <a:schemeClr val="tx1"/>
+            </a:fontRef>
+          </p:style>
+        </p:cxnSp>
+        <p:cxnSp>
+          <p:nvCxnSpPr>
+            <p:cNvPr id="30" name="Straight Arrow Connector 29">
+              <a:extLst>
+                <a:ext uri="{FF2B5EF4-FFF2-40B4-BE49-F238E27FC236}">
+                  <a16:creationId xmlns:a16="http://schemas.microsoft.com/office/drawing/2014/main" id="{E0F02E92-3BE7-43A9-9F78-1AE5EEA44240}"/>
+                </a:ext>
+              </a:extLst>
+            </p:cNvPr>
+            <p:cNvCxnSpPr>
+              <a:cxnSpLocks/>
+              <a:stCxn id="31" idx="1"/>
+            </p:cNvCxnSpPr>
+            <p:nvPr/>
+          </p:nvCxnSpPr>
+          <p:spPr>
+            <a:xfrm flipH="1">
+              <a:off x="10492652" y="3499828"/>
+              <a:ext cx="256327" cy="289378"/>
+            </a:xfrm>
+            <a:prstGeom prst="straightConnector1">
+              <a:avLst/>
+            </a:prstGeom>
+            <a:ln w="15875">
+              <a:solidFill>
+                <a:schemeClr val="tx1"/>
+              </a:solidFill>
+              <a:headEnd type="none" w="sm" len="sm"/>
+              <a:tailEnd type="triangle" w="sm" len="sm"/>
+            </a:ln>
+          </p:spPr>
+          <p:style>
+            <a:lnRef idx="2">
+              <a:schemeClr val="accent2"/>
+            </a:lnRef>
+            <a:fillRef idx="0">
+              <a:schemeClr val="accent2"/>
+            </a:fillRef>
+            <a:effectRef idx="1">
+              <a:schemeClr val="accent2"/>
+            </a:effectRef>
+            <a:fontRef idx="minor">
+              <a:schemeClr val="tx1"/>
+            </a:fontRef>
+          </p:style>
+        </p:cxnSp>
+        <p:sp>
+          <p:nvSpPr>
+            <p:cNvPr id="31" name="TextBox 30">
+              <a:extLst>
+                <a:ext uri="{FF2B5EF4-FFF2-40B4-BE49-F238E27FC236}">
+                  <a16:creationId xmlns:a16="http://schemas.microsoft.com/office/drawing/2014/main" id="{35C3E8F6-3C79-D30F-8AD0-FE9D55D3D195}"/>
+                </a:ext>
+              </a:extLst>
+            </p:cNvPr>
+            <p:cNvSpPr txBox="1"/>
+            <p:nvPr/>
+          </p:nvSpPr>
+          <p:spPr>
+            <a:xfrm>
+              <a:off x="10748979" y="3399800"/>
+              <a:ext cx="720904" cy="200055"/>
+            </a:xfrm>
+            <a:prstGeom prst="rect">
+              <a:avLst/>
+            </a:prstGeom>
+            <a:solidFill>
+              <a:srgbClr val="FF0066"/>
+            </a:solidFill>
+          </p:spPr>
+          <p:txBody>
+            <a:bodyPr wrap="square" rtlCol="0">
+              <a:spAutoFit/>
+            </a:bodyPr>
+            <a:lstStyle/>
+            <a:p>
+              <a:r>
+                <a:rPr lang="en-US" sz="700" b="1" dirty="0"/>
+                <a:t>Left eyebrow</a:t>
+              </a:r>
+            </a:p>
+          </p:txBody>
+        </p:sp>
+        <p:sp>
+          <p:nvSpPr>
+            <p:cNvPr id="35" name="TextBox 34">
+              <a:extLst>
+                <a:ext uri="{FF2B5EF4-FFF2-40B4-BE49-F238E27FC236}">
+                  <a16:creationId xmlns:a16="http://schemas.microsoft.com/office/drawing/2014/main" id="{F0621C6D-CDFF-128A-8C8E-43A424513F1D}"/>
+                </a:ext>
+              </a:extLst>
+            </p:cNvPr>
+            <p:cNvSpPr txBox="1"/>
+            <p:nvPr/>
+          </p:nvSpPr>
+          <p:spPr>
+            <a:xfrm>
+              <a:off x="8342694" y="3027731"/>
+              <a:ext cx="652992" cy="200055"/>
+            </a:xfrm>
+            <a:prstGeom prst="rect">
+              <a:avLst/>
+            </a:prstGeom>
+            <a:solidFill>
+              <a:srgbClr val="FFC000"/>
+            </a:solidFill>
+          </p:spPr>
+          <p:txBody>
+            <a:bodyPr wrap="square" rtlCol="0">
+              <a:spAutoFit/>
+            </a:bodyPr>
+            <a:lstStyle/>
+            <a:p>
+              <a:r>
+                <a:rPr lang="en-US" sz="700" b="1" dirty="0"/>
+                <a:t>Face height</a:t>
+              </a:r>
+            </a:p>
+          </p:txBody>
+        </p:sp>
+        <p:cxnSp>
+          <p:nvCxnSpPr>
+            <p:cNvPr id="36" name="Straight Arrow Connector 35">
+              <a:extLst>
+                <a:ext uri="{FF2B5EF4-FFF2-40B4-BE49-F238E27FC236}">
+                  <a16:creationId xmlns:a16="http://schemas.microsoft.com/office/drawing/2014/main" id="{CDB9997F-02A1-573D-3C55-EE2521A9F015}"/>
+                </a:ext>
+              </a:extLst>
+            </p:cNvPr>
+            <p:cNvCxnSpPr>
+              <a:cxnSpLocks/>
+              <a:stCxn id="35" idx="3"/>
+            </p:cNvCxnSpPr>
+            <p:nvPr/>
+          </p:nvCxnSpPr>
+          <p:spPr>
+            <a:xfrm>
+              <a:off x="8995686" y="3127759"/>
+              <a:ext cx="719763" cy="358488"/>
+            </a:xfrm>
+            <a:prstGeom prst="straightConnector1">
+              <a:avLst/>
+            </a:prstGeom>
+            <a:ln w="15875">
+              <a:solidFill>
+                <a:schemeClr val="tx1"/>
+              </a:solidFill>
+              <a:headEnd type="none" w="sm" len="sm"/>
+              <a:tailEnd type="triangle" w="sm" len="sm"/>
+            </a:ln>
+          </p:spPr>
+          <p:style>
+            <a:lnRef idx="2">
+              <a:schemeClr val="accent2"/>
+            </a:lnRef>
+            <a:fillRef idx="0">
+              <a:schemeClr val="accent2"/>
+            </a:fillRef>
+            <a:effectRef idx="1">
+              <a:schemeClr val="accent2"/>
+            </a:effectRef>
+            <a:fontRef idx="minor">
+              <a:schemeClr val="tx1"/>
+            </a:fontRef>
+          </p:style>
+        </p:cxnSp>
+        <p:grpSp>
+          <p:nvGrpSpPr>
+            <p:cNvPr id="41" name="Group 40">
+              <a:extLst>
+                <a:ext uri="{FF2B5EF4-FFF2-40B4-BE49-F238E27FC236}">
+                  <a16:creationId xmlns:a16="http://schemas.microsoft.com/office/drawing/2014/main" id="{4A979366-65CB-494A-99CE-805B6BAA86DC}"/>
+                </a:ext>
+              </a:extLst>
+            </p:cNvPr>
+            <p:cNvGrpSpPr/>
+            <p:nvPr/>
+          </p:nvGrpSpPr>
+          <p:grpSpPr>
+            <a:xfrm>
+              <a:off x="8682622" y="3289301"/>
+              <a:ext cx="2109199" cy="2549525"/>
+              <a:chOff x="9301015" y="994086"/>
+              <a:chExt cx="1030543" cy="1161821"/>
+            </a:xfrm>
+          </p:grpSpPr>
+          <p:sp>
+            <p:nvSpPr>
+              <p:cNvPr id="3" name="Rectangle 2">
+                <a:extLst>
+                  <a:ext uri="{FF2B5EF4-FFF2-40B4-BE49-F238E27FC236}">
+                    <a16:creationId xmlns:a16="http://schemas.microsoft.com/office/drawing/2014/main" id="{C4E1A009-E543-5B64-49CF-C65CBAD2E381}"/>
+                  </a:ext>
+                </a:extLst>
+              </p:cNvPr>
+              <p:cNvSpPr/>
+              <p:nvPr/>
+            </p:nvSpPr>
+            <p:spPr>
+              <a:xfrm>
+                <a:off x="9722906" y="1419410"/>
+                <a:ext cx="52388" cy="51363"/>
+              </a:xfrm>
+              <a:prstGeom prst="rect">
+                <a:avLst/>
+              </a:prstGeom>
+              <a:noFill/>
+              <a:ln w="19050"/>
+              <a:scene3d>
+                <a:camera prst="orthographicFront">
+                  <a:rot lat="0" lon="0" rev="21300000"/>
+                </a:camera>
+                <a:lightRig rig="threePt" dir="t"/>
+              </a:scene3d>
+            </p:spPr>
+            <p:style>
+              <a:lnRef idx="2">
+                <a:schemeClr val="accent1">
+                  <a:shade val="15000"/>
+                </a:schemeClr>
+              </a:lnRef>
+              <a:fillRef idx="1">
+                <a:schemeClr val="accent1"/>
+              </a:fillRef>
+              <a:effectRef idx="0">
+                <a:schemeClr val="accent1"/>
+              </a:effectRef>
+              <a:fontRef idx="minor">
+                <a:schemeClr val="lt1"/>
+              </a:fontRef>
+            </p:style>
+            <p:txBody>
+              <a:bodyPr rtlCol="0" anchor="ctr"/>
+              <a:lstStyle/>
+              <a:p>
+                <a:pPr algn="ctr"/>
+                <a:endParaRPr lang="en-US"/>
+              </a:p>
+            </p:txBody>
+          </p:sp>
+          <p:cxnSp>
+            <p:nvCxnSpPr>
+              <p:cNvPr id="4" name="Straight Arrow Connector 3">
+                <a:extLst>
+                  <a:ext uri="{FF2B5EF4-FFF2-40B4-BE49-F238E27FC236}">
+                    <a16:creationId xmlns:a16="http://schemas.microsoft.com/office/drawing/2014/main" id="{DAD450ED-7A41-41BE-B929-3F35D93FA3CE}"/>
+                  </a:ext>
+                </a:extLst>
+              </p:cNvPr>
+              <p:cNvCxnSpPr>
+                <a:cxnSpLocks/>
+              </p:cNvCxnSpPr>
+              <p:nvPr/>
+            </p:nvCxnSpPr>
+            <p:spPr>
+              <a:xfrm flipV="1">
+                <a:off x="9323692" y="1340871"/>
+                <a:ext cx="989310" cy="8442"/>
+              </a:xfrm>
+              <a:prstGeom prst="straightConnector1">
+                <a:avLst/>
+              </a:prstGeom>
+              <a:ln w="19050">
+                <a:solidFill>
+                  <a:srgbClr val="FFC000"/>
+                </a:solidFill>
+                <a:headEnd type="triangle" w="sm" len="sm"/>
+                <a:tailEnd type="triangle" w="sm" len="sm"/>
+              </a:ln>
+            </p:spPr>
+            <p:style>
+              <a:lnRef idx="2">
+                <a:schemeClr val="accent2"/>
+              </a:lnRef>
+              <a:fillRef idx="0">
+                <a:schemeClr val="accent2"/>
+              </a:fillRef>
+              <a:effectRef idx="1">
+                <a:schemeClr val="accent2"/>
+              </a:effectRef>
+              <a:fontRef idx="minor">
+                <a:schemeClr val="tx1"/>
+              </a:fontRef>
+            </p:style>
+          </p:cxnSp>
+          <p:cxnSp>
+            <p:nvCxnSpPr>
+              <p:cNvPr id="10" name="Straight Arrow Connector 9">
+                <a:extLst>
+                  <a:ext uri="{FF2B5EF4-FFF2-40B4-BE49-F238E27FC236}">
+                    <a16:creationId xmlns:a16="http://schemas.microsoft.com/office/drawing/2014/main" id="{7506384F-073C-FF4C-2B3F-623806D9A600}"/>
+                  </a:ext>
+                </a:extLst>
+              </p:cNvPr>
+              <p:cNvCxnSpPr>
+                <a:cxnSpLocks/>
+              </p:cNvCxnSpPr>
+              <p:nvPr/>
+            </p:nvCxnSpPr>
+            <p:spPr>
+              <a:xfrm flipV="1">
+                <a:off x="9301015" y="1301755"/>
+                <a:ext cx="1030543" cy="8847"/>
+              </a:xfrm>
+              <a:prstGeom prst="straightConnector1">
+                <a:avLst/>
+              </a:prstGeom>
+              <a:ln w="19050">
+                <a:solidFill>
+                  <a:srgbClr val="00B050"/>
+                </a:solidFill>
+                <a:headEnd type="triangle" w="sm" len="sm"/>
+                <a:tailEnd type="triangle" w="sm" len="sm"/>
+              </a:ln>
+            </p:spPr>
+            <p:style>
+              <a:lnRef idx="2">
+                <a:schemeClr val="accent2"/>
+              </a:lnRef>
+              <a:fillRef idx="0">
+                <a:schemeClr val="accent2"/>
+              </a:fillRef>
+              <a:effectRef idx="1">
+                <a:schemeClr val="accent2"/>
+              </a:effectRef>
+              <a:fontRef idx="minor">
+                <a:schemeClr val="tx1"/>
+              </a:fontRef>
+            </p:style>
+          </p:cxnSp>
+          <p:cxnSp>
+            <p:nvCxnSpPr>
+              <p:cNvPr id="34" name="Straight Arrow Connector 33">
+                <a:extLst>
+                  <a:ext uri="{FF2B5EF4-FFF2-40B4-BE49-F238E27FC236}">
+                    <a16:creationId xmlns:a16="http://schemas.microsoft.com/office/drawing/2014/main" id="{48CDE8D9-0139-E967-4D9F-D01410A02C84}"/>
+                  </a:ext>
+                </a:extLst>
+              </p:cNvPr>
+              <p:cNvCxnSpPr>
+                <a:cxnSpLocks/>
+              </p:cNvCxnSpPr>
+              <p:nvPr/>
+            </p:nvCxnSpPr>
+            <p:spPr>
+              <a:xfrm flipV="1">
+                <a:off x="9805647" y="994086"/>
+                <a:ext cx="11570" cy="1161821"/>
+              </a:xfrm>
+              <a:prstGeom prst="straightConnector1">
+                <a:avLst/>
+              </a:prstGeom>
+              <a:ln w="19050">
+                <a:solidFill>
+                  <a:srgbClr val="FFC000"/>
+                </a:solidFill>
+                <a:headEnd type="triangle" w="sm" len="sm"/>
+                <a:tailEnd type="triangle" w="sm" len="sm"/>
+              </a:ln>
+            </p:spPr>
+            <p:style>
+              <a:lnRef idx="2">
+                <a:schemeClr val="accent2"/>
+              </a:lnRef>
+              <a:fillRef idx="0">
+                <a:schemeClr val="accent2"/>
+              </a:fillRef>
+              <a:effectRef idx="1">
+                <a:schemeClr val="accent2"/>
+              </a:effectRef>
+              <a:fontRef idx="minor">
+                <a:schemeClr val="tx1"/>
+              </a:fontRef>
+            </p:style>
+          </p:cxnSp>
+        </p:grpSp>
+      </p:grpSp>
+      <p:grpSp>
+        <p:nvGrpSpPr>
+          <p:cNvPr id="81" name="Group 80">
+            <a:extLst>
+              <a:ext uri="{FF2B5EF4-FFF2-40B4-BE49-F238E27FC236}">
+                <a16:creationId xmlns:a16="http://schemas.microsoft.com/office/drawing/2014/main" id="{56ED398D-C64C-31FD-E664-D4B94BD57875}"/>
+              </a:ext>
+            </a:extLst>
+          </p:cNvPr>
+          <p:cNvGrpSpPr/>
+          <p:nvPr/>
+        </p:nvGrpSpPr>
+        <p:grpSpPr>
+          <a:xfrm>
+            <a:off x="2809260" y="3813209"/>
+            <a:ext cx="2453303" cy="2703051"/>
+            <a:chOff x="2809260" y="3813209"/>
+            <a:chExt cx="2453303" cy="2703051"/>
+          </a:xfrm>
+        </p:grpSpPr>
+        <p:pic>
+          <p:nvPicPr>
+            <p:cNvPr id="52" name="Picture 51" descr="A person with glasses and beard&#10;&#10;Description automatically generated">
+              <a:extLst>
+                <a:ext uri="{FF2B5EF4-FFF2-40B4-BE49-F238E27FC236}">
+                  <a16:creationId xmlns:a16="http://schemas.microsoft.com/office/drawing/2014/main" id="{DF0199D8-9D1F-DC05-2284-F5EBE488A3DC}"/>
+                </a:ext>
+              </a:extLst>
+            </p:cNvPr>
+            <p:cNvPicPr>
+              <a:picLocks noChangeAspect="1"/>
+            </p:cNvPicPr>
+            <p:nvPr/>
+          </p:nvPicPr>
+          <p:blipFill>
+            <a:blip r:embed="rId2">
+              <a:extLst>
+                <a:ext uri="{28A0092B-C50C-407E-A947-70E740481C1C}">
+                  <a14:useLocalDpi xmlns:a14="http://schemas.microsoft.com/office/drawing/2010/main" val="0"/>
+                </a:ext>
+              </a:extLst>
+            </a:blip>
+            <a:stretch>
+              <a:fillRect/>
+            </a:stretch>
+          </p:blipFill>
+          <p:spPr>
+            <a:xfrm>
+              <a:off x="3050351" y="3813209"/>
+              <a:ext cx="2032910" cy="2703051"/>
+            </a:xfrm>
+            <a:prstGeom prst="rect">
+              <a:avLst/>
+            </a:prstGeom>
+          </p:spPr>
+        </p:pic>
+        <p:sp>
+          <p:nvSpPr>
+            <p:cNvPr id="53" name="TextBox 52">
+              <a:extLst>
+                <a:ext uri="{FF2B5EF4-FFF2-40B4-BE49-F238E27FC236}">
+                  <a16:creationId xmlns:a16="http://schemas.microsoft.com/office/drawing/2014/main" id="{E8F69D14-CF76-15DC-B507-A3A24DC046A1}"/>
+                </a:ext>
+              </a:extLst>
+            </p:cNvPr>
+            <p:cNvSpPr txBox="1"/>
+            <p:nvPr/>
+          </p:nvSpPr>
+          <p:spPr>
+            <a:xfrm>
+              <a:off x="2809260" y="4694335"/>
+              <a:ext cx="580822" cy="307777"/>
+            </a:xfrm>
+            <a:prstGeom prst="rect">
+              <a:avLst/>
+            </a:prstGeom>
+            <a:solidFill>
+              <a:schemeClr val="accent2">
+                <a:lumMod val="20000"/>
+                <a:lumOff val="80000"/>
+              </a:schemeClr>
+            </a:solidFill>
+          </p:spPr>
+          <p:txBody>
+            <a:bodyPr wrap="square" rtlCol="0">
+              <a:spAutoFit/>
+            </a:bodyPr>
+            <a:lstStyle/>
+            <a:p>
+              <a:r>
+                <a:rPr lang="en-US" sz="700" b="1" dirty="0"/>
+                <a:t>Frame contours</a:t>
+              </a:r>
+            </a:p>
+          </p:txBody>
+        </p:sp>
+        <p:cxnSp>
+          <p:nvCxnSpPr>
+            <p:cNvPr id="54" name="Straight Arrow Connector 53">
+              <a:extLst>
+                <a:ext uri="{FF2B5EF4-FFF2-40B4-BE49-F238E27FC236}">
+                  <a16:creationId xmlns:a16="http://schemas.microsoft.com/office/drawing/2014/main" id="{BB38074E-DA0F-DD40-5230-6E1CD7A639FE}"/>
+                </a:ext>
+              </a:extLst>
+            </p:cNvPr>
+            <p:cNvCxnSpPr>
+              <a:cxnSpLocks/>
+              <a:stCxn id="53" idx="3"/>
+            </p:cNvCxnSpPr>
+            <p:nvPr/>
+          </p:nvCxnSpPr>
+          <p:spPr>
+            <a:xfrm>
+              <a:off x="3390082" y="4848224"/>
+              <a:ext cx="195437" cy="276639"/>
+            </a:xfrm>
+            <a:prstGeom prst="straightConnector1">
+              <a:avLst/>
+            </a:prstGeom>
+            <a:ln w="9525">
+              <a:solidFill>
+                <a:schemeClr val="tx1"/>
+              </a:solidFill>
+              <a:headEnd type="none" w="sm" len="sm"/>
+              <a:tailEnd type="triangle" w="sm" len="sm"/>
+            </a:ln>
+          </p:spPr>
+          <p:style>
+            <a:lnRef idx="2">
+              <a:schemeClr val="accent2"/>
+            </a:lnRef>
+            <a:fillRef idx="0">
+              <a:schemeClr val="accent2"/>
+            </a:fillRef>
+            <a:effectRef idx="1">
+              <a:schemeClr val="accent2"/>
+            </a:effectRef>
+            <a:fontRef idx="minor">
+              <a:schemeClr val="tx1"/>
+            </a:fontRef>
+          </p:style>
+        </p:cxnSp>
+        <p:cxnSp>
+          <p:nvCxnSpPr>
+            <p:cNvPr id="56" name="Straight Arrow Connector 55">
+              <a:extLst>
+                <a:ext uri="{FF2B5EF4-FFF2-40B4-BE49-F238E27FC236}">
+                  <a16:creationId xmlns:a16="http://schemas.microsoft.com/office/drawing/2014/main" id="{298B2643-4F10-6003-4FFB-C4DD09D5DAE3}"/>
+                </a:ext>
+              </a:extLst>
+            </p:cNvPr>
+            <p:cNvCxnSpPr>
+              <a:cxnSpLocks/>
+              <a:stCxn id="57" idx="1"/>
+            </p:cNvCxnSpPr>
+            <p:nvPr/>
+          </p:nvCxnSpPr>
+          <p:spPr>
+            <a:xfrm flipH="1" flipV="1">
+              <a:off x="4562475" y="5469191"/>
+              <a:ext cx="180589" cy="153889"/>
+            </a:xfrm>
+            <a:prstGeom prst="straightConnector1">
+              <a:avLst/>
+            </a:prstGeom>
+            <a:ln w="9525">
+              <a:solidFill>
+                <a:schemeClr val="tx1"/>
+              </a:solidFill>
+              <a:headEnd type="none" w="sm" len="sm"/>
+              <a:tailEnd type="triangle" w="sm" len="sm"/>
+            </a:ln>
+          </p:spPr>
+          <p:style>
+            <a:lnRef idx="2">
+              <a:schemeClr val="accent2"/>
+            </a:lnRef>
+            <a:fillRef idx="0">
+              <a:schemeClr val="accent2"/>
+            </a:fillRef>
+            <a:effectRef idx="1">
+              <a:schemeClr val="accent2"/>
+            </a:effectRef>
+            <a:fontRef idx="minor">
+              <a:schemeClr val="tx1"/>
+            </a:fontRef>
+          </p:style>
+        </p:cxnSp>
+        <p:sp>
+          <p:nvSpPr>
+            <p:cNvPr id="57" name="TextBox 56">
+              <a:extLst>
+                <a:ext uri="{FF2B5EF4-FFF2-40B4-BE49-F238E27FC236}">
+                  <a16:creationId xmlns:a16="http://schemas.microsoft.com/office/drawing/2014/main" id="{63207E77-0B80-DBEC-7C22-2FF052646AF1}"/>
+                </a:ext>
+              </a:extLst>
+            </p:cNvPr>
+            <p:cNvSpPr txBox="1"/>
+            <p:nvPr/>
+          </p:nvSpPr>
+          <p:spPr>
+            <a:xfrm>
+              <a:off x="4743064" y="5469191"/>
+              <a:ext cx="519499" cy="307777"/>
+            </a:xfrm>
+            <a:prstGeom prst="rect">
+              <a:avLst/>
+            </a:prstGeom>
+            <a:solidFill>
+              <a:schemeClr val="accent2">
+                <a:lumMod val="20000"/>
+                <a:lumOff val="80000"/>
+              </a:schemeClr>
+            </a:solidFill>
+          </p:spPr>
+          <p:txBody>
+            <a:bodyPr wrap="square" rtlCol="0">
+              <a:spAutoFit/>
+            </a:bodyPr>
+            <a:lstStyle/>
+            <a:p>
+              <a:r>
+                <a:rPr lang="en-US" sz="700" b="1" dirty="0"/>
+                <a:t>Face contour</a:t>
+              </a:r>
+            </a:p>
+          </p:txBody>
+        </p:sp>
+        <p:cxnSp>
+          <p:nvCxnSpPr>
+            <p:cNvPr id="58" name="Straight Connector 57">
+              <a:extLst>
+                <a:ext uri="{FF2B5EF4-FFF2-40B4-BE49-F238E27FC236}">
+                  <a16:creationId xmlns:a16="http://schemas.microsoft.com/office/drawing/2014/main" id="{A8FFB38A-8DC5-F7CD-35D3-029F1D462822}"/>
+                </a:ext>
+              </a:extLst>
+            </p:cNvPr>
+            <p:cNvCxnSpPr>
+              <a:cxnSpLocks/>
+            </p:cNvCxnSpPr>
+            <p:nvPr/>
+          </p:nvCxnSpPr>
+          <p:spPr>
+            <a:xfrm>
+              <a:off x="3981929" y="5240585"/>
+              <a:ext cx="97630" cy="0"/>
+            </a:xfrm>
+            <a:prstGeom prst="line">
+              <a:avLst/>
+            </a:prstGeom>
+            <a:ln w="9525"/>
+          </p:spPr>
+          <p:style>
+            <a:lnRef idx="2">
+              <a:schemeClr val="accent2"/>
+            </a:lnRef>
+            <a:fillRef idx="0">
+              <a:schemeClr val="accent2"/>
+            </a:fillRef>
+            <a:effectRef idx="1">
+              <a:schemeClr val="accent2"/>
+            </a:effectRef>
+            <a:fontRef idx="minor">
+              <a:schemeClr val="tx1"/>
+            </a:fontRef>
+          </p:style>
+        </p:cxnSp>
+        <p:cxnSp>
+          <p:nvCxnSpPr>
+            <p:cNvPr id="59" name="Straight Connector 58">
+              <a:extLst>
+                <a:ext uri="{FF2B5EF4-FFF2-40B4-BE49-F238E27FC236}">
+                  <a16:creationId xmlns:a16="http://schemas.microsoft.com/office/drawing/2014/main" id="{402168B8-A6ED-5AF5-B237-8A01608AE291}"/>
+                </a:ext>
+              </a:extLst>
+            </p:cNvPr>
+            <p:cNvCxnSpPr>
+              <a:cxnSpLocks/>
+            </p:cNvCxnSpPr>
+            <p:nvPr/>
+          </p:nvCxnSpPr>
+          <p:spPr>
+            <a:xfrm>
+              <a:off x="3943830" y="5180965"/>
+              <a:ext cx="173831" cy="0"/>
+            </a:xfrm>
+            <a:prstGeom prst="line">
+              <a:avLst/>
+            </a:prstGeom>
+            <a:ln w="9525"/>
+          </p:spPr>
+          <p:style>
+            <a:lnRef idx="2">
+              <a:schemeClr val="accent5"/>
+            </a:lnRef>
+            <a:fillRef idx="0">
+              <a:schemeClr val="accent5"/>
+            </a:fillRef>
+            <a:effectRef idx="1">
+              <a:schemeClr val="accent5"/>
+            </a:effectRef>
+            <a:fontRef idx="minor">
+              <a:schemeClr val="tx1"/>
+            </a:fontRef>
+          </p:style>
+        </p:cxnSp>
+        <p:cxnSp>
+          <p:nvCxnSpPr>
+            <p:cNvPr id="63" name="Straight Arrow Connector 62">
+              <a:extLst>
+                <a:ext uri="{FF2B5EF4-FFF2-40B4-BE49-F238E27FC236}">
+                  <a16:creationId xmlns:a16="http://schemas.microsoft.com/office/drawing/2014/main" id="{336BC981-7D63-3D2F-C613-01ABACF265CB}"/>
+                </a:ext>
+              </a:extLst>
+            </p:cNvPr>
+            <p:cNvCxnSpPr>
+              <a:cxnSpLocks/>
+              <a:stCxn id="53" idx="3"/>
+            </p:cNvCxnSpPr>
+            <p:nvPr/>
+          </p:nvCxnSpPr>
+          <p:spPr>
+            <a:xfrm>
+              <a:off x="3390082" y="4848224"/>
+              <a:ext cx="741162" cy="316510"/>
+            </a:xfrm>
+            <a:prstGeom prst="straightConnector1">
+              <a:avLst/>
+            </a:prstGeom>
+            <a:ln w="9525">
+              <a:solidFill>
+                <a:schemeClr val="tx1"/>
+              </a:solidFill>
+              <a:headEnd type="none" w="sm" len="sm"/>
+              <a:tailEnd type="triangle" w="sm" len="sm"/>
+            </a:ln>
+          </p:spPr>
+          <p:style>
+            <a:lnRef idx="2">
+              <a:schemeClr val="accent2"/>
+            </a:lnRef>
+            <a:fillRef idx="0">
+              <a:schemeClr val="accent2"/>
+            </a:fillRef>
+            <a:effectRef idx="1">
+              <a:schemeClr val="accent2"/>
+            </a:effectRef>
+            <a:fontRef idx="minor">
+              <a:schemeClr val="tx1"/>
+            </a:fontRef>
+          </p:style>
+        </p:cxnSp>
+        <p:sp>
+          <p:nvSpPr>
+            <p:cNvPr id="73" name="Freeform: Shape 72">
+              <a:extLst>
+                <a:ext uri="{FF2B5EF4-FFF2-40B4-BE49-F238E27FC236}">
+                  <a16:creationId xmlns:a16="http://schemas.microsoft.com/office/drawing/2014/main" id="{B35D87EA-96B9-7ACB-7E41-4A492DF8798A}"/>
+                </a:ext>
+              </a:extLst>
+            </p:cNvPr>
+            <p:cNvSpPr/>
+            <p:nvPr/>
+          </p:nvSpPr>
+          <p:spPr>
+            <a:xfrm>
+              <a:off x="3488932" y="4824716"/>
+              <a:ext cx="1073543" cy="414034"/>
+            </a:xfrm>
+            <a:custGeom>
+              <a:avLst/>
+              <a:gdLst>
+                <a:gd name="connsiteX0" fmla="*/ 11506 w 1073543"/>
+                <a:gd name="connsiteY0" fmla="*/ 399747 h 414034"/>
+                <a:gd name="connsiteX1" fmla="*/ 40081 w 1073543"/>
+                <a:gd name="connsiteY1" fmla="*/ 99709 h 414034"/>
+                <a:gd name="connsiteX2" fmla="*/ 340118 w 1073543"/>
+                <a:gd name="connsiteY2" fmla="*/ 9222 h 414034"/>
+                <a:gd name="connsiteX3" fmla="*/ 563956 w 1073543"/>
+                <a:gd name="connsiteY3" fmla="*/ 4459 h 414034"/>
+                <a:gd name="connsiteX4" fmla="*/ 830656 w 1073543"/>
+                <a:gd name="connsiteY4" fmla="*/ 9222 h 414034"/>
+                <a:gd name="connsiteX5" fmla="*/ 1030681 w 1073543"/>
+                <a:gd name="connsiteY5" fmla="*/ 109234 h 414034"/>
+                <a:gd name="connsiteX6" fmla="*/ 1064018 w 1073543"/>
+                <a:gd name="connsiteY6" fmla="*/ 266397 h 414034"/>
+                <a:gd name="connsiteX7" fmla="*/ 1073543 w 1073543"/>
+                <a:gd name="connsiteY7" fmla="*/ 414034 h 414034"/>
+              </a:gdLst>
+              <a:ahLst/>
+              <a:cxnLst>
+                <a:cxn ang="0">
+                  <a:pos x="connsiteX0" y="connsiteY0"/>
+                </a:cxn>
+                <a:cxn ang="0">
+                  <a:pos x="connsiteX1" y="connsiteY1"/>
+                </a:cxn>
+                <a:cxn ang="0">
+                  <a:pos x="connsiteX2" y="connsiteY2"/>
+                </a:cxn>
+                <a:cxn ang="0">
+                  <a:pos x="connsiteX3" y="connsiteY3"/>
+                </a:cxn>
+                <a:cxn ang="0">
+                  <a:pos x="connsiteX4" y="connsiteY4"/>
+                </a:cxn>
+                <a:cxn ang="0">
+                  <a:pos x="connsiteX5" y="connsiteY5"/>
+                </a:cxn>
+                <a:cxn ang="0">
+                  <a:pos x="connsiteX6" y="connsiteY6"/>
+                </a:cxn>
+                <a:cxn ang="0">
+                  <a:pos x="connsiteX7" y="connsiteY7"/>
+                </a:cxn>
+              </a:cxnLst>
+              <a:rect l="l" t="t" r="r" b="b"/>
+              <a:pathLst>
+                <a:path w="1073543" h="414034">
+                  <a:moveTo>
+                    <a:pt x="11506" y="399747"/>
+                  </a:moveTo>
+                  <a:cubicBezTo>
+                    <a:pt x="-1591" y="282271"/>
+                    <a:pt x="-14688" y="164796"/>
+                    <a:pt x="40081" y="99709"/>
+                  </a:cubicBezTo>
+                  <a:cubicBezTo>
+                    <a:pt x="94850" y="34622"/>
+                    <a:pt x="252806" y="25097"/>
+                    <a:pt x="340118" y="9222"/>
+                  </a:cubicBezTo>
+                  <a:cubicBezTo>
+                    <a:pt x="427430" y="-6653"/>
+                    <a:pt x="482200" y="4459"/>
+                    <a:pt x="563956" y="4459"/>
+                  </a:cubicBezTo>
+                  <a:cubicBezTo>
+                    <a:pt x="645712" y="4459"/>
+                    <a:pt x="752869" y="-8240"/>
+                    <a:pt x="830656" y="9222"/>
+                  </a:cubicBezTo>
+                  <a:cubicBezTo>
+                    <a:pt x="908443" y="26684"/>
+                    <a:pt x="991788" y="66372"/>
+                    <a:pt x="1030681" y="109234"/>
+                  </a:cubicBezTo>
+                  <a:cubicBezTo>
+                    <a:pt x="1069574" y="152096"/>
+                    <a:pt x="1056874" y="215597"/>
+                    <a:pt x="1064018" y="266397"/>
+                  </a:cubicBezTo>
+                  <a:cubicBezTo>
+                    <a:pt x="1071162" y="317197"/>
+                    <a:pt x="1072352" y="365615"/>
+                    <a:pt x="1073543" y="414034"/>
+                  </a:cubicBezTo>
+                </a:path>
+              </a:pathLst>
+            </a:custGeom>
+            <a:noFill/>
+            <a:ln w="9525">
+              <a:solidFill>
+                <a:srgbClr val="FF00FF"/>
+              </a:solidFill>
+            </a:ln>
+          </p:spPr>
+          <p:style>
+            <a:lnRef idx="2">
+              <a:schemeClr val="accent1">
+                <a:shade val="15000"/>
+              </a:schemeClr>
+            </a:lnRef>
+            <a:fillRef idx="1">
+              <a:schemeClr val="accent1"/>
+            </a:fillRef>
+            <a:effectRef idx="0">
+              <a:schemeClr val="accent1"/>
+            </a:effectRef>
+            <a:fontRef idx="minor">
+              <a:schemeClr val="lt1"/>
+            </a:fontRef>
+          </p:style>
+          <p:txBody>
+            <a:bodyPr rtlCol="1" anchor="ctr"/>
+            <a:lstStyle/>
+            <a:p>
+              <a:pPr algn="ctr"/>
+              <a:endParaRPr lang="he-IL"/>
+            </a:p>
+          </p:txBody>
+        </p:sp>
+      </p:grpSp>
+    </p:spTree>
+    <p:extLst>
+      <p:ext uri="{BB962C8B-B14F-4D97-AF65-F5344CB8AC3E}">
+        <p14:creationId xmlns:p14="http://schemas.microsoft.com/office/powerpoint/2010/main" val="113948419"/>
+      </p:ext>
+    </p:extLst>
+  </p:cSld>
+  <p:clrMapOvr>
+    <a:masterClrMapping/>
+  </p:clrMapOvr>
+</p:sld>
+</file>
+
 <file path=ppt/theme/theme1.xml><?xml version="1.0" encoding="utf-8"?>
 <a:theme xmlns:a="http://schemas.openxmlformats.org/drawingml/2006/main" name="Office Theme">
   <a:themeElements>
